--- a/Document/시스템/채집 시스템.pptx
+++ b/Document/시스템/채집 시스템.pptx
@@ -116,7 +116,7 @@
   </p:defaultTextStyle>
   <p:extLst>
     <p:ext uri="{EFAFB233-063F-42B5-8137-9DF3F51BA10A}">
-      <p15:sldGuideLst xmlns:p15="http://schemas.microsoft.com/office/powerpoint/2012/main"/>
+      <p15:sldGuideLst xmlns:p15="http://schemas.microsoft.com/office/powerpoint/2012/main" xmlns=""/>
     </p:ext>
   </p:extLst>
 </p:presentation>
@@ -204,7 +204,7 @@
           <a:p>
             <a:fld id="{1BE7B796-A74A-480E-B7C3-F20E279F0A7C}" type="datetimeFigureOut">
               <a:rPr lang="ko-KR" altLang="en-US" smtClean="0"/>
-              <a:t>2022-04-05(Tue)</a:t>
+              <a:t>2022-04-06</a:t>
             </a:fld>
             <a:endParaRPr lang="ko-KR" altLang="en-US"/>
           </a:p>
@@ -1081,7 +1081,7 @@
           <p:cNvPr id="2" name="제목 1">
             <a:extLst>
               <a:ext uri="{FF2B5EF4-FFF2-40B4-BE49-F238E27FC236}">
-                <a16:creationId xmlns:a16="http://schemas.microsoft.com/office/drawing/2014/main" id="{24E4B86C-DD47-4A5D-A4BA-71D21446CFB1}"/>
+                <a16:creationId xmlns:a16="http://schemas.microsoft.com/office/drawing/2014/main" xmlns="" id="{24E4B86C-DD47-4A5D-A4BA-71D21446CFB1}"/>
               </a:ext>
             </a:extLst>
           </p:cNvPr>
@@ -1118,7 +1118,7 @@
           <p:cNvPr id="3" name="부제목 2">
             <a:extLst>
               <a:ext uri="{FF2B5EF4-FFF2-40B4-BE49-F238E27FC236}">
-                <a16:creationId xmlns:a16="http://schemas.microsoft.com/office/drawing/2014/main" id="{FE111551-C39D-45DD-8D40-446C0D81E6F4}"/>
+                <a16:creationId xmlns:a16="http://schemas.microsoft.com/office/drawing/2014/main" xmlns="" id="{FE111551-C39D-45DD-8D40-446C0D81E6F4}"/>
               </a:ext>
             </a:extLst>
           </p:cNvPr>
@@ -1188,7 +1188,7 @@
           <p:cNvPr id="4" name="날짜 개체 틀 3">
             <a:extLst>
               <a:ext uri="{FF2B5EF4-FFF2-40B4-BE49-F238E27FC236}">
-                <a16:creationId xmlns:a16="http://schemas.microsoft.com/office/drawing/2014/main" id="{1F5488D7-3629-4310-8EA6-A4143C97A8C9}"/>
+                <a16:creationId xmlns:a16="http://schemas.microsoft.com/office/drawing/2014/main" xmlns="" id="{1F5488D7-3629-4310-8EA6-A4143C97A8C9}"/>
               </a:ext>
             </a:extLst>
           </p:cNvPr>
@@ -1206,7 +1206,7 @@
           <a:p>
             <a:fld id="{4E8DDE92-A542-49E3-8BCA-C8166235BA4E}" type="datetimeFigureOut">
               <a:rPr lang="ko-KR" altLang="en-US" smtClean="0"/>
-              <a:t>2022-04-05(Tue)</a:t>
+              <a:t>2022-04-06</a:t>
             </a:fld>
             <a:endParaRPr lang="ko-KR" altLang="en-US"/>
           </a:p>
@@ -1217,7 +1217,7 @@
           <p:cNvPr id="5" name="바닥글 개체 틀 4">
             <a:extLst>
               <a:ext uri="{FF2B5EF4-FFF2-40B4-BE49-F238E27FC236}">
-                <a16:creationId xmlns:a16="http://schemas.microsoft.com/office/drawing/2014/main" id="{1C970C0B-90D4-433B-BB3D-0822983DAD5A}"/>
+                <a16:creationId xmlns:a16="http://schemas.microsoft.com/office/drawing/2014/main" xmlns="" id="{1C970C0B-90D4-433B-BB3D-0822983DAD5A}"/>
               </a:ext>
             </a:extLst>
           </p:cNvPr>
@@ -1242,7 +1242,7 @@
           <p:cNvPr id="6" name="슬라이드 번호 개체 틀 5">
             <a:extLst>
               <a:ext uri="{FF2B5EF4-FFF2-40B4-BE49-F238E27FC236}">
-                <a16:creationId xmlns:a16="http://schemas.microsoft.com/office/drawing/2014/main" id="{BCAE5A57-DAB4-413C-96F9-BCC1DB64F787}"/>
+                <a16:creationId xmlns:a16="http://schemas.microsoft.com/office/drawing/2014/main" xmlns="" id="{BCAE5A57-DAB4-413C-96F9-BCC1DB64F787}"/>
               </a:ext>
             </a:extLst>
           </p:cNvPr>
@@ -1301,7 +1301,7 @@
           <p:cNvPr id="2" name="제목 1">
             <a:extLst>
               <a:ext uri="{FF2B5EF4-FFF2-40B4-BE49-F238E27FC236}">
-                <a16:creationId xmlns:a16="http://schemas.microsoft.com/office/drawing/2014/main" id="{8EFECE26-EF48-4652-A42B-7082F6B19633}"/>
+                <a16:creationId xmlns:a16="http://schemas.microsoft.com/office/drawing/2014/main" xmlns="" id="{8EFECE26-EF48-4652-A42B-7082F6B19633}"/>
               </a:ext>
             </a:extLst>
           </p:cNvPr>
@@ -1329,7 +1329,7 @@
           <p:cNvPr id="3" name="세로 텍스트 개체 틀 2">
             <a:extLst>
               <a:ext uri="{FF2B5EF4-FFF2-40B4-BE49-F238E27FC236}">
-                <a16:creationId xmlns:a16="http://schemas.microsoft.com/office/drawing/2014/main" id="{2DF31795-6D2B-4D66-A110-E658EE5D60C3}"/>
+                <a16:creationId xmlns:a16="http://schemas.microsoft.com/office/drawing/2014/main" xmlns="" id="{2DF31795-6D2B-4D66-A110-E658EE5D60C3}"/>
               </a:ext>
             </a:extLst>
           </p:cNvPr>
@@ -1386,7 +1386,7 @@
           <p:cNvPr id="4" name="날짜 개체 틀 3">
             <a:extLst>
               <a:ext uri="{FF2B5EF4-FFF2-40B4-BE49-F238E27FC236}">
-                <a16:creationId xmlns:a16="http://schemas.microsoft.com/office/drawing/2014/main" id="{081A1D80-18E2-43BC-A177-FEA294B394D0}"/>
+                <a16:creationId xmlns:a16="http://schemas.microsoft.com/office/drawing/2014/main" xmlns="" id="{081A1D80-18E2-43BC-A177-FEA294B394D0}"/>
               </a:ext>
             </a:extLst>
           </p:cNvPr>
@@ -1404,7 +1404,7 @@
           <a:p>
             <a:fld id="{4E8DDE92-A542-49E3-8BCA-C8166235BA4E}" type="datetimeFigureOut">
               <a:rPr lang="ko-KR" altLang="en-US" smtClean="0"/>
-              <a:t>2022-04-05(Tue)</a:t>
+              <a:t>2022-04-06</a:t>
             </a:fld>
             <a:endParaRPr lang="ko-KR" altLang="en-US"/>
           </a:p>
@@ -1415,7 +1415,7 @@
           <p:cNvPr id="5" name="바닥글 개체 틀 4">
             <a:extLst>
               <a:ext uri="{FF2B5EF4-FFF2-40B4-BE49-F238E27FC236}">
-                <a16:creationId xmlns:a16="http://schemas.microsoft.com/office/drawing/2014/main" id="{2D38B8A8-FC0E-444B-8BDC-FFCD054815F7}"/>
+                <a16:creationId xmlns:a16="http://schemas.microsoft.com/office/drawing/2014/main" xmlns="" id="{2D38B8A8-FC0E-444B-8BDC-FFCD054815F7}"/>
               </a:ext>
             </a:extLst>
           </p:cNvPr>
@@ -1440,7 +1440,7 @@
           <p:cNvPr id="6" name="슬라이드 번호 개체 틀 5">
             <a:extLst>
               <a:ext uri="{FF2B5EF4-FFF2-40B4-BE49-F238E27FC236}">
-                <a16:creationId xmlns:a16="http://schemas.microsoft.com/office/drawing/2014/main" id="{925DBB50-DB54-4010-A3C5-CD4F37676729}"/>
+                <a16:creationId xmlns:a16="http://schemas.microsoft.com/office/drawing/2014/main" xmlns="" id="{925DBB50-DB54-4010-A3C5-CD4F37676729}"/>
               </a:ext>
             </a:extLst>
           </p:cNvPr>
@@ -1499,7 +1499,7 @@
           <p:cNvPr id="2" name="세로 제목 1">
             <a:extLst>
               <a:ext uri="{FF2B5EF4-FFF2-40B4-BE49-F238E27FC236}">
-                <a16:creationId xmlns:a16="http://schemas.microsoft.com/office/drawing/2014/main" id="{EF5F5D51-4A76-4FB9-AA3F-DF62FFFD00BA}"/>
+                <a16:creationId xmlns:a16="http://schemas.microsoft.com/office/drawing/2014/main" xmlns="" id="{EF5F5D51-4A76-4FB9-AA3F-DF62FFFD00BA}"/>
               </a:ext>
             </a:extLst>
           </p:cNvPr>
@@ -1532,7 +1532,7 @@
           <p:cNvPr id="3" name="세로 텍스트 개체 틀 2">
             <a:extLst>
               <a:ext uri="{FF2B5EF4-FFF2-40B4-BE49-F238E27FC236}">
-                <a16:creationId xmlns:a16="http://schemas.microsoft.com/office/drawing/2014/main" id="{B0FB37E4-15FF-4715-8D8D-1E046C206D24}"/>
+                <a16:creationId xmlns:a16="http://schemas.microsoft.com/office/drawing/2014/main" xmlns="" id="{B0FB37E4-15FF-4715-8D8D-1E046C206D24}"/>
               </a:ext>
             </a:extLst>
           </p:cNvPr>
@@ -1594,7 +1594,7 @@
           <p:cNvPr id="4" name="날짜 개체 틀 3">
             <a:extLst>
               <a:ext uri="{FF2B5EF4-FFF2-40B4-BE49-F238E27FC236}">
-                <a16:creationId xmlns:a16="http://schemas.microsoft.com/office/drawing/2014/main" id="{5A37B13C-A874-49FB-BF72-98E5AD75BC66}"/>
+                <a16:creationId xmlns:a16="http://schemas.microsoft.com/office/drawing/2014/main" xmlns="" id="{5A37B13C-A874-49FB-BF72-98E5AD75BC66}"/>
               </a:ext>
             </a:extLst>
           </p:cNvPr>
@@ -1612,7 +1612,7 @@
           <a:p>
             <a:fld id="{4E8DDE92-A542-49E3-8BCA-C8166235BA4E}" type="datetimeFigureOut">
               <a:rPr lang="ko-KR" altLang="en-US" smtClean="0"/>
-              <a:t>2022-04-05(Tue)</a:t>
+              <a:t>2022-04-06</a:t>
             </a:fld>
             <a:endParaRPr lang="ko-KR" altLang="en-US"/>
           </a:p>
@@ -1623,7 +1623,7 @@
           <p:cNvPr id="5" name="바닥글 개체 틀 4">
             <a:extLst>
               <a:ext uri="{FF2B5EF4-FFF2-40B4-BE49-F238E27FC236}">
-                <a16:creationId xmlns:a16="http://schemas.microsoft.com/office/drawing/2014/main" id="{E4937E0E-76EF-4EAF-AB98-FD559BCA0EDB}"/>
+                <a16:creationId xmlns:a16="http://schemas.microsoft.com/office/drawing/2014/main" xmlns="" id="{E4937E0E-76EF-4EAF-AB98-FD559BCA0EDB}"/>
               </a:ext>
             </a:extLst>
           </p:cNvPr>
@@ -1648,7 +1648,7 @@
           <p:cNvPr id="6" name="슬라이드 번호 개체 틀 5">
             <a:extLst>
               <a:ext uri="{FF2B5EF4-FFF2-40B4-BE49-F238E27FC236}">
-                <a16:creationId xmlns:a16="http://schemas.microsoft.com/office/drawing/2014/main" id="{4D6C7BC8-C358-4B0E-BF5A-7C22E8861633}"/>
+                <a16:creationId xmlns:a16="http://schemas.microsoft.com/office/drawing/2014/main" xmlns="" id="{4D6C7BC8-C358-4B0E-BF5A-7C22E8861633}"/>
               </a:ext>
             </a:extLst>
           </p:cNvPr>
@@ -1707,7 +1707,7 @@
           <p:cNvPr id="7" name="직사각형 6">
             <a:extLst>
               <a:ext uri="{FF2B5EF4-FFF2-40B4-BE49-F238E27FC236}">
-                <a16:creationId xmlns:a16="http://schemas.microsoft.com/office/drawing/2014/main" id="{19E40AB3-0700-4AD2-87FA-3F2118D7930E}"/>
+                <a16:creationId xmlns:a16="http://schemas.microsoft.com/office/drawing/2014/main" xmlns="" id="{19E40AB3-0700-4AD2-87FA-3F2118D7930E}"/>
               </a:ext>
             </a:extLst>
           </p:cNvPr>
@@ -1759,7 +1759,7 @@
           <p:cNvPr id="2" name="제목 1">
             <a:extLst>
               <a:ext uri="{FF2B5EF4-FFF2-40B4-BE49-F238E27FC236}">
-                <a16:creationId xmlns:a16="http://schemas.microsoft.com/office/drawing/2014/main" id="{07ED5CED-7F3F-42FC-A3C6-E911D69BD1BC}"/>
+                <a16:creationId xmlns:a16="http://schemas.microsoft.com/office/drawing/2014/main" xmlns="" id="{07ED5CED-7F3F-42FC-A3C6-E911D69BD1BC}"/>
               </a:ext>
             </a:extLst>
           </p:cNvPr>
@@ -1802,7 +1802,7 @@
           <p:cNvPr id="3" name="내용 개체 틀 2">
             <a:extLst>
               <a:ext uri="{FF2B5EF4-FFF2-40B4-BE49-F238E27FC236}">
-                <a16:creationId xmlns:a16="http://schemas.microsoft.com/office/drawing/2014/main" id="{9187594A-7F55-410F-A8EC-891C0A9FA616}"/>
+                <a16:creationId xmlns:a16="http://schemas.microsoft.com/office/drawing/2014/main" xmlns="" id="{9187594A-7F55-410F-A8EC-891C0A9FA616}"/>
               </a:ext>
             </a:extLst>
           </p:cNvPr>
@@ -1859,7 +1859,7 @@
           <p:cNvPr id="6" name="슬라이드 번호 개체 틀 5">
             <a:extLst>
               <a:ext uri="{FF2B5EF4-FFF2-40B4-BE49-F238E27FC236}">
-                <a16:creationId xmlns:a16="http://schemas.microsoft.com/office/drawing/2014/main" id="{27B097B4-2981-4E30-AFDB-11C6289BF8A4}"/>
+                <a16:creationId xmlns:a16="http://schemas.microsoft.com/office/drawing/2014/main" xmlns="" id="{27B097B4-2981-4E30-AFDB-11C6289BF8A4}"/>
               </a:ext>
             </a:extLst>
           </p:cNvPr>
@@ -1888,7 +1888,7 @@
           <p:cNvPr id="9" name="텍스트 개체 틀 8">
             <a:extLst>
               <a:ext uri="{FF2B5EF4-FFF2-40B4-BE49-F238E27FC236}">
-                <a16:creationId xmlns:a16="http://schemas.microsoft.com/office/drawing/2014/main" id="{7C75EAA1-BE98-4290-AD72-327BAE272448}"/>
+                <a16:creationId xmlns:a16="http://schemas.microsoft.com/office/drawing/2014/main" xmlns="" id="{7C75EAA1-BE98-4290-AD72-327BAE272448}"/>
               </a:ext>
             </a:extLst>
           </p:cNvPr>
@@ -1959,7 +1959,7 @@
           <p:cNvPr id="2" name="제목 1">
             <a:extLst>
               <a:ext uri="{FF2B5EF4-FFF2-40B4-BE49-F238E27FC236}">
-                <a16:creationId xmlns:a16="http://schemas.microsoft.com/office/drawing/2014/main" id="{63C1E9B9-209A-4A57-9814-F8D57208E185}"/>
+                <a16:creationId xmlns:a16="http://schemas.microsoft.com/office/drawing/2014/main" xmlns="" id="{63C1E9B9-209A-4A57-9814-F8D57208E185}"/>
               </a:ext>
             </a:extLst>
           </p:cNvPr>
@@ -1987,7 +1987,7 @@
           <p:cNvPr id="3" name="내용 개체 틀 2">
             <a:extLst>
               <a:ext uri="{FF2B5EF4-FFF2-40B4-BE49-F238E27FC236}">
-                <a16:creationId xmlns:a16="http://schemas.microsoft.com/office/drawing/2014/main" id="{0203E822-74DA-4B57-B481-B62C563C9870}"/>
+                <a16:creationId xmlns:a16="http://schemas.microsoft.com/office/drawing/2014/main" xmlns="" id="{0203E822-74DA-4B57-B481-B62C563C9870}"/>
               </a:ext>
             </a:extLst>
           </p:cNvPr>
@@ -2044,7 +2044,7 @@
           <p:cNvPr id="4" name="날짜 개체 틀 3">
             <a:extLst>
               <a:ext uri="{FF2B5EF4-FFF2-40B4-BE49-F238E27FC236}">
-                <a16:creationId xmlns:a16="http://schemas.microsoft.com/office/drawing/2014/main" id="{3E8F070C-77A7-432D-B216-9668C92470B8}"/>
+                <a16:creationId xmlns:a16="http://schemas.microsoft.com/office/drawing/2014/main" xmlns="" id="{3E8F070C-77A7-432D-B216-9668C92470B8}"/>
               </a:ext>
             </a:extLst>
           </p:cNvPr>
@@ -2062,7 +2062,7 @@
           <a:p>
             <a:fld id="{4E8DDE92-A542-49E3-8BCA-C8166235BA4E}" type="datetimeFigureOut">
               <a:rPr lang="ko-KR" altLang="en-US" smtClean="0"/>
-              <a:t>2022-04-05(Tue)</a:t>
+              <a:t>2022-04-06</a:t>
             </a:fld>
             <a:endParaRPr lang="ko-KR" altLang="en-US"/>
           </a:p>
@@ -2073,7 +2073,7 @@
           <p:cNvPr id="5" name="바닥글 개체 틀 4">
             <a:extLst>
               <a:ext uri="{FF2B5EF4-FFF2-40B4-BE49-F238E27FC236}">
-                <a16:creationId xmlns:a16="http://schemas.microsoft.com/office/drawing/2014/main" id="{9DB3F48F-907B-4347-999E-8A810E7FC8F6}"/>
+                <a16:creationId xmlns:a16="http://schemas.microsoft.com/office/drawing/2014/main" xmlns="" id="{9DB3F48F-907B-4347-999E-8A810E7FC8F6}"/>
               </a:ext>
             </a:extLst>
           </p:cNvPr>
@@ -2098,7 +2098,7 @@
           <p:cNvPr id="6" name="슬라이드 번호 개체 틀 5">
             <a:extLst>
               <a:ext uri="{FF2B5EF4-FFF2-40B4-BE49-F238E27FC236}">
-                <a16:creationId xmlns:a16="http://schemas.microsoft.com/office/drawing/2014/main" id="{23A74AEC-AD2F-4D10-AB46-F5B26490209C}"/>
+                <a16:creationId xmlns:a16="http://schemas.microsoft.com/office/drawing/2014/main" xmlns="" id="{23A74AEC-AD2F-4D10-AB46-F5B26490209C}"/>
               </a:ext>
             </a:extLst>
           </p:cNvPr>
@@ -2157,7 +2157,7 @@
           <p:cNvPr id="2" name="제목 1">
             <a:extLst>
               <a:ext uri="{FF2B5EF4-FFF2-40B4-BE49-F238E27FC236}">
-                <a16:creationId xmlns:a16="http://schemas.microsoft.com/office/drawing/2014/main" id="{1E84D610-C824-40B6-947E-A66D4C3C94E9}"/>
+                <a16:creationId xmlns:a16="http://schemas.microsoft.com/office/drawing/2014/main" xmlns="" id="{1E84D610-C824-40B6-947E-A66D4C3C94E9}"/>
               </a:ext>
             </a:extLst>
           </p:cNvPr>
@@ -2194,7 +2194,7 @@
           <p:cNvPr id="3" name="텍스트 개체 틀 2">
             <a:extLst>
               <a:ext uri="{FF2B5EF4-FFF2-40B4-BE49-F238E27FC236}">
-                <a16:creationId xmlns:a16="http://schemas.microsoft.com/office/drawing/2014/main" id="{67FE1580-3721-4AD3-9DF3-D16FA9C174AA}"/>
+                <a16:creationId xmlns:a16="http://schemas.microsoft.com/office/drawing/2014/main" xmlns="" id="{67FE1580-3721-4AD3-9DF3-D16FA9C174AA}"/>
               </a:ext>
             </a:extLst>
           </p:cNvPr>
@@ -2319,7 +2319,7 @@
           <p:cNvPr id="4" name="날짜 개체 틀 3">
             <a:extLst>
               <a:ext uri="{FF2B5EF4-FFF2-40B4-BE49-F238E27FC236}">
-                <a16:creationId xmlns:a16="http://schemas.microsoft.com/office/drawing/2014/main" id="{B30523C2-208F-4623-9E9C-BF52E6B1EA59}"/>
+                <a16:creationId xmlns:a16="http://schemas.microsoft.com/office/drawing/2014/main" xmlns="" id="{B30523C2-208F-4623-9E9C-BF52E6B1EA59}"/>
               </a:ext>
             </a:extLst>
           </p:cNvPr>
@@ -2337,7 +2337,7 @@
           <a:p>
             <a:fld id="{4E8DDE92-A542-49E3-8BCA-C8166235BA4E}" type="datetimeFigureOut">
               <a:rPr lang="ko-KR" altLang="en-US" smtClean="0"/>
-              <a:t>2022-04-05(Tue)</a:t>
+              <a:t>2022-04-06</a:t>
             </a:fld>
             <a:endParaRPr lang="ko-KR" altLang="en-US"/>
           </a:p>
@@ -2348,7 +2348,7 @@
           <p:cNvPr id="5" name="바닥글 개체 틀 4">
             <a:extLst>
               <a:ext uri="{FF2B5EF4-FFF2-40B4-BE49-F238E27FC236}">
-                <a16:creationId xmlns:a16="http://schemas.microsoft.com/office/drawing/2014/main" id="{8F6341E0-86F6-4F35-BBD6-4AFBE8749C65}"/>
+                <a16:creationId xmlns:a16="http://schemas.microsoft.com/office/drawing/2014/main" xmlns="" id="{8F6341E0-86F6-4F35-BBD6-4AFBE8749C65}"/>
               </a:ext>
             </a:extLst>
           </p:cNvPr>
@@ -2373,7 +2373,7 @@
           <p:cNvPr id="6" name="슬라이드 번호 개체 틀 5">
             <a:extLst>
               <a:ext uri="{FF2B5EF4-FFF2-40B4-BE49-F238E27FC236}">
-                <a16:creationId xmlns:a16="http://schemas.microsoft.com/office/drawing/2014/main" id="{ABEA41D2-FE74-4066-95D9-60518B17745C}"/>
+                <a16:creationId xmlns:a16="http://schemas.microsoft.com/office/drawing/2014/main" xmlns="" id="{ABEA41D2-FE74-4066-95D9-60518B17745C}"/>
               </a:ext>
             </a:extLst>
           </p:cNvPr>
@@ -2432,7 +2432,7 @@
           <p:cNvPr id="2" name="제목 1">
             <a:extLst>
               <a:ext uri="{FF2B5EF4-FFF2-40B4-BE49-F238E27FC236}">
-                <a16:creationId xmlns:a16="http://schemas.microsoft.com/office/drawing/2014/main" id="{8C042398-3D83-48B6-9FD3-52401E48663B}"/>
+                <a16:creationId xmlns:a16="http://schemas.microsoft.com/office/drawing/2014/main" xmlns="" id="{8C042398-3D83-48B6-9FD3-52401E48663B}"/>
               </a:ext>
             </a:extLst>
           </p:cNvPr>
@@ -2460,7 +2460,7 @@
           <p:cNvPr id="3" name="내용 개체 틀 2">
             <a:extLst>
               <a:ext uri="{FF2B5EF4-FFF2-40B4-BE49-F238E27FC236}">
-                <a16:creationId xmlns:a16="http://schemas.microsoft.com/office/drawing/2014/main" id="{0073D161-A8AA-41E1-A4D6-BB24A335B257}"/>
+                <a16:creationId xmlns:a16="http://schemas.microsoft.com/office/drawing/2014/main" xmlns="" id="{0073D161-A8AA-41E1-A4D6-BB24A335B257}"/>
               </a:ext>
             </a:extLst>
           </p:cNvPr>
@@ -2522,7 +2522,7 @@
           <p:cNvPr id="4" name="내용 개체 틀 3">
             <a:extLst>
               <a:ext uri="{FF2B5EF4-FFF2-40B4-BE49-F238E27FC236}">
-                <a16:creationId xmlns:a16="http://schemas.microsoft.com/office/drawing/2014/main" id="{5D4FA59A-F28D-436B-B92B-B3DDBBEDE4DF}"/>
+                <a16:creationId xmlns:a16="http://schemas.microsoft.com/office/drawing/2014/main" xmlns="" id="{5D4FA59A-F28D-436B-B92B-B3DDBBEDE4DF}"/>
               </a:ext>
             </a:extLst>
           </p:cNvPr>
@@ -2584,7 +2584,7 @@
           <p:cNvPr id="5" name="날짜 개체 틀 4">
             <a:extLst>
               <a:ext uri="{FF2B5EF4-FFF2-40B4-BE49-F238E27FC236}">
-                <a16:creationId xmlns:a16="http://schemas.microsoft.com/office/drawing/2014/main" id="{4969FE68-ECE9-437C-BEB6-D3BB4B4A3633}"/>
+                <a16:creationId xmlns:a16="http://schemas.microsoft.com/office/drawing/2014/main" xmlns="" id="{4969FE68-ECE9-437C-BEB6-D3BB4B4A3633}"/>
               </a:ext>
             </a:extLst>
           </p:cNvPr>
@@ -2602,7 +2602,7 @@
           <a:p>
             <a:fld id="{4E8DDE92-A542-49E3-8BCA-C8166235BA4E}" type="datetimeFigureOut">
               <a:rPr lang="ko-KR" altLang="en-US" smtClean="0"/>
-              <a:t>2022-04-05(Tue)</a:t>
+              <a:t>2022-04-06</a:t>
             </a:fld>
             <a:endParaRPr lang="ko-KR" altLang="en-US"/>
           </a:p>
@@ -2613,7 +2613,7 @@
           <p:cNvPr id="6" name="바닥글 개체 틀 5">
             <a:extLst>
               <a:ext uri="{FF2B5EF4-FFF2-40B4-BE49-F238E27FC236}">
-                <a16:creationId xmlns:a16="http://schemas.microsoft.com/office/drawing/2014/main" id="{60963A1C-BBE2-4AA6-A26B-01BDAB91D693}"/>
+                <a16:creationId xmlns:a16="http://schemas.microsoft.com/office/drawing/2014/main" xmlns="" id="{60963A1C-BBE2-4AA6-A26B-01BDAB91D693}"/>
               </a:ext>
             </a:extLst>
           </p:cNvPr>
@@ -2638,7 +2638,7 @@
           <p:cNvPr id="7" name="슬라이드 번호 개체 틀 6">
             <a:extLst>
               <a:ext uri="{FF2B5EF4-FFF2-40B4-BE49-F238E27FC236}">
-                <a16:creationId xmlns:a16="http://schemas.microsoft.com/office/drawing/2014/main" id="{FD7AD4A1-3E32-4EEF-9E76-9429B724BBC4}"/>
+                <a16:creationId xmlns:a16="http://schemas.microsoft.com/office/drawing/2014/main" xmlns="" id="{FD7AD4A1-3E32-4EEF-9E76-9429B724BBC4}"/>
               </a:ext>
             </a:extLst>
           </p:cNvPr>
@@ -2697,7 +2697,7 @@
           <p:cNvPr id="2" name="제목 1">
             <a:extLst>
               <a:ext uri="{FF2B5EF4-FFF2-40B4-BE49-F238E27FC236}">
-                <a16:creationId xmlns:a16="http://schemas.microsoft.com/office/drawing/2014/main" id="{B5844F35-E393-42BE-BA00-F1257F3456D6}"/>
+                <a16:creationId xmlns:a16="http://schemas.microsoft.com/office/drawing/2014/main" xmlns="" id="{B5844F35-E393-42BE-BA00-F1257F3456D6}"/>
               </a:ext>
             </a:extLst>
           </p:cNvPr>
@@ -2730,7 +2730,7 @@
           <p:cNvPr id="3" name="텍스트 개체 틀 2">
             <a:extLst>
               <a:ext uri="{FF2B5EF4-FFF2-40B4-BE49-F238E27FC236}">
-                <a16:creationId xmlns:a16="http://schemas.microsoft.com/office/drawing/2014/main" id="{0856DC14-AB73-4EC1-B2BC-DF1A90FA9AF4}"/>
+                <a16:creationId xmlns:a16="http://schemas.microsoft.com/office/drawing/2014/main" xmlns="" id="{0856DC14-AB73-4EC1-B2BC-DF1A90FA9AF4}"/>
               </a:ext>
             </a:extLst>
           </p:cNvPr>
@@ -2801,7 +2801,7 @@
           <p:cNvPr id="4" name="내용 개체 틀 3">
             <a:extLst>
               <a:ext uri="{FF2B5EF4-FFF2-40B4-BE49-F238E27FC236}">
-                <a16:creationId xmlns:a16="http://schemas.microsoft.com/office/drawing/2014/main" id="{AD311951-0074-4E35-909F-AEA6579E92A1}"/>
+                <a16:creationId xmlns:a16="http://schemas.microsoft.com/office/drawing/2014/main" xmlns="" id="{AD311951-0074-4E35-909F-AEA6579E92A1}"/>
               </a:ext>
             </a:extLst>
           </p:cNvPr>
@@ -2863,7 +2863,7 @@
           <p:cNvPr id="5" name="텍스트 개체 틀 4">
             <a:extLst>
               <a:ext uri="{FF2B5EF4-FFF2-40B4-BE49-F238E27FC236}">
-                <a16:creationId xmlns:a16="http://schemas.microsoft.com/office/drawing/2014/main" id="{D48B94F5-0CAD-4117-8E5A-D6D9E3AB47FA}"/>
+                <a16:creationId xmlns:a16="http://schemas.microsoft.com/office/drawing/2014/main" xmlns="" id="{D48B94F5-0CAD-4117-8E5A-D6D9E3AB47FA}"/>
               </a:ext>
             </a:extLst>
           </p:cNvPr>
@@ -2934,7 +2934,7 @@
           <p:cNvPr id="6" name="내용 개체 틀 5">
             <a:extLst>
               <a:ext uri="{FF2B5EF4-FFF2-40B4-BE49-F238E27FC236}">
-                <a16:creationId xmlns:a16="http://schemas.microsoft.com/office/drawing/2014/main" id="{D28A5849-A189-4041-821B-3C9FB0D45C36}"/>
+                <a16:creationId xmlns:a16="http://schemas.microsoft.com/office/drawing/2014/main" xmlns="" id="{D28A5849-A189-4041-821B-3C9FB0D45C36}"/>
               </a:ext>
             </a:extLst>
           </p:cNvPr>
@@ -2996,7 +2996,7 @@
           <p:cNvPr id="7" name="날짜 개체 틀 6">
             <a:extLst>
               <a:ext uri="{FF2B5EF4-FFF2-40B4-BE49-F238E27FC236}">
-                <a16:creationId xmlns:a16="http://schemas.microsoft.com/office/drawing/2014/main" id="{F581E535-45B9-447E-A030-105AFDF5E0AF}"/>
+                <a16:creationId xmlns:a16="http://schemas.microsoft.com/office/drawing/2014/main" xmlns="" id="{F581E535-45B9-447E-A030-105AFDF5E0AF}"/>
               </a:ext>
             </a:extLst>
           </p:cNvPr>
@@ -3014,7 +3014,7 @@
           <a:p>
             <a:fld id="{4E8DDE92-A542-49E3-8BCA-C8166235BA4E}" type="datetimeFigureOut">
               <a:rPr lang="ko-KR" altLang="en-US" smtClean="0"/>
-              <a:t>2022-04-05(Tue)</a:t>
+              <a:t>2022-04-06</a:t>
             </a:fld>
             <a:endParaRPr lang="ko-KR" altLang="en-US"/>
           </a:p>
@@ -3025,7 +3025,7 @@
           <p:cNvPr id="8" name="바닥글 개체 틀 7">
             <a:extLst>
               <a:ext uri="{FF2B5EF4-FFF2-40B4-BE49-F238E27FC236}">
-                <a16:creationId xmlns:a16="http://schemas.microsoft.com/office/drawing/2014/main" id="{201B967C-4CB9-44A2-AC36-577CE9453D94}"/>
+                <a16:creationId xmlns:a16="http://schemas.microsoft.com/office/drawing/2014/main" xmlns="" id="{201B967C-4CB9-44A2-AC36-577CE9453D94}"/>
               </a:ext>
             </a:extLst>
           </p:cNvPr>
@@ -3050,7 +3050,7 @@
           <p:cNvPr id="9" name="슬라이드 번호 개체 틀 8">
             <a:extLst>
               <a:ext uri="{FF2B5EF4-FFF2-40B4-BE49-F238E27FC236}">
-                <a16:creationId xmlns:a16="http://schemas.microsoft.com/office/drawing/2014/main" id="{806A940A-10AF-466B-B010-A823C97CE7E0}"/>
+                <a16:creationId xmlns:a16="http://schemas.microsoft.com/office/drawing/2014/main" xmlns="" id="{806A940A-10AF-466B-B010-A823C97CE7E0}"/>
               </a:ext>
             </a:extLst>
           </p:cNvPr>
@@ -3109,7 +3109,7 @@
           <p:cNvPr id="2" name="제목 1">
             <a:extLst>
               <a:ext uri="{FF2B5EF4-FFF2-40B4-BE49-F238E27FC236}">
-                <a16:creationId xmlns:a16="http://schemas.microsoft.com/office/drawing/2014/main" id="{447AB03D-6646-4D2E-A95A-934790D4AD0F}"/>
+                <a16:creationId xmlns:a16="http://schemas.microsoft.com/office/drawing/2014/main" xmlns="" id="{447AB03D-6646-4D2E-A95A-934790D4AD0F}"/>
               </a:ext>
             </a:extLst>
           </p:cNvPr>
@@ -3137,7 +3137,7 @@
           <p:cNvPr id="3" name="날짜 개체 틀 2">
             <a:extLst>
               <a:ext uri="{FF2B5EF4-FFF2-40B4-BE49-F238E27FC236}">
-                <a16:creationId xmlns:a16="http://schemas.microsoft.com/office/drawing/2014/main" id="{009ED9C6-E493-42B6-831B-F6320181B3B8}"/>
+                <a16:creationId xmlns:a16="http://schemas.microsoft.com/office/drawing/2014/main" xmlns="" id="{009ED9C6-E493-42B6-831B-F6320181B3B8}"/>
               </a:ext>
             </a:extLst>
           </p:cNvPr>
@@ -3155,7 +3155,7 @@
           <a:p>
             <a:fld id="{4E8DDE92-A542-49E3-8BCA-C8166235BA4E}" type="datetimeFigureOut">
               <a:rPr lang="ko-KR" altLang="en-US" smtClean="0"/>
-              <a:t>2022-04-05(Tue)</a:t>
+              <a:t>2022-04-06</a:t>
             </a:fld>
             <a:endParaRPr lang="ko-KR" altLang="en-US"/>
           </a:p>
@@ -3166,7 +3166,7 @@
           <p:cNvPr id="4" name="바닥글 개체 틀 3">
             <a:extLst>
               <a:ext uri="{FF2B5EF4-FFF2-40B4-BE49-F238E27FC236}">
-                <a16:creationId xmlns:a16="http://schemas.microsoft.com/office/drawing/2014/main" id="{DC6A77D0-5226-4775-8692-1538F358EE25}"/>
+                <a16:creationId xmlns:a16="http://schemas.microsoft.com/office/drawing/2014/main" xmlns="" id="{DC6A77D0-5226-4775-8692-1538F358EE25}"/>
               </a:ext>
             </a:extLst>
           </p:cNvPr>
@@ -3191,7 +3191,7 @@
           <p:cNvPr id="5" name="슬라이드 번호 개체 틀 4">
             <a:extLst>
               <a:ext uri="{FF2B5EF4-FFF2-40B4-BE49-F238E27FC236}">
-                <a16:creationId xmlns:a16="http://schemas.microsoft.com/office/drawing/2014/main" id="{F1B08B2C-C3FF-4167-8730-3A5A6FEDE7F8}"/>
+                <a16:creationId xmlns:a16="http://schemas.microsoft.com/office/drawing/2014/main" xmlns="" id="{F1B08B2C-C3FF-4167-8730-3A5A6FEDE7F8}"/>
               </a:ext>
             </a:extLst>
           </p:cNvPr>
@@ -3250,7 +3250,7 @@
           <p:cNvPr id="2" name="날짜 개체 틀 1">
             <a:extLst>
               <a:ext uri="{FF2B5EF4-FFF2-40B4-BE49-F238E27FC236}">
-                <a16:creationId xmlns:a16="http://schemas.microsoft.com/office/drawing/2014/main" id="{DD280DBF-E3A8-401B-BE03-B947D91753C3}"/>
+                <a16:creationId xmlns:a16="http://schemas.microsoft.com/office/drawing/2014/main" xmlns="" id="{DD280DBF-E3A8-401B-BE03-B947D91753C3}"/>
               </a:ext>
             </a:extLst>
           </p:cNvPr>
@@ -3268,7 +3268,7 @@
           <a:p>
             <a:fld id="{4E8DDE92-A542-49E3-8BCA-C8166235BA4E}" type="datetimeFigureOut">
               <a:rPr lang="ko-KR" altLang="en-US" smtClean="0"/>
-              <a:t>2022-04-05(Tue)</a:t>
+              <a:t>2022-04-06</a:t>
             </a:fld>
             <a:endParaRPr lang="ko-KR" altLang="en-US"/>
           </a:p>
@@ -3279,7 +3279,7 @@
           <p:cNvPr id="3" name="바닥글 개체 틀 2">
             <a:extLst>
               <a:ext uri="{FF2B5EF4-FFF2-40B4-BE49-F238E27FC236}">
-                <a16:creationId xmlns:a16="http://schemas.microsoft.com/office/drawing/2014/main" id="{9AD9ABA4-20EB-40D6-A2FE-ED5BA854D4A5}"/>
+                <a16:creationId xmlns:a16="http://schemas.microsoft.com/office/drawing/2014/main" xmlns="" id="{9AD9ABA4-20EB-40D6-A2FE-ED5BA854D4A5}"/>
               </a:ext>
             </a:extLst>
           </p:cNvPr>
@@ -3304,7 +3304,7 @@
           <p:cNvPr id="4" name="슬라이드 번호 개체 틀 3">
             <a:extLst>
               <a:ext uri="{FF2B5EF4-FFF2-40B4-BE49-F238E27FC236}">
-                <a16:creationId xmlns:a16="http://schemas.microsoft.com/office/drawing/2014/main" id="{00494699-7B32-4178-9124-9E95F18418B5}"/>
+                <a16:creationId xmlns:a16="http://schemas.microsoft.com/office/drawing/2014/main" xmlns="" id="{00494699-7B32-4178-9124-9E95F18418B5}"/>
               </a:ext>
             </a:extLst>
           </p:cNvPr>
@@ -3363,7 +3363,7 @@
           <p:cNvPr id="2" name="제목 1">
             <a:extLst>
               <a:ext uri="{FF2B5EF4-FFF2-40B4-BE49-F238E27FC236}">
-                <a16:creationId xmlns:a16="http://schemas.microsoft.com/office/drawing/2014/main" id="{140B410B-86F3-4B89-BD9A-53502FFCD628}"/>
+                <a16:creationId xmlns:a16="http://schemas.microsoft.com/office/drawing/2014/main" xmlns="" id="{140B410B-86F3-4B89-BD9A-53502FFCD628}"/>
               </a:ext>
             </a:extLst>
           </p:cNvPr>
@@ -3400,7 +3400,7 @@
           <p:cNvPr id="3" name="내용 개체 틀 2">
             <a:extLst>
               <a:ext uri="{FF2B5EF4-FFF2-40B4-BE49-F238E27FC236}">
-                <a16:creationId xmlns:a16="http://schemas.microsoft.com/office/drawing/2014/main" id="{8D9FC3D1-FF0C-46B5-BEF1-E3BD394DD3BF}"/>
+                <a16:creationId xmlns:a16="http://schemas.microsoft.com/office/drawing/2014/main" xmlns="" id="{8D9FC3D1-FF0C-46B5-BEF1-E3BD394DD3BF}"/>
               </a:ext>
             </a:extLst>
           </p:cNvPr>
@@ -3490,7 +3490,7 @@
           <p:cNvPr id="4" name="텍스트 개체 틀 3">
             <a:extLst>
               <a:ext uri="{FF2B5EF4-FFF2-40B4-BE49-F238E27FC236}">
-                <a16:creationId xmlns:a16="http://schemas.microsoft.com/office/drawing/2014/main" id="{56F44EDA-68DC-4B53-A00A-9B817569F837}"/>
+                <a16:creationId xmlns:a16="http://schemas.microsoft.com/office/drawing/2014/main" xmlns="" id="{56F44EDA-68DC-4B53-A00A-9B817569F837}"/>
               </a:ext>
             </a:extLst>
           </p:cNvPr>
@@ -3561,7 +3561,7 @@
           <p:cNvPr id="5" name="날짜 개체 틀 4">
             <a:extLst>
               <a:ext uri="{FF2B5EF4-FFF2-40B4-BE49-F238E27FC236}">
-                <a16:creationId xmlns:a16="http://schemas.microsoft.com/office/drawing/2014/main" id="{4DF7DBBD-F4A5-472C-8641-E4C22A2EE808}"/>
+                <a16:creationId xmlns:a16="http://schemas.microsoft.com/office/drawing/2014/main" xmlns="" id="{4DF7DBBD-F4A5-472C-8641-E4C22A2EE808}"/>
               </a:ext>
             </a:extLst>
           </p:cNvPr>
@@ -3579,7 +3579,7 @@
           <a:p>
             <a:fld id="{4E8DDE92-A542-49E3-8BCA-C8166235BA4E}" type="datetimeFigureOut">
               <a:rPr lang="ko-KR" altLang="en-US" smtClean="0"/>
-              <a:t>2022-04-05(Tue)</a:t>
+              <a:t>2022-04-06</a:t>
             </a:fld>
             <a:endParaRPr lang="ko-KR" altLang="en-US"/>
           </a:p>
@@ -3590,7 +3590,7 @@
           <p:cNvPr id="6" name="바닥글 개체 틀 5">
             <a:extLst>
               <a:ext uri="{FF2B5EF4-FFF2-40B4-BE49-F238E27FC236}">
-                <a16:creationId xmlns:a16="http://schemas.microsoft.com/office/drawing/2014/main" id="{8ACFEA52-2ADF-46B7-9F0B-8A9684AC9007}"/>
+                <a16:creationId xmlns:a16="http://schemas.microsoft.com/office/drawing/2014/main" xmlns="" id="{8ACFEA52-2ADF-46B7-9F0B-8A9684AC9007}"/>
               </a:ext>
             </a:extLst>
           </p:cNvPr>
@@ -3615,7 +3615,7 @@
           <p:cNvPr id="7" name="슬라이드 번호 개체 틀 6">
             <a:extLst>
               <a:ext uri="{FF2B5EF4-FFF2-40B4-BE49-F238E27FC236}">
-                <a16:creationId xmlns:a16="http://schemas.microsoft.com/office/drawing/2014/main" id="{D86BAC1C-7B36-42B7-8C90-DC6952D02305}"/>
+                <a16:creationId xmlns:a16="http://schemas.microsoft.com/office/drawing/2014/main" xmlns="" id="{D86BAC1C-7B36-42B7-8C90-DC6952D02305}"/>
               </a:ext>
             </a:extLst>
           </p:cNvPr>
@@ -3674,7 +3674,7 @@
           <p:cNvPr id="2" name="제목 1">
             <a:extLst>
               <a:ext uri="{FF2B5EF4-FFF2-40B4-BE49-F238E27FC236}">
-                <a16:creationId xmlns:a16="http://schemas.microsoft.com/office/drawing/2014/main" id="{A65BFC80-1D56-4E6E-A2C7-F45B9C931795}"/>
+                <a16:creationId xmlns:a16="http://schemas.microsoft.com/office/drawing/2014/main" xmlns="" id="{A65BFC80-1D56-4E6E-A2C7-F45B9C931795}"/>
               </a:ext>
             </a:extLst>
           </p:cNvPr>
@@ -3711,7 +3711,7 @@
           <p:cNvPr id="3" name="그림 개체 틀 2">
             <a:extLst>
               <a:ext uri="{FF2B5EF4-FFF2-40B4-BE49-F238E27FC236}">
-                <a16:creationId xmlns:a16="http://schemas.microsoft.com/office/drawing/2014/main" id="{80B8B350-AC83-4358-9898-47385337934E}"/>
+                <a16:creationId xmlns:a16="http://schemas.microsoft.com/office/drawing/2014/main" xmlns="" id="{80B8B350-AC83-4358-9898-47385337934E}"/>
               </a:ext>
             </a:extLst>
           </p:cNvPr>
@@ -3778,7 +3778,7 @@
           <p:cNvPr id="4" name="텍스트 개체 틀 3">
             <a:extLst>
               <a:ext uri="{FF2B5EF4-FFF2-40B4-BE49-F238E27FC236}">
-                <a16:creationId xmlns:a16="http://schemas.microsoft.com/office/drawing/2014/main" id="{1A3F0B6E-0F89-48E9-AB04-C4F91459B3BE}"/>
+                <a16:creationId xmlns:a16="http://schemas.microsoft.com/office/drawing/2014/main" xmlns="" id="{1A3F0B6E-0F89-48E9-AB04-C4F91459B3BE}"/>
               </a:ext>
             </a:extLst>
           </p:cNvPr>
@@ -3849,7 +3849,7 @@
           <p:cNvPr id="5" name="날짜 개체 틀 4">
             <a:extLst>
               <a:ext uri="{FF2B5EF4-FFF2-40B4-BE49-F238E27FC236}">
-                <a16:creationId xmlns:a16="http://schemas.microsoft.com/office/drawing/2014/main" id="{ED43224A-3016-4014-A1E6-EF16C1ED64D3}"/>
+                <a16:creationId xmlns:a16="http://schemas.microsoft.com/office/drawing/2014/main" xmlns="" id="{ED43224A-3016-4014-A1E6-EF16C1ED64D3}"/>
               </a:ext>
             </a:extLst>
           </p:cNvPr>
@@ -3867,7 +3867,7 @@
           <a:p>
             <a:fld id="{4E8DDE92-A542-49E3-8BCA-C8166235BA4E}" type="datetimeFigureOut">
               <a:rPr lang="ko-KR" altLang="en-US" smtClean="0"/>
-              <a:t>2022-04-05(Tue)</a:t>
+              <a:t>2022-04-06</a:t>
             </a:fld>
             <a:endParaRPr lang="ko-KR" altLang="en-US"/>
           </a:p>
@@ -3878,7 +3878,7 @@
           <p:cNvPr id="6" name="바닥글 개체 틀 5">
             <a:extLst>
               <a:ext uri="{FF2B5EF4-FFF2-40B4-BE49-F238E27FC236}">
-                <a16:creationId xmlns:a16="http://schemas.microsoft.com/office/drawing/2014/main" id="{2485872A-ADD0-43E9-8A2F-95B3EBBBF4AA}"/>
+                <a16:creationId xmlns:a16="http://schemas.microsoft.com/office/drawing/2014/main" xmlns="" id="{2485872A-ADD0-43E9-8A2F-95B3EBBBF4AA}"/>
               </a:ext>
             </a:extLst>
           </p:cNvPr>
@@ -3903,7 +3903,7 @@
           <p:cNvPr id="7" name="슬라이드 번호 개체 틀 6">
             <a:extLst>
               <a:ext uri="{FF2B5EF4-FFF2-40B4-BE49-F238E27FC236}">
-                <a16:creationId xmlns:a16="http://schemas.microsoft.com/office/drawing/2014/main" id="{C6EB236D-6550-4D16-95DB-3311EB5B5D95}"/>
+                <a16:creationId xmlns:a16="http://schemas.microsoft.com/office/drawing/2014/main" xmlns="" id="{C6EB236D-6550-4D16-95DB-3311EB5B5D95}"/>
               </a:ext>
             </a:extLst>
           </p:cNvPr>
@@ -3967,7 +3967,7 @@
           <p:cNvPr id="2" name="제목 개체 틀 1">
             <a:extLst>
               <a:ext uri="{FF2B5EF4-FFF2-40B4-BE49-F238E27FC236}">
-                <a16:creationId xmlns:a16="http://schemas.microsoft.com/office/drawing/2014/main" id="{2BF35154-B568-4C2E-ABEF-150156B7C199}"/>
+                <a16:creationId xmlns:a16="http://schemas.microsoft.com/office/drawing/2014/main" xmlns="" id="{2BF35154-B568-4C2E-ABEF-150156B7C199}"/>
               </a:ext>
             </a:extLst>
           </p:cNvPr>
@@ -4005,7 +4005,7 @@
           <p:cNvPr id="3" name="텍스트 개체 틀 2">
             <a:extLst>
               <a:ext uri="{FF2B5EF4-FFF2-40B4-BE49-F238E27FC236}">
-                <a16:creationId xmlns:a16="http://schemas.microsoft.com/office/drawing/2014/main" id="{4E1AE042-698D-45F3-AB18-CD0F5ABA0EB7}"/>
+                <a16:creationId xmlns:a16="http://schemas.microsoft.com/office/drawing/2014/main" xmlns="" id="{4E1AE042-698D-45F3-AB18-CD0F5ABA0EB7}"/>
               </a:ext>
             </a:extLst>
           </p:cNvPr>
@@ -4072,7 +4072,7 @@
           <p:cNvPr id="4" name="날짜 개체 틀 3">
             <a:extLst>
               <a:ext uri="{FF2B5EF4-FFF2-40B4-BE49-F238E27FC236}">
-                <a16:creationId xmlns:a16="http://schemas.microsoft.com/office/drawing/2014/main" id="{3E9CC2FD-874C-4FBB-A6B5-E35C304D7CB3}"/>
+                <a16:creationId xmlns:a16="http://schemas.microsoft.com/office/drawing/2014/main" xmlns="" id="{3E9CC2FD-874C-4FBB-A6B5-E35C304D7CB3}"/>
               </a:ext>
             </a:extLst>
           </p:cNvPr>
@@ -4108,7 +4108,7 @@
           <a:p>
             <a:fld id="{4E8DDE92-A542-49E3-8BCA-C8166235BA4E}" type="datetimeFigureOut">
               <a:rPr lang="ko-KR" altLang="en-US" smtClean="0"/>
-              <a:t>2022-04-05(Tue)</a:t>
+              <a:t>2022-04-06</a:t>
             </a:fld>
             <a:endParaRPr lang="ko-KR" altLang="en-US"/>
           </a:p>
@@ -4119,7 +4119,7 @@
           <p:cNvPr id="5" name="바닥글 개체 틀 4">
             <a:extLst>
               <a:ext uri="{FF2B5EF4-FFF2-40B4-BE49-F238E27FC236}">
-                <a16:creationId xmlns:a16="http://schemas.microsoft.com/office/drawing/2014/main" id="{956DCBA0-5D08-435E-BAD3-8D898F65C4DB}"/>
+                <a16:creationId xmlns:a16="http://schemas.microsoft.com/office/drawing/2014/main" xmlns="" id="{956DCBA0-5D08-435E-BAD3-8D898F65C4DB}"/>
               </a:ext>
             </a:extLst>
           </p:cNvPr>
@@ -4162,7 +4162,7 @@
           <p:cNvPr id="6" name="슬라이드 번호 개체 틀 5">
             <a:extLst>
               <a:ext uri="{FF2B5EF4-FFF2-40B4-BE49-F238E27FC236}">
-                <a16:creationId xmlns:a16="http://schemas.microsoft.com/office/drawing/2014/main" id="{DF70F7C7-6DBD-4CC7-886C-828396CCED73}"/>
+                <a16:creationId xmlns:a16="http://schemas.microsoft.com/office/drawing/2014/main" xmlns="" id="{DF70F7C7-6DBD-4CC7-886C-828396CCED73}"/>
               </a:ext>
             </a:extLst>
           </p:cNvPr>
@@ -4542,7 +4542,7 @@
           <p:cNvPr id="2" name="제목 1">
             <a:extLst>
               <a:ext uri="{FF2B5EF4-FFF2-40B4-BE49-F238E27FC236}">
-                <a16:creationId xmlns:a16="http://schemas.microsoft.com/office/drawing/2014/main" id="{BB177A21-1F99-4D21-9F9F-55BCE76CE328}"/>
+                <a16:creationId xmlns:a16="http://schemas.microsoft.com/office/drawing/2014/main" xmlns="" id="{BB177A21-1F99-4D21-9F9F-55BCE76CE328}"/>
               </a:ext>
             </a:extLst>
           </p:cNvPr>
@@ -4571,7 +4571,7 @@
           <p:cNvPr id="3" name="부제목 2">
             <a:extLst>
               <a:ext uri="{FF2B5EF4-FFF2-40B4-BE49-F238E27FC236}">
-                <a16:creationId xmlns:a16="http://schemas.microsoft.com/office/drawing/2014/main" id="{81152BDB-6F60-4325-8468-F9381C5F40EB}"/>
+                <a16:creationId xmlns:a16="http://schemas.microsoft.com/office/drawing/2014/main" xmlns="" id="{81152BDB-6F60-4325-8468-F9381C5F40EB}"/>
               </a:ext>
             </a:extLst>
           </p:cNvPr>
@@ -4634,7 +4634,7 @@
           <p:cNvPr id="198" name="사각형: 둥근 모서리 197">
             <a:extLst>
               <a:ext uri="{FF2B5EF4-FFF2-40B4-BE49-F238E27FC236}">
-                <a16:creationId xmlns:a16="http://schemas.microsoft.com/office/drawing/2014/main" id="{3E02CA4B-E009-458D-9663-19CCDC8D792B}"/>
+                <a16:creationId xmlns:a16="http://schemas.microsoft.com/office/drawing/2014/main" xmlns="" id="{3E02CA4B-E009-458D-9663-19CCDC8D792B}"/>
               </a:ext>
             </a:extLst>
           </p:cNvPr>
@@ -4688,7 +4688,7 @@
           <p:cNvPr id="19" name="직사각형 18">
             <a:extLst>
               <a:ext uri="{FF2B5EF4-FFF2-40B4-BE49-F238E27FC236}">
-                <a16:creationId xmlns:a16="http://schemas.microsoft.com/office/drawing/2014/main" id="{60E8ECA5-8AD5-4EAD-B3F6-94210D46088C}"/>
+                <a16:creationId xmlns:a16="http://schemas.microsoft.com/office/drawing/2014/main" xmlns="" id="{60E8ECA5-8AD5-4EAD-B3F6-94210D46088C}"/>
               </a:ext>
             </a:extLst>
           </p:cNvPr>
@@ -4740,7 +4740,7 @@
           <p:cNvPr id="4" name="직사각형 3">
             <a:extLst>
               <a:ext uri="{FF2B5EF4-FFF2-40B4-BE49-F238E27FC236}">
-                <a16:creationId xmlns:a16="http://schemas.microsoft.com/office/drawing/2014/main" id="{AE93FE2A-85FE-4157-951C-FC2FADBB3B34}"/>
+                <a16:creationId xmlns:a16="http://schemas.microsoft.com/office/drawing/2014/main" xmlns="" id="{AE93FE2A-85FE-4157-951C-FC2FADBB3B34}"/>
               </a:ext>
             </a:extLst>
           </p:cNvPr>
@@ -4792,7 +4792,7 @@
           <p:cNvPr id="7" name="TextBox 6">
             <a:extLst>
               <a:ext uri="{FF2B5EF4-FFF2-40B4-BE49-F238E27FC236}">
-                <a16:creationId xmlns:a16="http://schemas.microsoft.com/office/drawing/2014/main" id="{982817C4-ACF4-45FB-A018-6E6F872691BC}"/>
+                <a16:creationId xmlns:a16="http://schemas.microsoft.com/office/drawing/2014/main" xmlns="" id="{982817C4-ACF4-45FB-A018-6E6F872691BC}"/>
               </a:ext>
             </a:extLst>
           </p:cNvPr>
@@ -4828,7 +4828,7 @@
           <p:cNvPr id="11" name="TextBox 10">
             <a:extLst>
               <a:ext uri="{FF2B5EF4-FFF2-40B4-BE49-F238E27FC236}">
-                <a16:creationId xmlns:a16="http://schemas.microsoft.com/office/drawing/2014/main" id="{4C392713-5D6A-477F-809B-12AAFB288320}"/>
+                <a16:creationId xmlns:a16="http://schemas.microsoft.com/office/drawing/2014/main" xmlns="" id="{4C392713-5D6A-477F-809B-12AAFB288320}"/>
               </a:ext>
             </a:extLst>
           </p:cNvPr>
@@ -4864,7 +4864,7 @@
           <p:cNvPr id="1026" name="Picture 2" descr="만화 손으로 그린 ​​푸른 나무 | 일러스트 AI 무료 다운로드 - Pikbest">
             <a:extLst>
               <a:ext uri="{FF2B5EF4-FFF2-40B4-BE49-F238E27FC236}">
-                <a16:creationId xmlns:a16="http://schemas.microsoft.com/office/drawing/2014/main" id="{9F8DF13C-0D04-4E71-A513-EB3C29F79A92}"/>
+                <a16:creationId xmlns:a16="http://schemas.microsoft.com/office/drawing/2014/main" xmlns="" id="{9F8DF13C-0D04-4E71-A513-EB3C29F79A92}"/>
               </a:ext>
             </a:extLst>
           </p:cNvPr>
@@ -4920,7 +4920,7 @@
           <p:cNvPr id="6" name="직선 연결선 5">
             <a:extLst>
               <a:ext uri="{FF2B5EF4-FFF2-40B4-BE49-F238E27FC236}">
-                <a16:creationId xmlns:a16="http://schemas.microsoft.com/office/drawing/2014/main" id="{E3EBBA58-A4DD-4CD3-B682-AB5F59DCAA08}"/>
+                <a16:creationId xmlns:a16="http://schemas.microsoft.com/office/drawing/2014/main" xmlns="" id="{E3EBBA58-A4DD-4CD3-B682-AB5F59DCAA08}"/>
               </a:ext>
             </a:extLst>
           </p:cNvPr>
@@ -4962,7 +4962,7 @@
           <p:cNvPr id="146" name="직선 연결선 145">
             <a:extLst>
               <a:ext uri="{FF2B5EF4-FFF2-40B4-BE49-F238E27FC236}">
-                <a16:creationId xmlns:a16="http://schemas.microsoft.com/office/drawing/2014/main" id="{C0343809-4B1E-453A-BEFC-77B53A2F0FC3}"/>
+                <a16:creationId xmlns:a16="http://schemas.microsoft.com/office/drawing/2014/main" xmlns="" id="{C0343809-4B1E-453A-BEFC-77B53A2F0FC3}"/>
               </a:ext>
             </a:extLst>
           </p:cNvPr>
@@ -5006,7 +5006,7 @@
           <p:cNvPr id="148" name="직선 연결선 147">
             <a:extLst>
               <a:ext uri="{FF2B5EF4-FFF2-40B4-BE49-F238E27FC236}">
-                <a16:creationId xmlns:a16="http://schemas.microsoft.com/office/drawing/2014/main" id="{0EC041E5-D65D-433B-BE0F-B17DAE00564D}"/>
+                <a16:creationId xmlns:a16="http://schemas.microsoft.com/office/drawing/2014/main" xmlns="" id="{0EC041E5-D65D-433B-BE0F-B17DAE00564D}"/>
               </a:ext>
             </a:extLst>
           </p:cNvPr>
@@ -5048,7 +5048,7 @@
           <p:cNvPr id="199" name="타원 198">
             <a:extLst>
               <a:ext uri="{FF2B5EF4-FFF2-40B4-BE49-F238E27FC236}">
-                <a16:creationId xmlns:a16="http://schemas.microsoft.com/office/drawing/2014/main" id="{EE49514C-7EC3-4EE2-9128-08A773A94EAF}"/>
+                <a16:creationId xmlns:a16="http://schemas.microsoft.com/office/drawing/2014/main" xmlns="" id="{EE49514C-7EC3-4EE2-9128-08A773A94EAF}"/>
               </a:ext>
             </a:extLst>
           </p:cNvPr>
@@ -5100,7 +5100,7 @@
           <p:cNvPr id="200" name="타원 199">
             <a:extLst>
               <a:ext uri="{FF2B5EF4-FFF2-40B4-BE49-F238E27FC236}">
-                <a16:creationId xmlns:a16="http://schemas.microsoft.com/office/drawing/2014/main" id="{F4FC2F8D-9B46-473F-A9CF-30AFA8F22704}"/>
+                <a16:creationId xmlns:a16="http://schemas.microsoft.com/office/drawing/2014/main" xmlns="" id="{F4FC2F8D-9B46-473F-A9CF-30AFA8F22704}"/>
               </a:ext>
             </a:extLst>
           </p:cNvPr>
@@ -5149,7 +5149,7 @@
           <p:cNvPr id="201" name="타원 200">
             <a:extLst>
               <a:ext uri="{FF2B5EF4-FFF2-40B4-BE49-F238E27FC236}">
-                <a16:creationId xmlns:a16="http://schemas.microsoft.com/office/drawing/2014/main" id="{316BBCC9-1FEB-4F6B-A90B-02CDB0A5202A}"/>
+                <a16:creationId xmlns:a16="http://schemas.microsoft.com/office/drawing/2014/main" xmlns="" id="{316BBCC9-1FEB-4F6B-A90B-02CDB0A5202A}"/>
               </a:ext>
             </a:extLst>
           </p:cNvPr>
@@ -5201,7 +5201,7 @@
           <p:cNvPr id="202" name="타원 201">
             <a:extLst>
               <a:ext uri="{FF2B5EF4-FFF2-40B4-BE49-F238E27FC236}">
-                <a16:creationId xmlns:a16="http://schemas.microsoft.com/office/drawing/2014/main" id="{08E3B82D-1B81-45F5-8EF7-61A45103706F}"/>
+                <a16:creationId xmlns:a16="http://schemas.microsoft.com/office/drawing/2014/main" xmlns="" id="{08E3B82D-1B81-45F5-8EF7-61A45103706F}"/>
               </a:ext>
             </a:extLst>
           </p:cNvPr>
@@ -5259,7 +5259,7 @@
           <p:cNvPr id="203" name="타원 202">
             <a:extLst>
               <a:ext uri="{FF2B5EF4-FFF2-40B4-BE49-F238E27FC236}">
-                <a16:creationId xmlns:a16="http://schemas.microsoft.com/office/drawing/2014/main" id="{5F7D788C-28A0-4B9C-9EA9-9ACFE972B264}"/>
+                <a16:creationId xmlns:a16="http://schemas.microsoft.com/office/drawing/2014/main" xmlns="" id="{5F7D788C-28A0-4B9C-9EA9-9ACFE972B264}"/>
               </a:ext>
             </a:extLst>
           </p:cNvPr>
@@ -5320,7 +5320,7 @@
           <p:cNvPr id="204" name="타원 203">
             <a:extLst>
               <a:ext uri="{FF2B5EF4-FFF2-40B4-BE49-F238E27FC236}">
-                <a16:creationId xmlns:a16="http://schemas.microsoft.com/office/drawing/2014/main" id="{B23696C0-0570-4599-BFC8-B151FB3F6540}"/>
+                <a16:creationId xmlns:a16="http://schemas.microsoft.com/office/drawing/2014/main" xmlns="" id="{B23696C0-0570-4599-BFC8-B151FB3F6540}"/>
               </a:ext>
             </a:extLst>
           </p:cNvPr>
@@ -5372,7 +5372,7 @@
           <p:cNvPr id="205" name="TextBox 204">
             <a:extLst>
               <a:ext uri="{FF2B5EF4-FFF2-40B4-BE49-F238E27FC236}">
-                <a16:creationId xmlns:a16="http://schemas.microsoft.com/office/drawing/2014/main" id="{E747CE9B-EFA0-4EF4-9E8C-65AA04BF9D1E}"/>
+                <a16:creationId xmlns:a16="http://schemas.microsoft.com/office/drawing/2014/main" xmlns="" id="{E747CE9B-EFA0-4EF4-9E8C-65AA04BF9D1E}"/>
               </a:ext>
             </a:extLst>
           </p:cNvPr>
@@ -5408,7 +5408,7 @@
           <p:cNvPr id="206" name="그래픽 205" descr="핀 있는 지도 윤곽선">
             <a:extLst>
               <a:ext uri="{FF2B5EF4-FFF2-40B4-BE49-F238E27FC236}">
-                <a16:creationId xmlns:a16="http://schemas.microsoft.com/office/drawing/2014/main" id="{F5142EB6-FD3F-450C-A516-99157EAB242B}"/>
+                <a16:creationId xmlns:a16="http://schemas.microsoft.com/office/drawing/2014/main" xmlns="" id="{F5142EB6-FD3F-450C-A516-99157EAB242B}"/>
               </a:ext>
             </a:extLst>
           </p:cNvPr>
@@ -5418,13 +5418,13 @@
           <p:nvPr/>
         </p:nvPicPr>
         <p:blipFill>
-          <a:blip r:embed="rId5">
+          <a:blip r:embed="rId5" cstate="print">
             <a:extLst>
               <a:ext uri="{28A0092B-C50C-407E-A947-70E740481C1C}">
                 <a14:useLocalDpi xmlns:a14="http://schemas.microsoft.com/office/drawing/2010/main" val="0"/>
               </a:ext>
               <a:ext uri="{96DAC541-7B7A-43D3-8B79-37D633B846F1}">
-                <asvg:svgBlip xmlns:asvg="http://schemas.microsoft.com/office/drawing/2016/SVG/main" r:embed="rId6"/>
+                <asvg:svgBlip xmlns:asvg="http://schemas.microsoft.com/office/drawing/2016/SVG/main" xmlns="" r:embed="rId6"/>
               </a:ext>
             </a:extLst>
           </a:blip>
@@ -5447,7 +5447,7 @@
           <p:cNvPr id="20" name="직사각형 19">
             <a:extLst>
               <a:ext uri="{FF2B5EF4-FFF2-40B4-BE49-F238E27FC236}">
-                <a16:creationId xmlns:a16="http://schemas.microsoft.com/office/drawing/2014/main" id="{DB786D9F-9F63-4114-863C-FD277B989344}"/>
+                <a16:creationId xmlns:a16="http://schemas.microsoft.com/office/drawing/2014/main" xmlns="" id="{DB786D9F-9F63-4114-863C-FD277B989344}"/>
               </a:ext>
             </a:extLst>
           </p:cNvPr>
@@ -5701,7 +5701,7 @@
               <a:t>개가 </a:t>
             </a:r>
             <a:r>
-              <a:rPr lang="ko-KR" altLang="en-US" sz="1200" dirty="0" err="1">
+              <a:rPr lang="ko-KR" altLang="en-US" sz="1200" dirty="0" smtClean="0">
                 <a:ln w="0"/>
                 <a:solidFill>
                   <a:schemeClr val="tx1"/>
@@ -5791,7 +5791,7 @@
           <p:cNvPr id="213" name="직사각형 212">
             <a:extLst>
               <a:ext uri="{FF2B5EF4-FFF2-40B4-BE49-F238E27FC236}">
-                <a16:creationId xmlns:a16="http://schemas.microsoft.com/office/drawing/2014/main" id="{EE0E73F6-6363-4E70-AB7B-EE4257F2A2D2}"/>
+                <a16:creationId xmlns:a16="http://schemas.microsoft.com/office/drawing/2014/main" xmlns="" id="{EE0E73F6-6363-4E70-AB7B-EE4257F2A2D2}"/>
               </a:ext>
             </a:extLst>
           </p:cNvPr>
@@ -6116,7 +6116,7 @@
           <p:cNvPr id="215" name="TextBox 214">
             <a:extLst>
               <a:ext uri="{FF2B5EF4-FFF2-40B4-BE49-F238E27FC236}">
-                <a16:creationId xmlns:a16="http://schemas.microsoft.com/office/drawing/2014/main" id="{FB0B58B4-F420-4B47-8749-F92D7764E6E0}"/>
+                <a16:creationId xmlns:a16="http://schemas.microsoft.com/office/drawing/2014/main" xmlns="" id="{FB0B58B4-F420-4B47-8749-F92D7764E6E0}"/>
               </a:ext>
             </a:extLst>
           </p:cNvPr>
@@ -6182,7 +6182,7 @@
           <p:cNvPr id="198" name="사각형: 둥근 모서리 197">
             <a:extLst>
               <a:ext uri="{FF2B5EF4-FFF2-40B4-BE49-F238E27FC236}">
-                <a16:creationId xmlns:a16="http://schemas.microsoft.com/office/drawing/2014/main" id="{3E02CA4B-E009-458D-9663-19CCDC8D792B}"/>
+                <a16:creationId xmlns:a16="http://schemas.microsoft.com/office/drawing/2014/main" xmlns="" id="{3E02CA4B-E009-458D-9663-19CCDC8D792B}"/>
               </a:ext>
             </a:extLst>
           </p:cNvPr>
@@ -6236,7 +6236,7 @@
           <p:cNvPr id="19" name="직사각형 18">
             <a:extLst>
               <a:ext uri="{FF2B5EF4-FFF2-40B4-BE49-F238E27FC236}">
-                <a16:creationId xmlns:a16="http://schemas.microsoft.com/office/drawing/2014/main" id="{60E8ECA5-8AD5-4EAD-B3F6-94210D46088C}"/>
+                <a16:creationId xmlns:a16="http://schemas.microsoft.com/office/drawing/2014/main" xmlns="" id="{60E8ECA5-8AD5-4EAD-B3F6-94210D46088C}"/>
               </a:ext>
             </a:extLst>
           </p:cNvPr>
@@ -6288,7 +6288,7 @@
           <p:cNvPr id="4" name="직사각형 3">
             <a:extLst>
               <a:ext uri="{FF2B5EF4-FFF2-40B4-BE49-F238E27FC236}">
-                <a16:creationId xmlns:a16="http://schemas.microsoft.com/office/drawing/2014/main" id="{AE93FE2A-85FE-4157-951C-FC2FADBB3B34}"/>
+                <a16:creationId xmlns:a16="http://schemas.microsoft.com/office/drawing/2014/main" xmlns="" id="{AE93FE2A-85FE-4157-951C-FC2FADBB3B34}"/>
               </a:ext>
             </a:extLst>
           </p:cNvPr>
@@ -6340,7 +6340,7 @@
           <p:cNvPr id="7" name="TextBox 6">
             <a:extLst>
               <a:ext uri="{FF2B5EF4-FFF2-40B4-BE49-F238E27FC236}">
-                <a16:creationId xmlns:a16="http://schemas.microsoft.com/office/drawing/2014/main" id="{982817C4-ACF4-45FB-A018-6E6F872691BC}"/>
+                <a16:creationId xmlns:a16="http://schemas.microsoft.com/office/drawing/2014/main" xmlns="" id="{982817C4-ACF4-45FB-A018-6E6F872691BC}"/>
               </a:ext>
             </a:extLst>
           </p:cNvPr>
@@ -6376,7 +6376,7 @@
           <p:cNvPr id="11" name="TextBox 10">
             <a:extLst>
               <a:ext uri="{FF2B5EF4-FFF2-40B4-BE49-F238E27FC236}">
-                <a16:creationId xmlns:a16="http://schemas.microsoft.com/office/drawing/2014/main" id="{4C392713-5D6A-477F-809B-12AAFB288320}"/>
+                <a16:creationId xmlns:a16="http://schemas.microsoft.com/office/drawing/2014/main" xmlns="" id="{4C392713-5D6A-477F-809B-12AAFB288320}"/>
               </a:ext>
             </a:extLst>
           </p:cNvPr>
@@ -6412,7 +6412,7 @@
           <p:cNvPr id="199" name="타원 198">
             <a:extLst>
               <a:ext uri="{FF2B5EF4-FFF2-40B4-BE49-F238E27FC236}">
-                <a16:creationId xmlns:a16="http://schemas.microsoft.com/office/drawing/2014/main" id="{EE49514C-7EC3-4EE2-9128-08A773A94EAF}"/>
+                <a16:creationId xmlns:a16="http://schemas.microsoft.com/office/drawing/2014/main" xmlns="" id="{EE49514C-7EC3-4EE2-9128-08A773A94EAF}"/>
               </a:ext>
             </a:extLst>
           </p:cNvPr>
@@ -6464,7 +6464,7 @@
           <p:cNvPr id="200" name="타원 199">
             <a:extLst>
               <a:ext uri="{FF2B5EF4-FFF2-40B4-BE49-F238E27FC236}">
-                <a16:creationId xmlns:a16="http://schemas.microsoft.com/office/drawing/2014/main" id="{F4FC2F8D-9B46-473F-A9CF-30AFA8F22704}"/>
+                <a16:creationId xmlns:a16="http://schemas.microsoft.com/office/drawing/2014/main" xmlns="" id="{F4FC2F8D-9B46-473F-A9CF-30AFA8F22704}"/>
               </a:ext>
             </a:extLst>
           </p:cNvPr>
@@ -6513,7 +6513,7 @@
           <p:cNvPr id="201" name="타원 200">
             <a:extLst>
               <a:ext uri="{FF2B5EF4-FFF2-40B4-BE49-F238E27FC236}">
-                <a16:creationId xmlns:a16="http://schemas.microsoft.com/office/drawing/2014/main" id="{316BBCC9-1FEB-4F6B-A90B-02CDB0A5202A}"/>
+                <a16:creationId xmlns:a16="http://schemas.microsoft.com/office/drawing/2014/main" xmlns="" id="{316BBCC9-1FEB-4F6B-A90B-02CDB0A5202A}"/>
               </a:ext>
             </a:extLst>
           </p:cNvPr>
@@ -6565,7 +6565,7 @@
           <p:cNvPr id="202" name="타원 201">
             <a:extLst>
               <a:ext uri="{FF2B5EF4-FFF2-40B4-BE49-F238E27FC236}">
-                <a16:creationId xmlns:a16="http://schemas.microsoft.com/office/drawing/2014/main" id="{08E3B82D-1B81-45F5-8EF7-61A45103706F}"/>
+                <a16:creationId xmlns:a16="http://schemas.microsoft.com/office/drawing/2014/main" xmlns="" id="{08E3B82D-1B81-45F5-8EF7-61A45103706F}"/>
               </a:ext>
             </a:extLst>
           </p:cNvPr>
@@ -6623,7 +6623,7 @@
           <p:cNvPr id="203" name="타원 202">
             <a:extLst>
               <a:ext uri="{FF2B5EF4-FFF2-40B4-BE49-F238E27FC236}">
-                <a16:creationId xmlns:a16="http://schemas.microsoft.com/office/drawing/2014/main" id="{5F7D788C-28A0-4B9C-9EA9-9ACFE972B264}"/>
+                <a16:creationId xmlns:a16="http://schemas.microsoft.com/office/drawing/2014/main" xmlns="" id="{5F7D788C-28A0-4B9C-9EA9-9ACFE972B264}"/>
               </a:ext>
             </a:extLst>
           </p:cNvPr>
@@ -6684,7 +6684,7 @@
           <p:cNvPr id="204" name="타원 203">
             <a:extLst>
               <a:ext uri="{FF2B5EF4-FFF2-40B4-BE49-F238E27FC236}">
-                <a16:creationId xmlns:a16="http://schemas.microsoft.com/office/drawing/2014/main" id="{B23696C0-0570-4599-BFC8-B151FB3F6540}"/>
+                <a16:creationId xmlns:a16="http://schemas.microsoft.com/office/drawing/2014/main" xmlns="" id="{B23696C0-0570-4599-BFC8-B151FB3F6540}"/>
               </a:ext>
             </a:extLst>
           </p:cNvPr>
@@ -6736,7 +6736,7 @@
           <p:cNvPr id="205" name="TextBox 204">
             <a:extLst>
               <a:ext uri="{FF2B5EF4-FFF2-40B4-BE49-F238E27FC236}">
-                <a16:creationId xmlns:a16="http://schemas.microsoft.com/office/drawing/2014/main" id="{E747CE9B-EFA0-4EF4-9E8C-65AA04BF9D1E}"/>
+                <a16:creationId xmlns:a16="http://schemas.microsoft.com/office/drawing/2014/main" xmlns="" id="{E747CE9B-EFA0-4EF4-9E8C-65AA04BF9D1E}"/>
               </a:ext>
             </a:extLst>
           </p:cNvPr>
@@ -6772,7 +6772,7 @@
           <p:cNvPr id="206" name="그래픽 205" descr="핀 있는 지도 윤곽선">
             <a:extLst>
               <a:ext uri="{FF2B5EF4-FFF2-40B4-BE49-F238E27FC236}">
-                <a16:creationId xmlns:a16="http://schemas.microsoft.com/office/drawing/2014/main" id="{F5142EB6-FD3F-450C-A516-99157EAB242B}"/>
+                <a16:creationId xmlns:a16="http://schemas.microsoft.com/office/drawing/2014/main" xmlns="" id="{F5142EB6-FD3F-450C-A516-99157EAB242B}"/>
               </a:ext>
             </a:extLst>
           </p:cNvPr>
@@ -6782,13 +6782,13 @@
           <p:nvPr/>
         </p:nvPicPr>
         <p:blipFill>
-          <a:blip r:embed="rId3">
+          <a:blip r:embed="rId3" cstate="print">
             <a:extLst>
               <a:ext uri="{28A0092B-C50C-407E-A947-70E740481C1C}">
                 <a14:useLocalDpi xmlns:a14="http://schemas.microsoft.com/office/drawing/2010/main" val="0"/>
               </a:ext>
               <a:ext uri="{96DAC541-7B7A-43D3-8B79-37D633B846F1}">
-                <asvg:svgBlip xmlns:asvg="http://schemas.microsoft.com/office/drawing/2016/SVG/main" r:embed="rId4"/>
+                <asvg:svgBlip xmlns:asvg="http://schemas.microsoft.com/office/drawing/2016/SVG/main" xmlns="" r:embed="rId4"/>
               </a:ext>
             </a:extLst>
           </a:blip>
@@ -6811,7 +6811,7 @@
           <p:cNvPr id="20" name="직사각형 19">
             <a:extLst>
               <a:ext uri="{FF2B5EF4-FFF2-40B4-BE49-F238E27FC236}">
-                <a16:creationId xmlns:a16="http://schemas.microsoft.com/office/drawing/2014/main" id="{DB786D9F-9F63-4114-863C-FD277B989344}"/>
+                <a16:creationId xmlns:a16="http://schemas.microsoft.com/office/drawing/2014/main" xmlns="" id="{DB786D9F-9F63-4114-863C-FD277B989344}"/>
               </a:ext>
             </a:extLst>
           </p:cNvPr>
@@ -7155,7 +7155,7 @@
           <p:cNvPr id="213" name="직사각형 212">
             <a:extLst>
               <a:ext uri="{FF2B5EF4-FFF2-40B4-BE49-F238E27FC236}">
-                <a16:creationId xmlns:a16="http://schemas.microsoft.com/office/drawing/2014/main" id="{EE0E73F6-6363-4E70-AB7B-EE4257F2A2D2}"/>
+                <a16:creationId xmlns:a16="http://schemas.microsoft.com/office/drawing/2014/main" xmlns="" id="{EE0E73F6-6363-4E70-AB7B-EE4257F2A2D2}"/>
               </a:ext>
             </a:extLst>
           </p:cNvPr>
@@ -7480,7 +7480,7 @@
           <p:cNvPr id="21" name="TextBox 20">
             <a:extLst>
               <a:ext uri="{FF2B5EF4-FFF2-40B4-BE49-F238E27FC236}">
-                <a16:creationId xmlns:a16="http://schemas.microsoft.com/office/drawing/2014/main" id="{04FF0C63-9200-4D4D-87FC-C29E13044F0A}"/>
+                <a16:creationId xmlns:a16="http://schemas.microsoft.com/office/drawing/2014/main" xmlns="" id="{04FF0C63-9200-4D4D-87FC-C29E13044F0A}"/>
               </a:ext>
             </a:extLst>
           </p:cNvPr>
@@ -7516,7 +7516,7 @@
           <p:cNvPr id="22" name="Picture 2" descr="만화 손으로 그린 ​​푸른 나무 | 일러스트 AI 무료 다운로드 - Pikbest">
             <a:extLst>
               <a:ext uri="{FF2B5EF4-FFF2-40B4-BE49-F238E27FC236}">
-                <a16:creationId xmlns:a16="http://schemas.microsoft.com/office/drawing/2014/main" id="{CEC9DEC9-932E-4ABB-BE1A-2A35AFC26FF4}"/>
+                <a16:creationId xmlns:a16="http://schemas.microsoft.com/office/drawing/2014/main" xmlns="" id="{CEC9DEC9-932E-4ABB-BE1A-2A35AFC26FF4}"/>
               </a:ext>
             </a:extLst>
           </p:cNvPr>
@@ -7572,7 +7572,7 @@
           <p:cNvPr id="3" name="그래픽 2" descr="터치 스크린 윤곽선">
             <a:extLst>
               <a:ext uri="{FF2B5EF4-FFF2-40B4-BE49-F238E27FC236}">
-                <a16:creationId xmlns:a16="http://schemas.microsoft.com/office/drawing/2014/main" id="{1CD1DFAE-0145-4553-A084-219FE128D476}"/>
+                <a16:creationId xmlns:a16="http://schemas.microsoft.com/office/drawing/2014/main" xmlns="" id="{1CD1DFAE-0145-4553-A084-219FE128D476}"/>
               </a:ext>
             </a:extLst>
           </p:cNvPr>
@@ -7582,13 +7582,13 @@
           <p:nvPr/>
         </p:nvPicPr>
         <p:blipFill>
-          <a:blip r:embed="rId7">
+          <a:blip r:embed="rId7" cstate="print">
             <a:extLst>
               <a:ext uri="{28A0092B-C50C-407E-A947-70E740481C1C}">
                 <a14:useLocalDpi xmlns:a14="http://schemas.microsoft.com/office/drawing/2010/main" val="0"/>
               </a:ext>
               <a:ext uri="{96DAC541-7B7A-43D3-8B79-37D633B846F1}">
-                <asvg:svgBlip xmlns:asvg="http://schemas.microsoft.com/office/drawing/2016/SVG/main" r:embed="rId8"/>
+                <asvg:svgBlip xmlns:asvg="http://schemas.microsoft.com/office/drawing/2016/SVG/main" xmlns="" r:embed="rId8"/>
               </a:ext>
             </a:extLst>
           </a:blip>
@@ -7611,7 +7611,7 @@
           <p:cNvPr id="25" name="그래픽 24" descr="터치 스크린 윤곽선">
             <a:extLst>
               <a:ext uri="{FF2B5EF4-FFF2-40B4-BE49-F238E27FC236}">
-                <a16:creationId xmlns:a16="http://schemas.microsoft.com/office/drawing/2014/main" id="{D920495D-7B53-4D97-AC56-706D85809515}"/>
+                <a16:creationId xmlns:a16="http://schemas.microsoft.com/office/drawing/2014/main" xmlns="" id="{D920495D-7B53-4D97-AC56-706D85809515}"/>
               </a:ext>
             </a:extLst>
           </p:cNvPr>
@@ -7621,13 +7621,13 @@
           <p:nvPr/>
         </p:nvPicPr>
         <p:blipFill>
-          <a:blip r:embed="rId7">
+          <a:blip r:embed="rId7" cstate="print">
             <a:extLst>
               <a:ext uri="{28A0092B-C50C-407E-A947-70E740481C1C}">
                 <a14:useLocalDpi xmlns:a14="http://schemas.microsoft.com/office/drawing/2010/main" val="0"/>
               </a:ext>
               <a:ext uri="{96DAC541-7B7A-43D3-8B79-37D633B846F1}">
-                <asvg:svgBlip xmlns:asvg="http://schemas.microsoft.com/office/drawing/2016/SVG/main" r:embed="rId8"/>
+                <asvg:svgBlip xmlns:asvg="http://schemas.microsoft.com/office/drawing/2016/SVG/main" xmlns="" r:embed="rId8"/>
               </a:ext>
             </a:extLst>
           </a:blip>
@@ -7650,7 +7650,7 @@
           <p:cNvPr id="26" name="그래픽 25" descr="터치 스크린 윤곽선">
             <a:extLst>
               <a:ext uri="{FF2B5EF4-FFF2-40B4-BE49-F238E27FC236}">
-                <a16:creationId xmlns:a16="http://schemas.microsoft.com/office/drawing/2014/main" id="{9FF982A5-E6CB-4A01-B84C-5C25EF33EFB8}"/>
+                <a16:creationId xmlns:a16="http://schemas.microsoft.com/office/drawing/2014/main" xmlns="" id="{9FF982A5-E6CB-4A01-B84C-5C25EF33EFB8}"/>
               </a:ext>
             </a:extLst>
           </p:cNvPr>
@@ -7660,13 +7660,13 @@
           <p:nvPr/>
         </p:nvPicPr>
         <p:blipFill>
-          <a:blip r:embed="rId7">
+          <a:blip r:embed="rId7" cstate="print">
             <a:extLst>
               <a:ext uri="{28A0092B-C50C-407E-A947-70E740481C1C}">
                 <a14:useLocalDpi xmlns:a14="http://schemas.microsoft.com/office/drawing/2010/main" val="0"/>
               </a:ext>
               <a:ext uri="{96DAC541-7B7A-43D3-8B79-37D633B846F1}">
-                <asvg:svgBlip xmlns:asvg="http://schemas.microsoft.com/office/drawing/2016/SVG/main" r:embed="rId8"/>
+                <asvg:svgBlip xmlns:asvg="http://schemas.microsoft.com/office/drawing/2016/SVG/main" xmlns="" r:embed="rId8"/>
               </a:ext>
             </a:extLst>
           </a:blip>
@@ -7689,7 +7689,7 @@
           <p:cNvPr id="27" name="그래픽 26" descr="터치 스크린 윤곽선">
             <a:extLst>
               <a:ext uri="{FF2B5EF4-FFF2-40B4-BE49-F238E27FC236}">
-                <a16:creationId xmlns:a16="http://schemas.microsoft.com/office/drawing/2014/main" id="{C759BAFE-18FD-48C7-AFEC-6D8D52157389}"/>
+                <a16:creationId xmlns:a16="http://schemas.microsoft.com/office/drawing/2014/main" xmlns="" id="{C759BAFE-18FD-48C7-AFEC-6D8D52157389}"/>
               </a:ext>
             </a:extLst>
           </p:cNvPr>
@@ -7699,13 +7699,13 @@
           <p:nvPr/>
         </p:nvPicPr>
         <p:blipFill>
-          <a:blip r:embed="rId7">
+          <a:blip r:embed="rId7" cstate="print">
             <a:extLst>
               <a:ext uri="{28A0092B-C50C-407E-A947-70E740481C1C}">
                 <a14:useLocalDpi xmlns:a14="http://schemas.microsoft.com/office/drawing/2010/main" val="0"/>
               </a:ext>
               <a:ext uri="{96DAC541-7B7A-43D3-8B79-37D633B846F1}">
-                <asvg:svgBlip xmlns:asvg="http://schemas.microsoft.com/office/drawing/2016/SVG/main" r:embed="rId8"/>
+                <asvg:svgBlip xmlns:asvg="http://schemas.microsoft.com/office/drawing/2016/SVG/main" xmlns="" r:embed="rId8"/>
               </a:ext>
             </a:extLst>
           </a:blip>
@@ -7728,7 +7728,7 @@
           <p:cNvPr id="28" name="그래픽 27" descr="터치 스크린 윤곽선">
             <a:extLst>
               <a:ext uri="{FF2B5EF4-FFF2-40B4-BE49-F238E27FC236}">
-                <a16:creationId xmlns:a16="http://schemas.microsoft.com/office/drawing/2014/main" id="{D5959A35-4E2F-445A-B94A-6101E7CE1A05}"/>
+                <a16:creationId xmlns:a16="http://schemas.microsoft.com/office/drawing/2014/main" xmlns="" id="{D5959A35-4E2F-445A-B94A-6101E7CE1A05}"/>
               </a:ext>
             </a:extLst>
           </p:cNvPr>
@@ -7738,13 +7738,13 @@
           <p:nvPr/>
         </p:nvPicPr>
         <p:blipFill>
-          <a:blip r:embed="rId7">
+          <a:blip r:embed="rId7" cstate="print">
             <a:extLst>
               <a:ext uri="{28A0092B-C50C-407E-A947-70E740481C1C}">
                 <a14:useLocalDpi xmlns:a14="http://schemas.microsoft.com/office/drawing/2010/main" val="0"/>
               </a:ext>
               <a:ext uri="{96DAC541-7B7A-43D3-8B79-37D633B846F1}">
-                <asvg:svgBlip xmlns:asvg="http://schemas.microsoft.com/office/drawing/2016/SVG/main" r:embed="rId8"/>
+                <asvg:svgBlip xmlns:asvg="http://schemas.microsoft.com/office/drawing/2016/SVG/main" xmlns="" r:embed="rId8"/>
               </a:ext>
             </a:extLst>
           </a:blip>
@@ -7767,7 +7767,7 @@
           <p:cNvPr id="29" name="그래픽 28" descr="터치 스크린 윤곽선">
             <a:extLst>
               <a:ext uri="{FF2B5EF4-FFF2-40B4-BE49-F238E27FC236}">
-                <a16:creationId xmlns:a16="http://schemas.microsoft.com/office/drawing/2014/main" id="{E84C5413-AC1B-4F77-BE06-A1375334D4FD}"/>
+                <a16:creationId xmlns:a16="http://schemas.microsoft.com/office/drawing/2014/main" xmlns="" id="{E84C5413-AC1B-4F77-BE06-A1375334D4FD}"/>
               </a:ext>
             </a:extLst>
           </p:cNvPr>
@@ -7777,13 +7777,13 @@
           <p:nvPr/>
         </p:nvPicPr>
         <p:blipFill>
-          <a:blip r:embed="rId7">
+          <a:blip r:embed="rId7" cstate="print">
             <a:extLst>
               <a:ext uri="{28A0092B-C50C-407E-A947-70E740481C1C}">
                 <a14:useLocalDpi xmlns:a14="http://schemas.microsoft.com/office/drawing/2010/main" val="0"/>
               </a:ext>
               <a:ext uri="{96DAC541-7B7A-43D3-8B79-37D633B846F1}">
-                <asvg:svgBlip xmlns:asvg="http://schemas.microsoft.com/office/drawing/2016/SVG/main" r:embed="rId8"/>
+                <asvg:svgBlip xmlns:asvg="http://schemas.microsoft.com/office/drawing/2016/SVG/main" xmlns="" r:embed="rId8"/>
               </a:ext>
             </a:extLst>
           </a:blip>
@@ -7806,7 +7806,7 @@
           <p:cNvPr id="30" name="그래픽 29" descr="터치 스크린 윤곽선">
             <a:extLst>
               <a:ext uri="{FF2B5EF4-FFF2-40B4-BE49-F238E27FC236}">
-                <a16:creationId xmlns:a16="http://schemas.microsoft.com/office/drawing/2014/main" id="{D4C46DE2-9528-419F-9D5F-B075C305A464}"/>
+                <a16:creationId xmlns:a16="http://schemas.microsoft.com/office/drawing/2014/main" xmlns="" id="{D4C46DE2-9528-419F-9D5F-B075C305A464}"/>
               </a:ext>
             </a:extLst>
           </p:cNvPr>
@@ -7816,13 +7816,13 @@
           <p:nvPr/>
         </p:nvPicPr>
         <p:blipFill>
-          <a:blip r:embed="rId7">
+          <a:blip r:embed="rId7" cstate="print">
             <a:extLst>
               <a:ext uri="{28A0092B-C50C-407E-A947-70E740481C1C}">
                 <a14:useLocalDpi xmlns:a14="http://schemas.microsoft.com/office/drawing/2010/main" val="0"/>
               </a:ext>
               <a:ext uri="{96DAC541-7B7A-43D3-8B79-37D633B846F1}">
-                <asvg:svgBlip xmlns:asvg="http://schemas.microsoft.com/office/drawing/2016/SVG/main" r:embed="rId8"/>
+                <asvg:svgBlip xmlns:asvg="http://schemas.microsoft.com/office/drawing/2016/SVG/main" xmlns="" r:embed="rId8"/>
               </a:ext>
             </a:extLst>
           </a:blip>
@@ -7845,7 +7845,7 @@
           <p:cNvPr id="31" name="그래픽 30" descr="터치 스크린 윤곽선">
             <a:extLst>
               <a:ext uri="{FF2B5EF4-FFF2-40B4-BE49-F238E27FC236}">
-                <a16:creationId xmlns:a16="http://schemas.microsoft.com/office/drawing/2014/main" id="{31A63E34-5E81-42FC-802E-158244895A3F}"/>
+                <a16:creationId xmlns:a16="http://schemas.microsoft.com/office/drawing/2014/main" xmlns="" id="{31A63E34-5E81-42FC-802E-158244895A3F}"/>
               </a:ext>
             </a:extLst>
           </p:cNvPr>
@@ -7855,13 +7855,13 @@
           <p:nvPr/>
         </p:nvPicPr>
         <p:blipFill>
-          <a:blip r:embed="rId7">
+          <a:blip r:embed="rId7" cstate="print">
             <a:extLst>
               <a:ext uri="{28A0092B-C50C-407E-A947-70E740481C1C}">
                 <a14:useLocalDpi xmlns:a14="http://schemas.microsoft.com/office/drawing/2010/main" val="0"/>
               </a:ext>
               <a:ext uri="{96DAC541-7B7A-43D3-8B79-37D633B846F1}">
-                <asvg:svgBlip xmlns:asvg="http://schemas.microsoft.com/office/drawing/2016/SVG/main" r:embed="rId8"/>
+                <asvg:svgBlip xmlns:asvg="http://schemas.microsoft.com/office/drawing/2016/SVG/main" xmlns="" r:embed="rId8"/>
               </a:ext>
             </a:extLst>
           </a:blip>
@@ -7914,7 +7914,7 @@
           <p:cNvPr id="198" name="사각형: 둥근 모서리 197">
             <a:extLst>
               <a:ext uri="{FF2B5EF4-FFF2-40B4-BE49-F238E27FC236}">
-                <a16:creationId xmlns:a16="http://schemas.microsoft.com/office/drawing/2014/main" id="{3E02CA4B-E009-458D-9663-19CCDC8D792B}"/>
+                <a16:creationId xmlns:a16="http://schemas.microsoft.com/office/drawing/2014/main" xmlns="" id="{3E02CA4B-E009-458D-9663-19CCDC8D792B}"/>
               </a:ext>
             </a:extLst>
           </p:cNvPr>
@@ -7968,7 +7968,7 @@
           <p:cNvPr id="19" name="직사각형 18">
             <a:extLst>
               <a:ext uri="{FF2B5EF4-FFF2-40B4-BE49-F238E27FC236}">
-                <a16:creationId xmlns:a16="http://schemas.microsoft.com/office/drawing/2014/main" id="{60E8ECA5-8AD5-4EAD-B3F6-94210D46088C}"/>
+                <a16:creationId xmlns:a16="http://schemas.microsoft.com/office/drawing/2014/main" xmlns="" id="{60E8ECA5-8AD5-4EAD-B3F6-94210D46088C}"/>
               </a:ext>
             </a:extLst>
           </p:cNvPr>
@@ -8020,7 +8020,7 @@
           <p:cNvPr id="4" name="직사각형 3">
             <a:extLst>
               <a:ext uri="{FF2B5EF4-FFF2-40B4-BE49-F238E27FC236}">
-                <a16:creationId xmlns:a16="http://schemas.microsoft.com/office/drawing/2014/main" id="{AE93FE2A-85FE-4157-951C-FC2FADBB3B34}"/>
+                <a16:creationId xmlns:a16="http://schemas.microsoft.com/office/drawing/2014/main" xmlns="" id="{AE93FE2A-85FE-4157-951C-FC2FADBB3B34}"/>
               </a:ext>
             </a:extLst>
           </p:cNvPr>
@@ -8072,7 +8072,7 @@
           <p:cNvPr id="7" name="TextBox 6">
             <a:extLst>
               <a:ext uri="{FF2B5EF4-FFF2-40B4-BE49-F238E27FC236}">
-                <a16:creationId xmlns:a16="http://schemas.microsoft.com/office/drawing/2014/main" id="{982817C4-ACF4-45FB-A018-6E6F872691BC}"/>
+                <a16:creationId xmlns:a16="http://schemas.microsoft.com/office/drawing/2014/main" xmlns="" id="{982817C4-ACF4-45FB-A018-6E6F872691BC}"/>
               </a:ext>
             </a:extLst>
           </p:cNvPr>
@@ -8108,7 +8108,7 @@
           <p:cNvPr id="11" name="TextBox 10">
             <a:extLst>
               <a:ext uri="{FF2B5EF4-FFF2-40B4-BE49-F238E27FC236}">
-                <a16:creationId xmlns:a16="http://schemas.microsoft.com/office/drawing/2014/main" id="{4C392713-5D6A-477F-809B-12AAFB288320}"/>
+                <a16:creationId xmlns:a16="http://schemas.microsoft.com/office/drawing/2014/main" xmlns="" id="{4C392713-5D6A-477F-809B-12AAFB288320}"/>
               </a:ext>
             </a:extLst>
           </p:cNvPr>
@@ -8144,7 +8144,7 @@
           <p:cNvPr id="199" name="타원 198">
             <a:extLst>
               <a:ext uri="{FF2B5EF4-FFF2-40B4-BE49-F238E27FC236}">
-                <a16:creationId xmlns:a16="http://schemas.microsoft.com/office/drawing/2014/main" id="{EE49514C-7EC3-4EE2-9128-08A773A94EAF}"/>
+                <a16:creationId xmlns:a16="http://schemas.microsoft.com/office/drawing/2014/main" xmlns="" id="{EE49514C-7EC3-4EE2-9128-08A773A94EAF}"/>
               </a:ext>
             </a:extLst>
           </p:cNvPr>
@@ -8196,7 +8196,7 @@
           <p:cNvPr id="200" name="타원 199">
             <a:extLst>
               <a:ext uri="{FF2B5EF4-FFF2-40B4-BE49-F238E27FC236}">
-                <a16:creationId xmlns:a16="http://schemas.microsoft.com/office/drawing/2014/main" id="{F4FC2F8D-9B46-473F-A9CF-30AFA8F22704}"/>
+                <a16:creationId xmlns:a16="http://schemas.microsoft.com/office/drawing/2014/main" xmlns="" id="{F4FC2F8D-9B46-473F-A9CF-30AFA8F22704}"/>
               </a:ext>
             </a:extLst>
           </p:cNvPr>
@@ -8245,7 +8245,7 @@
           <p:cNvPr id="201" name="타원 200">
             <a:extLst>
               <a:ext uri="{FF2B5EF4-FFF2-40B4-BE49-F238E27FC236}">
-                <a16:creationId xmlns:a16="http://schemas.microsoft.com/office/drawing/2014/main" id="{316BBCC9-1FEB-4F6B-A90B-02CDB0A5202A}"/>
+                <a16:creationId xmlns:a16="http://schemas.microsoft.com/office/drawing/2014/main" xmlns="" id="{316BBCC9-1FEB-4F6B-A90B-02CDB0A5202A}"/>
               </a:ext>
             </a:extLst>
           </p:cNvPr>
@@ -8297,7 +8297,7 @@
           <p:cNvPr id="202" name="타원 201">
             <a:extLst>
               <a:ext uri="{FF2B5EF4-FFF2-40B4-BE49-F238E27FC236}">
-                <a16:creationId xmlns:a16="http://schemas.microsoft.com/office/drawing/2014/main" id="{08E3B82D-1B81-45F5-8EF7-61A45103706F}"/>
+                <a16:creationId xmlns:a16="http://schemas.microsoft.com/office/drawing/2014/main" xmlns="" id="{08E3B82D-1B81-45F5-8EF7-61A45103706F}"/>
               </a:ext>
             </a:extLst>
           </p:cNvPr>
@@ -8355,7 +8355,7 @@
           <p:cNvPr id="203" name="타원 202">
             <a:extLst>
               <a:ext uri="{FF2B5EF4-FFF2-40B4-BE49-F238E27FC236}">
-                <a16:creationId xmlns:a16="http://schemas.microsoft.com/office/drawing/2014/main" id="{5F7D788C-28A0-4B9C-9EA9-9ACFE972B264}"/>
+                <a16:creationId xmlns:a16="http://schemas.microsoft.com/office/drawing/2014/main" xmlns="" id="{5F7D788C-28A0-4B9C-9EA9-9ACFE972B264}"/>
               </a:ext>
             </a:extLst>
           </p:cNvPr>
@@ -8416,7 +8416,7 @@
           <p:cNvPr id="204" name="타원 203">
             <a:extLst>
               <a:ext uri="{FF2B5EF4-FFF2-40B4-BE49-F238E27FC236}">
-                <a16:creationId xmlns:a16="http://schemas.microsoft.com/office/drawing/2014/main" id="{B23696C0-0570-4599-BFC8-B151FB3F6540}"/>
+                <a16:creationId xmlns:a16="http://schemas.microsoft.com/office/drawing/2014/main" xmlns="" id="{B23696C0-0570-4599-BFC8-B151FB3F6540}"/>
               </a:ext>
             </a:extLst>
           </p:cNvPr>
@@ -8468,7 +8468,7 @@
           <p:cNvPr id="205" name="TextBox 204">
             <a:extLst>
               <a:ext uri="{FF2B5EF4-FFF2-40B4-BE49-F238E27FC236}">
-                <a16:creationId xmlns:a16="http://schemas.microsoft.com/office/drawing/2014/main" id="{E747CE9B-EFA0-4EF4-9E8C-65AA04BF9D1E}"/>
+                <a16:creationId xmlns:a16="http://schemas.microsoft.com/office/drawing/2014/main" xmlns="" id="{E747CE9B-EFA0-4EF4-9E8C-65AA04BF9D1E}"/>
               </a:ext>
             </a:extLst>
           </p:cNvPr>
@@ -8504,7 +8504,7 @@
           <p:cNvPr id="206" name="그래픽 205" descr="핀 있는 지도 윤곽선">
             <a:extLst>
               <a:ext uri="{FF2B5EF4-FFF2-40B4-BE49-F238E27FC236}">
-                <a16:creationId xmlns:a16="http://schemas.microsoft.com/office/drawing/2014/main" id="{F5142EB6-FD3F-450C-A516-99157EAB242B}"/>
+                <a16:creationId xmlns:a16="http://schemas.microsoft.com/office/drawing/2014/main" xmlns="" id="{F5142EB6-FD3F-450C-A516-99157EAB242B}"/>
               </a:ext>
             </a:extLst>
           </p:cNvPr>
@@ -8514,13 +8514,13 @@
           <p:nvPr/>
         </p:nvPicPr>
         <p:blipFill>
-          <a:blip r:embed="rId3">
+          <a:blip r:embed="rId3" cstate="print">
             <a:extLst>
               <a:ext uri="{28A0092B-C50C-407E-A947-70E740481C1C}">
                 <a14:useLocalDpi xmlns:a14="http://schemas.microsoft.com/office/drawing/2010/main" val="0"/>
               </a:ext>
               <a:ext uri="{96DAC541-7B7A-43D3-8B79-37D633B846F1}">
-                <asvg:svgBlip xmlns:asvg="http://schemas.microsoft.com/office/drawing/2016/SVG/main" r:embed="rId4"/>
+                <asvg:svgBlip xmlns:asvg="http://schemas.microsoft.com/office/drawing/2016/SVG/main" xmlns="" r:embed="rId4"/>
               </a:ext>
             </a:extLst>
           </a:blip>
@@ -8543,7 +8543,7 @@
           <p:cNvPr id="20" name="직사각형 19">
             <a:extLst>
               <a:ext uri="{FF2B5EF4-FFF2-40B4-BE49-F238E27FC236}">
-                <a16:creationId xmlns:a16="http://schemas.microsoft.com/office/drawing/2014/main" id="{DB786D9F-9F63-4114-863C-FD277B989344}"/>
+                <a16:creationId xmlns:a16="http://schemas.microsoft.com/office/drawing/2014/main" xmlns="" id="{DB786D9F-9F63-4114-863C-FD277B989344}"/>
               </a:ext>
             </a:extLst>
           </p:cNvPr>
@@ -8868,7 +8868,7 @@
           <p:cNvPr id="213" name="직사각형 212">
             <a:extLst>
               <a:ext uri="{FF2B5EF4-FFF2-40B4-BE49-F238E27FC236}">
-                <a16:creationId xmlns:a16="http://schemas.microsoft.com/office/drawing/2014/main" id="{EE0E73F6-6363-4E70-AB7B-EE4257F2A2D2}"/>
+                <a16:creationId xmlns:a16="http://schemas.microsoft.com/office/drawing/2014/main" xmlns="" id="{EE0E73F6-6363-4E70-AB7B-EE4257F2A2D2}"/>
               </a:ext>
             </a:extLst>
           </p:cNvPr>
@@ -9193,7 +9193,7 @@
           <p:cNvPr id="21" name="TextBox 20">
             <a:extLst>
               <a:ext uri="{FF2B5EF4-FFF2-40B4-BE49-F238E27FC236}">
-                <a16:creationId xmlns:a16="http://schemas.microsoft.com/office/drawing/2014/main" id="{04FF0C63-9200-4D4D-87FC-C29E13044F0A}"/>
+                <a16:creationId xmlns:a16="http://schemas.microsoft.com/office/drawing/2014/main" xmlns="" id="{04FF0C63-9200-4D4D-87FC-C29E13044F0A}"/>
               </a:ext>
             </a:extLst>
           </p:cNvPr>
@@ -9229,7 +9229,7 @@
           <p:cNvPr id="2050" name="Picture 2" descr="블루 베리 화분 - 스톡일러스트 [5582910] - PIXTA">
             <a:extLst>
               <a:ext uri="{FF2B5EF4-FFF2-40B4-BE49-F238E27FC236}">
-                <a16:creationId xmlns:a16="http://schemas.microsoft.com/office/drawing/2014/main" id="{98F60F34-E193-42A4-BDFB-3D8CDCB9987D}"/>
+                <a16:creationId xmlns:a16="http://schemas.microsoft.com/office/drawing/2014/main" xmlns="" id="{98F60F34-E193-42A4-BDFB-3D8CDCB9987D}"/>
               </a:ext>
             </a:extLst>
           </p:cNvPr>
@@ -9310,7 +9310,7 @@
           <p:cNvPr id="2052" name="Picture 4" descr="바구니 일러스트 : 네이버 블로그">
             <a:extLst>
               <a:ext uri="{FF2B5EF4-FFF2-40B4-BE49-F238E27FC236}">
-                <a16:creationId xmlns:a16="http://schemas.microsoft.com/office/drawing/2014/main" id="{8E9D5C9C-E8B8-44E4-864E-B37AADB4BEE8}"/>
+                <a16:creationId xmlns:a16="http://schemas.microsoft.com/office/drawing/2014/main" xmlns="" id="{8E9D5C9C-E8B8-44E4-864E-B37AADB4BEE8}"/>
               </a:ext>
             </a:extLst>
           </p:cNvPr>
@@ -9376,7 +9376,7 @@
           <p:cNvPr id="32" name="그래픽 31" descr="터치 스크린 윤곽선">
             <a:extLst>
               <a:ext uri="{FF2B5EF4-FFF2-40B4-BE49-F238E27FC236}">
-                <a16:creationId xmlns:a16="http://schemas.microsoft.com/office/drawing/2014/main" id="{B78AB127-1164-4391-8F1A-B430A2C20FF0}"/>
+                <a16:creationId xmlns:a16="http://schemas.microsoft.com/office/drawing/2014/main" xmlns="" id="{B78AB127-1164-4391-8F1A-B430A2C20FF0}"/>
               </a:ext>
             </a:extLst>
           </p:cNvPr>
@@ -9386,13 +9386,13 @@
           <p:nvPr/>
         </p:nvPicPr>
         <p:blipFill>
-          <a:blip r:embed="rId9">
+          <a:blip r:embed="rId9" cstate="print">
             <a:extLst>
               <a:ext uri="{28A0092B-C50C-407E-A947-70E740481C1C}">
                 <a14:useLocalDpi xmlns:a14="http://schemas.microsoft.com/office/drawing/2010/main" val="0"/>
               </a:ext>
               <a:ext uri="{96DAC541-7B7A-43D3-8B79-37D633B846F1}">
-                <asvg:svgBlip xmlns:asvg="http://schemas.microsoft.com/office/drawing/2016/SVG/main" r:embed="rId10"/>
+                <asvg:svgBlip xmlns:asvg="http://schemas.microsoft.com/office/drawing/2016/SVG/main" xmlns="" r:embed="rId10"/>
               </a:ext>
             </a:extLst>
           </a:blip>
@@ -9415,7 +9415,7 @@
           <p:cNvPr id="33" name="그래픽 32" descr="터치 스크린 윤곽선">
             <a:extLst>
               <a:ext uri="{FF2B5EF4-FFF2-40B4-BE49-F238E27FC236}">
-                <a16:creationId xmlns:a16="http://schemas.microsoft.com/office/drawing/2014/main" id="{3212D5B1-EB66-475A-BC14-1FD457100FA8}"/>
+                <a16:creationId xmlns:a16="http://schemas.microsoft.com/office/drawing/2014/main" xmlns="" id="{3212D5B1-EB66-475A-BC14-1FD457100FA8}"/>
               </a:ext>
             </a:extLst>
           </p:cNvPr>
@@ -9425,13 +9425,13 @@
           <p:nvPr/>
         </p:nvPicPr>
         <p:blipFill>
-          <a:blip r:embed="rId9">
+          <a:blip r:embed="rId9" cstate="print">
             <a:extLst>
               <a:ext uri="{28A0092B-C50C-407E-A947-70E740481C1C}">
                 <a14:useLocalDpi xmlns:a14="http://schemas.microsoft.com/office/drawing/2010/main" val="0"/>
               </a:ext>
               <a:ext uri="{96DAC541-7B7A-43D3-8B79-37D633B846F1}">
-                <asvg:svgBlip xmlns:asvg="http://schemas.microsoft.com/office/drawing/2016/SVG/main" r:embed="rId10"/>
+                <asvg:svgBlip xmlns:asvg="http://schemas.microsoft.com/office/drawing/2016/SVG/main" xmlns="" r:embed="rId10"/>
               </a:ext>
             </a:extLst>
           </a:blip>
@@ -9454,7 +9454,7 @@
           <p:cNvPr id="5" name="직선 화살표 연결선 4">
             <a:extLst>
               <a:ext uri="{FF2B5EF4-FFF2-40B4-BE49-F238E27FC236}">
-                <a16:creationId xmlns:a16="http://schemas.microsoft.com/office/drawing/2014/main" id="{B4EBC624-914E-42E8-BC6F-6B50FB0A4211}"/>
+                <a16:creationId xmlns:a16="http://schemas.microsoft.com/office/drawing/2014/main" xmlns="" id="{B4EBC624-914E-42E8-BC6F-6B50FB0A4211}"/>
               </a:ext>
             </a:extLst>
           </p:cNvPr>
@@ -9528,7 +9528,7 @@
           <p:cNvPr id="198" name="사각형: 둥근 모서리 197">
             <a:extLst>
               <a:ext uri="{FF2B5EF4-FFF2-40B4-BE49-F238E27FC236}">
-                <a16:creationId xmlns:a16="http://schemas.microsoft.com/office/drawing/2014/main" id="{3E02CA4B-E009-458D-9663-19CCDC8D792B}"/>
+                <a16:creationId xmlns:a16="http://schemas.microsoft.com/office/drawing/2014/main" xmlns="" id="{3E02CA4B-E009-458D-9663-19CCDC8D792B}"/>
               </a:ext>
             </a:extLst>
           </p:cNvPr>
@@ -9582,7 +9582,7 @@
           <p:cNvPr id="19" name="직사각형 18">
             <a:extLst>
               <a:ext uri="{FF2B5EF4-FFF2-40B4-BE49-F238E27FC236}">
-                <a16:creationId xmlns:a16="http://schemas.microsoft.com/office/drawing/2014/main" id="{60E8ECA5-8AD5-4EAD-B3F6-94210D46088C}"/>
+                <a16:creationId xmlns:a16="http://schemas.microsoft.com/office/drawing/2014/main" xmlns="" id="{60E8ECA5-8AD5-4EAD-B3F6-94210D46088C}"/>
               </a:ext>
             </a:extLst>
           </p:cNvPr>
@@ -9634,7 +9634,7 @@
           <p:cNvPr id="4" name="직사각형 3">
             <a:extLst>
               <a:ext uri="{FF2B5EF4-FFF2-40B4-BE49-F238E27FC236}">
-                <a16:creationId xmlns:a16="http://schemas.microsoft.com/office/drawing/2014/main" id="{AE93FE2A-85FE-4157-951C-FC2FADBB3B34}"/>
+                <a16:creationId xmlns:a16="http://schemas.microsoft.com/office/drawing/2014/main" xmlns="" id="{AE93FE2A-85FE-4157-951C-FC2FADBB3B34}"/>
               </a:ext>
             </a:extLst>
           </p:cNvPr>
@@ -9686,7 +9686,7 @@
           <p:cNvPr id="7" name="TextBox 6">
             <a:extLst>
               <a:ext uri="{FF2B5EF4-FFF2-40B4-BE49-F238E27FC236}">
-                <a16:creationId xmlns:a16="http://schemas.microsoft.com/office/drawing/2014/main" id="{982817C4-ACF4-45FB-A018-6E6F872691BC}"/>
+                <a16:creationId xmlns:a16="http://schemas.microsoft.com/office/drawing/2014/main" xmlns="" id="{982817C4-ACF4-45FB-A018-6E6F872691BC}"/>
               </a:ext>
             </a:extLst>
           </p:cNvPr>
@@ -9722,7 +9722,7 @@
           <p:cNvPr id="11" name="TextBox 10">
             <a:extLst>
               <a:ext uri="{FF2B5EF4-FFF2-40B4-BE49-F238E27FC236}">
-                <a16:creationId xmlns:a16="http://schemas.microsoft.com/office/drawing/2014/main" id="{4C392713-5D6A-477F-809B-12AAFB288320}"/>
+                <a16:creationId xmlns:a16="http://schemas.microsoft.com/office/drawing/2014/main" xmlns="" id="{4C392713-5D6A-477F-809B-12AAFB288320}"/>
               </a:ext>
             </a:extLst>
           </p:cNvPr>
@@ -9758,7 +9758,7 @@
           <p:cNvPr id="199" name="타원 198">
             <a:extLst>
               <a:ext uri="{FF2B5EF4-FFF2-40B4-BE49-F238E27FC236}">
-                <a16:creationId xmlns:a16="http://schemas.microsoft.com/office/drawing/2014/main" id="{EE49514C-7EC3-4EE2-9128-08A773A94EAF}"/>
+                <a16:creationId xmlns:a16="http://schemas.microsoft.com/office/drawing/2014/main" xmlns="" id="{EE49514C-7EC3-4EE2-9128-08A773A94EAF}"/>
               </a:ext>
             </a:extLst>
           </p:cNvPr>
@@ -9810,7 +9810,7 @@
           <p:cNvPr id="200" name="타원 199">
             <a:extLst>
               <a:ext uri="{FF2B5EF4-FFF2-40B4-BE49-F238E27FC236}">
-                <a16:creationId xmlns:a16="http://schemas.microsoft.com/office/drawing/2014/main" id="{F4FC2F8D-9B46-473F-A9CF-30AFA8F22704}"/>
+                <a16:creationId xmlns:a16="http://schemas.microsoft.com/office/drawing/2014/main" xmlns="" id="{F4FC2F8D-9B46-473F-A9CF-30AFA8F22704}"/>
               </a:ext>
             </a:extLst>
           </p:cNvPr>
@@ -9859,7 +9859,7 @@
           <p:cNvPr id="201" name="타원 200">
             <a:extLst>
               <a:ext uri="{FF2B5EF4-FFF2-40B4-BE49-F238E27FC236}">
-                <a16:creationId xmlns:a16="http://schemas.microsoft.com/office/drawing/2014/main" id="{316BBCC9-1FEB-4F6B-A90B-02CDB0A5202A}"/>
+                <a16:creationId xmlns:a16="http://schemas.microsoft.com/office/drawing/2014/main" xmlns="" id="{316BBCC9-1FEB-4F6B-A90B-02CDB0A5202A}"/>
               </a:ext>
             </a:extLst>
           </p:cNvPr>
@@ -9911,7 +9911,7 @@
           <p:cNvPr id="202" name="타원 201">
             <a:extLst>
               <a:ext uri="{FF2B5EF4-FFF2-40B4-BE49-F238E27FC236}">
-                <a16:creationId xmlns:a16="http://schemas.microsoft.com/office/drawing/2014/main" id="{08E3B82D-1B81-45F5-8EF7-61A45103706F}"/>
+                <a16:creationId xmlns:a16="http://schemas.microsoft.com/office/drawing/2014/main" xmlns="" id="{08E3B82D-1B81-45F5-8EF7-61A45103706F}"/>
               </a:ext>
             </a:extLst>
           </p:cNvPr>
@@ -9969,7 +9969,7 @@
           <p:cNvPr id="203" name="타원 202">
             <a:extLst>
               <a:ext uri="{FF2B5EF4-FFF2-40B4-BE49-F238E27FC236}">
-                <a16:creationId xmlns:a16="http://schemas.microsoft.com/office/drawing/2014/main" id="{5F7D788C-28A0-4B9C-9EA9-9ACFE972B264}"/>
+                <a16:creationId xmlns:a16="http://schemas.microsoft.com/office/drawing/2014/main" xmlns="" id="{5F7D788C-28A0-4B9C-9EA9-9ACFE972B264}"/>
               </a:ext>
             </a:extLst>
           </p:cNvPr>
@@ -10030,7 +10030,7 @@
           <p:cNvPr id="204" name="타원 203">
             <a:extLst>
               <a:ext uri="{FF2B5EF4-FFF2-40B4-BE49-F238E27FC236}">
-                <a16:creationId xmlns:a16="http://schemas.microsoft.com/office/drawing/2014/main" id="{B23696C0-0570-4599-BFC8-B151FB3F6540}"/>
+                <a16:creationId xmlns:a16="http://schemas.microsoft.com/office/drawing/2014/main" xmlns="" id="{B23696C0-0570-4599-BFC8-B151FB3F6540}"/>
               </a:ext>
             </a:extLst>
           </p:cNvPr>
@@ -10082,7 +10082,7 @@
           <p:cNvPr id="205" name="TextBox 204">
             <a:extLst>
               <a:ext uri="{FF2B5EF4-FFF2-40B4-BE49-F238E27FC236}">
-                <a16:creationId xmlns:a16="http://schemas.microsoft.com/office/drawing/2014/main" id="{E747CE9B-EFA0-4EF4-9E8C-65AA04BF9D1E}"/>
+                <a16:creationId xmlns:a16="http://schemas.microsoft.com/office/drawing/2014/main" xmlns="" id="{E747CE9B-EFA0-4EF4-9E8C-65AA04BF9D1E}"/>
               </a:ext>
             </a:extLst>
           </p:cNvPr>
@@ -10118,7 +10118,7 @@
           <p:cNvPr id="206" name="그래픽 205" descr="핀 있는 지도 윤곽선">
             <a:extLst>
               <a:ext uri="{FF2B5EF4-FFF2-40B4-BE49-F238E27FC236}">
-                <a16:creationId xmlns:a16="http://schemas.microsoft.com/office/drawing/2014/main" id="{F5142EB6-FD3F-450C-A516-99157EAB242B}"/>
+                <a16:creationId xmlns:a16="http://schemas.microsoft.com/office/drawing/2014/main" xmlns="" id="{F5142EB6-FD3F-450C-A516-99157EAB242B}"/>
               </a:ext>
             </a:extLst>
           </p:cNvPr>
@@ -10128,13 +10128,13 @@
           <p:nvPr/>
         </p:nvPicPr>
         <p:blipFill>
-          <a:blip r:embed="rId3">
+          <a:blip r:embed="rId3" cstate="print">
             <a:extLst>
               <a:ext uri="{28A0092B-C50C-407E-A947-70E740481C1C}">
                 <a14:useLocalDpi xmlns:a14="http://schemas.microsoft.com/office/drawing/2010/main" val="0"/>
               </a:ext>
               <a:ext uri="{96DAC541-7B7A-43D3-8B79-37D633B846F1}">
-                <asvg:svgBlip xmlns:asvg="http://schemas.microsoft.com/office/drawing/2016/SVG/main" r:embed="rId4"/>
+                <asvg:svgBlip xmlns:asvg="http://schemas.microsoft.com/office/drawing/2016/SVG/main" xmlns="" r:embed="rId4"/>
               </a:ext>
             </a:extLst>
           </a:blip>
@@ -10157,7 +10157,7 @@
           <p:cNvPr id="20" name="직사각형 19">
             <a:extLst>
               <a:ext uri="{FF2B5EF4-FFF2-40B4-BE49-F238E27FC236}">
-                <a16:creationId xmlns:a16="http://schemas.microsoft.com/office/drawing/2014/main" id="{DB786D9F-9F63-4114-863C-FD277B989344}"/>
+                <a16:creationId xmlns:a16="http://schemas.microsoft.com/office/drawing/2014/main" xmlns="" id="{DB786D9F-9F63-4114-863C-FD277B989344}"/>
               </a:ext>
             </a:extLst>
           </p:cNvPr>
@@ -10331,22 +10331,6 @@
               <a:t>돌이 </a:t>
             </a:r>
             <a:r>
-              <a:rPr lang="ko-KR" altLang="en-US" sz="1200" dirty="0" err="1">
-                <a:ln w="0"/>
-                <a:solidFill>
-                  <a:schemeClr val="tx1"/>
-                </a:solidFill>
-                <a:effectLst>
-                  <a:outerShdw blurRad="38100" dist="19050" dir="2700000" algn="tl" rotWithShape="0">
-                    <a:schemeClr val="dk1">
-                      <a:alpha val="40000"/>
-                    </a:schemeClr>
-                  </a:outerShdw>
-                </a:effectLst>
-              </a:rPr>
-              <a:t>꺠지며</a:t>
-            </a:r>
-            <a:r>
               <a:rPr lang="ko-KR" altLang="en-US" sz="1200" dirty="0">
                 <a:ln w="0"/>
                 <a:solidFill>
@@ -10360,7 +10344,39 @@
                   </a:outerShdw>
                 </a:effectLst>
               </a:rPr>
-              <a:t> 속이 보이고</a:t>
+              <a:t>깨</a:t>
+            </a:r>
+            <a:r>
+              <a:rPr lang="ko-KR" altLang="en-US" sz="1200" dirty="0" smtClean="0">
+                <a:ln w="0"/>
+                <a:solidFill>
+                  <a:schemeClr val="tx1"/>
+                </a:solidFill>
+                <a:effectLst>
+                  <a:outerShdw blurRad="38100" dist="19050" dir="2700000" algn="tl" rotWithShape="0">
+                    <a:schemeClr val="dk1">
+                      <a:alpha val="40000"/>
+                    </a:schemeClr>
+                  </a:outerShdw>
+                </a:effectLst>
+              </a:rPr>
+              <a:t>지며 </a:t>
+            </a:r>
+            <a:r>
+              <a:rPr lang="ko-KR" altLang="en-US" sz="1200" dirty="0">
+                <a:ln w="0"/>
+                <a:solidFill>
+                  <a:schemeClr val="tx1"/>
+                </a:solidFill>
+                <a:effectLst>
+                  <a:outerShdw blurRad="38100" dist="19050" dir="2700000" algn="tl" rotWithShape="0">
+                    <a:schemeClr val="dk1">
+                      <a:alpha val="40000"/>
+                    </a:schemeClr>
+                  </a:outerShdw>
+                </a:effectLst>
+              </a:rPr>
+              <a:t>속이 보이고</a:t>
             </a:r>
             <a:endParaRPr lang="en-US" altLang="ko-KR" sz="1200" dirty="0">
               <a:ln w="0"/>
@@ -10450,7 +10466,7 @@
           <p:cNvPr id="213" name="직사각형 212">
             <a:extLst>
               <a:ext uri="{FF2B5EF4-FFF2-40B4-BE49-F238E27FC236}">
-                <a16:creationId xmlns:a16="http://schemas.microsoft.com/office/drawing/2014/main" id="{EE0E73F6-6363-4E70-AB7B-EE4257F2A2D2}"/>
+                <a16:creationId xmlns:a16="http://schemas.microsoft.com/office/drawing/2014/main" xmlns="" id="{EE0E73F6-6363-4E70-AB7B-EE4257F2A2D2}"/>
               </a:ext>
             </a:extLst>
           </p:cNvPr>
@@ -10775,7 +10791,7 @@
           <p:cNvPr id="21" name="TextBox 20">
             <a:extLst>
               <a:ext uri="{FF2B5EF4-FFF2-40B4-BE49-F238E27FC236}">
-                <a16:creationId xmlns:a16="http://schemas.microsoft.com/office/drawing/2014/main" id="{04FF0C63-9200-4D4D-87FC-C29E13044F0A}"/>
+                <a16:creationId xmlns:a16="http://schemas.microsoft.com/office/drawing/2014/main" xmlns="" id="{04FF0C63-9200-4D4D-87FC-C29E13044F0A}"/>
               </a:ext>
             </a:extLst>
           </p:cNvPr>
@@ -10811,7 +10827,7 @@
           <p:cNvPr id="4098" name="Picture 2" descr="암석의 재질 이미지 (a6667902) - 게티이미지뱅크">
             <a:extLst>
               <a:ext uri="{FF2B5EF4-FFF2-40B4-BE49-F238E27FC236}">
-                <a16:creationId xmlns:a16="http://schemas.microsoft.com/office/drawing/2014/main" id="{C6F9DE9E-C352-4093-B3AC-DE67DE989ABA}"/>
+                <a16:creationId xmlns:a16="http://schemas.microsoft.com/office/drawing/2014/main" xmlns="" id="{C6F9DE9E-C352-4093-B3AC-DE67DE989ABA}"/>
               </a:ext>
             </a:extLst>
           </p:cNvPr>
@@ -10888,7 +10904,7 @@
           <p:cNvPr id="198" name="사각형: 둥근 모서리 197">
             <a:extLst>
               <a:ext uri="{FF2B5EF4-FFF2-40B4-BE49-F238E27FC236}">
-                <a16:creationId xmlns:a16="http://schemas.microsoft.com/office/drawing/2014/main" id="{3E02CA4B-E009-458D-9663-19CCDC8D792B}"/>
+                <a16:creationId xmlns:a16="http://schemas.microsoft.com/office/drawing/2014/main" xmlns="" id="{3E02CA4B-E009-458D-9663-19CCDC8D792B}"/>
               </a:ext>
             </a:extLst>
           </p:cNvPr>
@@ -10942,7 +10958,7 @@
           <p:cNvPr id="19" name="직사각형 18">
             <a:extLst>
               <a:ext uri="{FF2B5EF4-FFF2-40B4-BE49-F238E27FC236}">
-                <a16:creationId xmlns:a16="http://schemas.microsoft.com/office/drawing/2014/main" id="{60E8ECA5-8AD5-4EAD-B3F6-94210D46088C}"/>
+                <a16:creationId xmlns:a16="http://schemas.microsoft.com/office/drawing/2014/main" xmlns="" id="{60E8ECA5-8AD5-4EAD-B3F6-94210D46088C}"/>
               </a:ext>
             </a:extLst>
           </p:cNvPr>
@@ -10994,7 +11010,7 @@
           <p:cNvPr id="4" name="직사각형 3">
             <a:extLst>
               <a:ext uri="{FF2B5EF4-FFF2-40B4-BE49-F238E27FC236}">
-                <a16:creationId xmlns:a16="http://schemas.microsoft.com/office/drawing/2014/main" id="{AE93FE2A-85FE-4157-951C-FC2FADBB3B34}"/>
+                <a16:creationId xmlns:a16="http://schemas.microsoft.com/office/drawing/2014/main" xmlns="" id="{AE93FE2A-85FE-4157-951C-FC2FADBB3B34}"/>
               </a:ext>
             </a:extLst>
           </p:cNvPr>
@@ -11046,7 +11062,7 @@
           <p:cNvPr id="7" name="TextBox 6">
             <a:extLst>
               <a:ext uri="{FF2B5EF4-FFF2-40B4-BE49-F238E27FC236}">
-                <a16:creationId xmlns:a16="http://schemas.microsoft.com/office/drawing/2014/main" id="{982817C4-ACF4-45FB-A018-6E6F872691BC}"/>
+                <a16:creationId xmlns:a16="http://schemas.microsoft.com/office/drawing/2014/main" xmlns="" id="{982817C4-ACF4-45FB-A018-6E6F872691BC}"/>
               </a:ext>
             </a:extLst>
           </p:cNvPr>
@@ -11082,7 +11098,7 @@
           <p:cNvPr id="11" name="TextBox 10">
             <a:extLst>
               <a:ext uri="{FF2B5EF4-FFF2-40B4-BE49-F238E27FC236}">
-                <a16:creationId xmlns:a16="http://schemas.microsoft.com/office/drawing/2014/main" id="{4C392713-5D6A-477F-809B-12AAFB288320}"/>
+                <a16:creationId xmlns:a16="http://schemas.microsoft.com/office/drawing/2014/main" xmlns="" id="{4C392713-5D6A-477F-809B-12AAFB288320}"/>
               </a:ext>
             </a:extLst>
           </p:cNvPr>
@@ -11118,7 +11134,7 @@
           <p:cNvPr id="199" name="타원 198">
             <a:extLst>
               <a:ext uri="{FF2B5EF4-FFF2-40B4-BE49-F238E27FC236}">
-                <a16:creationId xmlns:a16="http://schemas.microsoft.com/office/drawing/2014/main" id="{EE49514C-7EC3-4EE2-9128-08A773A94EAF}"/>
+                <a16:creationId xmlns:a16="http://schemas.microsoft.com/office/drawing/2014/main" xmlns="" id="{EE49514C-7EC3-4EE2-9128-08A773A94EAF}"/>
               </a:ext>
             </a:extLst>
           </p:cNvPr>
@@ -11170,7 +11186,7 @@
           <p:cNvPr id="200" name="타원 199">
             <a:extLst>
               <a:ext uri="{FF2B5EF4-FFF2-40B4-BE49-F238E27FC236}">
-                <a16:creationId xmlns:a16="http://schemas.microsoft.com/office/drawing/2014/main" id="{F4FC2F8D-9B46-473F-A9CF-30AFA8F22704}"/>
+                <a16:creationId xmlns:a16="http://schemas.microsoft.com/office/drawing/2014/main" xmlns="" id="{F4FC2F8D-9B46-473F-A9CF-30AFA8F22704}"/>
               </a:ext>
             </a:extLst>
           </p:cNvPr>
@@ -11219,7 +11235,7 @@
           <p:cNvPr id="201" name="타원 200">
             <a:extLst>
               <a:ext uri="{FF2B5EF4-FFF2-40B4-BE49-F238E27FC236}">
-                <a16:creationId xmlns:a16="http://schemas.microsoft.com/office/drawing/2014/main" id="{316BBCC9-1FEB-4F6B-A90B-02CDB0A5202A}"/>
+                <a16:creationId xmlns:a16="http://schemas.microsoft.com/office/drawing/2014/main" xmlns="" id="{316BBCC9-1FEB-4F6B-A90B-02CDB0A5202A}"/>
               </a:ext>
             </a:extLst>
           </p:cNvPr>
@@ -11271,7 +11287,7 @@
           <p:cNvPr id="202" name="타원 201">
             <a:extLst>
               <a:ext uri="{FF2B5EF4-FFF2-40B4-BE49-F238E27FC236}">
-                <a16:creationId xmlns:a16="http://schemas.microsoft.com/office/drawing/2014/main" id="{08E3B82D-1B81-45F5-8EF7-61A45103706F}"/>
+                <a16:creationId xmlns:a16="http://schemas.microsoft.com/office/drawing/2014/main" xmlns="" id="{08E3B82D-1B81-45F5-8EF7-61A45103706F}"/>
               </a:ext>
             </a:extLst>
           </p:cNvPr>
@@ -11329,7 +11345,7 @@
           <p:cNvPr id="203" name="타원 202">
             <a:extLst>
               <a:ext uri="{FF2B5EF4-FFF2-40B4-BE49-F238E27FC236}">
-                <a16:creationId xmlns:a16="http://schemas.microsoft.com/office/drawing/2014/main" id="{5F7D788C-28A0-4B9C-9EA9-9ACFE972B264}"/>
+                <a16:creationId xmlns:a16="http://schemas.microsoft.com/office/drawing/2014/main" xmlns="" id="{5F7D788C-28A0-4B9C-9EA9-9ACFE972B264}"/>
               </a:ext>
             </a:extLst>
           </p:cNvPr>
@@ -11390,7 +11406,7 @@
           <p:cNvPr id="204" name="타원 203">
             <a:extLst>
               <a:ext uri="{FF2B5EF4-FFF2-40B4-BE49-F238E27FC236}">
-                <a16:creationId xmlns:a16="http://schemas.microsoft.com/office/drawing/2014/main" id="{B23696C0-0570-4599-BFC8-B151FB3F6540}"/>
+                <a16:creationId xmlns:a16="http://schemas.microsoft.com/office/drawing/2014/main" xmlns="" id="{B23696C0-0570-4599-BFC8-B151FB3F6540}"/>
               </a:ext>
             </a:extLst>
           </p:cNvPr>
@@ -11442,7 +11458,7 @@
           <p:cNvPr id="205" name="TextBox 204">
             <a:extLst>
               <a:ext uri="{FF2B5EF4-FFF2-40B4-BE49-F238E27FC236}">
-                <a16:creationId xmlns:a16="http://schemas.microsoft.com/office/drawing/2014/main" id="{E747CE9B-EFA0-4EF4-9E8C-65AA04BF9D1E}"/>
+                <a16:creationId xmlns:a16="http://schemas.microsoft.com/office/drawing/2014/main" xmlns="" id="{E747CE9B-EFA0-4EF4-9E8C-65AA04BF9D1E}"/>
               </a:ext>
             </a:extLst>
           </p:cNvPr>
@@ -11478,7 +11494,7 @@
           <p:cNvPr id="206" name="그래픽 205" descr="핀 있는 지도 윤곽선">
             <a:extLst>
               <a:ext uri="{FF2B5EF4-FFF2-40B4-BE49-F238E27FC236}">
-                <a16:creationId xmlns:a16="http://schemas.microsoft.com/office/drawing/2014/main" id="{F5142EB6-FD3F-450C-A516-99157EAB242B}"/>
+                <a16:creationId xmlns:a16="http://schemas.microsoft.com/office/drawing/2014/main" xmlns="" id="{F5142EB6-FD3F-450C-A516-99157EAB242B}"/>
               </a:ext>
             </a:extLst>
           </p:cNvPr>
@@ -11488,13 +11504,13 @@
           <p:nvPr/>
         </p:nvPicPr>
         <p:blipFill>
-          <a:blip r:embed="rId3">
+          <a:blip r:embed="rId3" cstate="print">
             <a:extLst>
               <a:ext uri="{28A0092B-C50C-407E-A947-70E740481C1C}">
                 <a14:useLocalDpi xmlns:a14="http://schemas.microsoft.com/office/drawing/2010/main" val="0"/>
               </a:ext>
               <a:ext uri="{96DAC541-7B7A-43D3-8B79-37D633B846F1}">
-                <asvg:svgBlip xmlns:asvg="http://schemas.microsoft.com/office/drawing/2016/SVG/main" r:embed="rId4"/>
+                <asvg:svgBlip xmlns:asvg="http://schemas.microsoft.com/office/drawing/2016/SVG/main" xmlns="" r:embed="rId4"/>
               </a:ext>
             </a:extLst>
           </a:blip>
@@ -11517,7 +11533,7 @@
           <p:cNvPr id="20" name="직사각형 19">
             <a:extLst>
               <a:ext uri="{FF2B5EF4-FFF2-40B4-BE49-F238E27FC236}">
-                <a16:creationId xmlns:a16="http://schemas.microsoft.com/office/drawing/2014/main" id="{DB786D9F-9F63-4114-863C-FD277B989344}"/>
+                <a16:creationId xmlns:a16="http://schemas.microsoft.com/office/drawing/2014/main" xmlns="" id="{DB786D9F-9F63-4114-863C-FD277B989344}"/>
               </a:ext>
             </a:extLst>
           </p:cNvPr>
@@ -11842,7 +11858,7 @@
           <p:cNvPr id="213" name="직사각형 212">
             <a:extLst>
               <a:ext uri="{FF2B5EF4-FFF2-40B4-BE49-F238E27FC236}">
-                <a16:creationId xmlns:a16="http://schemas.microsoft.com/office/drawing/2014/main" id="{EE0E73F6-6363-4E70-AB7B-EE4257F2A2D2}"/>
+                <a16:creationId xmlns:a16="http://schemas.microsoft.com/office/drawing/2014/main" xmlns="" id="{EE0E73F6-6363-4E70-AB7B-EE4257F2A2D2}"/>
               </a:ext>
             </a:extLst>
           </p:cNvPr>
@@ -12167,7 +12183,7 @@
           <p:cNvPr id="21" name="TextBox 20">
             <a:extLst>
               <a:ext uri="{FF2B5EF4-FFF2-40B4-BE49-F238E27FC236}">
-                <a16:creationId xmlns:a16="http://schemas.microsoft.com/office/drawing/2014/main" id="{04FF0C63-9200-4D4D-87FC-C29E13044F0A}"/>
+                <a16:creationId xmlns:a16="http://schemas.microsoft.com/office/drawing/2014/main" xmlns="" id="{04FF0C63-9200-4D4D-87FC-C29E13044F0A}"/>
               </a:ext>
             </a:extLst>
           </p:cNvPr>
@@ -12203,7 +12219,7 @@
           <p:cNvPr id="2" name="그룹 1">
             <a:extLst>
               <a:ext uri="{FF2B5EF4-FFF2-40B4-BE49-F238E27FC236}">
-                <a16:creationId xmlns:a16="http://schemas.microsoft.com/office/drawing/2014/main" id="{2C2611B6-7D77-4A51-AF23-B8C09BF698A4}"/>
+                <a16:creationId xmlns:a16="http://schemas.microsoft.com/office/drawing/2014/main" xmlns="" id="{2C2611B6-7D77-4A51-AF23-B8C09BF698A4}"/>
               </a:ext>
             </a:extLst>
           </p:cNvPr>
@@ -12223,7 +12239,7 @@
             <p:cNvPr id="5122" name="Picture 2" descr="빈 나무 책장 스톡 벡터(로열티 프리) 674668561">
               <a:extLst>
                 <a:ext uri="{FF2B5EF4-FFF2-40B4-BE49-F238E27FC236}">
-                  <a16:creationId xmlns:a16="http://schemas.microsoft.com/office/drawing/2014/main" id="{FA692E17-3E45-4473-A5A6-7564E24E9276}"/>
+                  <a16:creationId xmlns:a16="http://schemas.microsoft.com/office/drawing/2014/main" xmlns="" id="{FA692E17-3E45-4473-A5A6-7564E24E9276}"/>
                 </a:ext>
               </a:extLst>
             </p:cNvPr>
@@ -12270,7 +12286,7 @@
             <p:cNvPr id="5124" name="Picture 4" descr="손으로 그린 ​​시뮬레이션 된 국내 쓰레기 깨진 물병 그림 | 일러스트 PSD 무료 다운로드 - Pikbest">
               <a:extLst>
                 <a:ext uri="{FF2B5EF4-FFF2-40B4-BE49-F238E27FC236}">
-                  <a16:creationId xmlns:a16="http://schemas.microsoft.com/office/drawing/2014/main" id="{CC77CA99-DA6D-42AE-B329-DB2E3667F024}"/>
+                  <a16:creationId xmlns:a16="http://schemas.microsoft.com/office/drawing/2014/main" xmlns="" id="{CC77CA99-DA6D-42AE-B329-DB2E3667F024}"/>
                 </a:ext>
               </a:extLst>
             </p:cNvPr>
@@ -12280,7 +12296,7 @@
             <p:nvPr/>
           </p:nvPicPr>
           <p:blipFill>
-            <a:blip r:embed="rId6">
+            <a:blip r:embed="rId6" cstate="print">
               <a:extLst>
                 <a:ext uri="{BEBA8EAE-BF5A-486C-A8C5-ECC9F3942E4B}">
                   <a14:imgProps xmlns:a14="http://schemas.microsoft.com/office/drawing/2010/main">
@@ -12326,7 +12342,7 @@
             <p:cNvPr id="22" name="Picture 4" descr="손으로 그린 ​​시뮬레이션 된 국내 쓰레기 깨진 물병 그림 | 일러스트 PSD 무료 다운로드 - Pikbest">
               <a:extLst>
                 <a:ext uri="{FF2B5EF4-FFF2-40B4-BE49-F238E27FC236}">
-                  <a16:creationId xmlns:a16="http://schemas.microsoft.com/office/drawing/2014/main" id="{08C8D69D-BDD3-4270-8F2C-326EE35262E7}"/>
+                  <a16:creationId xmlns:a16="http://schemas.microsoft.com/office/drawing/2014/main" xmlns="" id="{08C8D69D-BDD3-4270-8F2C-326EE35262E7}"/>
                 </a:ext>
               </a:extLst>
             </p:cNvPr>
@@ -12336,7 +12352,7 @@
             <p:nvPr/>
           </p:nvPicPr>
           <p:blipFill>
-            <a:blip r:embed="rId6">
+            <a:blip r:embed="rId6" cstate="print">
               <a:extLst>
                 <a:ext uri="{BEBA8EAE-BF5A-486C-A8C5-ECC9F3942E4B}">
                   <a14:imgProps xmlns:a14="http://schemas.microsoft.com/office/drawing/2010/main">
@@ -12382,7 +12398,7 @@
             <p:cNvPr id="23" name="Picture 4" descr="손으로 그린 ​​시뮬레이션 된 국내 쓰레기 깨진 물병 그림 | 일러스트 PSD 무료 다운로드 - Pikbest">
               <a:extLst>
                 <a:ext uri="{FF2B5EF4-FFF2-40B4-BE49-F238E27FC236}">
-                  <a16:creationId xmlns:a16="http://schemas.microsoft.com/office/drawing/2014/main" id="{579AC18E-D4D6-47B1-8BA7-C72DDB503C00}"/>
+                  <a16:creationId xmlns:a16="http://schemas.microsoft.com/office/drawing/2014/main" xmlns="" id="{579AC18E-D4D6-47B1-8BA7-C72DDB503C00}"/>
                 </a:ext>
               </a:extLst>
             </p:cNvPr>
@@ -12392,7 +12408,7 @@
             <p:nvPr/>
           </p:nvPicPr>
           <p:blipFill>
-            <a:blip r:embed="rId6">
+            <a:blip r:embed="rId6" cstate="print">
               <a:extLst>
                 <a:ext uri="{BEBA8EAE-BF5A-486C-A8C5-ECC9F3942E4B}">
                   <a14:imgProps xmlns:a14="http://schemas.microsoft.com/office/drawing/2010/main">
@@ -12438,7 +12454,7 @@
             <p:cNvPr id="24" name="Picture 4" descr="손으로 그린 ​​시뮬레이션 된 국내 쓰레기 깨진 물병 그림 | 일러스트 PSD 무료 다운로드 - Pikbest">
               <a:extLst>
                 <a:ext uri="{FF2B5EF4-FFF2-40B4-BE49-F238E27FC236}">
-                  <a16:creationId xmlns:a16="http://schemas.microsoft.com/office/drawing/2014/main" id="{24719865-6A3D-4579-8033-A6A2B028A2AF}"/>
+                  <a16:creationId xmlns:a16="http://schemas.microsoft.com/office/drawing/2014/main" xmlns="" id="{24719865-6A3D-4579-8033-A6A2B028A2AF}"/>
                 </a:ext>
               </a:extLst>
             </p:cNvPr>
@@ -12448,7 +12464,7 @@
             <p:nvPr/>
           </p:nvPicPr>
           <p:blipFill>
-            <a:blip r:embed="rId6">
+            <a:blip r:embed="rId6" cstate="print">
               <a:extLst>
                 <a:ext uri="{BEBA8EAE-BF5A-486C-A8C5-ECC9F3942E4B}">
                   <a14:imgProps xmlns:a14="http://schemas.microsoft.com/office/drawing/2010/main">
@@ -12494,7 +12510,7 @@
             <p:cNvPr id="25" name="Picture 4" descr="손으로 그린 ​​시뮬레이션 된 국내 쓰레기 깨진 물병 그림 | 일러스트 PSD 무료 다운로드 - Pikbest">
               <a:extLst>
                 <a:ext uri="{FF2B5EF4-FFF2-40B4-BE49-F238E27FC236}">
-                  <a16:creationId xmlns:a16="http://schemas.microsoft.com/office/drawing/2014/main" id="{A7E2B4D7-D7F2-4D3F-A3D5-DFED54C29EB0}"/>
+                  <a16:creationId xmlns:a16="http://schemas.microsoft.com/office/drawing/2014/main" xmlns="" id="{A7E2B4D7-D7F2-4D3F-A3D5-DFED54C29EB0}"/>
                 </a:ext>
               </a:extLst>
             </p:cNvPr>
@@ -12504,7 +12520,7 @@
             <p:nvPr/>
           </p:nvPicPr>
           <p:blipFill>
-            <a:blip r:embed="rId6">
+            <a:blip r:embed="rId6" cstate="print">
               <a:extLst>
                 <a:ext uri="{BEBA8EAE-BF5A-486C-A8C5-ECC9F3942E4B}">
                   <a14:imgProps xmlns:a14="http://schemas.microsoft.com/office/drawing/2010/main">
@@ -12550,7 +12566,7 @@
             <p:cNvPr id="26" name="Picture 4" descr="손으로 그린 ​​시뮬레이션 된 국내 쓰레기 깨진 물병 그림 | 일러스트 PSD 무료 다운로드 - Pikbest">
               <a:extLst>
                 <a:ext uri="{FF2B5EF4-FFF2-40B4-BE49-F238E27FC236}">
-                  <a16:creationId xmlns:a16="http://schemas.microsoft.com/office/drawing/2014/main" id="{6BE6879B-816A-4C84-B4FA-15B023DBCF07}"/>
+                  <a16:creationId xmlns:a16="http://schemas.microsoft.com/office/drawing/2014/main" xmlns="" id="{6BE6879B-816A-4C84-B4FA-15B023DBCF07}"/>
                 </a:ext>
               </a:extLst>
             </p:cNvPr>
@@ -12560,7 +12576,7 @@
             <p:nvPr/>
           </p:nvPicPr>
           <p:blipFill>
-            <a:blip r:embed="rId6">
+            <a:blip r:embed="rId6" cstate="print">
               <a:extLst>
                 <a:ext uri="{BEBA8EAE-BF5A-486C-A8C5-ECC9F3942E4B}">
                   <a14:imgProps xmlns:a14="http://schemas.microsoft.com/office/drawing/2010/main">
@@ -12607,7 +12623,7 @@
           <p:cNvPr id="3" name="화살표: 오른쪽 2">
             <a:extLst>
               <a:ext uri="{FF2B5EF4-FFF2-40B4-BE49-F238E27FC236}">
-                <a16:creationId xmlns:a16="http://schemas.microsoft.com/office/drawing/2014/main" id="{2CD73F11-D725-4F38-A723-ECC168E81044}"/>
+                <a16:creationId xmlns:a16="http://schemas.microsoft.com/office/drawing/2014/main" xmlns="" id="{2CD73F11-D725-4F38-A723-ECC168E81044}"/>
               </a:ext>
             </a:extLst>
           </p:cNvPr>
@@ -12659,7 +12675,7 @@
           <p:cNvPr id="5128" name="Picture 8" descr="물 표면과 버블 사이드 뷰 물에 대한 스톡 사진 및 기타 이미지 - iStock">
             <a:extLst>
               <a:ext uri="{FF2B5EF4-FFF2-40B4-BE49-F238E27FC236}">
-                <a16:creationId xmlns:a16="http://schemas.microsoft.com/office/drawing/2014/main" id="{2A8D7663-B67D-40A4-9610-B8342D53E54A}"/>
+                <a16:creationId xmlns:a16="http://schemas.microsoft.com/office/drawing/2014/main" xmlns="" id="{2A8D7663-B67D-40A4-9610-B8342D53E54A}"/>
               </a:ext>
             </a:extLst>
           </p:cNvPr>
@@ -12706,7 +12722,7 @@
           <p:cNvPr id="38" name="Picture 4" descr="손으로 그린 ​​시뮬레이션 된 국내 쓰레기 깨진 물병 그림 | 일러스트 PSD 무료 다운로드 - Pikbest">
             <a:extLst>
               <a:ext uri="{FF2B5EF4-FFF2-40B4-BE49-F238E27FC236}">
-                <a16:creationId xmlns:a16="http://schemas.microsoft.com/office/drawing/2014/main" id="{F9450B2D-6142-4B55-8560-2AE53E16B122}"/>
+                <a16:creationId xmlns:a16="http://schemas.microsoft.com/office/drawing/2014/main" xmlns="" id="{F9450B2D-6142-4B55-8560-2AE53E16B122}"/>
               </a:ext>
             </a:extLst>
           </p:cNvPr>
@@ -12716,7 +12732,7 @@
           <p:nvPr/>
         </p:nvPicPr>
         <p:blipFill>
-          <a:blip r:embed="rId6">
+          <a:blip r:embed="rId6" cstate="print">
             <a:extLst>
               <a:ext uri="{BEBA8EAE-BF5A-486C-A8C5-ECC9F3942E4B}">
                 <a14:imgProps xmlns:a14="http://schemas.microsoft.com/office/drawing/2010/main">
@@ -12792,7 +12808,7 @@
           <p:cNvPr id="198" name="사각형: 둥근 모서리 197">
             <a:extLst>
               <a:ext uri="{FF2B5EF4-FFF2-40B4-BE49-F238E27FC236}">
-                <a16:creationId xmlns:a16="http://schemas.microsoft.com/office/drawing/2014/main" id="{3E02CA4B-E009-458D-9663-19CCDC8D792B}"/>
+                <a16:creationId xmlns:a16="http://schemas.microsoft.com/office/drawing/2014/main" xmlns="" id="{3E02CA4B-E009-458D-9663-19CCDC8D792B}"/>
               </a:ext>
             </a:extLst>
           </p:cNvPr>
@@ -12846,7 +12862,7 @@
           <p:cNvPr id="19" name="직사각형 18">
             <a:extLst>
               <a:ext uri="{FF2B5EF4-FFF2-40B4-BE49-F238E27FC236}">
-                <a16:creationId xmlns:a16="http://schemas.microsoft.com/office/drawing/2014/main" id="{60E8ECA5-8AD5-4EAD-B3F6-94210D46088C}"/>
+                <a16:creationId xmlns:a16="http://schemas.microsoft.com/office/drawing/2014/main" xmlns="" id="{60E8ECA5-8AD5-4EAD-B3F6-94210D46088C}"/>
               </a:ext>
             </a:extLst>
           </p:cNvPr>
@@ -12898,7 +12914,7 @@
           <p:cNvPr id="4" name="직사각형 3">
             <a:extLst>
               <a:ext uri="{FF2B5EF4-FFF2-40B4-BE49-F238E27FC236}">
-                <a16:creationId xmlns:a16="http://schemas.microsoft.com/office/drawing/2014/main" id="{AE93FE2A-85FE-4157-951C-FC2FADBB3B34}"/>
+                <a16:creationId xmlns:a16="http://schemas.microsoft.com/office/drawing/2014/main" xmlns="" id="{AE93FE2A-85FE-4157-951C-FC2FADBB3B34}"/>
               </a:ext>
             </a:extLst>
           </p:cNvPr>
@@ -12950,7 +12966,7 @@
           <p:cNvPr id="7" name="TextBox 6">
             <a:extLst>
               <a:ext uri="{FF2B5EF4-FFF2-40B4-BE49-F238E27FC236}">
-                <a16:creationId xmlns:a16="http://schemas.microsoft.com/office/drawing/2014/main" id="{982817C4-ACF4-45FB-A018-6E6F872691BC}"/>
+                <a16:creationId xmlns:a16="http://schemas.microsoft.com/office/drawing/2014/main" xmlns="" id="{982817C4-ACF4-45FB-A018-6E6F872691BC}"/>
               </a:ext>
             </a:extLst>
           </p:cNvPr>
@@ -12986,7 +13002,7 @@
           <p:cNvPr id="11" name="TextBox 10">
             <a:extLst>
               <a:ext uri="{FF2B5EF4-FFF2-40B4-BE49-F238E27FC236}">
-                <a16:creationId xmlns:a16="http://schemas.microsoft.com/office/drawing/2014/main" id="{4C392713-5D6A-477F-809B-12AAFB288320}"/>
+                <a16:creationId xmlns:a16="http://schemas.microsoft.com/office/drawing/2014/main" xmlns="" id="{4C392713-5D6A-477F-809B-12AAFB288320}"/>
               </a:ext>
             </a:extLst>
           </p:cNvPr>
@@ -13022,7 +13038,7 @@
           <p:cNvPr id="199" name="타원 198">
             <a:extLst>
               <a:ext uri="{FF2B5EF4-FFF2-40B4-BE49-F238E27FC236}">
-                <a16:creationId xmlns:a16="http://schemas.microsoft.com/office/drawing/2014/main" id="{EE49514C-7EC3-4EE2-9128-08A773A94EAF}"/>
+                <a16:creationId xmlns:a16="http://schemas.microsoft.com/office/drawing/2014/main" xmlns="" id="{EE49514C-7EC3-4EE2-9128-08A773A94EAF}"/>
               </a:ext>
             </a:extLst>
           </p:cNvPr>
@@ -13074,7 +13090,7 @@
           <p:cNvPr id="200" name="타원 199">
             <a:extLst>
               <a:ext uri="{FF2B5EF4-FFF2-40B4-BE49-F238E27FC236}">
-                <a16:creationId xmlns:a16="http://schemas.microsoft.com/office/drawing/2014/main" id="{F4FC2F8D-9B46-473F-A9CF-30AFA8F22704}"/>
+                <a16:creationId xmlns:a16="http://schemas.microsoft.com/office/drawing/2014/main" xmlns="" id="{F4FC2F8D-9B46-473F-A9CF-30AFA8F22704}"/>
               </a:ext>
             </a:extLst>
           </p:cNvPr>
@@ -13123,7 +13139,7 @@
           <p:cNvPr id="201" name="타원 200">
             <a:extLst>
               <a:ext uri="{FF2B5EF4-FFF2-40B4-BE49-F238E27FC236}">
-                <a16:creationId xmlns:a16="http://schemas.microsoft.com/office/drawing/2014/main" id="{316BBCC9-1FEB-4F6B-A90B-02CDB0A5202A}"/>
+                <a16:creationId xmlns:a16="http://schemas.microsoft.com/office/drawing/2014/main" xmlns="" id="{316BBCC9-1FEB-4F6B-A90B-02CDB0A5202A}"/>
               </a:ext>
             </a:extLst>
           </p:cNvPr>
@@ -13175,7 +13191,7 @@
           <p:cNvPr id="202" name="타원 201">
             <a:extLst>
               <a:ext uri="{FF2B5EF4-FFF2-40B4-BE49-F238E27FC236}">
-                <a16:creationId xmlns:a16="http://schemas.microsoft.com/office/drawing/2014/main" id="{08E3B82D-1B81-45F5-8EF7-61A45103706F}"/>
+                <a16:creationId xmlns:a16="http://schemas.microsoft.com/office/drawing/2014/main" xmlns="" id="{08E3B82D-1B81-45F5-8EF7-61A45103706F}"/>
               </a:ext>
             </a:extLst>
           </p:cNvPr>
@@ -13233,7 +13249,7 @@
           <p:cNvPr id="203" name="타원 202">
             <a:extLst>
               <a:ext uri="{FF2B5EF4-FFF2-40B4-BE49-F238E27FC236}">
-                <a16:creationId xmlns:a16="http://schemas.microsoft.com/office/drawing/2014/main" id="{5F7D788C-28A0-4B9C-9EA9-9ACFE972B264}"/>
+                <a16:creationId xmlns:a16="http://schemas.microsoft.com/office/drawing/2014/main" xmlns="" id="{5F7D788C-28A0-4B9C-9EA9-9ACFE972B264}"/>
               </a:ext>
             </a:extLst>
           </p:cNvPr>
@@ -13294,7 +13310,7 @@
           <p:cNvPr id="204" name="타원 203">
             <a:extLst>
               <a:ext uri="{FF2B5EF4-FFF2-40B4-BE49-F238E27FC236}">
-                <a16:creationId xmlns:a16="http://schemas.microsoft.com/office/drawing/2014/main" id="{B23696C0-0570-4599-BFC8-B151FB3F6540}"/>
+                <a16:creationId xmlns:a16="http://schemas.microsoft.com/office/drawing/2014/main" xmlns="" id="{B23696C0-0570-4599-BFC8-B151FB3F6540}"/>
               </a:ext>
             </a:extLst>
           </p:cNvPr>
@@ -13346,7 +13362,7 @@
           <p:cNvPr id="205" name="TextBox 204">
             <a:extLst>
               <a:ext uri="{FF2B5EF4-FFF2-40B4-BE49-F238E27FC236}">
-                <a16:creationId xmlns:a16="http://schemas.microsoft.com/office/drawing/2014/main" id="{E747CE9B-EFA0-4EF4-9E8C-65AA04BF9D1E}"/>
+                <a16:creationId xmlns:a16="http://schemas.microsoft.com/office/drawing/2014/main" xmlns="" id="{E747CE9B-EFA0-4EF4-9E8C-65AA04BF9D1E}"/>
               </a:ext>
             </a:extLst>
           </p:cNvPr>
@@ -13382,7 +13398,7 @@
           <p:cNvPr id="206" name="그래픽 205" descr="핀 있는 지도 윤곽선">
             <a:extLst>
               <a:ext uri="{FF2B5EF4-FFF2-40B4-BE49-F238E27FC236}">
-                <a16:creationId xmlns:a16="http://schemas.microsoft.com/office/drawing/2014/main" id="{F5142EB6-FD3F-450C-A516-99157EAB242B}"/>
+                <a16:creationId xmlns:a16="http://schemas.microsoft.com/office/drawing/2014/main" xmlns="" id="{F5142EB6-FD3F-450C-A516-99157EAB242B}"/>
               </a:ext>
             </a:extLst>
           </p:cNvPr>
@@ -13392,13 +13408,13 @@
           <p:nvPr/>
         </p:nvPicPr>
         <p:blipFill>
-          <a:blip r:embed="rId3">
+          <a:blip r:embed="rId3" cstate="print">
             <a:extLst>
               <a:ext uri="{28A0092B-C50C-407E-A947-70E740481C1C}">
                 <a14:useLocalDpi xmlns:a14="http://schemas.microsoft.com/office/drawing/2010/main" val="0"/>
               </a:ext>
               <a:ext uri="{96DAC541-7B7A-43D3-8B79-37D633B846F1}">
-                <asvg:svgBlip xmlns:asvg="http://schemas.microsoft.com/office/drawing/2016/SVG/main" r:embed="rId4"/>
+                <asvg:svgBlip xmlns:asvg="http://schemas.microsoft.com/office/drawing/2016/SVG/main" xmlns="" r:embed="rId4"/>
               </a:ext>
             </a:extLst>
           </a:blip>
@@ -13421,7 +13437,7 @@
           <p:cNvPr id="20" name="직사각형 19">
             <a:extLst>
               <a:ext uri="{FF2B5EF4-FFF2-40B4-BE49-F238E27FC236}">
-                <a16:creationId xmlns:a16="http://schemas.microsoft.com/office/drawing/2014/main" id="{DB786D9F-9F63-4114-863C-FD277B989344}"/>
+                <a16:creationId xmlns:a16="http://schemas.microsoft.com/office/drawing/2014/main" xmlns="" id="{DB786D9F-9F63-4114-863C-FD277B989344}"/>
               </a:ext>
             </a:extLst>
           </p:cNvPr>
@@ -13794,7 +13810,7 @@
           <p:cNvPr id="213" name="직사각형 212">
             <a:extLst>
               <a:ext uri="{FF2B5EF4-FFF2-40B4-BE49-F238E27FC236}">
-                <a16:creationId xmlns:a16="http://schemas.microsoft.com/office/drawing/2014/main" id="{EE0E73F6-6363-4E70-AB7B-EE4257F2A2D2}"/>
+                <a16:creationId xmlns:a16="http://schemas.microsoft.com/office/drawing/2014/main" xmlns="" id="{EE0E73F6-6363-4E70-AB7B-EE4257F2A2D2}"/>
               </a:ext>
             </a:extLst>
           </p:cNvPr>
@@ -14119,7 +14135,7 @@
           <p:cNvPr id="21" name="TextBox 20">
             <a:extLst>
               <a:ext uri="{FF2B5EF4-FFF2-40B4-BE49-F238E27FC236}">
-                <a16:creationId xmlns:a16="http://schemas.microsoft.com/office/drawing/2014/main" id="{04FF0C63-9200-4D4D-87FC-C29E13044F0A}"/>
+                <a16:creationId xmlns:a16="http://schemas.microsoft.com/office/drawing/2014/main" xmlns="" id="{04FF0C63-9200-4D4D-87FC-C29E13044F0A}"/>
               </a:ext>
             </a:extLst>
           </p:cNvPr>
@@ -14155,7 +14171,7 @@
           <p:cNvPr id="6148" name="Picture 4" descr="아이폰 배터리 수명을 연장 시키는 방법 요약">
             <a:extLst>
               <a:ext uri="{FF2B5EF4-FFF2-40B4-BE49-F238E27FC236}">
-                <a16:creationId xmlns:a16="http://schemas.microsoft.com/office/drawing/2014/main" id="{0C2D1602-545F-4B30-A1DD-8DAB49DD83C0}"/>
+                <a16:creationId xmlns:a16="http://schemas.microsoft.com/office/drawing/2014/main" xmlns="" id="{0C2D1602-545F-4B30-A1DD-8DAB49DD83C0}"/>
               </a:ext>
             </a:extLst>
           </p:cNvPr>
@@ -14205,7 +14221,7 @@
         <p:spPr bwMode="auto">
           <a:xfrm rot="16200000">
             <a:off x="2966729" y="2566307"/>
-            <a:ext cx="3931941" cy="2090642"/>
+            <a:ext cx="3931942" cy="2090642"/>
           </a:xfrm>
           <a:prstGeom prst="rect">
             <a:avLst/>
@@ -14227,7 +14243,7 @@
           <p:cNvPr id="6" name="사다리꼴 5">
             <a:extLst>
               <a:ext uri="{FF2B5EF4-FFF2-40B4-BE49-F238E27FC236}">
-                <a16:creationId xmlns:a16="http://schemas.microsoft.com/office/drawing/2014/main" id="{50D8F1E4-3C30-454A-8BD2-6AD6C20FA985}"/>
+                <a16:creationId xmlns:a16="http://schemas.microsoft.com/office/drawing/2014/main" xmlns="" id="{50D8F1E4-3C30-454A-8BD2-6AD6C20FA985}"/>
               </a:ext>
             </a:extLst>
           </p:cNvPr>
@@ -14276,7 +14292,7 @@
           <p:cNvPr id="6146" name="Picture 2" descr="스마트폰 배터리를 올바르게 충전하는법(수명늘리는법) : 네이버 블로그">
             <a:extLst>
               <a:ext uri="{FF2B5EF4-FFF2-40B4-BE49-F238E27FC236}">
-                <a16:creationId xmlns:a16="http://schemas.microsoft.com/office/drawing/2014/main" id="{D94C7743-B87B-4550-ABB6-A992319D4DEB}"/>
+                <a16:creationId xmlns:a16="http://schemas.microsoft.com/office/drawing/2014/main" xmlns="" id="{D94C7743-B87B-4550-ABB6-A992319D4DEB}"/>
               </a:ext>
             </a:extLst>
           </p:cNvPr>
@@ -14371,7 +14387,7 @@
           <p:cNvPr id="198" name="사각형: 둥근 모서리 197">
             <a:extLst>
               <a:ext uri="{FF2B5EF4-FFF2-40B4-BE49-F238E27FC236}">
-                <a16:creationId xmlns:a16="http://schemas.microsoft.com/office/drawing/2014/main" id="{3E02CA4B-E009-458D-9663-19CCDC8D792B}"/>
+                <a16:creationId xmlns:a16="http://schemas.microsoft.com/office/drawing/2014/main" xmlns="" id="{3E02CA4B-E009-458D-9663-19CCDC8D792B}"/>
               </a:ext>
             </a:extLst>
           </p:cNvPr>
@@ -14425,7 +14441,7 @@
           <p:cNvPr id="19" name="직사각형 18">
             <a:extLst>
               <a:ext uri="{FF2B5EF4-FFF2-40B4-BE49-F238E27FC236}">
-                <a16:creationId xmlns:a16="http://schemas.microsoft.com/office/drawing/2014/main" id="{60E8ECA5-8AD5-4EAD-B3F6-94210D46088C}"/>
+                <a16:creationId xmlns:a16="http://schemas.microsoft.com/office/drawing/2014/main" xmlns="" id="{60E8ECA5-8AD5-4EAD-B3F6-94210D46088C}"/>
               </a:ext>
             </a:extLst>
           </p:cNvPr>
@@ -14477,7 +14493,7 @@
           <p:cNvPr id="4" name="직사각형 3">
             <a:extLst>
               <a:ext uri="{FF2B5EF4-FFF2-40B4-BE49-F238E27FC236}">
-                <a16:creationId xmlns:a16="http://schemas.microsoft.com/office/drawing/2014/main" id="{AE93FE2A-85FE-4157-951C-FC2FADBB3B34}"/>
+                <a16:creationId xmlns:a16="http://schemas.microsoft.com/office/drawing/2014/main" xmlns="" id="{AE93FE2A-85FE-4157-951C-FC2FADBB3B34}"/>
               </a:ext>
             </a:extLst>
           </p:cNvPr>
@@ -14529,7 +14545,7 @@
           <p:cNvPr id="7" name="TextBox 6">
             <a:extLst>
               <a:ext uri="{FF2B5EF4-FFF2-40B4-BE49-F238E27FC236}">
-                <a16:creationId xmlns:a16="http://schemas.microsoft.com/office/drawing/2014/main" id="{982817C4-ACF4-45FB-A018-6E6F872691BC}"/>
+                <a16:creationId xmlns:a16="http://schemas.microsoft.com/office/drawing/2014/main" xmlns="" id="{982817C4-ACF4-45FB-A018-6E6F872691BC}"/>
               </a:ext>
             </a:extLst>
           </p:cNvPr>
@@ -14565,7 +14581,7 @@
           <p:cNvPr id="11" name="TextBox 10">
             <a:extLst>
               <a:ext uri="{FF2B5EF4-FFF2-40B4-BE49-F238E27FC236}">
-                <a16:creationId xmlns:a16="http://schemas.microsoft.com/office/drawing/2014/main" id="{4C392713-5D6A-477F-809B-12AAFB288320}"/>
+                <a16:creationId xmlns:a16="http://schemas.microsoft.com/office/drawing/2014/main" xmlns="" id="{4C392713-5D6A-477F-809B-12AAFB288320}"/>
               </a:ext>
             </a:extLst>
           </p:cNvPr>
@@ -14601,7 +14617,7 @@
           <p:cNvPr id="199" name="타원 198">
             <a:extLst>
               <a:ext uri="{FF2B5EF4-FFF2-40B4-BE49-F238E27FC236}">
-                <a16:creationId xmlns:a16="http://schemas.microsoft.com/office/drawing/2014/main" id="{EE49514C-7EC3-4EE2-9128-08A773A94EAF}"/>
+                <a16:creationId xmlns:a16="http://schemas.microsoft.com/office/drawing/2014/main" xmlns="" id="{EE49514C-7EC3-4EE2-9128-08A773A94EAF}"/>
               </a:ext>
             </a:extLst>
           </p:cNvPr>
@@ -14653,7 +14669,7 @@
           <p:cNvPr id="200" name="타원 199">
             <a:extLst>
               <a:ext uri="{FF2B5EF4-FFF2-40B4-BE49-F238E27FC236}">
-                <a16:creationId xmlns:a16="http://schemas.microsoft.com/office/drawing/2014/main" id="{F4FC2F8D-9B46-473F-A9CF-30AFA8F22704}"/>
+                <a16:creationId xmlns:a16="http://schemas.microsoft.com/office/drawing/2014/main" xmlns="" id="{F4FC2F8D-9B46-473F-A9CF-30AFA8F22704}"/>
               </a:ext>
             </a:extLst>
           </p:cNvPr>
@@ -14702,7 +14718,7 @@
           <p:cNvPr id="201" name="타원 200">
             <a:extLst>
               <a:ext uri="{FF2B5EF4-FFF2-40B4-BE49-F238E27FC236}">
-                <a16:creationId xmlns:a16="http://schemas.microsoft.com/office/drawing/2014/main" id="{316BBCC9-1FEB-4F6B-A90B-02CDB0A5202A}"/>
+                <a16:creationId xmlns:a16="http://schemas.microsoft.com/office/drawing/2014/main" xmlns="" id="{316BBCC9-1FEB-4F6B-A90B-02CDB0A5202A}"/>
               </a:ext>
             </a:extLst>
           </p:cNvPr>
@@ -14754,7 +14770,7 @@
           <p:cNvPr id="202" name="타원 201">
             <a:extLst>
               <a:ext uri="{FF2B5EF4-FFF2-40B4-BE49-F238E27FC236}">
-                <a16:creationId xmlns:a16="http://schemas.microsoft.com/office/drawing/2014/main" id="{08E3B82D-1B81-45F5-8EF7-61A45103706F}"/>
+                <a16:creationId xmlns:a16="http://schemas.microsoft.com/office/drawing/2014/main" xmlns="" id="{08E3B82D-1B81-45F5-8EF7-61A45103706F}"/>
               </a:ext>
             </a:extLst>
           </p:cNvPr>
@@ -14812,7 +14828,7 @@
           <p:cNvPr id="203" name="타원 202">
             <a:extLst>
               <a:ext uri="{FF2B5EF4-FFF2-40B4-BE49-F238E27FC236}">
-                <a16:creationId xmlns:a16="http://schemas.microsoft.com/office/drawing/2014/main" id="{5F7D788C-28A0-4B9C-9EA9-9ACFE972B264}"/>
+                <a16:creationId xmlns:a16="http://schemas.microsoft.com/office/drawing/2014/main" xmlns="" id="{5F7D788C-28A0-4B9C-9EA9-9ACFE972B264}"/>
               </a:ext>
             </a:extLst>
           </p:cNvPr>
@@ -14873,7 +14889,7 @@
           <p:cNvPr id="204" name="타원 203">
             <a:extLst>
               <a:ext uri="{FF2B5EF4-FFF2-40B4-BE49-F238E27FC236}">
-                <a16:creationId xmlns:a16="http://schemas.microsoft.com/office/drawing/2014/main" id="{B23696C0-0570-4599-BFC8-B151FB3F6540}"/>
+                <a16:creationId xmlns:a16="http://schemas.microsoft.com/office/drawing/2014/main" xmlns="" id="{B23696C0-0570-4599-BFC8-B151FB3F6540}"/>
               </a:ext>
             </a:extLst>
           </p:cNvPr>
@@ -14925,7 +14941,7 @@
           <p:cNvPr id="205" name="TextBox 204">
             <a:extLst>
               <a:ext uri="{FF2B5EF4-FFF2-40B4-BE49-F238E27FC236}">
-                <a16:creationId xmlns:a16="http://schemas.microsoft.com/office/drawing/2014/main" id="{E747CE9B-EFA0-4EF4-9E8C-65AA04BF9D1E}"/>
+                <a16:creationId xmlns:a16="http://schemas.microsoft.com/office/drawing/2014/main" xmlns="" id="{E747CE9B-EFA0-4EF4-9E8C-65AA04BF9D1E}"/>
               </a:ext>
             </a:extLst>
           </p:cNvPr>
@@ -14961,7 +14977,7 @@
           <p:cNvPr id="206" name="그래픽 205" descr="핀 있는 지도 윤곽선">
             <a:extLst>
               <a:ext uri="{FF2B5EF4-FFF2-40B4-BE49-F238E27FC236}">
-                <a16:creationId xmlns:a16="http://schemas.microsoft.com/office/drawing/2014/main" id="{F5142EB6-FD3F-450C-A516-99157EAB242B}"/>
+                <a16:creationId xmlns:a16="http://schemas.microsoft.com/office/drawing/2014/main" xmlns="" id="{F5142EB6-FD3F-450C-A516-99157EAB242B}"/>
               </a:ext>
             </a:extLst>
           </p:cNvPr>
@@ -14971,13 +14987,13 @@
           <p:nvPr/>
         </p:nvPicPr>
         <p:blipFill>
-          <a:blip r:embed="rId3">
+          <a:blip r:embed="rId3" cstate="print">
             <a:extLst>
               <a:ext uri="{28A0092B-C50C-407E-A947-70E740481C1C}">
                 <a14:useLocalDpi xmlns:a14="http://schemas.microsoft.com/office/drawing/2010/main" val="0"/>
               </a:ext>
               <a:ext uri="{96DAC541-7B7A-43D3-8B79-37D633B846F1}">
-                <asvg:svgBlip xmlns:asvg="http://schemas.microsoft.com/office/drawing/2016/SVG/main" r:embed="rId4"/>
+                <asvg:svgBlip xmlns:asvg="http://schemas.microsoft.com/office/drawing/2016/SVG/main" xmlns="" r:embed="rId4"/>
               </a:ext>
             </a:extLst>
           </a:blip>
@@ -15000,7 +15016,7 @@
           <p:cNvPr id="20" name="직사각형 19">
             <a:extLst>
               <a:ext uri="{FF2B5EF4-FFF2-40B4-BE49-F238E27FC236}">
-                <a16:creationId xmlns:a16="http://schemas.microsoft.com/office/drawing/2014/main" id="{DB786D9F-9F63-4114-863C-FD277B989344}"/>
+                <a16:creationId xmlns:a16="http://schemas.microsoft.com/office/drawing/2014/main" xmlns="" id="{DB786D9F-9F63-4114-863C-FD277B989344}"/>
               </a:ext>
             </a:extLst>
           </p:cNvPr>
@@ -15258,7 +15274,7 @@
           <p:cNvPr id="213" name="직사각형 212">
             <a:extLst>
               <a:ext uri="{FF2B5EF4-FFF2-40B4-BE49-F238E27FC236}">
-                <a16:creationId xmlns:a16="http://schemas.microsoft.com/office/drawing/2014/main" id="{EE0E73F6-6363-4E70-AB7B-EE4257F2A2D2}"/>
+                <a16:creationId xmlns:a16="http://schemas.microsoft.com/office/drawing/2014/main" xmlns="" id="{EE0E73F6-6363-4E70-AB7B-EE4257F2A2D2}"/>
               </a:ext>
             </a:extLst>
           </p:cNvPr>
@@ -15583,7 +15599,7 @@
           <p:cNvPr id="21" name="TextBox 20">
             <a:extLst>
               <a:ext uri="{FF2B5EF4-FFF2-40B4-BE49-F238E27FC236}">
-                <a16:creationId xmlns:a16="http://schemas.microsoft.com/office/drawing/2014/main" id="{04FF0C63-9200-4D4D-87FC-C29E13044F0A}"/>
+                <a16:creationId xmlns:a16="http://schemas.microsoft.com/office/drawing/2014/main" xmlns="" id="{04FF0C63-9200-4D4D-87FC-C29E13044F0A}"/>
               </a:ext>
             </a:extLst>
           </p:cNvPr>
@@ -15619,7 +15635,7 @@
           <p:cNvPr id="2" name="사각형: 둥근 모서리 1">
             <a:extLst>
               <a:ext uri="{FF2B5EF4-FFF2-40B4-BE49-F238E27FC236}">
-                <a16:creationId xmlns:a16="http://schemas.microsoft.com/office/drawing/2014/main" id="{6F8AAC4B-35A6-4D2A-9734-181C3279A70D}"/>
+                <a16:creationId xmlns:a16="http://schemas.microsoft.com/office/drawing/2014/main" xmlns="" id="{6F8AAC4B-35A6-4D2A-9734-181C3279A70D}"/>
               </a:ext>
             </a:extLst>
           </p:cNvPr>
@@ -15666,7 +15682,7 @@
           <p:cNvPr id="5" name="직선 연결선 4">
             <a:extLst>
               <a:ext uri="{FF2B5EF4-FFF2-40B4-BE49-F238E27FC236}">
-                <a16:creationId xmlns:a16="http://schemas.microsoft.com/office/drawing/2014/main" id="{1107B28F-8BDF-4735-BBD9-B7EEAFEF6287}"/>
+                <a16:creationId xmlns:a16="http://schemas.microsoft.com/office/drawing/2014/main" xmlns="" id="{1107B28F-8BDF-4735-BBD9-B7EEAFEF6287}"/>
               </a:ext>
             </a:extLst>
           </p:cNvPr>
@@ -15709,7 +15725,7 @@
           <p:cNvPr id="9" name="TextBox 8">
             <a:extLst>
               <a:ext uri="{FF2B5EF4-FFF2-40B4-BE49-F238E27FC236}">
-                <a16:creationId xmlns:a16="http://schemas.microsoft.com/office/drawing/2014/main" id="{630C2ED1-178D-4974-8F41-8085EAD33E5A}"/>
+                <a16:creationId xmlns:a16="http://schemas.microsoft.com/office/drawing/2014/main" xmlns="" id="{630C2ED1-178D-4974-8F41-8085EAD33E5A}"/>
               </a:ext>
             </a:extLst>
           </p:cNvPr>
@@ -15745,7 +15761,7 @@
           <p:cNvPr id="26" name="직선 연결선 25">
             <a:extLst>
               <a:ext uri="{FF2B5EF4-FFF2-40B4-BE49-F238E27FC236}">
-                <a16:creationId xmlns:a16="http://schemas.microsoft.com/office/drawing/2014/main" id="{D6AAF88C-FB9C-4D6F-9217-B343A124011E}"/>
+                <a16:creationId xmlns:a16="http://schemas.microsoft.com/office/drawing/2014/main" xmlns="" id="{D6AAF88C-FB9C-4D6F-9217-B343A124011E}"/>
               </a:ext>
             </a:extLst>
           </p:cNvPr>
@@ -15788,7 +15804,7 @@
           <p:cNvPr id="27" name="TextBox 26">
             <a:extLst>
               <a:ext uri="{FF2B5EF4-FFF2-40B4-BE49-F238E27FC236}">
-                <a16:creationId xmlns:a16="http://schemas.microsoft.com/office/drawing/2014/main" id="{2489696E-FBA6-4FD2-820B-5F7233AE09D1}"/>
+                <a16:creationId xmlns:a16="http://schemas.microsoft.com/office/drawing/2014/main" xmlns="" id="{2489696E-FBA6-4FD2-820B-5F7233AE09D1}"/>
               </a:ext>
             </a:extLst>
           </p:cNvPr>
@@ -15824,7 +15840,7 @@
           <p:cNvPr id="28" name="직선 연결선 27">
             <a:extLst>
               <a:ext uri="{FF2B5EF4-FFF2-40B4-BE49-F238E27FC236}">
-                <a16:creationId xmlns:a16="http://schemas.microsoft.com/office/drawing/2014/main" id="{D75364AD-DC40-4CEB-AB02-9679DCAA7BF6}"/>
+                <a16:creationId xmlns:a16="http://schemas.microsoft.com/office/drawing/2014/main" xmlns="" id="{D75364AD-DC40-4CEB-AB02-9679DCAA7BF6}"/>
               </a:ext>
             </a:extLst>
           </p:cNvPr>
@@ -15867,7 +15883,7 @@
           <p:cNvPr id="29" name="TextBox 28">
             <a:extLst>
               <a:ext uri="{FF2B5EF4-FFF2-40B4-BE49-F238E27FC236}">
-                <a16:creationId xmlns:a16="http://schemas.microsoft.com/office/drawing/2014/main" id="{08D42FBA-8F2D-4E9E-AFD5-C74508CC0013}"/>
+                <a16:creationId xmlns:a16="http://schemas.microsoft.com/office/drawing/2014/main" xmlns="" id="{08D42FBA-8F2D-4E9E-AFD5-C74508CC0013}"/>
               </a:ext>
             </a:extLst>
           </p:cNvPr>
@@ -15903,7 +15919,7 @@
           <p:cNvPr id="30" name="직선 연결선 29">
             <a:extLst>
               <a:ext uri="{FF2B5EF4-FFF2-40B4-BE49-F238E27FC236}">
-                <a16:creationId xmlns:a16="http://schemas.microsoft.com/office/drawing/2014/main" id="{E25D06C0-6E58-49C1-906F-4C36B106EE93}"/>
+                <a16:creationId xmlns:a16="http://schemas.microsoft.com/office/drawing/2014/main" xmlns="" id="{E25D06C0-6E58-49C1-906F-4C36B106EE93}"/>
               </a:ext>
             </a:extLst>
           </p:cNvPr>
@@ -15946,7 +15962,7 @@
           <p:cNvPr id="31" name="TextBox 30">
             <a:extLst>
               <a:ext uri="{FF2B5EF4-FFF2-40B4-BE49-F238E27FC236}">
-                <a16:creationId xmlns:a16="http://schemas.microsoft.com/office/drawing/2014/main" id="{D1A4178A-882B-4E13-A486-0F708BCE5345}"/>
+                <a16:creationId xmlns:a16="http://schemas.microsoft.com/office/drawing/2014/main" xmlns="" id="{D1A4178A-882B-4E13-A486-0F708BCE5345}"/>
               </a:ext>
             </a:extLst>
           </p:cNvPr>
@@ -15982,7 +15998,7 @@
           <p:cNvPr id="32" name="직선 연결선 31">
             <a:extLst>
               <a:ext uri="{FF2B5EF4-FFF2-40B4-BE49-F238E27FC236}">
-                <a16:creationId xmlns:a16="http://schemas.microsoft.com/office/drawing/2014/main" id="{14B2727F-5F26-4026-8169-1D48FAECA780}"/>
+                <a16:creationId xmlns:a16="http://schemas.microsoft.com/office/drawing/2014/main" xmlns="" id="{14B2727F-5F26-4026-8169-1D48FAECA780}"/>
               </a:ext>
             </a:extLst>
           </p:cNvPr>
@@ -16025,7 +16041,7 @@
           <p:cNvPr id="33" name="직선 연결선 32">
             <a:extLst>
               <a:ext uri="{FF2B5EF4-FFF2-40B4-BE49-F238E27FC236}">
-                <a16:creationId xmlns:a16="http://schemas.microsoft.com/office/drawing/2014/main" id="{2EF8354C-FD84-4D39-AAB9-19ED463229B4}"/>
+                <a16:creationId xmlns:a16="http://schemas.microsoft.com/office/drawing/2014/main" xmlns="" id="{2EF8354C-FD84-4D39-AAB9-19ED463229B4}"/>
               </a:ext>
             </a:extLst>
           </p:cNvPr>
@@ -16068,7 +16084,7 @@
           <p:cNvPr id="34" name="직선 연결선 33">
             <a:extLst>
               <a:ext uri="{FF2B5EF4-FFF2-40B4-BE49-F238E27FC236}">
-                <a16:creationId xmlns:a16="http://schemas.microsoft.com/office/drawing/2014/main" id="{FDD3C178-B5FB-496C-ADF7-8C51A75FD312}"/>
+                <a16:creationId xmlns:a16="http://schemas.microsoft.com/office/drawing/2014/main" xmlns="" id="{FDD3C178-B5FB-496C-ADF7-8C51A75FD312}"/>
               </a:ext>
             </a:extLst>
           </p:cNvPr>
@@ -16111,7 +16127,7 @@
           <p:cNvPr id="35" name="직선 연결선 34">
             <a:extLst>
               <a:ext uri="{FF2B5EF4-FFF2-40B4-BE49-F238E27FC236}">
-                <a16:creationId xmlns:a16="http://schemas.microsoft.com/office/drawing/2014/main" id="{0B9997C4-ACF4-4F5B-B507-A781DFFE18F9}"/>
+                <a16:creationId xmlns:a16="http://schemas.microsoft.com/office/drawing/2014/main" xmlns="" id="{0B9997C4-ACF4-4F5B-B507-A781DFFE18F9}"/>
               </a:ext>
             </a:extLst>
           </p:cNvPr>
@@ -16154,7 +16170,7 @@
           <p:cNvPr id="16" name="사각형: 둥근 위쪽 모서리 15">
             <a:extLst>
               <a:ext uri="{FF2B5EF4-FFF2-40B4-BE49-F238E27FC236}">
-                <a16:creationId xmlns:a16="http://schemas.microsoft.com/office/drawing/2014/main" id="{58E4A76B-758F-483B-95BE-0E65A8113786}"/>
+                <a16:creationId xmlns:a16="http://schemas.microsoft.com/office/drawing/2014/main" xmlns="" id="{58E4A76B-758F-483B-95BE-0E65A8113786}"/>
               </a:ext>
             </a:extLst>
           </p:cNvPr>
@@ -16209,7 +16225,7 @@
           <p:cNvPr id="42" name="사각형: 둥근 위쪽 모서리 41">
             <a:extLst>
               <a:ext uri="{FF2B5EF4-FFF2-40B4-BE49-F238E27FC236}">
-                <a16:creationId xmlns:a16="http://schemas.microsoft.com/office/drawing/2014/main" id="{FBBB8F35-EBAD-4B75-A867-F2D6B37F5BD0}"/>
+                <a16:creationId xmlns:a16="http://schemas.microsoft.com/office/drawing/2014/main" xmlns="" id="{FBBB8F35-EBAD-4B75-A867-F2D6B37F5BD0}"/>
               </a:ext>
             </a:extLst>
           </p:cNvPr>
@@ -16264,7 +16280,7 @@
           <p:cNvPr id="43" name="사각형: 둥근 위쪽 모서리 42">
             <a:extLst>
               <a:ext uri="{FF2B5EF4-FFF2-40B4-BE49-F238E27FC236}">
-                <a16:creationId xmlns:a16="http://schemas.microsoft.com/office/drawing/2014/main" id="{E5681E1C-1DAD-427F-BAE2-D9126084695C}"/>
+                <a16:creationId xmlns:a16="http://schemas.microsoft.com/office/drawing/2014/main" xmlns="" id="{E5681E1C-1DAD-427F-BAE2-D9126084695C}"/>
               </a:ext>
             </a:extLst>
           </p:cNvPr>
@@ -16319,7 +16335,7 @@
           <p:cNvPr id="44" name="사각형: 둥근 위쪽 모서리 43">
             <a:extLst>
               <a:ext uri="{FF2B5EF4-FFF2-40B4-BE49-F238E27FC236}">
-                <a16:creationId xmlns:a16="http://schemas.microsoft.com/office/drawing/2014/main" id="{06321157-3406-49EE-88DA-B9C0F638F2E2}"/>
+                <a16:creationId xmlns:a16="http://schemas.microsoft.com/office/drawing/2014/main" xmlns="" id="{06321157-3406-49EE-88DA-B9C0F638F2E2}"/>
               </a:ext>
             </a:extLst>
           </p:cNvPr>
@@ -16374,7 +16390,7 @@
           <p:cNvPr id="45" name="사각형: 둥근 위쪽 모서리 44">
             <a:extLst>
               <a:ext uri="{FF2B5EF4-FFF2-40B4-BE49-F238E27FC236}">
-                <a16:creationId xmlns:a16="http://schemas.microsoft.com/office/drawing/2014/main" id="{32F7D88D-859F-4DBA-BA81-1FC3239C01DD}"/>
+                <a16:creationId xmlns:a16="http://schemas.microsoft.com/office/drawing/2014/main" xmlns="" id="{32F7D88D-859F-4DBA-BA81-1FC3239C01DD}"/>
               </a:ext>
             </a:extLst>
           </p:cNvPr>
@@ -16429,7 +16445,7 @@
           <p:cNvPr id="46" name="사각형: 둥근 위쪽 모서리 45">
             <a:extLst>
               <a:ext uri="{FF2B5EF4-FFF2-40B4-BE49-F238E27FC236}">
-                <a16:creationId xmlns:a16="http://schemas.microsoft.com/office/drawing/2014/main" id="{685BEE8F-D848-4432-9AB5-F1D0BA132BAE}"/>
+                <a16:creationId xmlns:a16="http://schemas.microsoft.com/office/drawing/2014/main" xmlns="" id="{685BEE8F-D848-4432-9AB5-F1D0BA132BAE}"/>
               </a:ext>
             </a:extLst>
           </p:cNvPr>
@@ -16484,7 +16500,7 @@
           <p:cNvPr id="47" name="사각형: 둥근 위쪽 모서리 46">
             <a:extLst>
               <a:ext uri="{FF2B5EF4-FFF2-40B4-BE49-F238E27FC236}">
-                <a16:creationId xmlns:a16="http://schemas.microsoft.com/office/drawing/2014/main" id="{9562EE7D-FF29-4305-8340-3DCCED378991}"/>
+                <a16:creationId xmlns:a16="http://schemas.microsoft.com/office/drawing/2014/main" xmlns="" id="{9562EE7D-FF29-4305-8340-3DCCED378991}"/>
               </a:ext>
             </a:extLst>
           </p:cNvPr>
@@ -16539,7 +16555,7 @@
           <p:cNvPr id="48" name="사각형: 둥근 위쪽 모서리 47">
             <a:extLst>
               <a:ext uri="{FF2B5EF4-FFF2-40B4-BE49-F238E27FC236}">
-                <a16:creationId xmlns:a16="http://schemas.microsoft.com/office/drawing/2014/main" id="{540CD51E-861B-4B27-B267-3256EF3BF432}"/>
+                <a16:creationId xmlns:a16="http://schemas.microsoft.com/office/drawing/2014/main" xmlns="" id="{540CD51E-861B-4B27-B267-3256EF3BF432}"/>
               </a:ext>
             </a:extLst>
           </p:cNvPr>
@@ -16645,7 +16661,7 @@
     </a:clrScheme>
     <a:fontScheme name="Office">
       <a:majorFont>
-        <a:latin typeface="맑은 고딕" panose="020F0302020204030204"/>
+        <a:latin typeface="맑은 고딕"/>
         <a:ea typeface=""/>
         <a:cs typeface=""/>
         <a:font script="Jpan" typeface="游ゴシック Light"/>
@@ -16697,7 +16713,7 @@
         <a:font script="Tfng" typeface="Ebrima"/>
       </a:majorFont>
       <a:minorFont>
-        <a:latin typeface="맑은 고딕" panose="020F0502020204030204"/>
+        <a:latin typeface="맑은 고딕"/>
         <a:ea typeface=""/>
         <a:cs typeface=""/>
         <a:font script="Jpan" typeface="游ゴシック"/>
@@ -16891,7 +16907,7 @@
   <a:extraClrSchemeLst/>
   <a:extLst>
     <a:ext uri="{05A4C25C-085E-4340-85A3-A5531E510DB2}">
-      <thm15:themeFamily xmlns:thm15="http://schemas.microsoft.com/office/thememl/2012/main" name="Office Theme" id="{62F939B6-93AF-4DB8-9C6B-D6C7DFDC589F}" vid="{4A3C46E8-61CC-4603-A589-7422A47A8E4A}"/>
+      <thm15:themeFamily xmlns:thm15="http://schemas.microsoft.com/office/thememl/2012/main" xmlns="" name="Office Theme" id="{62F939B6-93AF-4DB8-9C6B-D6C7DFDC589F}" vid="{4A3C46E8-61CC-4603-A589-7422A47A8E4A}"/>
     </a:ext>
   </a:extLst>
 </a:theme>
@@ -16940,7 +16956,7 @@
     </a:clrScheme>
     <a:fontScheme name="Office">
       <a:majorFont>
-        <a:latin typeface="맑은 고딕" panose="020F0302020204030204"/>
+        <a:latin typeface="맑은 고딕"/>
         <a:ea typeface=""/>
         <a:cs typeface=""/>
         <a:font script="Jpan" typeface="游ゴシック Light"/>
@@ -16992,7 +17008,7 @@
         <a:font script="Tfng" typeface="Ebrima"/>
       </a:majorFont>
       <a:minorFont>
-        <a:latin typeface="맑은 고딕" panose="020F0502020204030204"/>
+        <a:latin typeface="맑은 고딕"/>
         <a:ea typeface=""/>
         <a:cs typeface=""/>
         <a:font script="Jpan" typeface="游ゴシック"/>
@@ -17186,7 +17202,7 @@
   <a:extraClrSchemeLst/>
   <a:extLst>
     <a:ext uri="{05A4C25C-085E-4340-85A3-A5531E510DB2}">
-      <thm15:themeFamily xmlns:thm15="http://schemas.microsoft.com/office/thememl/2012/main" name="Office Theme" id="{62F939B6-93AF-4DB8-9C6B-D6C7DFDC589F}" vid="{4A3C46E8-61CC-4603-A589-7422A47A8E4A}"/>
+      <thm15:themeFamily xmlns:thm15="http://schemas.microsoft.com/office/thememl/2012/main" xmlns="" name="Office Theme" id="{62F939B6-93AF-4DB8-9C6B-D6C7DFDC589F}" vid="{4A3C46E8-61CC-4603-A589-7422A47A8E4A}"/>
     </a:ext>
   </a:extLst>
 </a:theme>

--- a/Document/시스템/채집 시스템.pptx
+++ b/Document/시스템/채집 시스템.pptx
@@ -116,7 +116,18 @@
   </p:defaultTextStyle>
   <p:extLst>
     <p:ext uri="{EFAFB233-063F-42B5-8137-9DF3F51BA10A}">
-      <p15:sldGuideLst xmlns:p15="http://schemas.microsoft.com/office/powerpoint/2012/main" xmlns=""/>
+      <p15:sldGuideLst xmlns:p15="http://schemas.microsoft.com/office/powerpoint/2012/main">
+        <p15:guide id="1" orient="horz" pos="2160">
+          <p15:clr>
+            <a:srgbClr val="A4A3A4"/>
+          </p15:clr>
+        </p15:guide>
+        <p15:guide id="2" pos="3840">
+          <p15:clr>
+            <a:srgbClr val="A4A3A4"/>
+          </p15:clr>
+        </p15:guide>
+      </p15:sldGuideLst>
     </p:ext>
   </p:extLst>
 </p:presentation>
@@ -204,7 +215,7 @@
           <a:p>
             <a:fld id="{1BE7B796-A74A-480E-B7C3-F20E279F0A7C}" type="datetimeFigureOut">
               <a:rPr lang="ko-KR" altLang="en-US" smtClean="0"/>
-              <a:t>2022-04-06</a:t>
+              <a:t>2022-04-07(Thu)</a:t>
             </a:fld>
             <a:endParaRPr lang="ko-KR" altLang="en-US"/>
           </a:p>
@@ -1081,7 +1092,7 @@
           <p:cNvPr id="2" name="제목 1">
             <a:extLst>
               <a:ext uri="{FF2B5EF4-FFF2-40B4-BE49-F238E27FC236}">
-                <a16:creationId xmlns:a16="http://schemas.microsoft.com/office/drawing/2014/main" xmlns="" id="{24E4B86C-DD47-4A5D-A4BA-71D21446CFB1}"/>
+                <a16:creationId xmlns:a16="http://schemas.microsoft.com/office/drawing/2014/main" id="{24E4B86C-DD47-4A5D-A4BA-71D21446CFB1}"/>
               </a:ext>
             </a:extLst>
           </p:cNvPr>
@@ -1118,7 +1129,7 @@
           <p:cNvPr id="3" name="부제목 2">
             <a:extLst>
               <a:ext uri="{FF2B5EF4-FFF2-40B4-BE49-F238E27FC236}">
-                <a16:creationId xmlns:a16="http://schemas.microsoft.com/office/drawing/2014/main" xmlns="" id="{FE111551-C39D-45DD-8D40-446C0D81E6F4}"/>
+                <a16:creationId xmlns:a16="http://schemas.microsoft.com/office/drawing/2014/main" id="{FE111551-C39D-45DD-8D40-446C0D81E6F4}"/>
               </a:ext>
             </a:extLst>
           </p:cNvPr>
@@ -1188,7 +1199,7 @@
           <p:cNvPr id="4" name="날짜 개체 틀 3">
             <a:extLst>
               <a:ext uri="{FF2B5EF4-FFF2-40B4-BE49-F238E27FC236}">
-                <a16:creationId xmlns:a16="http://schemas.microsoft.com/office/drawing/2014/main" xmlns="" id="{1F5488D7-3629-4310-8EA6-A4143C97A8C9}"/>
+                <a16:creationId xmlns:a16="http://schemas.microsoft.com/office/drawing/2014/main" id="{1F5488D7-3629-4310-8EA6-A4143C97A8C9}"/>
               </a:ext>
             </a:extLst>
           </p:cNvPr>
@@ -1206,7 +1217,7 @@
           <a:p>
             <a:fld id="{4E8DDE92-A542-49E3-8BCA-C8166235BA4E}" type="datetimeFigureOut">
               <a:rPr lang="ko-KR" altLang="en-US" smtClean="0"/>
-              <a:t>2022-04-06</a:t>
+              <a:t>2022-04-07(Thu)</a:t>
             </a:fld>
             <a:endParaRPr lang="ko-KR" altLang="en-US"/>
           </a:p>
@@ -1217,7 +1228,7 @@
           <p:cNvPr id="5" name="바닥글 개체 틀 4">
             <a:extLst>
               <a:ext uri="{FF2B5EF4-FFF2-40B4-BE49-F238E27FC236}">
-                <a16:creationId xmlns:a16="http://schemas.microsoft.com/office/drawing/2014/main" xmlns="" id="{1C970C0B-90D4-433B-BB3D-0822983DAD5A}"/>
+                <a16:creationId xmlns:a16="http://schemas.microsoft.com/office/drawing/2014/main" id="{1C970C0B-90D4-433B-BB3D-0822983DAD5A}"/>
               </a:ext>
             </a:extLst>
           </p:cNvPr>
@@ -1242,7 +1253,7 @@
           <p:cNvPr id="6" name="슬라이드 번호 개체 틀 5">
             <a:extLst>
               <a:ext uri="{FF2B5EF4-FFF2-40B4-BE49-F238E27FC236}">
-                <a16:creationId xmlns:a16="http://schemas.microsoft.com/office/drawing/2014/main" xmlns="" id="{BCAE5A57-DAB4-413C-96F9-BCC1DB64F787}"/>
+                <a16:creationId xmlns:a16="http://schemas.microsoft.com/office/drawing/2014/main" id="{BCAE5A57-DAB4-413C-96F9-BCC1DB64F787}"/>
               </a:ext>
             </a:extLst>
           </p:cNvPr>
@@ -1301,7 +1312,7 @@
           <p:cNvPr id="2" name="제목 1">
             <a:extLst>
               <a:ext uri="{FF2B5EF4-FFF2-40B4-BE49-F238E27FC236}">
-                <a16:creationId xmlns:a16="http://schemas.microsoft.com/office/drawing/2014/main" xmlns="" id="{8EFECE26-EF48-4652-A42B-7082F6B19633}"/>
+                <a16:creationId xmlns:a16="http://schemas.microsoft.com/office/drawing/2014/main" id="{8EFECE26-EF48-4652-A42B-7082F6B19633}"/>
               </a:ext>
             </a:extLst>
           </p:cNvPr>
@@ -1329,7 +1340,7 @@
           <p:cNvPr id="3" name="세로 텍스트 개체 틀 2">
             <a:extLst>
               <a:ext uri="{FF2B5EF4-FFF2-40B4-BE49-F238E27FC236}">
-                <a16:creationId xmlns:a16="http://schemas.microsoft.com/office/drawing/2014/main" xmlns="" id="{2DF31795-6D2B-4D66-A110-E658EE5D60C3}"/>
+                <a16:creationId xmlns:a16="http://schemas.microsoft.com/office/drawing/2014/main" id="{2DF31795-6D2B-4D66-A110-E658EE5D60C3}"/>
               </a:ext>
             </a:extLst>
           </p:cNvPr>
@@ -1386,7 +1397,7 @@
           <p:cNvPr id="4" name="날짜 개체 틀 3">
             <a:extLst>
               <a:ext uri="{FF2B5EF4-FFF2-40B4-BE49-F238E27FC236}">
-                <a16:creationId xmlns:a16="http://schemas.microsoft.com/office/drawing/2014/main" xmlns="" id="{081A1D80-18E2-43BC-A177-FEA294B394D0}"/>
+                <a16:creationId xmlns:a16="http://schemas.microsoft.com/office/drawing/2014/main" id="{081A1D80-18E2-43BC-A177-FEA294B394D0}"/>
               </a:ext>
             </a:extLst>
           </p:cNvPr>
@@ -1404,7 +1415,7 @@
           <a:p>
             <a:fld id="{4E8DDE92-A542-49E3-8BCA-C8166235BA4E}" type="datetimeFigureOut">
               <a:rPr lang="ko-KR" altLang="en-US" smtClean="0"/>
-              <a:t>2022-04-06</a:t>
+              <a:t>2022-04-07(Thu)</a:t>
             </a:fld>
             <a:endParaRPr lang="ko-KR" altLang="en-US"/>
           </a:p>
@@ -1415,7 +1426,7 @@
           <p:cNvPr id="5" name="바닥글 개체 틀 4">
             <a:extLst>
               <a:ext uri="{FF2B5EF4-FFF2-40B4-BE49-F238E27FC236}">
-                <a16:creationId xmlns:a16="http://schemas.microsoft.com/office/drawing/2014/main" xmlns="" id="{2D38B8A8-FC0E-444B-8BDC-FFCD054815F7}"/>
+                <a16:creationId xmlns:a16="http://schemas.microsoft.com/office/drawing/2014/main" id="{2D38B8A8-FC0E-444B-8BDC-FFCD054815F7}"/>
               </a:ext>
             </a:extLst>
           </p:cNvPr>
@@ -1440,7 +1451,7 @@
           <p:cNvPr id="6" name="슬라이드 번호 개체 틀 5">
             <a:extLst>
               <a:ext uri="{FF2B5EF4-FFF2-40B4-BE49-F238E27FC236}">
-                <a16:creationId xmlns:a16="http://schemas.microsoft.com/office/drawing/2014/main" xmlns="" id="{925DBB50-DB54-4010-A3C5-CD4F37676729}"/>
+                <a16:creationId xmlns:a16="http://schemas.microsoft.com/office/drawing/2014/main" id="{925DBB50-DB54-4010-A3C5-CD4F37676729}"/>
               </a:ext>
             </a:extLst>
           </p:cNvPr>
@@ -1499,7 +1510,7 @@
           <p:cNvPr id="2" name="세로 제목 1">
             <a:extLst>
               <a:ext uri="{FF2B5EF4-FFF2-40B4-BE49-F238E27FC236}">
-                <a16:creationId xmlns:a16="http://schemas.microsoft.com/office/drawing/2014/main" xmlns="" id="{EF5F5D51-4A76-4FB9-AA3F-DF62FFFD00BA}"/>
+                <a16:creationId xmlns:a16="http://schemas.microsoft.com/office/drawing/2014/main" id="{EF5F5D51-4A76-4FB9-AA3F-DF62FFFD00BA}"/>
               </a:ext>
             </a:extLst>
           </p:cNvPr>
@@ -1532,7 +1543,7 @@
           <p:cNvPr id="3" name="세로 텍스트 개체 틀 2">
             <a:extLst>
               <a:ext uri="{FF2B5EF4-FFF2-40B4-BE49-F238E27FC236}">
-                <a16:creationId xmlns:a16="http://schemas.microsoft.com/office/drawing/2014/main" xmlns="" id="{B0FB37E4-15FF-4715-8D8D-1E046C206D24}"/>
+                <a16:creationId xmlns:a16="http://schemas.microsoft.com/office/drawing/2014/main" id="{B0FB37E4-15FF-4715-8D8D-1E046C206D24}"/>
               </a:ext>
             </a:extLst>
           </p:cNvPr>
@@ -1594,7 +1605,7 @@
           <p:cNvPr id="4" name="날짜 개체 틀 3">
             <a:extLst>
               <a:ext uri="{FF2B5EF4-FFF2-40B4-BE49-F238E27FC236}">
-                <a16:creationId xmlns:a16="http://schemas.microsoft.com/office/drawing/2014/main" xmlns="" id="{5A37B13C-A874-49FB-BF72-98E5AD75BC66}"/>
+                <a16:creationId xmlns:a16="http://schemas.microsoft.com/office/drawing/2014/main" id="{5A37B13C-A874-49FB-BF72-98E5AD75BC66}"/>
               </a:ext>
             </a:extLst>
           </p:cNvPr>
@@ -1612,7 +1623,7 @@
           <a:p>
             <a:fld id="{4E8DDE92-A542-49E3-8BCA-C8166235BA4E}" type="datetimeFigureOut">
               <a:rPr lang="ko-KR" altLang="en-US" smtClean="0"/>
-              <a:t>2022-04-06</a:t>
+              <a:t>2022-04-07(Thu)</a:t>
             </a:fld>
             <a:endParaRPr lang="ko-KR" altLang="en-US"/>
           </a:p>
@@ -1623,7 +1634,7 @@
           <p:cNvPr id="5" name="바닥글 개체 틀 4">
             <a:extLst>
               <a:ext uri="{FF2B5EF4-FFF2-40B4-BE49-F238E27FC236}">
-                <a16:creationId xmlns:a16="http://schemas.microsoft.com/office/drawing/2014/main" xmlns="" id="{E4937E0E-76EF-4EAF-AB98-FD559BCA0EDB}"/>
+                <a16:creationId xmlns:a16="http://schemas.microsoft.com/office/drawing/2014/main" id="{E4937E0E-76EF-4EAF-AB98-FD559BCA0EDB}"/>
               </a:ext>
             </a:extLst>
           </p:cNvPr>
@@ -1648,7 +1659,7 @@
           <p:cNvPr id="6" name="슬라이드 번호 개체 틀 5">
             <a:extLst>
               <a:ext uri="{FF2B5EF4-FFF2-40B4-BE49-F238E27FC236}">
-                <a16:creationId xmlns:a16="http://schemas.microsoft.com/office/drawing/2014/main" xmlns="" id="{4D6C7BC8-C358-4B0E-BF5A-7C22E8861633}"/>
+                <a16:creationId xmlns:a16="http://schemas.microsoft.com/office/drawing/2014/main" id="{4D6C7BC8-C358-4B0E-BF5A-7C22E8861633}"/>
               </a:ext>
             </a:extLst>
           </p:cNvPr>
@@ -1707,7 +1718,7 @@
           <p:cNvPr id="7" name="직사각형 6">
             <a:extLst>
               <a:ext uri="{FF2B5EF4-FFF2-40B4-BE49-F238E27FC236}">
-                <a16:creationId xmlns:a16="http://schemas.microsoft.com/office/drawing/2014/main" xmlns="" id="{19E40AB3-0700-4AD2-87FA-3F2118D7930E}"/>
+                <a16:creationId xmlns:a16="http://schemas.microsoft.com/office/drawing/2014/main" id="{19E40AB3-0700-4AD2-87FA-3F2118D7930E}"/>
               </a:ext>
             </a:extLst>
           </p:cNvPr>
@@ -1759,7 +1770,7 @@
           <p:cNvPr id="2" name="제목 1">
             <a:extLst>
               <a:ext uri="{FF2B5EF4-FFF2-40B4-BE49-F238E27FC236}">
-                <a16:creationId xmlns:a16="http://schemas.microsoft.com/office/drawing/2014/main" xmlns="" id="{07ED5CED-7F3F-42FC-A3C6-E911D69BD1BC}"/>
+                <a16:creationId xmlns:a16="http://schemas.microsoft.com/office/drawing/2014/main" id="{07ED5CED-7F3F-42FC-A3C6-E911D69BD1BC}"/>
               </a:ext>
             </a:extLst>
           </p:cNvPr>
@@ -1802,7 +1813,7 @@
           <p:cNvPr id="3" name="내용 개체 틀 2">
             <a:extLst>
               <a:ext uri="{FF2B5EF4-FFF2-40B4-BE49-F238E27FC236}">
-                <a16:creationId xmlns:a16="http://schemas.microsoft.com/office/drawing/2014/main" xmlns="" id="{9187594A-7F55-410F-A8EC-891C0A9FA616}"/>
+                <a16:creationId xmlns:a16="http://schemas.microsoft.com/office/drawing/2014/main" id="{9187594A-7F55-410F-A8EC-891C0A9FA616}"/>
               </a:ext>
             </a:extLst>
           </p:cNvPr>
@@ -1859,7 +1870,7 @@
           <p:cNvPr id="6" name="슬라이드 번호 개체 틀 5">
             <a:extLst>
               <a:ext uri="{FF2B5EF4-FFF2-40B4-BE49-F238E27FC236}">
-                <a16:creationId xmlns:a16="http://schemas.microsoft.com/office/drawing/2014/main" xmlns="" id="{27B097B4-2981-4E30-AFDB-11C6289BF8A4}"/>
+                <a16:creationId xmlns:a16="http://schemas.microsoft.com/office/drawing/2014/main" id="{27B097B4-2981-4E30-AFDB-11C6289BF8A4}"/>
               </a:ext>
             </a:extLst>
           </p:cNvPr>
@@ -1888,7 +1899,7 @@
           <p:cNvPr id="9" name="텍스트 개체 틀 8">
             <a:extLst>
               <a:ext uri="{FF2B5EF4-FFF2-40B4-BE49-F238E27FC236}">
-                <a16:creationId xmlns:a16="http://schemas.microsoft.com/office/drawing/2014/main" xmlns="" id="{7C75EAA1-BE98-4290-AD72-327BAE272448}"/>
+                <a16:creationId xmlns:a16="http://schemas.microsoft.com/office/drawing/2014/main" id="{7C75EAA1-BE98-4290-AD72-327BAE272448}"/>
               </a:ext>
             </a:extLst>
           </p:cNvPr>
@@ -1959,7 +1970,7 @@
           <p:cNvPr id="2" name="제목 1">
             <a:extLst>
               <a:ext uri="{FF2B5EF4-FFF2-40B4-BE49-F238E27FC236}">
-                <a16:creationId xmlns:a16="http://schemas.microsoft.com/office/drawing/2014/main" xmlns="" id="{63C1E9B9-209A-4A57-9814-F8D57208E185}"/>
+                <a16:creationId xmlns:a16="http://schemas.microsoft.com/office/drawing/2014/main" id="{63C1E9B9-209A-4A57-9814-F8D57208E185}"/>
               </a:ext>
             </a:extLst>
           </p:cNvPr>
@@ -1987,7 +1998,7 @@
           <p:cNvPr id="3" name="내용 개체 틀 2">
             <a:extLst>
               <a:ext uri="{FF2B5EF4-FFF2-40B4-BE49-F238E27FC236}">
-                <a16:creationId xmlns:a16="http://schemas.microsoft.com/office/drawing/2014/main" xmlns="" id="{0203E822-74DA-4B57-B481-B62C563C9870}"/>
+                <a16:creationId xmlns:a16="http://schemas.microsoft.com/office/drawing/2014/main" id="{0203E822-74DA-4B57-B481-B62C563C9870}"/>
               </a:ext>
             </a:extLst>
           </p:cNvPr>
@@ -2044,7 +2055,7 @@
           <p:cNvPr id="4" name="날짜 개체 틀 3">
             <a:extLst>
               <a:ext uri="{FF2B5EF4-FFF2-40B4-BE49-F238E27FC236}">
-                <a16:creationId xmlns:a16="http://schemas.microsoft.com/office/drawing/2014/main" xmlns="" id="{3E8F070C-77A7-432D-B216-9668C92470B8}"/>
+                <a16:creationId xmlns:a16="http://schemas.microsoft.com/office/drawing/2014/main" id="{3E8F070C-77A7-432D-B216-9668C92470B8}"/>
               </a:ext>
             </a:extLst>
           </p:cNvPr>
@@ -2062,7 +2073,7 @@
           <a:p>
             <a:fld id="{4E8DDE92-A542-49E3-8BCA-C8166235BA4E}" type="datetimeFigureOut">
               <a:rPr lang="ko-KR" altLang="en-US" smtClean="0"/>
-              <a:t>2022-04-06</a:t>
+              <a:t>2022-04-07(Thu)</a:t>
             </a:fld>
             <a:endParaRPr lang="ko-KR" altLang="en-US"/>
           </a:p>
@@ -2073,7 +2084,7 @@
           <p:cNvPr id="5" name="바닥글 개체 틀 4">
             <a:extLst>
               <a:ext uri="{FF2B5EF4-FFF2-40B4-BE49-F238E27FC236}">
-                <a16:creationId xmlns:a16="http://schemas.microsoft.com/office/drawing/2014/main" xmlns="" id="{9DB3F48F-907B-4347-999E-8A810E7FC8F6}"/>
+                <a16:creationId xmlns:a16="http://schemas.microsoft.com/office/drawing/2014/main" id="{9DB3F48F-907B-4347-999E-8A810E7FC8F6}"/>
               </a:ext>
             </a:extLst>
           </p:cNvPr>
@@ -2098,7 +2109,7 @@
           <p:cNvPr id="6" name="슬라이드 번호 개체 틀 5">
             <a:extLst>
               <a:ext uri="{FF2B5EF4-FFF2-40B4-BE49-F238E27FC236}">
-                <a16:creationId xmlns:a16="http://schemas.microsoft.com/office/drawing/2014/main" xmlns="" id="{23A74AEC-AD2F-4D10-AB46-F5B26490209C}"/>
+                <a16:creationId xmlns:a16="http://schemas.microsoft.com/office/drawing/2014/main" id="{23A74AEC-AD2F-4D10-AB46-F5B26490209C}"/>
               </a:ext>
             </a:extLst>
           </p:cNvPr>
@@ -2157,7 +2168,7 @@
           <p:cNvPr id="2" name="제목 1">
             <a:extLst>
               <a:ext uri="{FF2B5EF4-FFF2-40B4-BE49-F238E27FC236}">
-                <a16:creationId xmlns:a16="http://schemas.microsoft.com/office/drawing/2014/main" xmlns="" id="{1E84D610-C824-40B6-947E-A66D4C3C94E9}"/>
+                <a16:creationId xmlns:a16="http://schemas.microsoft.com/office/drawing/2014/main" id="{1E84D610-C824-40B6-947E-A66D4C3C94E9}"/>
               </a:ext>
             </a:extLst>
           </p:cNvPr>
@@ -2194,7 +2205,7 @@
           <p:cNvPr id="3" name="텍스트 개체 틀 2">
             <a:extLst>
               <a:ext uri="{FF2B5EF4-FFF2-40B4-BE49-F238E27FC236}">
-                <a16:creationId xmlns:a16="http://schemas.microsoft.com/office/drawing/2014/main" xmlns="" id="{67FE1580-3721-4AD3-9DF3-D16FA9C174AA}"/>
+                <a16:creationId xmlns:a16="http://schemas.microsoft.com/office/drawing/2014/main" id="{67FE1580-3721-4AD3-9DF3-D16FA9C174AA}"/>
               </a:ext>
             </a:extLst>
           </p:cNvPr>
@@ -2319,7 +2330,7 @@
           <p:cNvPr id="4" name="날짜 개체 틀 3">
             <a:extLst>
               <a:ext uri="{FF2B5EF4-FFF2-40B4-BE49-F238E27FC236}">
-                <a16:creationId xmlns:a16="http://schemas.microsoft.com/office/drawing/2014/main" xmlns="" id="{B30523C2-208F-4623-9E9C-BF52E6B1EA59}"/>
+                <a16:creationId xmlns:a16="http://schemas.microsoft.com/office/drawing/2014/main" id="{B30523C2-208F-4623-9E9C-BF52E6B1EA59}"/>
               </a:ext>
             </a:extLst>
           </p:cNvPr>
@@ -2337,7 +2348,7 @@
           <a:p>
             <a:fld id="{4E8DDE92-A542-49E3-8BCA-C8166235BA4E}" type="datetimeFigureOut">
               <a:rPr lang="ko-KR" altLang="en-US" smtClean="0"/>
-              <a:t>2022-04-06</a:t>
+              <a:t>2022-04-07(Thu)</a:t>
             </a:fld>
             <a:endParaRPr lang="ko-KR" altLang="en-US"/>
           </a:p>
@@ -2348,7 +2359,7 @@
           <p:cNvPr id="5" name="바닥글 개체 틀 4">
             <a:extLst>
               <a:ext uri="{FF2B5EF4-FFF2-40B4-BE49-F238E27FC236}">
-                <a16:creationId xmlns:a16="http://schemas.microsoft.com/office/drawing/2014/main" xmlns="" id="{8F6341E0-86F6-4F35-BBD6-4AFBE8749C65}"/>
+                <a16:creationId xmlns:a16="http://schemas.microsoft.com/office/drawing/2014/main" id="{8F6341E0-86F6-4F35-BBD6-4AFBE8749C65}"/>
               </a:ext>
             </a:extLst>
           </p:cNvPr>
@@ -2373,7 +2384,7 @@
           <p:cNvPr id="6" name="슬라이드 번호 개체 틀 5">
             <a:extLst>
               <a:ext uri="{FF2B5EF4-FFF2-40B4-BE49-F238E27FC236}">
-                <a16:creationId xmlns:a16="http://schemas.microsoft.com/office/drawing/2014/main" xmlns="" id="{ABEA41D2-FE74-4066-95D9-60518B17745C}"/>
+                <a16:creationId xmlns:a16="http://schemas.microsoft.com/office/drawing/2014/main" id="{ABEA41D2-FE74-4066-95D9-60518B17745C}"/>
               </a:ext>
             </a:extLst>
           </p:cNvPr>
@@ -2432,7 +2443,7 @@
           <p:cNvPr id="2" name="제목 1">
             <a:extLst>
               <a:ext uri="{FF2B5EF4-FFF2-40B4-BE49-F238E27FC236}">
-                <a16:creationId xmlns:a16="http://schemas.microsoft.com/office/drawing/2014/main" xmlns="" id="{8C042398-3D83-48B6-9FD3-52401E48663B}"/>
+                <a16:creationId xmlns:a16="http://schemas.microsoft.com/office/drawing/2014/main" id="{8C042398-3D83-48B6-9FD3-52401E48663B}"/>
               </a:ext>
             </a:extLst>
           </p:cNvPr>
@@ -2460,7 +2471,7 @@
           <p:cNvPr id="3" name="내용 개체 틀 2">
             <a:extLst>
               <a:ext uri="{FF2B5EF4-FFF2-40B4-BE49-F238E27FC236}">
-                <a16:creationId xmlns:a16="http://schemas.microsoft.com/office/drawing/2014/main" xmlns="" id="{0073D161-A8AA-41E1-A4D6-BB24A335B257}"/>
+                <a16:creationId xmlns:a16="http://schemas.microsoft.com/office/drawing/2014/main" id="{0073D161-A8AA-41E1-A4D6-BB24A335B257}"/>
               </a:ext>
             </a:extLst>
           </p:cNvPr>
@@ -2522,7 +2533,7 @@
           <p:cNvPr id="4" name="내용 개체 틀 3">
             <a:extLst>
               <a:ext uri="{FF2B5EF4-FFF2-40B4-BE49-F238E27FC236}">
-                <a16:creationId xmlns:a16="http://schemas.microsoft.com/office/drawing/2014/main" xmlns="" id="{5D4FA59A-F28D-436B-B92B-B3DDBBEDE4DF}"/>
+                <a16:creationId xmlns:a16="http://schemas.microsoft.com/office/drawing/2014/main" id="{5D4FA59A-F28D-436B-B92B-B3DDBBEDE4DF}"/>
               </a:ext>
             </a:extLst>
           </p:cNvPr>
@@ -2584,7 +2595,7 @@
           <p:cNvPr id="5" name="날짜 개체 틀 4">
             <a:extLst>
               <a:ext uri="{FF2B5EF4-FFF2-40B4-BE49-F238E27FC236}">
-                <a16:creationId xmlns:a16="http://schemas.microsoft.com/office/drawing/2014/main" xmlns="" id="{4969FE68-ECE9-437C-BEB6-D3BB4B4A3633}"/>
+                <a16:creationId xmlns:a16="http://schemas.microsoft.com/office/drawing/2014/main" id="{4969FE68-ECE9-437C-BEB6-D3BB4B4A3633}"/>
               </a:ext>
             </a:extLst>
           </p:cNvPr>
@@ -2602,7 +2613,7 @@
           <a:p>
             <a:fld id="{4E8DDE92-A542-49E3-8BCA-C8166235BA4E}" type="datetimeFigureOut">
               <a:rPr lang="ko-KR" altLang="en-US" smtClean="0"/>
-              <a:t>2022-04-06</a:t>
+              <a:t>2022-04-07(Thu)</a:t>
             </a:fld>
             <a:endParaRPr lang="ko-KR" altLang="en-US"/>
           </a:p>
@@ -2613,7 +2624,7 @@
           <p:cNvPr id="6" name="바닥글 개체 틀 5">
             <a:extLst>
               <a:ext uri="{FF2B5EF4-FFF2-40B4-BE49-F238E27FC236}">
-                <a16:creationId xmlns:a16="http://schemas.microsoft.com/office/drawing/2014/main" xmlns="" id="{60963A1C-BBE2-4AA6-A26B-01BDAB91D693}"/>
+                <a16:creationId xmlns:a16="http://schemas.microsoft.com/office/drawing/2014/main" id="{60963A1C-BBE2-4AA6-A26B-01BDAB91D693}"/>
               </a:ext>
             </a:extLst>
           </p:cNvPr>
@@ -2638,7 +2649,7 @@
           <p:cNvPr id="7" name="슬라이드 번호 개체 틀 6">
             <a:extLst>
               <a:ext uri="{FF2B5EF4-FFF2-40B4-BE49-F238E27FC236}">
-                <a16:creationId xmlns:a16="http://schemas.microsoft.com/office/drawing/2014/main" xmlns="" id="{FD7AD4A1-3E32-4EEF-9E76-9429B724BBC4}"/>
+                <a16:creationId xmlns:a16="http://schemas.microsoft.com/office/drawing/2014/main" id="{FD7AD4A1-3E32-4EEF-9E76-9429B724BBC4}"/>
               </a:ext>
             </a:extLst>
           </p:cNvPr>
@@ -2697,7 +2708,7 @@
           <p:cNvPr id="2" name="제목 1">
             <a:extLst>
               <a:ext uri="{FF2B5EF4-FFF2-40B4-BE49-F238E27FC236}">
-                <a16:creationId xmlns:a16="http://schemas.microsoft.com/office/drawing/2014/main" xmlns="" id="{B5844F35-E393-42BE-BA00-F1257F3456D6}"/>
+                <a16:creationId xmlns:a16="http://schemas.microsoft.com/office/drawing/2014/main" id="{B5844F35-E393-42BE-BA00-F1257F3456D6}"/>
               </a:ext>
             </a:extLst>
           </p:cNvPr>
@@ -2730,7 +2741,7 @@
           <p:cNvPr id="3" name="텍스트 개체 틀 2">
             <a:extLst>
               <a:ext uri="{FF2B5EF4-FFF2-40B4-BE49-F238E27FC236}">
-                <a16:creationId xmlns:a16="http://schemas.microsoft.com/office/drawing/2014/main" xmlns="" id="{0856DC14-AB73-4EC1-B2BC-DF1A90FA9AF4}"/>
+                <a16:creationId xmlns:a16="http://schemas.microsoft.com/office/drawing/2014/main" id="{0856DC14-AB73-4EC1-B2BC-DF1A90FA9AF4}"/>
               </a:ext>
             </a:extLst>
           </p:cNvPr>
@@ -2801,7 +2812,7 @@
           <p:cNvPr id="4" name="내용 개체 틀 3">
             <a:extLst>
               <a:ext uri="{FF2B5EF4-FFF2-40B4-BE49-F238E27FC236}">
-                <a16:creationId xmlns:a16="http://schemas.microsoft.com/office/drawing/2014/main" xmlns="" id="{AD311951-0074-4E35-909F-AEA6579E92A1}"/>
+                <a16:creationId xmlns:a16="http://schemas.microsoft.com/office/drawing/2014/main" id="{AD311951-0074-4E35-909F-AEA6579E92A1}"/>
               </a:ext>
             </a:extLst>
           </p:cNvPr>
@@ -2863,7 +2874,7 @@
           <p:cNvPr id="5" name="텍스트 개체 틀 4">
             <a:extLst>
               <a:ext uri="{FF2B5EF4-FFF2-40B4-BE49-F238E27FC236}">
-                <a16:creationId xmlns:a16="http://schemas.microsoft.com/office/drawing/2014/main" xmlns="" id="{D48B94F5-0CAD-4117-8E5A-D6D9E3AB47FA}"/>
+                <a16:creationId xmlns:a16="http://schemas.microsoft.com/office/drawing/2014/main" id="{D48B94F5-0CAD-4117-8E5A-D6D9E3AB47FA}"/>
               </a:ext>
             </a:extLst>
           </p:cNvPr>
@@ -2934,7 +2945,7 @@
           <p:cNvPr id="6" name="내용 개체 틀 5">
             <a:extLst>
               <a:ext uri="{FF2B5EF4-FFF2-40B4-BE49-F238E27FC236}">
-                <a16:creationId xmlns:a16="http://schemas.microsoft.com/office/drawing/2014/main" xmlns="" id="{D28A5849-A189-4041-821B-3C9FB0D45C36}"/>
+                <a16:creationId xmlns:a16="http://schemas.microsoft.com/office/drawing/2014/main" id="{D28A5849-A189-4041-821B-3C9FB0D45C36}"/>
               </a:ext>
             </a:extLst>
           </p:cNvPr>
@@ -2996,7 +3007,7 @@
           <p:cNvPr id="7" name="날짜 개체 틀 6">
             <a:extLst>
               <a:ext uri="{FF2B5EF4-FFF2-40B4-BE49-F238E27FC236}">
-                <a16:creationId xmlns:a16="http://schemas.microsoft.com/office/drawing/2014/main" xmlns="" id="{F581E535-45B9-447E-A030-105AFDF5E0AF}"/>
+                <a16:creationId xmlns:a16="http://schemas.microsoft.com/office/drawing/2014/main" id="{F581E535-45B9-447E-A030-105AFDF5E0AF}"/>
               </a:ext>
             </a:extLst>
           </p:cNvPr>
@@ -3014,7 +3025,7 @@
           <a:p>
             <a:fld id="{4E8DDE92-A542-49E3-8BCA-C8166235BA4E}" type="datetimeFigureOut">
               <a:rPr lang="ko-KR" altLang="en-US" smtClean="0"/>
-              <a:t>2022-04-06</a:t>
+              <a:t>2022-04-07(Thu)</a:t>
             </a:fld>
             <a:endParaRPr lang="ko-KR" altLang="en-US"/>
           </a:p>
@@ -3025,7 +3036,7 @@
           <p:cNvPr id="8" name="바닥글 개체 틀 7">
             <a:extLst>
               <a:ext uri="{FF2B5EF4-FFF2-40B4-BE49-F238E27FC236}">
-                <a16:creationId xmlns:a16="http://schemas.microsoft.com/office/drawing/2014/main" xmlns="" id="{201B967C-4CB9-44A2-AC36-577CE9453D94}"/>
+                <a16:creationId xmlns:a16="http://schemas.microsoft.com/office/drawing/2014/main" id="{201B967C-4CB9-44A2-AC36-577CE9453D94}"/>
               </a:ext>
             </a:extLst>
           </p:cNvPr>
@@ -3050,7 +3061,7 @@
           <p:cNvPr id="9" name="슬라이드 번호 개체 틀 8">
             <a:extLst>
               <a:ext uri="{FF2B5EF4-FFF2-40B4-BE49-F238E27FC236}">
-                <a16:creationId xmlns:a16="http://schemas.microsoft.com/office/drawing/2014/main" xmlns="" id="{806A940A-10AF-466B-B010-A823C97CE7E0}"/>
+                <a16:creationId xmlns:a16="http://schemas.microsoft.com/office/drawing/2014/main" id="{806A940A-10AF-466B-B010-A823C97CE7E0}"/>
               </a:ext>
             </a:extLst>
           </p:cNvPr>
@@ -3109,7 +3120,7 @@
           <p:cNvPr id="2" name="제목 1">
             <a:extLst>
               <a:ext uri="{FF2B5EF4-FFF2-40B4-BE49-F238E27FC236}">
-                <a16:creationId xmlns:a16="http://schemas.microsoft.com/office/drawing/2014/main" xmlns="" id="{447AB03D-6646-4D2E-A95A-934790D4AD0F}"/>
+                <a16:creationId xmlns:a16="http://schemas.microsoft.com/office/drawing/2014/main" id="{447AB03D-6646-4D2E-A95A-934790D4AD0F}"/>
               </a:ext>
             </a:extLst>
           </p:cNvPr>
@@ -3137,7 +3148,7 @@
           <p:cNvPr id="3" name="날짜 개체 틀 2">
             <a:extLst>
               <a:ext uri="{FF2B5EF4-FFF2-40B4-BE49-F238E27FC236}">
-                <a16:creationId xmlns:a16="http://schemas.microsoft.com/office/drawing/2014/main" xmlns="" id="{009ED9C6-E493-42B6-831B-F6320181B3B8}"/>
+                <a16:creationId xmlns:a16="http://schemas.microsoft.com/office/drawing/2014/main" id="{009ED9C6-E493-42B6-831B-F6320181B3B8}"/>
               </a:ext>
             </a:extLst>
           </p:cNvPr>
@@ -3155,7 +3166,7 @@
           <a:p>
             <a:fld id="{4E8DDE92-A542-49E3-8BCA-C8166235BA4E}" type="datetimeFigureOut">
               <a:rPr lang="ko-KR" altLang="en-US" smtClean="0"/>
-              <a:t>2022-04-06</a:t>
+              <a:t>2022-04-07(Thu)</a:t>
             </a:fld>
             <a:endParaRPr lang="ko-KR" altLang="en-US"/>
           </a:p>
@@ -3166,7 +3177,7 @@
           <p:cNvPr id="4" name="바닥글 개체 틀 3">
             <a:extLst>
               <a:ext uri="{FF2B5EF4-FFF2-40B4-BE49-F238E27FC236}">
-                <a16:creationId xmlns:a16="http://schemas.microsoft.com/office/drawing/2014/main" xmlns="" id="{DC6A77D0-5226-4775-8692-1538F358EE25}"/>
+                <a16:creationId xmlns:a16="http://schemas.microsoft.com/office/drawing/2014/main" id="{DC6A77D0-5226-4775-8692-1538F358EE25}"/>
               </a:ext>
             </a:extLst>
           </p:cNvPr>
@@ -3191,7 +3202,7 @@
           <p:cNvPr id="5" name="슬라이드 번호 개체 틀 4">
             <a:extLst>
               <a:ext uri="{FF2B5EF4-FFF2-40B4-BE49-F238E27FC236}">
-                <a16:creationId xmlns:a16="http://schemas.microsoft.com/office/drawing/2014/main" xmlns="" id="{F1B08B2C-C3FF-4167-8730-3A5A6FEDE7F8}"/>
+                <a16:creationId xmlns:a16="http://schemas.microsoft.com/office/drawing/2014/main" id="{F1B08B2C-C3FF-4167-8730-3A5A6FEDE7F8}"/>
               </a:ext>
             </a:extLst>
           </p:cNvPr>
@@ -3250,7 +3261,7 @@
           <p:cNvPr id="2" name="날짜 개체 틀 1">
             <a:extLst>
               <a:ext uri="{FF2B5EF4-FFF2-40B4-BE49-F238E27FC236}">
-                <a16:creationId xmlns:a16="http://schemas.microsoft.com/office/drawing/2014/main" xmlns="" id="{DD280DBF-E3A8-401B-BE03-B947D91753C3}"/>
+                <a16:creationId xmlns:a16="http://schemas.microsoft.com/office/drawing/2014/main" id="{DD280DBF-E3A8-401B-BE03-B947D91753C3}"/>
               </a:ext>
             </a:extLst>
           </p:cNvPr>
@@ -3268,7 +3279,7 @@
           <a:p>
             <a:fld id="{4E8DDE92-A542-49E3-8BCA-C8166235BA4E}" type="datetimeFigureOut">
               <a:rPr lang="ko-KR" altLang="en-US" smtClean="0"/>
-              <a:t>2022-04-06</a:t>
+              <a:t>2022-04-07(Thu)</a:t>
             </a:fld>
             <a:endParaRPr lang="ko-KR" altLang="en-US"/>
           </a:p>
@@ -3279,7 +3290,7 @@
           <p:cNvPr id="3" name="바닥글 개체 틀 2">
             <a:extLst>
               <a:ext uri="{FF2B5EF4-FFF2-40B4-BE49-F238E27FC236}">
-                <a16:creationId xmlns:a16="http://schemas.microsoft.com/office/drawing/2014/main" xmlns="" id="{9AD9ABA4-20EB-40D6-A2FE-ED5BA854D4A5}"/>
+                <a16:creationId xmlns:a16="http://schemas.microsoft.com/office/drawing/2014/main" id="{9AD9ABA4-20EB-40D6-A2FE-ED5BA854D4A5}"/>
               </a:ext>
             </a:extLst>
           </p:cNvPr>
@@ -3304,7 +3315,7 @@
           <p:cNvPr id="4" name="슬라이드 번호 개체 틀 3">
             <a:extLst>
               <a:ext uri="{FF2B5EF4-FFF2-40B4-BE49-F238E27FC236}">
-                <a16:creationId xmlns:a16="http://schemas.microsoft.com/office/drawing/2014/main" xmlns="" id="{00494699-7B32-4178-9124-9E95F18418B5}"/>
+                <a16:creationId xmlns:a16="http://schemas.microsoft.com/office/drawing/2014/main" id="{00494699-7B32-4178-9124-9E95F18418B5}"/>
               </a:ext>
             </a:extLst>
           </p:cNvPr>
@@ -3363,7 +3374,7 @@
           <p:cNvPr id="2" name="제목 1">
             <a:extLst>
               <a:ext uri="{FF2B5EF4-FFF2-40B4-BE49-F238E27FC236}">
-                <a16:creationId xmlns:a16="http://schemas.microsoft.com/office/drawing/2014/main" xmlns="" id="{140B410B-86F3-4B89-BD9A-53502FFCD628}"/>
+                <a16:creationId xmlns:a16="http://schemas.microsoft.com/office/drawing/2014/main" id="{140B410B-86F3-4B89-BD9A-53502FFCD628}"/>
               </a:ext>
             </a:extLst>
           </p:cNvPr>
@@ -3400,7 +3411,7 @@
           <p:cNvPr id="3" name="내용 개체 틀 2">
             <a:extLst>
               <a:ext uri="{FF2B5EF4-FFF2-40B4-BE49-F238E27FC236}">
-                <a16:creationId xmlns:a16="http://schemas.microsoft.com/office/drawing/2014/main" xmlns="" id="{8D9FC3D1-FF0C-46B5-BEF1-E3BD394DD3BF}"/>
+                <a16:creationId xmlns:a16="http://schemas.microsoft.com/office/drawing/2014/main" id="{8D9FC3D1-FF0C-46B5-BEF1-E3BD394DD3BF}"/>
               </a:ext>
             </a:extLst>
           </p:cNvPr>
@@ -3490,7 +3501,7 @@
           <p:cNvPr id="4" name="텍스트 개체 틀 3">
             <a:extLst>
               <a:ext uri="{FF2B5EF4-FFF2-40B4-BE49-F238E27FC236}">
-                <a16:creationId xmlns:a16="http://schemas.microsoft.com/office/drawing/2014/main" xmlns="" id="{56F44EDA-68DC-4B53-A00A-9B817569F837}"/>
+                <a16:creationId xmlns:a16="http://schemas.microsoft.com/office/drawing/2014/main" id="{56F44EDA-68DC-4B53-A00A-9B817569F837}"/>
               </a:ext>
             </a:extLst>
           </p:cNvPr>
@@ -3561,7 +3572,7 @@
           <p:cNvPr id="5" name="날짜 개체 틀 4">
             <a:extLst>
               <a:ext uri="{FF2B5EF4-FFF2-40B4-BE49-F238E27FC236}">
-                <a16:creationId xmlns:a16="http://schemas.microsoft.com/office/drawing/2014/main" xmlns="" id="{4DF7DBBD-F4A5-472C-8641-E4C22A2EE808}"/>
+                <a16:creationId xmlns:a16="http://schemas.microsoft.com/office/drawing/2014/main" id="{4DF7DBBD-F4A5-472C-8641-E4C22A2EE808}"/>
               </a:ext>
             </a:extLst>
           </p:cNvPr>
@@ -3579,7 +3590,7 @@
           <a:p>
             <a:fld id="{4E8DDE92-A542-49E3-8BCA-C8166235BA4E}" type="datetimeFigureOut">
               <a:rPr lang="ko-KR" altLang="en-US" smtClean="0"/>
-              <a:t>2022-04-06</a:t>
+              <a:t>2022-04-07(Thu)</a:t>
             </a:fld>
             <a:endParaRPr lang="ko-KR" altLang="en-US"/>
           </a:p>
@@ -3590,7 +3601,7 @@
           <p:cNvPr id="6" name="바닥글 개체 틀 5">
             <a:extLst>
               <a:ext uri="{FF2B5EF4-FFF2-40B4-BE49-F238E27FC236}">
-                <a16:creationId xmlns:a16="http://schemas.microsoft.com/office/drawing/2014/main" xmlns="" id="{8ACFEA52-2ADF-46B7-9F0B-8A9684AC9007}"/>
+                <a16:creationId xmlns:a16="http://schemas.microsoft.com/office/drawing/2014/main" id="{8ACFEA52-2ADF-46B7-9F0B-8A9684AC9007}"/>
               </a:ext>
             </a:extLst>
           </p:cNvPr>
@@ -3615,7 +3626,7 @@
           <p:cNvPr id="7" name="슬라이드 번호 개체 틀 6">
             <a:extLst>
               <a:ext uri="{FF2B5EF4-FFF2-40B4-BE49-F238E27FC236}">
-                <a16:creationId xmlns:a16="http://schemas.microsoft.com/office/drawing/2014/main" xmlns="" id="{D86BAC1C-7B36-42B7-8C90-DC6952D02305}"/>
+                <a16:creationId xmlns:a16="http://schemas.microsoft.com/office/drawing/2014/main" id="{D86BAC1C-7B36-42B7-8C90-DC6952D02305}"/>
               </a:ext>
             </a:extLst>
           </p:cNvPr>
@@ -3674,7 +3685,7 @@
           <p:cNvPr id="2" name="제목 1">
             <a:extLst>
               <a:ext uri="{FF2B5EF4-FFF2-40B4-BE49-F238E27FC236}">
-                <a16:creationId xmlns:a16="http://schemas.microsoft.com/office/drawing/2014/main" xmlns="" id="{A65BFC80-1D56-4E6E-A2C7-F45B9C931795}"/>
+                <a16:creationId xmlns:a16="http://schemas.microsoft.com/office/drawing/2014/main" id="{A65BFC80-1D56-4E6E-A2C7-F45B9C931795}"/>
               </a:ext>
             </a:extLst>
           </p:cNvPr>
@@ -3711,7 +3722,7 @@
           <p:cNvPr id="3" name="그림 개체 틀 2">
             <a:extLst>
               <a:ext uri="{FF2B5EF4-FFF2-40B4-BE49-F238E27FC236}">
-                <a16:creationId xmlns:a16="http://schemas.microsoft.com/office/drawing/2014/main" xmlns="" id="{80B8B350-AC83-4358-9898-47385337934E}"/>
+                <a16:creationId xmlns:a16="http://schemas.microsoft.com/office/drawing/2014/main" id="{80B8B350-AC83-4358-9898-47385337934E}"/>
               </a:ext>
             </a:extLst>
           </p:cNvPr>
@@ -3778,7 +3789,7 @@
           <p:cNvPr id="4" name="텍스트 개체 틀 3">
             <a:extLst>
               <a:ext uri="{FF2B5EF4-FFF2-40B4-BE49-F238E27FC236}">
-                <a16:creationId xmlns:a16="http://schemas.microsoft.com/office/drawing/2014/main" xmlns="" id="{1A3F0B6E-0F89-48E9-AB04-C4F91459B3BE}"/>
+                <a16:creationId xmlns:a16="http://schemas.microsoft.com/office/drawing/2014/main" id="{1A3F0B6E-0F89-48E9-AB04-C4F91459B3BE}"/>
               </a:ext>
             </a:extLst>
           </p:cNvPr>
@@ -3849,7 +3860,7 @@
           <p:cNvPr id="5" name="날짜 개체 틀 4">
             <a:extLst>
               <a:ext uri="{FF2B5EF4-FFF2-40B4-BE49-F238E27FC236}">
-                <a16:creationId xmlns:a16="http://schemas.microsoft.com/office/drawing/2014/main" xmlns="" id="{ED43224A-3016-4014-A1E6-EF16C1ED64D3}"/>
+                <a16:creationId xmlns:a16="http://schemas.microsoft.com/office/drawing/2014/main" id="{ED43224A-3016-4014-A1E6-EF16C1ED64D3}"/>
               </a:ext>
             </a:extLst>
           </p:cNvPr>
@@ -3867,7 +3878,7 @@
           <a:p>
             <a:fld id="{4E8DDE92-A542-49E3-8BCA-C8166235BA4E}" type="datetimeFigureOut">
               <a:rPr lang="ko-KR" altLang="en-US" smtClean="0"/>
-              <a:t>2022-04-06</a:t>
+              <a:t>2022-04-07(Thu)</a:t>
             </a:fld>
             <a:endParaRPr lang="ko-KR" altLang="en-US"/>
           </a:p>
@@ -3878,7 +3889,7 @@
           <p:cNvPr id="6" name="바닥글 개체 틀 5">
             <a:extLst>
               <a:ext uri="{FF2B5EF4-FFF2-40B4-BE49-F238E27FC236}">
-                <a16:creationId xmlns:a16="http://schemas.microsoft.com/office/drawing/2014/main" xmlns="" id="{2485872A-ADD0-43E9-8A2F-95B3EBBBF4AA}"/>
+                <a16:creationId xmlns:a16="http://schemas.microsoft.com/office/drawing/2014/main" id="{2485872A-ADD0-43E9-8A2F-95B3EBBBF4AA}"/>
               </a:ext>
             </a:extLst>
           </p:cNvPr>
@@ -3903,7 +3914,7 @@
           <p:cNvPr id="7" name="슬라이드 번호 개체 틀 6">
             <a:extLst>
               <a:ext uri="{FF2B5EF4-FFF2-40B4-BE49-F238E27FC236}">
-                <a16:creationId xmlns:a16="http://schemas.microsoft.com/office/drawing/2014/main" xmlns="" id="{C6EB236D-6550-4D16-95DB-3311EB5B5D95}"/>
+                <a16:creationId xmlns:a16="http://schemas.microsoft.com/office/drawing/2014/main" id="{C6EB236D-6550-4D16-95DB-3311EB5B5D95}"/>
               </a:ext>
             </a:extLst>
           </p:cNvPr>
@@ -3967,7 +3978,7 @@
           <p:cNvPr id="2" name="제목 개체 틀 1">
             <a:extLst>
               <a:ext uri="{FF2B5EF4-FFF2-40B4-BE49-F238E27FC236}">
-                <a16:creationId xmlns:a16="http://schemas.microsoft.com/office/drawing/2014/main" xmlns="" id="{2BF35154-B568-4C2E-ABEF-150156B7C199}"/>
+                <a16:creationId xmlns:a16="http://schemas.microsoft.com/office/drawing/2014/main" id="{2BF35154-B568-4C2E-ABEF-150156B7C199}"/>
               </a:ext>
             </a:extLst>
           </p:cNvPr>
@@ -4005,7 +4016,7 @@
           <p:cNvPr id="3" name="텍스트 개체 틀 2">
             <a:extLst>
               <a:ext uri="{FF2B5EF4-FFF2-40B4-BE49-F238E27FC236}">
-                <a16:creationId xmlns:a16="http://schemas.microsoft.com/office/drawing/2014/main" xmlns="" id="{4E1AE042-698D-45F3-AB18-CD0F5ABA0EB7}"/>
+                <a16:creationId xmlns:a16="http://schemas.microsoft.com/office/drawing/2014/main" id="{4E1AE042-698D-45F3-AB18-CD0F5ABA0EB7}"/>
               </a:ext>
             </a:extLst>
           </p:cNvPr>
@@ -4072,7 +4083,7 @@
           <p:cNvPr id="4" name="날짜 개체 틀 3">
             <a:extLst>
               <a:ext uri="{FF2B5EF4-FFF2-40B4-BE49-F238E27FC236}">
-                <a16:creationId xmlns:a16="http://schemas.microsoft.com/office/drawing/2014/main" xmlns="" id="{3E9CC2FD-874C-4FBB-A6B5-E35C304D7CB3}"/>
+                <a16:creationId xmlns:a16="http://schemas.microsoft.com/office/drawing/2014/main" id="{3E9CC2FD-874C-4FBB-A6B5-E35C304D7CB3}"/>
               </a:ext>
             </a:extLst>
           </p:cNvPr>
@@ -4108,7 +4119,7 @@
           <a:p>
             <a:fld id="{4E8DDE92-A542-49E3-8BCA-C8166235BA4E}" type="datetimeFigureOut">
               <a:rPr lang="ko-KR" altLang="en-US" smtClean="0"/>
-              <a:t>2022-04-06</a:t>
+              <a:t>2022-04-07(Thu)</a:t>
             </a:fld>
             <a:endParaRPr lang="ko-KR" altLang="en-US"/>
           </a:p>
@@ -4119,7 +4130,7 @@
           <p:cNvPr id="5" name="바닥글 개체 틀 4">
             <a:extLst>
               <a:ext uri="{FF2B5EF4-FFF2-40B4-BE49-F238E27FC236}">
-                <a16:creationId xmlns:a16="http://schemas.microsoft.com/office/drawing/2014/main" xmlns="" id="{956DCBA0-5D08-435E-BAD3-8D898F65C4DB}"/>
+                <a16:creationId xmlns:a16="http://schemas.microsoft.com/office/drawing/2014/main" id="{956DCBA0-5D08-435E-BAD3-8D898F65C4DB}"/>
               </a:ext>
             </a:extLst>
           </p:cNvPr>
@@ -4162,7 +4173,7 @@
           <p:cNvPr id="6" name="슬라이드 번호 개체 틀 5">
             <a:extLst>
               <a:ext uri="{FF2B5EF4-FFF2-40B4-BE49-F238E27FC236}">
-                <a16:creationId xmlns:a16="http://schemas.microsoft.com/office/drawing/2014/main" xmlns="" id="{DF70F7C7-6DBD-4CC7-886C-828396CCED73}"/>
+                <a16:creationId xmlns:a16="http://schemas.microsoft.com/office/drawing/2014/main" id="{DF70F7C7-6DBD-4CC7-886C-828396CCED73}"/>
               </a:ext>
             </a:extLst>
           </p:cNvPr>
@@ -4542,7 +4553,7 @@
           <p:cNvPr id="2" name="제목 1">
             <a:extLst>
               <a:ext uri="{FF2B5EF4-FFF2-40B4-BE49-F238E27FC236}">
-                <a16:creationId xmlns:a16="http://schemas.microsoft.com/office/drawing/2014/main" xmlns="" id="{BB177A21-1F99-4D21-9F9F-55BCE76CE328}"/>
+                <a16:creationId xmlns:a16="http://schemas.microsoft.com/office/drawing/2014/main" id="{BB177A21-1F99-4D21-9F9F-55BCE76CE328}"/>
               </a:ext>
             </a:extLst>
           </p:cNvPr>
@@ -4571,7 +4582,7 @@
           <p:cNvPr id="3" name="부제목 2">
             <a:extLst>
               <a:ext uri="{FF2B5EF4-FFF2-40B4-BE49-F238E27FC236}">
-                <a16:creationId xmlns:a16="http://schemas.microsoft.com/office/drawing/2014/main" xmlns="" id="{81152BDB-6F60-4325-8468-F9381C5F40EB}"/>
+                <a16:creationId xmlns:a16="http://schemas.microsoft.com/office/drawing/2014/main" id="{81152BDB-6F60-4325-8468-F9381C5F40EB}"/>
               </a:ext>
             </a:extLst>
           </p:cNvPr>
@@ -4634,7 +4645,7 @@
           <p:cNvPr id="198" name="사각형: 둥근 모서리 197">
             <a:extLst>
               <a:ext uri="{FF2B5EF4-FFF2-40B4-BE49-F238E27FC236}">
-                <a16:creationId xmlns:a16="http://schemas.microsoft.com/office/drawing/2014/main" xmlns="" id="{3E02CA4B-E009-458D-9663-19CCDC8D792B}"/>
+                <a16:creationId xmlns:a16="http://schemas.microsoft.com/office/drawing/2014/main" id="{3E02CA4B-E009-458D-9663-19CCDC8D792B}"/>
               </a:ext>
             </a:extLst>
           </p:cNvPr>
@@ -4688,7 +4699,7 @@
           <p:cNvPr id="19" name="직사각형 18">
             <a:extLst>
               <a:ext uri="{FF2B5EF4-FFF2-40B4-BE49-F238E27FC236}">
-                <a16:creationId xmlns:a16="http://schemas.microsoft.com/office/drawing/2014/main" xmlns="" id="{60E8ECA5-8AD5-4EAD-B3F6-94210D46088C}"/>
+                <a16:creationId xmlns:a16="http://schemas.microsoft.com/office/drawing/2014/main" id="{60E8ECA5-8AD5-4EAD-B3F6-94210D46088C}"/>
               </a:ext>
             </a:extLst>
           </p:cNvPr>
@@ -4740,7 +4751,7 @@
           <p:cNvPr id="4" name="직사각형 3">
             <a:extLst>
               <a:ext uri="{FF2B5EF4-FFF2-40B4-BE49-F238E27FC236}">
-                <a16:creationId xmlns:a16="http://schemas.microsoft.com/office/drawing/2014/main" xmlns="" id="{AE93FE2A-85FE-4157-951C-FC2FADBB3B34}"/>
+                <a16:creationId xmlns:a16="http://schemas.microsoft.com/office/drawing/2014/main" id="{AE93FE2A-85FE-4157-951C-FC2FADBB3B34}"/>
               </a:ext>
             </a:extLst>
           </p:cNvPr>
@@ -4792,7 +4803,7 @@
           <p:cNvPr id="7" name="TextBox 6">
             <a:extLst>
               <a:ext uri="{FF2B5EF4-FFF2-40B4-BE49-F238E27FC236}">
-                <a16:creationId xmlns:a16="http://schemas.microsoft.com/office/drawing/2014/main" xmlns="" id="{982817C4-ACF4-45FB-A018-6E6F872691BC}"/>
+                <a16:creationId xmlns:a16="http://schemas.microsoft.com/office/drawing/2014/main" id="{982817C4-ACF4-45FB-A018-6E6F872691BC}"/>
               </a:ext>
             </a:extLst>
           </p:cNvPr>
@@ -4825,230 +4836,10 @@
       </p:sp>
       <p:sp>
         <p:nvSpPr>
-          <p:cNvPr id="11" name="TextBox 10">
-            <a:extLst>
-              <a:ext uri="{FF2B5EF4-FFF2-40B4-BE49-F238E27FC236}">
-                <a16:creationId xmlns:a16="http://schemas.microsoft.com/office/drawing/2014/main" xmlns="" id="{4C392713-5D6A-477F-809B-12AAFB288320}"/>
-              </a:ext>
-            </a:extLst>
-          </p:cNvPr>
-          <p:cNvSpPr txBox="1"/>
-          <p:nvPr/>
-        </p:nvSpPr>
-        <p:spPr>
-          <a:xfrm>
-            <a:off x="11508508" y="6289963"/>
-            <a:ext cx="311304" cy="369332"/>
-          </a:xfrm>
-          <a:prstGeom prst="rect">
-            <a:avLst/>
-          </a:prstGeom>
-          <a:noFill/>
-        </p:spPr>
-        <p:txBody>
-          <a:bodyPr wrap="none" rtlCol="0">
-            <a:spAutoFit/>
-          </a:bodyPr>
-          <a:lstStyle/>
-          <a:p>
-            <a:r>
-              <a:rPr lang="en-US" altLang="ko-KR" dirty="0"/>
-              <a:t>2</a:t>
-            </a:r>
-            <a:endParaRPr lang="ko-KR" altLang="en-US" dirty="0"/>
-          </a:p>
-        </p:txBody>
-      </p:sp>
-      <p:pic>
-        <p:nvPicPr>
-          <p:cNvPr id="1026" name="Picture 2" descr="만화 손으로 그린 ​​푸른 나무 | 일러스트 AI 무료 다운로드 - Pikbest">
-            <a:extLst>
-              <a:ext uri="{FF2B5EF4-FFF2-40B4-BE49-F238E27FC236}">
-                <a16:creationId xmlns:a16="http://schemas.microsoft.com/office/drawing/2014/main" xmlns="" id="{9F8DF13C-0D04-4E71-A513-EB3C29F79A92}"/>
-              </a:ext>
-            </a:extLst>
-          </p:cNvPr>
-          <p:cNvPicPr>
-            <a:picLocks noChangeAspect="1" noChangeArrowheads="1"/>
-          </p:cNvPicPr>
-          <p:nvPr/>
-        </p:nvPicPr>
-        <p:blipFill>
-          <a:blip r:embed="rId3">
-            <a:extLst>
-              <a:ext uri="{BEBA8EAE-BF5A-486C-A8C5-ECC9F3942E4B}">
-                <a14:imgProps xmlns:a14="http://schemas.microsoft.com/office/drawing/2010/main">
-                  <a14:imgLayer r:embed="rId4">
-                    <a14:imgEffect>
-                      <a14:backgroundRemoval t="10000" b="90000" l="10000" r="90000"/>
-                    </a14:imgEffect>
-                  </a14:imgLayer>
-                </a14:imgProps>
-              </a:ext>
-              <a:ext uri="{28A0092B-C50C-407E-A947-70E740481C1C}">
-                <a14:useLocalDpi xmlns:a14="http://schemas.microsoft.com/office/drawing/2010/main" val="0"/>
-              </a:ext>
-            </a:extLst>
-          </a:blip>
-          <a:srcRect/>
-          <a:stretch>
-            <a:fillRect/>
-          </a:stretch>
-        </p:blipFill>
-        <p:spPr bwMode="auto">
-          <a:xfrm>
-            <a:off x="2923646" y="1837058"/>
-            <a:ext cx="4359059" cy="4359059"/>
-          </a:xfrm>
-          <a:prstGeom prst="rect">
-            <a:avLst/>
-          </a:prstGeom>
-          <a:noFill/>
-          <a:extLst>
-            <a:ext uri="{909E8E84-426E-40DD-AFC4-6F175D3DCCD1}">
-              <a14:hiddenFill xmlns:a14="http://schemas.microsoft.com/office/drawing/2010/main">
-                <a:solidFill>
-                  <a:srgbClr val="FFFFFF"/>
-                </a:solidFill>
-              </a14:hiddenFill>
-            </a:ext>
-          </a:extLst>
-        </p:spPr>
-      </p:pic>
-      <p:cxnSp>
-        <p:nvCxnSpPr>
-          <p:cNvPr id="6" name="직선 연결선 5">
-            <a:extLst>
-              <a:ext uri="{FF2B5EF4-FFF2-40B4-BE49-F238E27FC236}">
-                <a16:creationId xmlns:a16="http://schemas.microsoft.com/office/drawing/2014/main" xmlns="" id="{E3EBBA58-A4DD-4CD3-B682-AB5F59DCAA08}"/>
-              </a:ext>
-            </a:extLst>
-          </p:cNvPr>
-          <p:cNvCxnSpPr/>
-          <p:nvPr/>
-        </p:nvCxnSpPr>
-        <p:spPr>
-          <a:xfrm>
-            <a:off x="3192094" y="2895381"/>
-            <a:ext cx="3636335" cy="596586"/>
-          </a:xfrm>
-          <a:prstGeom prst="line">
-            <a:avLst/>
-          </a:prstGeom>
-          <a:ln w="38100">
-            <a:solidFill>
-              <a:schemeClr val="tx1"/>
-            </a:solidFill>
-            <a:prstDash val="sysDot"/>
-          </a:ln>
-        </p:spPr>
-        <p:style>
-          <a:lnRef idx="1">
-            <a:schemeClr val="accent1"/>
-          </a:lnRef>
-          <a:fillRef idx="0">
-            <a:schemeClr val="accent1"/>
-          </a:fillRef>
-          <a:effectRef idx="0">
-            <a:schemeClr val="accent1"/>
-          </a:effectRef>
-          <a:fontRef idx="minor">
-            <a:schemeClr val="tx1"/>
-          </a:fontRef>
-        </p:style>
-      </p:cxnSp>
-      <p:cxnSp>
-        <p:nvCxnSpPr>
-          <p:cNvPr id="146" name="직선 연결선 145">
-            <a:extLst>
-              <a:ext uri="{FF2B5EF4-FFF2-40B4-BE49-F238E27FC236}">
-                <a16:creationId xmlns:a16="http://schemas.microsoft.com/office/drawing/2014/main" xmlns="" id="{C0343809-4B1E-453A-BEFC-77B53A2F0FC3}"/>
-              </a:ext>
-            </a:extLst>
-          </p:cNvPr>
-          <p:cNvCxnSpPr>
-            <a:cxnSpLocks/>
-          </p:cNvCxnSpPr>
-          <p:nvPr/>
-        </p:nvCxnSpPr>
-        <p:spPr>
-          <a:xfrm flipV="1">
-            <a:off x="3192094" y="3881740"/>
-            <a:ext cx="3732755" cy="465485"/>
-          </a:xfrm>
-          <a:prstGeom prst="line">
-            <a:avLst/>
-          </a:prstGeom>
-          <a:ln w="38100">
-            <a:solidFill>
-              <a:schemeClr val="tx1"/>
-            </a:solidFill>
-            <a:prstDash val="sysDot"/>
-          </a:ln>
-        </p:spPr>
-        <p:style>
-          <a:lnRef idx="1">
-            <a:schemeClr val="accent1"/>
-          </a:lnRef>
-          <a:fillRef idx="0">
-            <a:schemeClr val="accent1"/>
-          </a:fillRef>
-          <a:effectRef idx="0">
-            <a:schemeClr val="accent1"/>
-          </a:effectRef>
-          <a:fontRef idx="minor">
-            <a:schemeClr val="tx1"/>
-          </a:fontRef>
-        </p:style>
-      </p:cxnSp>
-      <p:cxnSp>
-        <p:nvCxnSpPr>
-          <p:cNvPr id="148" name="직선 연결선 147">
-            <a:extLst>
-              <a:ext uri="{FF2B5EF4-FFF2-40B4-BE49-F238E27FC236}">
-                <a16:creationId xmlns:a16="http://schemas.microsoft.com/office/drawing/2014/main" xmlns="" id="{0EC041E5-D65D-433B-BE0F-B17DAE00564D}"/>
-              </a:ext>
-            </a:extLst>
-          </p:cNvPr>
-          <p:cNvCxnSpPr/>
-          <p:nvPr/>
-        </p:nvCxnSpPr>
-        <p:spPr>
-          <a:xfrm>
-            <a:off x="3192094" y="4715404"/>
-            <a:ext cx="3636335" cy="596586"/>
-          </a:xfrm>
-          <a:prstGeom prst="line">
-            <a:avLst/>
-          </a:prstGeom>
-          <a:ln w="38100">
-            <a:solidFill>
-              <a:schemeClr val="tx1"/>
-            </a:solidFill>
-            <a:prstDash val="sysDot"/>
-          </a:ln>
-        </p:spPr>
-        <p:style>
-          <a:lnRef idx="1">
-            <a:schemeClr val="accent1"/>
-          </a:lnRef>
-          <a:fillRef idx="0">
-            <a:schemeClr val="accent1"/>
-          </a:fillRef>
-          <a:effectRef idx="0">
-            <a:schemeClr val="accent1"/>
-          </a:effectRef>
-          <a:fontRef idx="minor">
-            <a:schemeClr val="tx1"/>
-          </a:fontRef>
-        </p:style>
-      </p:cxnSp>
-      <p:sp>
-        <p:nvSpPr>
           <p:cNvPr id="199" name="타원 198">
             <a:extLst>
               <a:ext uri="{FF2B5EF4-FFF2-40B4-BE49-F238E27FC236}">
-                <a16:creationId xmlns:a16="http://schemas.microsoft.com/office/drawing/2014/main" xmlns="" id="{EE49514C-7EC3-4EE2-9128-08A773A94EAF}"/>
+                <a16:creationId xmlns:a16="http://schemas.microsoft.com/office/drawing/2014/main" id="{EE49514C-7EC3-4EE2-9128-08A773A94EAF}"/>
               </a:ext>
             </a:extLst>
           </p:cNvPr>
@@ -5100,7 +4891,7 @@
           <p:cNvPr id="200" name="타원 199">
             <a:extLst>
               <a:ext uri="{FF2B5EF4-FFF2-40B4-BE49-F238E27FC236}">
-                <a16:creationId xmlns:a16="http://schemas.microsoft.com/office/drawing/2014/main" xmlns="" id="{F4FC2F8D-9B46-473F-A9CF-30AFA8F22704}"/>
+                <a16:creationId xmlns:a16="http://schemas.microsoft.com/office/drawing/2014/main" id="{F4FC2F8D-9B46-473F-A9CF-30AFA8F22704}"/>
               </a:ext>
             </a:extLst>
           </p:cNvPr>
@@ -5149,7 +4940,7 @@
           <p:cNvPr id="201" name="타원 200">
             <a:extLst>
               <a:ext uri="{FF2B5EF4-FFF2-40B4-BE49-F238E27FC236}">
-                <a16:creationId xmlns:a16="http://schemas.microsoft.com/office/drawing/2014/main" xmlns="" id="{316BBCC9-1FEB-4F6B-A90B-02CDB0A5202A}"/>
+                <a16:creationId xmlns:a16="http://schemas.microsoft.com/office/drawing/2014/main" id="{316BBCC9-1FEB-4F6B-A90B-02CDB0A5202A}"/>
               </a:ext>
             </a:extLst>
           </p:cNvPr>
@@ -5201,7 +4992,7 @@
           <p:cNvPr id="202" name="타원 201">
             <a:extLst>
               <a:ext uri="{FF2B5EF4-FFF2-40B4-BE49-F238E27FC236}">
-                <a16:creationId xmlns:a16="http://schemas.microsoft.com/office/drawing/2014/main" xmlns="" id="{08E3B82D-1B81-45F5-8EF7-61A45103706F}"/>
+                <a16:creationId xmlns:a16="http://schemas.microsoft.com/office/drawing/2014/main" id="{08E3B82D-1B81-45F5-8EF7-61A45103706F}"/>
               </a:ext>
             </a:extLst>
           </p:cNvPr>
@@ -5259,7 +5050,7 @@
           <p:cNvPr id="203" name="타원 202">
             <a:extLst>
               <a:ext uri="{FF2B5EF4-FFF2-40B4-BE49-F238E27FC236}">
-                <a16:creationId xmlns:a16="http://schemas.microsoft.com/office/drawing/2014/main" xmlns="" id="{5F7D788C-28A0-4B9C-9EA9-9ACFE972B264}"/>
+                <a16:creationId xmlns:a16="http://schemas.microsoft.com/office/drawing/2014/main" id="{5F7D788C-28A0-4B9C-9EA9-9ACFE972B264}"/>
               </a:ext>
             </a:extLst>
           </p:cNvPr>
@@ -5320,7 +5111,7 @@
           <p:cNvPr id="204" name="타원 203">
             <a:extLst>
               <a:ext uri="{FF2B5EF4-FFF2-40B4-BE49-F238E27FC236}">
-                <a16:creationId xmlns:a16="http://schemas.microsoft.com/office/drawing/2014/main" xmlns="" id="{B23696C0-0570-4599-BFC8-B151FB3F6540}"/>
+                <a16:creationId xmlns:a16="http://schemas.microsoft.com/office/drawing/2014/main" id="{B23696C0-0570-4599-BFC8-B151FB3F6540}"/>
               </a:ext>
             </a:extLst>
           </p:cNvPr>
@@ -5372,7 +5163,7 @@
           <p:cNvPr id="205" name="TextBox 204">
             <a:extLst>
               <a:ext uri="{FF2B5EF4-FFF2-40B4-BE49-F238E27FC236}">
-                <a16:creationId xmlns:a16="http://schemas.microsoft.com/office/drawing/2014/main" xmlns="" id="{E747CE9B-EFA0-4EF4-9E8C-65AA04BF9D1E}"/>
+                <a16:creationId xmlns:a16="http://schemas.microsoft.com/office/drawing/2014/main" id="{E747CE9B-EFA0-4EF4-9E8C-65AA04BF9D1E}"/>
               </a:ext>
             </a:extLst>
           </p:cNvPr>
@@ -5408,7 +5199,7 @@
           <p:cNvPr id="206" name="그래픽 205" descr="핀 있는 지도 윤곽선">
             <a:extLst>
               <a:ext uri="{FF2B5EF4-FFF2-40B4-BE49-F238E27FC236}">
-                <a16:creationId xmlns:a16="http://schemas.microsoft.com/office/drawing/2014/main" xmlns="" id="{F5142EB6-FD3F-450C-A516-99157EAB242B}"/>
+                <a16:creationId xmlns:a16="http://schemas.microsoft.com/office/drawing/2014/main" id="{F5142EB6-FD3F-450C-A516-99157EAB242B}"/>
               </a:ext>
             </a:extLst>
           </p:cNvPr>
@@ -5418,13 +5209,13 @@
           <p:nvPr/>
         </p:nvPicPr>
         <p:blipFill>
-          <a:blip r:embed="rId5" cstate="print">
+          <a:blip r:embed="rId3" cstate="print">
             <a:extLst>
               <a:ext uri="{28A0092B-C50C-407E-A947-70E740481C1C}">
                 <a14:useLocalDpi xmlns:a14="http://schemas.microsoft.com/office/drawing/2010/main" val="0"/>
               </a:ext>
               <a:ext uri="{96DAC541-7B7A-43D3-8B79-37D633B846F1}">
-                <asvg:svgBlip xmlns:asvg="http://schemas.microsoft.com/office/drawing/2016/SVG/main" xmlns="" r:embed="rId6"/>
+                <asvg:svgBlip xmlns:asvg="http://schemas.microsoft.com/office/drawing/2016/SVG/main" r:embed="rId4"/>
               </a:ext>
             </a:extLst>
           </a:blip>
@@ -5447,7 +5238,7 @@
           <p:cNvPr id="20" name="직사각형 19">
             <a:extLst>
               <a:ext uri="{FF2B5EF4-FFF2-40B4-BE49-F238E27FC236}">
-                <a16:creationId xmlns:a16="http://schemas.microsoft.com/office/drawing/2014/main" xmlns="" id="{DB786D9F-9F63-4114-863C-FD277B989344}"/>
+                <a16:creationId xmlns:a16="http://schemas.microsoft.com/office/drawing/2014/main" id="{DB786D9F-9F63-4114-863C-FD277B989344}"/>
               </a:ext>
             </a:extLst>
           </p:cNvPr>
@@ -5456,8 +5247,8 @@
         </p:nvSpPr>
         <p:spPr>
           <a:xfrm>
-            <a:off x="9530948" y="3646093"/>
-            <a:ext cx="2404997" cy="2138621"/>
+            <a:off x="9532443" y="2993618"/>
+            <a:ext cx="2404997" cy="1603240"/>
           </a:xfrm>
           <a:prstGeom prst="rect">
             <a:avLst/>
@@ -5698,23 +5489,7 @@
                   </a:outerShdw>
                 </a:effectLst>
               </a:rPr>
-              <a:t>개가 </a:t>
-            </a:r>
-            <a:r>
-              <a:rPr lang="ko-KR" altLang="en-US" sz="1200" dirty="0" smtClean="0">
-                <a:ln w="0"/>
-                <a:solidFill>
-                  <a:schemeClr val="tx1"/>
-                </a:solidFill>
-                <a:effectLst>
-                  <a:outerShdw blurRad="38100" dist="19050" dir="2700000" algn="tl" rotWithShape="0">
-                    <a:schemeClr val="dk1">
-                      <a:alpha val="40000"/>
-                    </a:schemeClr>
-                  </a:outerShdw>
-                </a:effectLst>
-              </a:rPr>
-              <a:t>스폰됩니다</a:t>
+              <a:t>개가 스폰됩니다</a:t>
             </a:r>
             <a:r>
               <a:rPr lang="en-US" altLang="ko-KR" sz="1200" dirty="0">
@@ -5791,7 +5566,7 @@
           <p:cNvPr id="213" name="직사각형 212">
             <a:extLst>
               <a:ext uri="{FF2B5EF4-FFF2-40B4-BE49-F238E27FC236}">
-                <a16:creationId xmlns:a16="http://schemas.microsoft.com/office/drawing/2014/main" xmlns="" id="{EE0E73F6-6363-4E70-AB7B-EE4257F2A2D2}"/>
+                <a16:creationId xmlns:a16="http://schemas.microsoft.com/office/drawing/2014/main" id="{EE0E73F6-6363-4E70-AB7B-EE4257F2A2D2}"/>
               </a:ext>
             </a:extLst>
           </p:cNvPr>
@@ -5800,8 +5575,8 @@
         </p:nvSpPr>
         <p:spPr>
           <a:xfrm>
-            <a:off x="9513664" y="1353346"/>
-            <a:ext cx="2404997" cy="2138621"/>
+            <a:off x="9532444" y="1106148"/>
+            <a:ext cx="2404997" cy="1796725"/>
           </a:xfrm>
           <a:prstGeom prst="rect">
             <a:avLst/>
@@ -6093,22 +5868,6 @@
               <a:effectLst/>
             </a:endParaRPr>
           </a:p>
-          <a:p>
-            <a:pPr algn="ctr"/>
-            <a:endParaRPr lang="en-US" altLang="ko-KR" sz="1200" dirty="0">
-              <a:ln w="0"/>
-              <a:solidFill>
-                <a:schemeClr val="tx1"/>
-              </a:solidFill>
-              <a:effectLst>
-                <a:outerShdw blurRad="38100" dist="19050" dir="2700000" algn="tl" rotWithShape="0">
-                  <a:schemeClr val="dk1">
-                    <a:alpha val="40000"/>
-                  </a:schemeClr>
-                </a:outerShdw>
-              </a:effectLst>
-            </a:endParaRPr>
-          </a:p>
         </p:txBody>
       </p:sp>
       <p:sp>
@@ -6116,7 +5875,7 @@
           <p:cNvPr id="215" name="TextBox 214">
             <a:extLst>
               <a:ext uri="{FF2B5EF4-FFF2-40B4-BE49-F238E27FC236}">
-                <a16:creationId xmlns:a16="http://schemas.microsoft.com/office/drawing/2014/main" xmlns="" id="{FB0B58B4-F420-4B47-8749-F92D7764E6E0}"/>
+                <a16:creationId xmlns:a16="http://schemas.microsoft.com/office/drawing/2014/main" id="{FB0B58B4-F420-4B47-8749-F92D7764E6E0}"/>
               </a:ext>
             </a:extLst>
           </p:cNvPr>
@@ -6144,6 +5903,616 @@
               <a:t>나무</a:t>
             </a:r>
             <a:endParaRPr lang="en-US" altLang="ko-KR" sz="2800" b="1" dirty="0"/>
+          </a:p>
+        </p:txBody>
+      </p:sp>
+      <p:pic>
+        <p:nvPicPr>
+          <p:cNvPr id="3" name="그림 2">
+            <a:extLst>
+              <a:ext uri="{FF2B5EF4-FFF2-40B4-BE49-F238E27FC236}">
+                <a16:creationId xmlns:a16="http://schemas.microsoft.com/office/drawing/2014/main" id="{64FFB663-BBB1-4077-BFF0-FB4ACB199897}"/>
+              </a:ext>
+            </a:extLst>
+          </p:cNvPr>
+          <p:cNvPicPr>
+            <a:picLocks noChangeAspect="1"/>
+          </p:cNvPicPr>
+          <p:nvPr/>
+        </p:nvPicPr>
+        <p:blipFill>
+          <a:blip r:embed="rId5">
+            <a:extLst>
+              <a:ext uri="{28A0092B-C50C-407E-A947-70E740481C1C}">
+                <a14:useLocalDpi xmlns:a14="http://schemas.microsoft.com/office/drawing/2010/main" val="0"/>
+              </a:ext>
+            </a:extLst>
+          </a:blip>
+          <a:stretch>
+            <a:fillRect/>
+          </a:stretch>
+        </p:blipFill>
+        <p:spPr>
+          <a:xfrm>
+            <a:off x="2943371" y="2214771"/>
+            <a:ext cx="3717749" cy="3554690"/>
+          </a:xfrm>
+          <a:prstGeom prst="rect">
+            <a:avLst/>
+          </a:prstGeom>
+        </p:spPr>
+      </p:pic>
+      <p:cxnSp>
+        <p:nvCxnSpPr>
+          <p:cNvPr id="6" name="직선 연결선 5">
+            <a:extLst>
+              <a:ext uri="{FF2B5EF4-FFF2-40B4-BE49-F238E27FC236}">
+                <a16:creationId xmlns:a16="http://schemas.microsoft.com/office/drawing/2014/main" id="{E3EBBA58-A4DD-4CD3-B682-AB5F59DCAA08}"/>
+              </a:ext>
+            </a:extLst>
+          </p:cNvPr>
+          <p:cNvCxnSpPr>
+            <a:cxnSpLocks/>
+          </p:cNvCxnSpPr>
+          <p:nvPr/>
+        </p:nvCxnSpPr>
+        <p:spPr>
+          <a:xfrm flipV="1">
+            <a:off x="4012233" y="3783106"/>
+            <a:ext cx="667343" cy="233483"/>
+          </a:xfrm>
+          <a:prstGeom prst="line">
+            <a:avLst/>
+          </a:prstGeom>
+          <a:ln w="38100">
+            <a:solidFill>
+              <a:schemeClr val="tx1"/>
+            </a:solidFill>
+            <a:prstDash val="sysDot"/>
+          </a:ln>
+        </p:spPr>
+        <p:style>
+          <a:lnRef idx="1">
+            <a:schemeClr val="accent1"/>
+          </a:lnRef>
+          <a:fillRef idx="0">
+            <a:schemeClr val="accent1"/>
+          </a:fillRef>
+          <a:effectRef idx="0">
+            <a:schemeClr val="accent1"/>
+          </a:effectRef>
+          <a:fontRef idx="minor">
+            <a:schemeClr val="tx1"/>
+          </a:fontRef>
+        </p:style>
+      </p:cxnSp>
+      <p:cxnSp>
+        <p:nvCxnSpPr>
+          <p:cNvPr id="146" name="직선 연결선 145">
+            <a:extLst>
+              <a:ext uri="{FF2B5EF4-FFF2-40B4-BE49-F238E27FC236}">
+                <a16:creationId xmlns:a16="http://schemas.microsoft.com/office/drawing/2014/main" id="{C0343809-4B1E-453A-BEFC-77B53A2F0FC3}"/>
+              </a:ext>
+            </a:extLst>
+          </p:cNvPr>
+          <p:cNvCxnSpPr>
+            <a:cxnSpLocks/>
+          </p:cNvCxnSpPr>
+          <p:nvPr/>
+        </p:nvCxnSpPr>
+        <p:spPr>
+          <a:xfrm flipV="1">
+            <a:off x="4679576" y="3783106"/>
+            <a:ext cx="648563" cy="407817"/>
+          </a:xfrm>
+          <a:prstGeom prst="line">
+            <a:avLst/>
+          </a:prstGeom>
+          <a:ln w="38100">
+            <a:solidFill>
+              <a:schemeClr val="tx1"/>
+            </a:solidFill>
+            <a:prstDash val="sysDot"/>
+          </a:ln>
+        </p:spPr>
+        <p:style>
+          <a:lnRef idx="1">
+            <a:schemeClr val="accent1"/>
+          </a:lnRef>
+          <a:fillRef idx="0">
+            <a:schemeClr val="accent1"/>
+          </a:fillRef>
+          <a:effectRef idx="0">
+            <a:schemeClr val="accent1"/>
+          </a:effectRef>
+          <a:fontRef idx="minor">
+            <a:schemeClr val="tx1"/>
+          </a:fontRef>
+        </p:style>
+      </p:cxnSp>
+      <p:cxnSp>
+        <p:nvCxnSpPr>
+          <p:cNvPr id="148" name="직선 연결선 147">
+            <a:extLst>
+              <a:ext uri="{FF2B5EF4-FFF2-40B4-BE49-F238E27FC236}">
+                <a16:creationId xmlns:a16="http://schemas.microsoft.com/office/drawing/2014/main" id="{0EC041E5-D65D-433B-BE0F-B17DAE00564D}"/>
+              </a:ext>
+            </a:extLst>
+          </p:cNvPr>
+          <p:cNvCxnSpPr>
+            <a:cxnSpLocks/>
+          </p:cNvCxnSpPr>
+          <p:nvPr/>
+        </p:nvCxnSpPr>
+        <p:spPr>
+          <a:xfrm flipH="1">
+            <a:off x="4177553" y="4385674"/>
+            <a:ext cx="98612" cy="616461"/>
+          </a:xfrm>
+          <a:prstGeom prst="line">
+            <a:avLst/>
+          </a:prstGeom>
+          <a:ln w="38100">
+            <a:solidFill>
+              <a:schemeClr val="tx1"/>
+            </a:solidFill>
+            <a:prstDash val="sysDot"/>
+          </a:ln>
+        </p:spPr>
+        <p:style>
+          <a:lnRef idx="1">
+            <a:schemeClr val="accent1"/>
+          </a:lnRef>
+          <a:fillRef idx="0">
+            <a:schemeClr val="accent1"/>
+          </a:fillRef>
+          <a:effectRef idx="0">
+            <a:schemeClr val="accent1"/>
+          </a:effectRef>
+          <a:fontRef idx="minor">
+            <a:schemeClr val="tx1"/>
+          </a:fontRef>
+        </p:style>
+      </p:cxnSp>
+      <p:sp>
+        <p:nvSpPr>
+          <p:cNvPr id="36" name="직사각형 35">
+            <a:extLst>
+              <a:ext uri="{FF2B5EF4-FFF2-40B4-BE49-F238E27FC236}">
+                <a16:creationId xmlns:a16="http://schemas.microsoft.com/office/drawing/2014/main" id="{4FF4D6FD-DE6F-4D58-8D7C-DE59DCF2630E}"/>
+              </a:ext>
+            </a:extLst>
+          </p:cNvPr>
+          <p:cNvSpPr/>
+          <p:nvPr/>
+        </p:nvSpPr>
+        <p:spPr>
+          <a:xfrm>
+            <a:off x="9534917" y="4687603"/>
+            <a:ext cx="2404997" cy="2080750"/>
+          </a:xfrm>
+          <a:prstGeom prst="rect">
+            <a:avLst/>
+          </a:prstGeom>
+          <a:solidFill>
+            <a:schemeClr val="bg1">
+              <a:lumMod val="85000"/>
+            </a:schemeClr>
+          </a:solidFill>
+        </p:spPr>
+        <p:style>
+          <a:lnRef idx="2">
+            <a:schemeClr val="accent1">
+              <a:shade val="50000"/>
+            </a:schemeClr>
+          </a:lnRef>
+          <a:fillRef idx="1">
+            <a:schemeClr val="accent1"/>
+          </a:fillRef>
+          <a:effectRef idx="0">
+            <a:schemeClr val="accent1"/>
+          </a:effectRef>
+          <a:fontRef idx="minor">
+            <a:schemeClr val="lt1"/>
+          </a:fontRef>
+        </p:style>
+        <p:txBody>
+          <a:bodyPr rtlCol="0" anchor="ctr"/>
+          <a:lstStyle/>
+          <a:p>
+            <a:pPr marL="0" algn="ctr" rtl="0" eaLnBrk="1" latinLnBrk="1" hangingPunct="1">
+              <a:spcBef>
+                <a:spcPts val="0"/>
+              </a:spcBef>
+              <a:spcAft>
+                <a:spcPts val="0"/>
+              </a:spcAft>
+            </a:pPr>
+            <a:r>
+              <a:rPr lang="ko-KR" altLang="en-US" b="1" dirty="0">
+                <a:solidFill>
+                  <a:schemeClr val="tx1"/>
+                </a:solidFill>
+                <a:effectLst/>
+              </a:rPr>
+              <a:t>연출</a:t>
+            </a:r>
+            <a:endParaRPr lang="en-US" altLang="ko-KR" sz="1200" kern="1200" dirty="0">
+              <a:ln>
+                <a:noFill/>
+              </a:ln>
+              <a:solidFill>
+                <a:srgbClr val="000000"/>
+              </a:solidFill>
+              <a:effectLst>
+                <a:outerShdw blurRad="38100" dist="19050" dir="2700000" algn="tl" rotWithShape="0">
+                  <a:schemeClr val="dk1">
+                    <a:alpha val="40000"/>
+                  </a:schemeClr>
+                </a:outerShdw>
+              </a:effectLst>
+              <a:latin typeface="맑은 고딕" panose="020B0503020000020004" pitchFamily="50" charset="-127"/>
+              <a:ea typeface="맑은 고딕" panose="020B0503020000020004" pitchFamily="50" charset="-127"/>
+              <a:cs typeface="+mn-cs"/>
+            </a:endParaRPr>
+          </a:p>
+          <a:p>
+            <a:pPr marL="0" algn="ctr" rtl="0" eaLnBrk="1" latinLnBrk="1" hangingPunct="1">
+              <a:spcBef>
+                <a:spcPts val="0"/>
+              </a:spcBef>
+              <a:spcAft>
+                <a:spcPts val="0"/>
+              </a:spcAft>
+            </a:pPr>
+            <a:r>
+              <a:rPr lang="ko-KR" altLang="en-US" sz="1200" dirty="0">
+                <a:solidFill>
+                  <a:srgbClr val="000000"/>
+                </a:solidFill>
+                <a:effectLst>
+                  <a:outerShdw blurRad="38100" dist="19050" dir="2700000" algn="tl" rotWithShape="0">
+                    <a:schemeClr val="dk1">
+                      <a:alpha val="40000"/>
+                    </a:schemeClr>
+                  </a:outerShdw>
+                </a:effectLst>
+                <a:latin typeface="맑은 고딕" panose="020B0503020000020004" pitchFamily="50" charset="-127"/>
+                <a:ea typeface="맑은 고딕" panose="020B0503020000020004" pitchFamily="50" charset="-127"/>
+              </a:rPr>
+              <a:t>나뭇가지가 시작되는 부분에</a:t>
+            </a:r>
+            <a:endParaRPr lang="en-US" altLang="ko-KR" sz="1200" dirty="0">
+              <a:solidFill>
+                <a:srgbClr val="000000"/>
+              </a:solidFill>
+              <a:effectLst>
+                <a:outerShdw blurRad="38100" dist="19050" dir="2700000" algn="tl" rotWithShape="0">
+                  <a:schemeClr val="dk1">
+                    <a:alpha val="40000"/>
+                  </a:schemeClr>
+                </a:outerShdw>
+              </a:effectLst>
+              <a:latin typeface="맑은 고딕" panose="020B0503020000020004" pitchFamily="50" charset="-127"/>
+              <a:ea typeface="맑은 고딕" panose="020B0503020000020004" pitchFamily="50" charset="-127"/>
+            </a:endParaRPr>
+          </a:p>
+          <a:p>
+            <a:pPr marL="0" algn="ctr" rtl="0" eaLnBrk="1" latinLnBrk="1" hangingPunct="1">
+              <a:spcBef>
+                <a:spcPts val="0"/>
+              </a:spcBef>
+              <a:spcAft>
+                <a:spcPts val="0"/>
+              </a:spcAft>
+            </a:pPr>
+            <a:r>
+              <a:rPr lang="ko-KR" altLang="en-US" sz="1200" dirty="0">
+                <a:solidFill>
+                  <a:srgbClr val="000000"/>
+                </a:solidFill>
+                <a:effectLst>
+                  <a:outerShdw blurRad="38100" dist="19050" dir="2700000" algn="tl" rotWithShape="0">
+                    <a:schemeClr val="dk1">
+                      <a:alpha val="40000"/>
+                    </a:schemeClr>
+                  </a:outerShdw>
+                </a:effectLst>
+                <a:latin typeface="맑은 고딕" panose="020B0503020000020004" pitchFamily="50" charset="-127"/>
+                <a:ea typeface="맑은 고딕" panose="020B0503020000020004" pitchFamily="50" charset="-127"/>
+              </a:rPr>
+              <a:t> 점선을 그리고</a:t>
+            </a:r>
+            <a:r>
+              <a:rPr lang="en-US" altLang="ko-KR" sz="1200" dirty="0">
+                <a:solidFill>
+                  <a:srgbClr val="000000"/>
+                </a:solidFill>
+                <a:effectLst>
+                  <a:outerShdw blurRad="38100" dist="19050" dir="2700000" algn="tl" rotWithShape="0">
+                    <a:schemeClr val="dk1">
+                      <a:alpha val="40000"/>
+                    </a:schemeClr>
+                  </a:outerShdw>
+                </a:effectLst>
+                <a:latin typeface="맑은 고딕" panose="020B0503020000020004" pitchFamily="50" charset="-127"/>
+                <a:ea typeface="맑은 고딕" panose="020B0503020000020004" pitchFamily="50" charset="-127"/>
+              </a:rPr>
+              <a:t> </a:t>
+            </a:r>
+          </a:p>
+          <a:p>
+            <a:pPr marL="0" algn="ctr" rtl="0" eaLnBrk="1" latinLnBrk="1" hangingPunct="1">
+              <a:spcBef>
+                <a:spcPts val="0"/>
+              </a:spcBef>
+              <a:spcAft>
+                <a:spcPts val="0"/>
+              </a:spcAft>
+            </a:pPr>
+            <a:r>
+              <a:rPr lang="ko-KR" altLang="en-US" sz="1200" dirty="0">
+                <a:solidFill>
+                  <a:srgbClr val="000000"/>
+                </a:solidFill>
+                <a:effectLst>
+                  <a:outerShdw blurRad="38100" dist="19050" dir="2700000" algn="tl" rotWithShape="0">
+                    <a:schemeClr val="dk1">
+                      <a:alpha val="40000"/>
+                    </a:schemeClr>
+                  </a:outerShdw>
+                </a:effectLst>
+                <a:latin typeface="맑은 고딕" panose="020B0503020000020004" pitchFamily="50" charset="-127"/>
+                <a:ea typeface="맑은 고딕" panose="020B0503020000020004" pitchFamily="50" charset="-127"/>
+              </a:rPr>
+              <a:t>그 부분을 드래그하면</a:t>
+            </a:r>
+            <a:endParaRPr lang="en-US" altLang="ko-KR" sz="1200" dirty="0">
+              <a:solidFill>
+                <a:srgbClr val="000000"/>
+              </a:solidFill>
+              <a:effectLst>
+                <a:outerShdw blurRad="38100" dist="19050" dir="2700000" algn="tl" rotWithShape="0">
+                  <a:schemeClr val="dk1">
+                    <a:alpha val="40000"/>
+                  </a:schemeClr>
+                </a:outerShdw>
+              </a:effectLst>
+              <a:latin typeface="맑은 고딕" panose="020B0503020000020004" pitchFamily="50" charset="-127"/>
+              <a:ea typeface="맑은 고딕" panose="020B0503020000020004" pitchFamily="50" charset="-127"/>
+            </a:endParaRPr>
+          </a:p>
+          <a:p>
+            <a:pPr marL="0" algn="ctr" rtl="0" eaLnBrk="1" latinLnBrk="1" hangingPunct="1">
+              <a:spcBef>
+                <a:spcPts val="0"/>
+              </a:spcBef>
+              <a:spcAft>
+                <a:spcPts val="0"/>
+              </a:spcAft>
+            </a:pPr>
+            <a:r>
+              <a:rPr lang="ko-KR" altLang="en-US" sz="1200" dirty="0">
+                <a:solidFill>
+                  <a:srgbClr val="000000"/>
+                </a:solidFill>
+                <a:effectLst>
+                  <a:outerShdw blurRad="38100" dist="19050" dir="2700000" algn="tl" rotWithShape="0">
+                    <a:schemeClr val="dk1">
+                      <a:alpha val="40000"/>
+                    </a:schemeClr>
+                  </a:outerShdw>
+                </a:effectLst>
+                <a:latin typeface="맑은 고딕" panose="020B0503020000020004" pitchFamily="50" charset="-127"/>
+                <a:ea typeface="맑은 고딕" panose="020B0503020000020004" pitchFamily="50" charset="-127"/>
+              </a:rPr>
+              <a:t>나뭇가지가 패널 맨 밑에 떨어짐</a:t>
+            </a:r>
+            <a:r>
+              <a:rPr lang="en-US" altLang="ko-KR" sz="1200" dirty="0">
+                <a:solidFill>
+                  <a:srgbClr val="000000"/>
+                </a:solidFill>
+                <a:effectLst>
+                  <a:outerShdw blurRad="38100" dist="19050" dir="2700000" algn="tl" rotWithShape="0">
+                    <a:schemeClr val="dk1">
+                      <a:alpha val="40000"/>
+                    </a:schemeClr>
+                  </a:outerShdw>
+                </a:effectLst>
+                <a:latin typeface="맑은 고딕" panose="020B0503020000020004" pitchFamily="50" charset="-127"/>
+                <a:ea typeface="맑은 고딕" panose="020B0503020000020004" pitchFamily="50" charset="-127"/>
+              </a:rPr>
+              <a:t>.</a:t>
+            </a:r>
+          </a:p>
+          <a:p>
+            <a:pPr marL="0" algn="ctr" rtl="0" eaLnBrk="1" latinLnBrk="1" hangingPunct="1">
+              <a:spcBef>
+                <a:spcPts val="0"/>
+              </a:spcBef>
+              <a:spcAft>
+                <a:spcPts val="0"/>
+              </a:spcAft>
+            </a:pPr>
+            <a:endParaRPr lang="en-US" altLang="ko-KR" sz="1200" dirty="0">
+              <a:solidFill>
+                <a:srgbClr val="000000"/>
+              </a:solidFill>
+              <a:effectLst>
+                <a:outerShdw blurRad="38100" dist="19050" dir="2700000" algn="tl" rotWithShape="0">
+                  <a:schemeClr val="dk1">
+                    <a:alpha val="40000"/>
+                  </a:schemeClr>
+                </a:outerShdw>
+              </a:effectLst>
+              <a:latin typeface="맑은 고딕" panose="020B0503020000020004" pitchFamily="50" charset="-127"/>
+              <a:ea typeface="맑은 고딕" panose="020B0503020000020004" pitchFamily="50" charset="-127"/>
+            </a:endParaRPr>
+          </a:p>
+          <a:p>
+            <a:pPr marL="0" algn="ctr" rtl="0" eaLnBrk="1" latinLnBrk="1" hangingPunct="1">
+              <a:spcBef>
+                <a:spcPts val="0"/>
+              </a:spcBef>
+              <a:spcAft>
+                <a:spcPts val="0"/>
+              </a:spcAft>
+            </a:pPr>
+            <a:r>
+              <a:rPr lang="ko-KR" altLang="en-US" sz="1200" dirty="0">
+                <a:solidFill>
+                  <a:srgbClr val="000000"/>
+                </a:solidFill>
+                <a:effectLst>
+                  <a:outerShdw blurRad="38100" dist="19050" dir="2700000" algn="tl" rotWithShape="0">
+                    <a:schemeClr val="dk1">
+                      <a:alpha val="40000"/>
+                    </a:schemeClr>
+                  </a:outerShdw>
+                </a:effectLst>
+                <a:latin typeface="맑은 고딕" panose="020B0503020000020004" pitchFamily="50" charset="-127"/>
+                <a:ea typeface="맑은 고딕" panose="020B0503020000020004" pitchFamily="50" charset="-127"/>
+              </a:rPr>
+              <a:t>미션이 끝나면 </a:t>
+            </a:r>
+            <a:endParaRPr lang="en-US" altLang="ko-KR" sz="1200" dirty="0">
+              <a:solidFill>
+                <a:srgbClr val="000000"/>
+              </a:solidFill>
+              <a:effectLst>
+                <a:outerShdw blurRad="38100" dist="19050" dir="2700000" algn="tl" rotWithShape="0">
+                  <a:schemeClr val="dk1">
+                    <a:alpha val="40000"/>
+                  </a:schemeClr>
+                </a:outerShdw>
+              </a:effectLst>
+              <a:latin typeface="맑은 고딕" panose="020B0503020000020004" pitchFamily="50" charset="-127"/>
+              <a:ea typeface="맑은 고딕" panose="020B0503020000020004" pitchFamily="50" charset="-127"/>
+            </a:endParaRPr>
+          </a:p>
+          <a:p>
+            <a:pPr marL="0" algn="ctr" rtl="0" eaLnBrk="1" latinLnBrk="1" hangingPunct="1">
+              <a:spcBef>
+                <a:spcPts val="0"/>
+              </a:spcBef>
+              <a:spcAft>
+                <a:spcPts val="0"/>
+              </a:spcAft>
+            </a:pPr>
+            <a:r>
+              <a:rPr lang="ko-KR" altLang="en-US" sz="1200" dirty="0">
+                <a:solidFill>
+                  <a:srgbClr val="000000"/>
+                </a:solidFill>
+                <a:effectLst>
+                  <a:outerShdw blurRad="38100" dist="19050" dir="2700000" algn="tl" rotWithShape="0">
+                    <a:schemeClr val="dk1">
+                      <a:alpha val="40000"/>
+                    </a:schemeClr>
+                  </a:outerShdw>
+                </a:effectLst>
+                <a:latin typeface="맑은 고딕" panose="020B0503020000020004" pitchFamily="50" charset="-127"/>
+                <a:ea typeface="맑은 고딕" panose="020B0503020000020004" pitchFamily="50" charset="-127"/>
+              </a:rPr>
+              <a:t>미션창이 서서히 꺼지고 </a:t>
+            </a:r>
+            <a:endParaRPr lang="en-US" altLang="ko-KR" sz="1200" dirty="0">
+              <a:solidFill>
+                <a:srgbClr val="000000"/>
+              </a:solidFill>
+              <a:effectLst>
+                <a:outerShdw blurRad="38100" dist="19050" dir="2700000" algn="tl" rotWithShape="0">
+                  <a:schemeClr val="dk1">
+                    <a:alpha val="40000"/>
+                  </a:schemeClr>
+                </a:outerShdw>
+              </a:effectLst>
+              <a:latin typeface="맑은 고딕" panose="020B0503020000020004" pitchFamily="50" charset="-127"/>
+              <a:ea typeface="맑은 고딕" panose="020B0503020000020004" pitchFamily="50" charset="-127"/>
+            </a:endParaRPr>
+          </a:p>
+          <a:p>
+            <a:pPr marL="0" algn="ctr" rtl="0" eaLnBrk="1" latinLnBrk="1" hangingPunct="1">
+              <a:spcBef>
+                <a:spcPts val="0"/>
+              </a:spcBef>
+              <a:spcAft>
+                <a:spcPts val="0"/>
+              </a:spcAft>
+            </a:pPr>
+            <a:r>
+              <a:rPr lang="ko-KR" altLang="en-US" sz="1200" dirty="0">
+                <a:solidFill>
+                  <a:srgbClr val="000000"/>
+                </a:solidFill>
+                <a:effectLst>
+                  <a:outerShdw blurRad="38100" dist="19050" dir="2700000" algn="tl" rotWithShape="0">
+                    <a:schemeClr val="dk1">
+                      <a:alpha val="40000"/>
+                    </a:schemeClr>
+                  </a:outerShdw>
+                </a:effectLst>
+                <a:latin typeface="맑은 고딕" panose="020B0503020000020004" pitchFamily="50" charset="-127"/>
+                <a:ea typeface="맑은 고딕" panose="020B0503020000020004" pitchFamily="50" charset="-127"/>
+              </a:rPr>
+              <a:t>맵 나무 밑에 아이템 </a:t>
+            </a:r>
+            <a:endParaRPr lang="en-US" altLang="ko-KR" sz="1200" dirty="0">
+              <a:solidFill>
+                <a:srgbClr val="000000"/>
+              </a:solidFill>
+              <a:effectLst>
+                <a:outerShdw blurRad="38100" dist="19050" dir="2700000" algn="tl" rotWithShape="0">
+                  <a:schemeClr val="dk1">
+                    <a:alpha val="40000"/>
+                  </a:schemeClr>
+                </a:outerShdw>
+              </a:effectLst>
+              <a:latin typeface="맑은 고딕" panose="020B0503020000020004" pitchFamily="50" charset="-127"/>
+              <a:ea typeface="맑은 고딕" panose="020B0503020000020004" pitchFamily="50" charset="-127"/>
+            </a:endParaRPr>
+          </a:p>
+          <a:p>
+            <a:pPr marL="0" algn="ctr" rtl="0" eaLnBrk="1" latinLnBrk="1" hangingPunct="1">
+              <a:spcBef>
+                <a:spcPts val="0"/>
+              </a:spcBef>
+              <a:spcAft>
+                <a:spcPts val="0"/>
+              </a:spcAft>
+            </a:pPr>
+            <a:r>
+              <a:rPr lang="ko-KR" altLang="en-US" sz="1200" dirty="0">
+                <a:solidFill>
+                  <a:srgbClr val="000000"/>
+                </a:solidFill>
+                <a:effectLst>
+                  <a:outerShdw blurRad="38100" dist="19050" dir="2700000" algn="tl" rotWithShape="0">
+                    <a:schemeClr val="dk1">
+                      <a:alpha val="40000"/>
+                    </a:schemeClr>
+                  </a:outerShdw>
+                </a:effectLst>
+                <a:latin typeface="맑은 고딕" panose="020B0503020000020004" pitchFamily="50" charset="-127"/>
+                <a:ea typeface="맑은 고딕" panose="020B0503020000020004" pitchFamily="50" charset="-127"/>
+              </a:rPr>
+              <a:t>떨어트려놓기</a:t>
+            </a:r>
+            <a:endParaRPr lang="en-US" altLang="ko-KR" sz="1200" dirty="0">
+              <a:solidFill>
+                <a:srgbClr val="000000"/>
+              </a:solidFill>
+              <a:effectLst>
+                <a:outerShdw blurRad="38100" dist="19050" dir="2700000" algn="tl" rotWithShape="0">
+                  <a:schemeClr val="dk1">
+                    <a:alpha val="40000"/>
+                  </a:schemeClr>
+                </a:outerShdw>
+              </a:effectLst>
+              <a:latin typeface="맑은 고딕" panose="020B0503020000020004" pitchFamily="50" charset="-127"/>
+              <a:ea typeface="맑은 고딕" panose="020B0503020000020004" pitchFamily="50" charset="-127"/>
+            </a:endParaRPr>
           </a:p>
         </p:txBody>
       </p:sp>
@@ -6182,7 +6551,7 @@
           <p:cNvPr id="198" name="사각형: 둥근 모서리 197">
             <a:extLst>
               <a:ext uri="{FF2B5EF4-FFF2-40B4-BE49-F238E27FC236}">
-                <a16:creationId xmlns:a16="http://schemas.microsoft.com/office/drawing/2014/main" xmlns="" id="{3E02CA4B-E009-458D-9663-19CCDC8D792B}"/>
+                <a16:creationId xmlns:a16="http://schemas.microsoft.com/office/drawing/2014/main" id="{3E02CA4B-E009-458D-9663-19CCDC8D792B}"/>
               </a:ext>
             </a:extLst>
           </p:cNvPr>
@@ -6236,7 +6605,7 @@
           <p:cNvPr id="19" name="직사각형 18">
             <a:extLst>
               <a:ext uri="{FF2B5EF4-FFF2-40B4-BE49-F238E27FC236}">
-                <a16:creationId xmlns:a16="http://schemas.microsoft.com/office/drawing/2014/main" xmlns="" id="{60E8ECA5-8AD5-4EAD-B3F6-94210D46088C}"/>
+                <a16:creationId xmlns:a16="http://schemas.microsoft.com/office/drawing/2014/main" id="{60E8ECA5-8AD5-4EAD-B3F6-94210D46088C}"/>
               </a:ext>
             </a:extLst>
           </p:cNvPr>
@@ -6288,7 +6657,7 @@
           <p:cNvPr id="4" name="직사각형 3">
             <a:extLst>
               <a:ext uri="{FF2B5EF4-FFF2-40B4-BE49-F238E27FC236}">
-                <a16:creationId xmlns:a16="http://schemas.microsoft.com/office/drawing/2014/main" xmlns="" id="{AE93FE2A-85FE-4157-951C-FC2FADBB3B34}"/>
+                <a16:creationId xmlns:a16="http://schemas.microsoft.com/office/drawing/2014/main" id="{AE93FE2A-85FE-4157-951C-FC2FADBB3B34}"/>
               </a:ext>
             </a:extLst>
           </p:cNvPr>
@@ -6340,7 +6709,7 @@
           <p:cNvPr id="7" name="TextBox 6">
             <a:extLst>
               <a:ext uri="{FF2B5EF4-FFF2-40B4-BE49-F238E27FC236}">
-                <a16:creationId xmlns:a16="http://schemas.microsoft.com/office/drawing/2014/main" xmlns="" id="{982817C4-ACF4-45FB-A018-6E6F872691BC}"/>
+                <a16:creationId xmlns:a16="http://schemas.microsoft.com/office/drawing/2014/main" id="{982817C4-ACF4-45FB-A018-6E6F872691BC}"/>
               </a:ext>
             </a:extLst>
           </p:cNvPr>
@@ -6373,46 +6742,10 @@
       </p:sp>
       <p:sp>
         <p:nvSpPr>
-          <p:cNvPr id="11" name="TextBox 10">
-            <a:extLst>
-              <a:ext uri="{FF2B5EF4-FFF2-40B4-BE49-F238E27FC236}">
-                <a16:creationId xmlns:a16="http://schemas.microsoft.com/office/drawing/2014/main" xmlns="" id="{4C392713-5D6A-477F-809B-12AAFB288320}"/>
-              </a:ext>
-            </a:extLst>
-          </p:cNvPr>
-          <p:cNvSpPr txBox="1"/>
-          <p:nvPr/>
-        </p:nvSpPr>
-        <p:spPr>
-          <a:xfrm>
-            <a:off x="11508508" y="6289963"/>
-            <a:ext cx="311304" cy="369332"/>
-          </a:xfrm>
-          <a:prstGeom prst="rect">
-            <a:avLst/>
-          </a:prstGeom>
-          <a:noFill/>
-        </p:spPr>
-        <p:txBody>
-          <a:bodyPr wrap="none" rtlCol="0">
-            <a:spAutoFit/>
-          </a:bodyPr>
-          <a:lstStyle/>
-          <a:p>
-            <a:r>
-              <a:rPr lang="en-US" altLang="ko-KR" dirty="0"/>
-              <a:t>2</a:t>
-            </a:r>
-            <a:endParaRPr lang="ko-KR" altLang="en-US" dirty="0"/>
-          </a:p>
-        </p:txBody>
-      </p:sp>
-      <p:sp>
-        <p:nvSpPr>
           <p:cNvPr id="199" name="타원 198">
             <a:extLst>
               <a:ext uri="{FF2B5EF4-FFF2-40B4-BE49-F238E27FC236}">
-                <a16:creationId xmlns:a16="http://schemas.microsoft.com/office/drawing/2014/main" xmlns="" id="{EE49514C-7EC3-4EE2-9128-08A773A94EAF}"/>
+                <a16:creationId xmlns:a16="http://schemas.microsoft.com/office/drawing/2014/main" id="{EE49514C-7EC3-4EE2-9128-08A773A94EAF}"/>
               </a:ext>
             </a:extLst>
           </p:cNvPr>
@@ -6464,7 +6797,7 @@
           <p:cNvPr id="200" name="타원 199">
             <a:extLst>
               <a:ext uri="{FF2B5EF4-FFF2-40B4-BE49-F238E27FC236}">
-                <a16:creationId xmlns:a16="http://schemas.microsoft.com/office/drawing/2014/main" xmlns="" id="{F4FC2F8D-9B46-473F-A9CF-30AFA8F22704}"/>
+                <a16:creationId xmlns:a16="http://schemas.microsoft.com/office/drawing/2014/main" id="{F4FC2F8D-9B46-473F-A9CF-30AFA8F22704}"/>
               </a:ext>
             </a:extLst>
           </p:cNvPr>
@@ -6513,7 +6846,7 @@
           <p:cNvPr id="201" name="타원 200">
             <a:extLst>
               <a:ext uri="{FF2B5EF4-FFF2-40B4-BE49-F238E27FC236}">
-                <a16:creationId xmlns:a16="http://schemas.microsoft.com/office/drawing/2014/main" xmlns="" id="{316BBCC9-1FEB-4F6B-A90B-02CDB0A5202A}"/>
+                <a16:creationId xmlns:a16="http://schemas.microsoft.com/office/drawing/2014/main" id="{316BBCC9-1FEB-4F6B-A90B-02CDB0A5202A}"/>
               </a:ext>
             </a:extLst>
           </p:cNvPr>
@@ -6565,7 +6898,7 @@
           <p:cNvPr id="202" name="타원 201">
             <a:extLst>
               <a:ext uri="{FF2B5EF4-FFF2-40B4-BE49-F238E27FC236}">
-                <a16:creationId xmlns:a16="http://schemas.microsoft.com/office/drawing/2014/main" xmlns="" id="{08E3B82D-1B81-45F5-8EF7-61A45103706F}"/>
+                <a16:creationId xmlns:a16="http://schemas.microsoft.com/office/drawing/2014/main" id="{08E3B82D-1B81-45F5-8EF7-61A45103706F}"/>
               </a:ext>
             </a:extLst>
           </p:cNvPr>
@@ -6623,7 +6956,7 @@
           <p:cNvPr id="203" name="타원 202">
             <a:extLst>
               <a:ext uri="{FF2B5EF4-FFF2-40B4-BE49-F238E27FC236}">
-                <a16:creationId xmlns:a16="http://schemas.microsoft.com/office/drawing/2014/main" xmlns="" id="{5F7D788C-28A0-4B9C-9EA9-9ACFE972B264}"/>
+                <a16:creationId xmlns:a16="http://schemas.microsoft.com/office/drawing/2014/main" id="{5F7D788C-28A0-4B9C-9EA9-9ACFE972B264}"/>
               </a:ext>
             </a:extLst>
           </p:cNvPr>
@@ -6684,7 +7017,7 @@
           <p:cNvPr id="204" name="타원 203">
             <a:extLst>
               <a:ext uri="{FF2B5EF4-FFF2-40B4-BE49-F238E27FC236}">
-                <a16:creationId xmlns:a16="http://schemas.microsoft.com/office/drawing/2014/main" xmlns="" id="{B23696C0-0570-4599-BFC8-B151FB3F6540}"/>
+                <a16:creationId xmlns:a16="http://schemas.microsoft.com/office/drawing/2014/main" id="{B23696C0-0570-4599-BFC8-B151FB3F6540}"/>
               </a:ext>
             </a:extLst>
           </p:cNvPr>
@@ -6736,7 +7069,7 @@
           <p:cNvPr id="205" name="TextBox 204">
             <a:extLst>
               <a:ext uri="{FF2B5EF4-FFF2-40B4-BE49-F238E27FC236}">
-                <a16:creationId xmlns:a16="http://schemas.microsoft.com/office/drawing/2014/main" xmlns="" id="{E747CE9B-EFA0-4EF4-9E8C-65AA04BF9D1E}"/>
+                <a16:creationId xmlns:a16="http://schemas.microsoft.com/office/drawing/2014/main" id="{E747CE9B-EFA0-4EF4-9E8C-65AA04BF9D1E}"/>
               </a:ext>
             </a:extLst>
           </p:cNvPr>
@@ -6772,7 +7105,7 @@
           <p:cNvPr id="206" name="그래픽 205" descr="핀 있는 지도 윤곽선">
             <a:extLst>
               <a:ext uri="{FF2B5EF4-FFF2-40B4-BE49-F238E27FC236}">
-                <a16:creationId xmlns:a16="http://schemas.microsoft.com/office/drawing/2014/main" xmlns="" id="{F5142EB6-FD3F-450C-A516-99157EAB242B}"/>
+                <a16:creationId xmlns:a16="http://schemas.microsoft.com/office/drawing/2014/main" id="{F5142EB6-FD3F-450C-A516-99157EAB242B}"/>
               </a:ext>
             </a:extLst>
           </p:cNvPr>
@@ -6788,7 +7121,7 @@
                 <a14:useLocalDpi xmlns:a14="http://schemas.microsoft.com/office/drawing/2010/main" val="0"/>
               </a:ext>
               <a:ext uri="{96DAC541-7B7A-43D3-8B79-37D633B846F1}">
-                <asvg:svgBlip xmlns:asvg="http://schemas.microsoft.com/office/drawing/2016/SVG/main" xmlns="" r:embed="rId4"/>
+                <asvg:svgBlip xmlns:asvg="http://schemas.microsoft.com/office/drawing/2016/SVG/main" r:embed="rId4"/>
               </a:ext>
             </a:extLst>
           </a:blip>
@@ -6811,7 +7144,7 @@
           <p:cNvPr id="20" name="직사각형 19">
             <a:extLst>
               <a:ext uri="{FF2B5EF4-FFF2-40B4-BE49-F238E27FC236}">
-                <a16:creationId xmlns:a16="http://schemas.microsoft.com/office/drawing/2014/main" xmlns="" id="{DB786D9F-9F63-4114-863C-FD277B989344}"/>
+                <a16:creationId xmlns:a16="http://schemas.microsoft.com/office/drawing/2014/main" id="{DB786D9F-9F63-4114-863C-FD277B989344}"/>
               </a:ext>
             </a:extLst>
           </p:cNvPr>
@@ -6820,8 +7153,8 @@
         </p:nvSpPr>
         <p:spPr>
           <a:xfrm>
-            <a:off x="9530948" y="3646093"/>
-            <a:ext cx="2404997" cy="2138621"/>
+            <a:off x="9513490" y="2732059"/>
+            <a:ext cx="2404997" cy="1588349"/>
           </a:xfrm>
           <a:prstGeom prst="rect">
             <a:avLst/>
@@ -7155,7 +7488,7 @@
           <p:cNvPr id="213" name="직사각형 212">
             <a:extLst>
               <a:ext uri="{FF2B5EF4-FFF2-40B4-BE49-F238E27FC236}">
-                <a16:creationId xmlns:a16="http://schemas.microsoft.com/office/drawing/2014/main" xmlns="" id="{EE0E73F6-6363-4E70-AB7B-EE4257F2A2D2}"/>
+                <a16:creationId xmlns:a16="http://schemas.microsoft.com/office/drawing/2014/main" id="{EE0E73F6-6363-4E70-AB7B-EE4257F2A2D2}"/>
               </a:ext>
             </a:extLst>
           </p:cNvPr>
@@ -7164,8 +7497,8 @@
         </p:nvSpPr>
         <p:spPr>
           <a:xfrm>
-            <a:off x="9513664" y="1353346"/>
-            <a:ext cx="2404997" cy="2138621"/>
+            <a:off x="9513663" y="1089092"/>
+            <a:ext cx="2404997" cy="1588349"/>
           </a:xfrm>
           <a:prstGeom prst="rect">
             <a:avLst/>
@@ -7457,22 +7790,6 @@
               <a:effectLst/>
             </a:endParaRPr>
           </a:p>
-          <a:p>
-            <a:pPr algn="ctr"/>
-            <a:endParaRPr lang="en-US" altLang="ko-KR" sz="1200" dirty="0">
-              <a:ln w="0"/>
-              <a:solidFill>
-                <a:schemeClr val="tx1"/>
-              </a:solidFill>
-              <a:effectLst>
-                <a:outerShdw blurRad="38100" dist="19050" dir="2700000" algn="tl" rotWithShape="0">
-                  <a:schemeClr val="dk1">
-                    <a:alpha val="40000"/>
-                  </a:schemeClr>
-                </a:outerShdw>
-              </a:effectLst>
-            </a:endParaRPr>
-          </a:p>
         </p:txBody>
       </p:sp>
       <p:sp>
@@ -7480,7 +7797,7 @@
           <p:cNvPr id="21" name="TextBox 20">
             <a:extLst>
               <a:ext uri="{FF2B5EF4-FFF2-40B4-BE49-F238E27FC236}">
-                <a16:creationId xmlns:a16="http://schemas.microsoft.com/office/drawing/2014/main" xmlns="" id="{04FF0C63-9200-4D4D-87FC-C29E13044F0A}"/>
+                <a16:creationId xmlns:a16="http://schemas.microsoft.com/office/drawing/2014/main" id="{04FF0C63-9200-4D4D-87FC-C29E13044F0A}"/>
               </a:ext>
             </a:extLst>
           </p:cNvPr>
@@ -7516,7 +7833,7 @@
           <p:cNvPr id="22" name="Picture 2" descr="만화 손으로 그린 ​​푸른 나무 | 일러스트 AI 무료 다운로드 - Pikbest">
             <a:extLst>
               <a:ext uri="{FF2B5EF4-FFF2-40B4-BE49-F238E27FC236}">
-                <a16:creationId xmlns:a16="http://schemas.microsoft.com/office/drawing/2014/main" xmlns="" id="{CEC9DEC9-932E-4ABB-BE1A-2A35AFC26FF4}"/>
+                <a16:creationId xmlns:a16="http://schemas.microsoft.com/office/drawing/2014/main" id="{CEC9DEC9-932E-4ABB-BE1A-2A35AFC26FF4}"/>
               </a:ext>
             </a:extLst>
           </p:cNvPr>
@@ -7572,7 +7889,7 @@
           <p:cNvPr id="3" name="그래픽 2" descr="터치 스크린 윤곽선">
             <a:extLst>
               <a:ext uri="{FF2B5EF4-FFF2-40B4-BE49-F238E27FC236}">
-                <a16:creationId xmlns:a16="http://schemas.microsoft.com/office/drawing/2014/main" xmlns="" id="{1CD1DFAE-0145-4553-A084-219FE128D476}"/>
+                <a16:creationId xmlns:a16="http://schemas.microsoft.com/office/drawing/2014/main" id="{1CD1DFAE-0145-4553-A084-219FE128D476}"/>
               </a:ext>
             </a:extLst>
           </p:cNvPr>
@@ -7588,7 +7905,7 @@
                 <a14:useLocalDpi xmlns:a14="http://schemas.microsoft.com/office/drawing/2010/main" val="0"/>
               </a:ext>
               <a:ext uri="{96DAC541-7B7A-43D3-8B79-37D633B846F1}">
-                <asvg:svgBlip xmlns:asvg="http://schemas.microsoft.com/office/drawing/2016/SVG/main" xmlns="" r:embed="rId8"/>
+                <asvg:svgBlip xmlns:asvg="http://schemas.microsoft.com/office/drawing/2016/SVG/main" r:embed="rId8"/>
               </a:ext>
             </a:extLst>
           </a:blip>
@@ -7611,7 +7928,7 @@
           <p:cNvPr id="25" name="그래픽 24" descr="터치 스크린 윤곽선">
             <a:extLst>
               <a:ext uri="{FF2B5EF4-FFF2-40B4-BE49-F238E27FC236}">
-                <a16:creationId xmlns:a16="http://schemas.microsoft.com/office/drawing/2014/main" xmlns="" id="{D920495D-7B53-4D97-AC56-706D85809515}"/>
+                <a16:creationId xmlns:a16="http://schemas.microsoft.com/office/drawing/2014/main" id="{D920495D-7B53-4D97-AC56-706D85809515}"/>
               </a:ext>
             </a:extLst>
           </p:cNvPr>
@@ -7627,7 +7944,7 @@
                 <a14:useLocalDpi xmlns:a14="http://schemas.microsoft.com/office/drawing/2010/main" val="0"/>
               </a:ext>
               <a:ext uri="{96DAC541-7B7A-43D3-8B79-37D633B846F1}">
-                <asvg:svgBlip xmlns:asvg="http://schemas.microsoft.com/office/drawing/2016/SVG/main" xmlns="" r:embed="rId8"/>
+                <asvg:svgBlip xmlns:asvg="http://schemas.microsoft.com/office/drawing/2016/SVG/main" r:embed="rId8"/>
               </a:ext>
             </a:extLst>
           </a:blip>
@@ -7650,7 +7967,7 @@
           <p:cNvPr id="26" name="그래픽 25" descr="터치 스크린 윤곽선">
             <a:extLst>
               <a:ext uri="{FF2B5EF4-FFF2-40B4-BE49-F238E27FC236}">
-                <a16:creationId xmlns:a16="http://schemas.microsoft.com/office/drawing/2014/main" xmlns="" id="{9FF982A5-E6CB-4A01-B84C-5C25EF33EFB8}"/>
+                <a16:creationId xmlns:a16="http://schemas.microsoft.com/office/drawing/2014/main" id="{9FF982A5-E6CB-4A01-B84C-5C25EF33EFB8}"/>
               </a:ext>
             </a:extLst>
           </p:cNvPr>
@@ -7666,7 +7983,7 @@
                 <a14:useLocalDpi xmlns:a14="http://schemas.microsoft.com/office/drawing/2010/main" val="0"/>
               </a:ext>
               <a:ext uri="{96DAC541-7B7A-43D3-8B79-37D633B846F1}">
-                <asvg:svgBlip xmlns:asvg="http://schemas.microsoft.com/office/drawing/2016/SVG/main" xmlns="" r:embed="rId8"/>
+                <asvg:svgBlip xmlns:asvg="http://schemas.microsoft.com/office/drawing/2016/SVG/main" r:embed="rId8"/>
               </a:ext>
             </a:extLst>
           </a:blip>
@@ -7689,7 +8006,7 @@
           <p:cNvPr id="27" name="그래픽 26" descr="터치 스크린 윤곽선">
             <a:extLst>
               <a:ext uri="{FF2B5EF4-FFF2-40B4-BE49-F238E27FC236}">
-                <a16:creationId xmlns:a16="http://schemas.microsoft.com/office/drawing/2014/main" xmlns="" id="{C759BAFE-18FD-48C7-AFEC-6D8D52157389}"/>
+                <a16:creationId xmlns:a16="http://schemas.microsoft.com/office/drawing/2014/main" id="{C759BAFE-18FD-48C7-AFEC-6D8D52157389}"/>
               </a:ext>
             </a:extLst>
           </p:cNvPr>
@@ -7705,7 +8022,7 @@
                 <a14:useLocalDpi xmlns:a14="http://schemas.microsoft.com/office/drawing/2010/main" val="0"/>
               </a:ext>
               <a:ext uri="{96DAC541-7B7A-43D3-8B79-37D633B846F1}">
-                <asvg:svgBlip xmlns:asvg="http://schemas.microsoft.com/office/drawing/2016/SVG/main" xmlns="" r:embed="rId8"/>
+                <asvg:svgBlip xmlns:asvg="http://schemas.microsoft.com/office/drawing/2016/SVG/main" r:embed="rId8"/>
               </a:ext>
             </a:extLst>
           </a:blip>
@@ -7728,7 +8045,7 @@
           <p:cNvPr id="28" name="그래픽 27" descr="터치 스크린 윤곽선">
             <a:extLst>
               <a:ext uri="{FF2B5EF4-FFF2-40B4-BE49-F238E27FC236}">
-                <a16:creationId xmlns:a16="http://schemas.microsoft.com/office/drawing/2014/main" xmlns="" id="{D5959A35-4E2F-445A-B94A-6101E7CE1A05}"/>
+                <a16:creationId xmlns:a16="http://schemas.microsoft.com/office/drawing/2014/main" id="{D5959A35-4E2F-445A-B94A-6101E7CE1A05}"/>
               </a:ext>
             </a:extLst>
           </p:cNvPr>
@@ -7744,7 +8061,7 @@
                 <a14:useLocalDpi xmlns:a14="http://schemas.microsoft.com/office/drawing/2010/main" val="0"/>
               </a:ext>
               <a:ext uri="{96DAC541-7B7A-43D3-8B79-37D633B846F1}">
-                <asvg:svgBlip xmlns:asvg="http://schemas.microsoft.com/office/drawing/2016/SVG/main" xmlns="" r:embed="rId8"/>
+                <asvg:svgBlip xmlns:asvg="http://schemas.microsoft.com/office/drawing/2016/SVG/main" r:embed="rId8"/>
               </a:ext>
             </a:extLst>
           </a:blip>
@@ -7767,7 +8084,7 @@
           <p:cNvPr id="29" name="그래픽 28" descr="터치 스크린 윤곽선">
             <a:extLst>
               <a:ext uri="{FF2B5EF4-FFF2-40B4-BE49-F238E27FC236}">
-                <a16:creationId xmlns:a16="http://schemas.microsoft.com/office/drawing/2014/main" xmlns="" id="{E84C5413-AC1B-4F77-BE06-A1375334D4FD}"/>
+                <a16:creationId xmlns:a16="http://schemas.microsoft.com/office/drawing/2014/main" id="{E84C5413-AC1B-4F77-BE06-A1375334D4FD}"/>
               </a:ext>
             </a:extLst>
           </p:cNvPr>
@@ -7783,7 +8100,7 @@
                 <a14:useLocalDpi xmlns:a14="http://schemas.microsoft.com/office/drawing/2010/main" val="0"/>
               </a:ext>
               <a:ext uri="{96DAC541-7B7A-43D3-8B79-37D633B846F1}">
-                <asvg:svgBlip xmlns:asvg="http://schemas.microsoft.com/office/drawing/2016/SVG/main" xmlns="" r:embed="rId8"/>
+                <asvg:svgBlip xmlns:asvg="http://schemas.microsoft.com/office/drawing/2016/SVG/main" r:embed="rId8"/>
               </a:ext>
             </a:extLst>
           </a:blip>
@@ -7806,7 +8123,7 @@
           <p:cNvPr id="30" name="그래픽 29" descr="터치 스크린 윤곽선">
             <a:extLst>
               <a:ext uri="{FF2B5EF4-FFF2-40B4-BE49-F238E27FC236}">
-                <a16:creationId xmlns:a16="http://schemas.microsoft.com/office/drawing/2014/main" xmlns="" id="{D4C46DE2-9528-419F-9D5F-B075C305A464}"/>
+                <a16:creationId xmlns:a16="http://schemas.microsoft.com/office/drawing/2014/main" id="{D4C46DE2-9528-419F-9D5F-B075C305A464}"/>
               </a:ext>
             </a:extLst>
           </p:cNvPr>
@@ -7822,7 +8139,7 @@
                 <a14:useLocalDpi xmlns:a14="http://schemas.microsoft.com/office/drawing/2010/main" val="0"/>
               </a:ext>
               <a:ext uri="{96DAC541-7B7A-43D3-8B79-37D633B846F1}">
-                <asvg:svgBlip xmlns:asvg="http://schemas.microsoft.com/office/drawing/2016/SVG/main" xmlns="" r:embed="rId8"/>
+                <asvg:svgBlip xmlns:asvg="http://schemas.microsoft.com/office/drawing/2016/SVG/main" r:embed="rId8"/>
               </a:ext>
             </a:extLst>
           </a:blip>
@@ -7845,7 +8162,7 @@
           <p:cNvPr id="31" name="그래픽 30" descr="터치 스크린 윤곽선">
             <a:extLst>
               <a:ext uri="{FF2B5EF4-FFF2-40B4-BE49-F238E27FC236}">
-                <a16:creationId xmlns:a16="http://schemas.microsoft.com/office/drawing/2014/main" xmlns="" id="{31A63E34-5E81-42FC-802E-158244895A3F}"/>
+                <a16:creationId xmlns:a16="http://schemas.microsoft.com/office/drawing/2014/main" id="{31A63E34-5E81-42FC-802E-158244895A3F}"/>
               </a:ext>
             </a:extLst>
           </p:cNvPr>
@@ -7861,7 +8178,7 @@
                 <a14:useLocalDpi xmlns:a14="http://schemas.microsoft.com/office/drawing/2010/main" val="0"/>
               </a:ext>
               <a:ext uri="{96DAC541-7B7A-43D3-8B79-37D633B846F1}">
-                <asvg:svgBlip xmlns:asvg="http://schemas.microsoft.com/office/drawing/2016/SVG/main" xmlns="" r:embed="rId8"/>
+                <asvg:svgBlip xmlns:asvg="http://schemas.microsoft.com/office/drawing/2016/SVG/main" r:embed="rId8"/>
               </a:ext>
             </a:extLst>
           </a:blip>
@@ -7879,6 +8196,363 @@
           </a:prstGeom>
         </p:spPr>
       </p:pic>
+      <p:sp>
+        <p:nvSpPr>
+          <p:cNvPr id="32" name="직사각형 31">
+            <a:extLst>
+              <a:ext uri="{FF2B5EF4-FFF2-40B4-BE49-F238E27FC236}">
+                <a16:creationId xmlns:a16="http://schemas.microsoft.com/office/drawing/2014/main" id="{AB65F417-2E6E-4A4A-B996-B4172B8B7B50}"/>
+              </a:ext>
+            </a:extLst>
+          </p:cNvPr>
+          <p:cNvSpPr/>
+          <p:nvPr/>
+        </p:nvSpPr>
+        <p:spPr>
+          <a:xfrm>
+            <a:off x="9513489" y="4373331"/>
+            <a:ext cx="2404997" cy="2080750"/>
+          </a:xfrm>
+          <a:prstGeom prst="rect">
+            <a:avLst/>
+          </a:prstGeom>
+          <a:solidFill>
+            <a:schemeClr val="bg1">
+              <a:lumMod val="85000"/>
+            </a:schemeClr>
+          </a:solidFill>
+        </p:spPr>
+        <p:style>
+          <a:lnRef idx="2">
+            <a:schemeClr val="accent1">
+              <a:shade val="50000"/>
+            </a:schemeClr>
+          </a:lnRef>
+          <a:fillRef idx="1">
+            <a:schemeClr val="accent1"/>
+          </a:fillRef>
+          <a:effectRef idx="0">
+            <a:schemeClr val="accent1"/>
+          </a:effectRef>
+          <a:fontRef idx="minor">
+            <a:schemeClr val="lt1"/>
+          </a:fontRef>
+        </p:style>
+        <p:txBody>
+          <a:bodyPr rtlCol="0" anchor="ctr"/>
+          <a:lstStyle/>
+          <a:p>
+            <a:pPr marL="0" algn="ctr" rtl="0" eaLnBrk="1" latinLnBrk="1" hangingPunct="1">
+              <a:spcBef>
+                <a:spcPts val="0"/>
+              </a:spcBef>
+              <a:spcAft>
+                <a:spcPts val="0"/>
+              </a:spcAft>
+            </a:pPr>
+            <a:r>
+              <a:rPr lang="ko-KR" altLang="en-US" b="1" dirty="0">
+                <a:solidFill>
+                  <a:schemeClr val="tx1"/>
+                </a:solidFill>
+                <a:effectLst/>
+              </a:rPr>
+              <a:t>연출</a:t>
+            </a:r>
+            <a:endParaRPr lang="en-US" altLang="ko-KR" b="1" dirty="0">
+              <a:solidFill>
+                <a:schemeClr val="tx1"/>
+              </a:solidFill>
+              <a:effectLst/>
+            </a:endParaRPr>
+          </a:p>
+          <a:p>
+            <a:pPr marL="0" algn="ctr" rtl="0" eaLnBrk="1" latinLnBrk="1" hangingPunct="1">
+              <a:spcBef>
+                <a:spcPts val="0"/>
+              </a:spcBef>
+              <a:spcAft>
+                <a:spcPts val="0"/>
+              </a:spcAft>
+            </a:pPr>
+            <a:r>
+              <a:rPr lang="en-US" altLang="ko-KR" sz="1200" kern="1200" dirty="0">
+                <a:ln>
+                  <a:noFill/>
+                </a:ln>
+                <a:solidFill>
+                  <a:srgbClr val="000000"/>
+                </a:solidFill>
+                <a:effectLst>
+                  <a:outerShdw blurRad="38100" dist="19050" dir="2700000" algn="tl" rotWithShape="0">
+                    <a:schemeClr val="dk1">
+                      <a:alpha val="40000"/>
+                    </a:schemeClr>
+                  </a:outerShdw>
+                </a:effectLst>
+                <a:latin typeface="맑은 고딕" panose="020B0503020000020004" pitchFamily="50" charset="-127"/>
+                <a:ea typeface="맑은 고딕" panose="020B0503020000020004" pitchFamily="50" charset="-127"/>
+                <a:cs typeface="+mn-cs"/>
+              </a:rPr>
+              <a:t>25</a:t>
+            </a:r>
+            <a:r>
+              <a:rPr lang="ko-KR" altLang="en-US" sz="1200" kern="1200" dirty="0">
+                <a:ln>
+                  <a:noFill/>
+                </a:ln>
+                <a:solidFill>
+                  <a:srgbClr val="000000"/>
+                </a:solidFill>
+                <a:effectLst>
+                  <a:outerShdw blurRad="38100" dist="19050" dir="2700000" algn="tl" rotWithShape="0">
+                    <a:schemeClr val="dk1">
+                      <a:alpha val="40000"/>
+                    </a:schemeClr>
+                  </a:outerShdw>
+                </a:effectLst>
+                <a:latin typeface="맑은 고딕" panose="020B0503020000020004" pitchFamily="50" charset="-127"/>
+                <a:ea typeface="맑은 고딕" panose="020B0503020000020004" pitchFamily="50" charset="-127"/>
+                <a:cs typeface="+mn-cs"/>
+              </a:rPr>
+              <a:t>번 터치 후 야자수가 바닥에 떨어진다</a:t>
+            </a:r>
+            <a:r>
+              <a:rPr lang="en-US" altLang="ko-KR" sz="1200" kern="1200" dirty="0">
+                <a:ln>
+                  <a:noFill/>
+                </a:ln>
+                <a:solidFill>
+                  <a:srgbClr val="000000"/>
+                </a:solidFill>
+                <a:effectLst>
+                  <a:outerShdw blurRad="38100" dist="19050" dir="2700000" algn="tl" rotWithShape="0">
+                    <a:schemeClr val="dk1">
+                      <a:alpha val="40000"/>
+                    </a:schemeClr>
+                  </a:outerShdw>
+                </a:effectLst>
+                <a:latin typeface="맑은 고딕" panose="020B0503020000020004" pitchFamily="50" charset="-127"/>
+                <a:ea typeface="맑은 고딕" panose="020B0503020000020004" pitchFamily="50" charset="-127"/>
+                <a:cs typeface="+mn-cs"/>
+              </a:rPr>
+              <a:t>.</a:t>
+            </a:r>
+          </a:p>
+          <a:p>
+            <a:pPr marL="0" algn="ctr" rtl="0" eaLnBrk="1" latinLnBrk="1" hangingPunct="1">
+              <a:spcBef>
+                <a:spcPts val="0"/>
+              </a:spcBef>
+              <a:spcAft>
+                <a:spcPts val="0"/>
+              </a:spcAft>
+            </a:pPr>
+            <a:endParaRPr lang="en-US" altLang="ko-KR" sz="1200" dirty="0">
+              <a:solidFill>
+                <a:srgbClr val="000000"/>
+              </a:solidFill>
+              <a:effectLst>
+                <a:outerShdw blurRad="38100" dist="19050" dir="2700000" algn="tl" rotWithShape="0">
+                  <a:schemeClr val="dk1">
+                    <a:alpha val="40000"/>
+                  </a:schemeClr>
+                </a:outerShdw>
+              </a:effectLst>
+              <a:latin typeface="맑은 고딕" panose="020B0503020000020004" pitchFamily="50" charset="-127"/>
+              <a:ea typeface="맑은 고딕" panose="020B0503020000020004" pitchFamily="50" charset="-127"/>
+            </a:endParaRPr>
+          </a:p>
+          <a:p>
+            <a:pPr marL="0" algn="ctr" rtl="0" eaLnBrk="1" latinLnBrk="1" hangingPunct="1">
+              <a:spcBef>
+                <a:spcPts val="0"/>
+              </a:spcBef>
+              <a:spcAft>
+                <a:spcPts val="0"/>
+              </a:spcAft>
+            </a:pPr>
+            <a:r>
+              <a:rPr lang="ko-KR" altLang="en-US" sz="1200" dirty="0">
+                <a:solidFill>
+                  <a:srgbClr val="000000"/>
+                </a:solidFill>
+                <a:effectLst>
+                  <a:outerShdw blurRad="38100" dist="19050" dir="2700000" algn="tl" rotWithShape="0">
+                    <a:schemeClr val="dk1">
+                      <a:alpha val="40000"/>
+                    </a:schemeClr>
+                  </a:outerShdw>
+                </a:effectLst>
+                <a:latin typeface="맑은 고딕" panose="020B0503020000020004" pitchFamily="50" charset="-127"/>
+                <a:ea typeface="맑은 고딕" panose="020B0503020000020004" pitchFamily="50" charset="-127"/>
+              </a:rPr>
+              <a:t>바닥에 야자수가 떨어지면</a:t>
+            </a:r>
+            <a:endParaRPr lang="en-US" altLang="ko-KR" sz="1200" dirty="0">
+              <a:solidFill>
+                <a:srgbClr val="000000"/>
+              </a:solidFill>
+              <a:effectLst>
+                <a:outerShdw blurRad="38100" dist="19050" dir="2700000" algn="tl" rotWithShape="0">
+                  <a:schemeClr val="dk1">
+                    <a:alpha val="40000"/>
+                  </a:schemeClr>
+                </a:outerShdw>
+              </a:effectLst>
+              <a:latin typeface="맑은 고딕" panose="020B0503020000020004" pitchFamily="50" charset="-127"/>
+              <a:ea typeface="맑은 고딕" panose="020B0503020000020004" pitchFamily="50" charset="-127"/>
+            </a:endParaRPr>
+          </a:p>
+          <a:p>
+            <a:pPr marL="0" algn="ctr" rtl="0" eaLnBrk="1" latinLnBrk="1" hangingPunct="1">
+              <a:spcBef>
+                <a:spcPts val="0"/>
+              </a:spcBef>
+              <a:spcAft>
+                <a:spcPts val="0"/>
+              </a:spcAft>
+            </a:pPr>
+            <a:r>
+              <a:rPr lang="ko-KR" altLang="en-US" sz="1200" kern="1200" dirty="0">
+                <a:ln>
+                  <a:noFill/>
+                </a:ln>
+                <a:solidFill>
+                  <a:srgbClr val="000000"/>
+                </a:solidFill>
+                <a:effectLst>
+                  <a:outerShdw blurRad="38100" dist="19050" dir="2700000" algn="tl" rotWithShape="0">
+                    <a:schemeClr val="dk1">
+                      <a:alpha val="40000"/>
+                    </a:schemeClr>
+                  </a:outerShdw>
+                </a:effectLst>
+                <a:latin typeface="맑은 고딕" panose="020B0503020000020004" pitchFamily="50" charset="-127"/>
+                <a:ea typeface="맑은 고딕" panose="020B0503020000020004" pitchFamily="50" charset="-127"/>
+                <a:cs typeface="+mn-cs"/>
+              </a:rPr>
+              <a:t>패널이 사라지고 </a:t>
+            </a:r>
+            <a:endParaRPr lang="en-US" altLang="ko-KR" sz="1200" kern="1200" dirty="0">
+              <a:ln>
+                <a:noFill/>
+              </a:ln>
+              <a:solidFill>
+                <a:srgbClr val="000000"/>
+              </a:solidFill>
+              <a:effectLst>
+                <a:outerShdw blurRad="38100" dist="19050" dir="2700000" algn="tl" rotWithShape="0">
+                  <a:schemeClr val="dk1">
+                    <a:alpha val="40000"/>
+                  </a:schemeClr>
+                </a:outerShdw>
+              </a:effectLst>
+              <a:latin typeface="맑은 고딕" panose="020B0503020000020004" pitchFamily="50" charset="-127"/>
+              <a:ea typeface="맑은 고딕" panose="020B0503020000020004" pitchFamily="50" charset="-127"/>
+              <a:cs typeface="+mn-cs"/>
+            </a:endParaRPr>
+          </a:p>
+          <a:p>
+            <a:pPr marL="0" algn="ctr" rtl="0" eaLnBrk="1" latinLnBrk="1" hangingPunct="1">
+              <a:spcBef>
+                <a:spcPts val="0"/>
+              </a:spcBef>
+              <a:spcAft>
+                <a:spcPts val="0"/>
+              </a:spcAft>
+            </a:pPr>
+            <a:r>
+              <a:rPr lang="ko-KR" altLang="en-US" sz="1200" kern="1200" dirty="0">
+                <a:ln>
+                  <a:noFill/>
+                </a:ln>
+                <a:solidFill>
+                  <a:srgbClr val="000000"/>
+                </a:solidFill>
+                <a:effectLst>
+                  <a:outerShdw blurRad="38100" dist="19050" dir="2700000" algn="tl" rotWithShape="0">
+                    <a:schemeClr val="dk1">
+                      <a:alpha val="40000"/>
+                    </a:schemeClr>
+                  </a:outerShdw>
+                </a:effectLst>
+                <a:latin typeface="맑은 고딕" panose="020B0503020000020004" pitchFamily="50" charset="-127"/>
+                <a:ea typeface="맑은 고딕" panose="020B0503020000020004" pitchFamily="50" charset="-127"/>
+                <a:cs typeface="+mn-cs"/>
+              </a:rPr>
+              <a:t>야자수 나무 밑에</a:t>
+            </a:r>
+            <a:endParaRPr lang="en-US" altLang="ko-KR" sz="1200" kern="1200" dirty="0">
+              <a:ln>
+                <a:noFill/>
+              </a:ln>
+              <a:solidFill>
+                <a:srgbClr val="000000"/>
+              </a:solidFill>
+              <a:effectLst>
+                <a:outerShdw blurRad="38100" dist="19050" dir="2700000" algn="tl" rotWithShape="0">
+                  <a:schemeClr val="dk1">
+                    <a:alpha val="40000"/>
+                  </a:schemeClr>
+                </a:outerShdw>
+              </a:effectLst>
+              <a:latin typeface="맑은 고딕" panose="020B0503020000020004" pitchFamily="50" charset="-127"/>
+              <a:ea typeface="맑은 고딕" panose="020B0503020000020004" pitchFamily="50" charset="-127"/>
+              <a:cs typeface="+mn-cs"/>
+            </a:endParaRPr>
+          </a:p>
+          <a:p>
+            <a:pPr marL="0" algn="ctr" rtl="0" eaLnBrk="1" latinLnBrk="1" hangingPunct="1">
+              <a:spcBef>
+                <a:spcPts val="0"/>
+              </a:spcBef>
+              <a:spcAft>
+                <a:spcPts val="0"/>
+              </a:spcAft>
+            </a:pPr>
+            <a:r>
+              <a:rPr lang="ko-KR" altLang="en-US" sz="1200" kern="1200" dirty="0">
+                <a:ln>
+                  <a:noFill/>
+                </a:ln>
+                <a:solidFill>
+                  <a:srgbClr val="000000"/>
+                </a:solidFill>
+                <a:effectLst>
+                  <a:outerShdw blurRad="38100" dist="19050" dir="2700000" algn="tl" rotWithShape="0">
+                    <a:schemeClr val="dk1">
+                      <a:alpha val="40000"/>
+                    </a:schemeClr>
+                  </a:outerShdw>
+                </a:effectLst>
+                <a:latin typeface="맑은 고딕" panose="020B0503020000020004" pitchFamily="50" charset="-127"/>
+                <a:ea typeface="맑은 고딕" panose="020B0503020000020004" pitchFamily="50" charset="-127"/>
+                <a:cs typeface="+mn-cs"/>
+              </a:rPr>
+              <a:t>떨어진 야자수 개수만큼 생성</a:t>
+            </a:r>
+            <a:endParaRPr lang="en-US" altLang="ko-KR" sz="1200" kern="1200" dirty="0">
+              <a:ln>
+                <a:noFill/>
+              </a:ln>
+              <a:solidFill>
+                <a:srgbClr val="000000"/>
+              </a:solidFill>
+              <a:effectLst>
+                <a:outerShdw blurRad="38100" dist="19050" dir="2700000" algn="tl" rotWithShape="0">
+                  <a:schemeClr val="dk1">
+                    <a:alpha val="40000"/>
+                  </a:schemeClr>
+                </a:outerShdw>
+              </a:effectLst>
+              <a:latin typeface="맑은 고딕" panose="020B0503020000020004" pitchFamily="50" charset="-127"/>
+              <a:ea typeface="맑은 고딕" panose="020B0503020000020004" pitchFamily="50" charset="-127"/>
+              <a:cs typeface="+mn-cs"/>
+            </a:endParaRPr>
+          </a:p>
+        </p:txBody>
+      </p:sp>
     </p:spTree>
     <p:extLst>
       <p:ext uri="{BB962C8B-B14F-4D97-AF65-F5344CB8AC3E}">
@@ -7914,7 +8588,7 @@
           <p:cNvPr id="198" name="사각형: 둥근 모서리 197">
             <a:extLst>
               <a:ext uri="{FF2B5EF4-FFF2-40B4-BE49-F238E27FC236}">
-                <a16:creationId xmlns:a16="http://schemas.microsoft.com/office/drawing/2014/main" xmlns="" id="{3E02CA4B-E009-458D-9663-19CCDC8D792B}"/>
+                <a16:creationId xmlns:a16="http://schemas.microsoft.com/office/drawing/2014/main" id="{3E02CA4B-E009-458D-9663-19CCDC8D792B}"/>
               </a:ext>
             </a:extLst>
           </p:cNvPr>
@@ -7968,7 +8642,7 @@
           <p:cNvPr id="19" name="직사각형 18">
             <a:extLst>
               <a:ext uri="{FF2B5EF4-FFF2-40B4-BE49-F238E27FC236}">
-                <a16:creationId xmlns:a16="http://schemas.microsoft.com/office/drawing/2014/main" xmlns="" id="{60E8ECA5-8AD5-4EAD-B3F6-94210D46088C}"/>
+                <a16:creationId xmlns:a16="http://schemas.microsoft.com/office/drawing/2014/main" id="{60E8ECA5-8AD5-4EAD-B3F6-94210D46088C}"/>
               </a:ext>
             </a:extLst>
           </p:cNvPr>
@@ -8020,7 +8694,7 @@
           <p:cNvPr id="4" name="직사각형 3">
             <a:extLst>
               <a:ext uri="{FF2B5EF4-FFF2-40B4-BE49-F238E27FC236}">
-                <a16:creationId xmlns:a16="http://schemas.microsoft.com/office/drawing/2014/main" xmlns="" id="{AE93FE2A-85FE-4157-951C-FC2FADBB3B34}"/>
+                <a16:creationId xmlns:a16="http://schemas.microsoft.com/office/drawing/2014/main" id="{AE93FE2A-85FE-4157-951C-FC2FADBB3B34}"/>
               </a:ext>
             </a:extLst>
           </p:cNvPr>
@@ -8072,7 +8746,7 @@
           <p:cNvPr id="7" name="TextBox 6">
             <a:extLst>
               <a:ext uri="{FF2B5EF4-FFF2-40B4-BE49-F238E27FC236}">
-                <a16:creationId xmlns:a16="http://schemas.microsoft.com/office/drawing/2014/main" xmlns="" id="{982817C4-ACF4-45FB-A018-6E6F872691BC}"/>
+                <a16:creationId xmlns:a16="http://schemas.microsoft.com/office/drawing/2014/main" id="{982817C4-ACF4-45FB-A018-6E6F872691BC}"/>
               </a:ext>
             </a:extLst>
           </p:cNvPr>
@@ -8105,46 +8779,10 @@
       </p:sp>
       <p:sp>
         <p:nvSpPr>
-          <p:cNvPr id="11" name="TextBox 10">
-            <a:extLst>
-              <a:ext uri="{FF2B5EF4-FFF2-40B4-BE49-F238E27FC236}">
-                <a16:creationId xmlns:a16="http://schemas.microsoft.com/office/drawing/2014/main" xmlns="" id="{4C392713-5D6A-477F-809B-12AAFB288320}"/>
-              </a:ext>
-            </a:extLst>
-          </p:cNvPr>
-          <p:cNvSpPr txBox="1"/>
-          <p:nvPr/>
-        </p:nvSpPr>
-        <p:spPr>
-          <a:xfrm>
-            <a:off x="11508508" y="6289963"/>
-            <a:ext cx="311304" cy="369332"/>
-          </a:xfrm>
-          <a:prstGeom prst="rect">
-            <a:avLst/>
-          </a:prstGeom>
-          <a:noFill/>
-        </p:spPr>
-        <p:txBody>
-          <a:bodyPr wrap="none" rtlCol="0">
-            <a:spAutoFit/>
-          </a:bodyPr>
-          <a:lstStyle/>
-          <a:p>
-            <a:r>
-              <a:rPr lang="en-US" altLang="ko-KR" dirty="0"/>
-              <a:t>2</a:t>
-            </a:r>
-            <a:endParaRPr lang="ko-KR" altLang="en-US" dirty="0"/>
-          </a:p>
-        </p:txBody>
-      </p:sp>
-      <p:sp>
-        <p:nvSpPr>
           <p:cNvPr id="199" name="타원 198">
             <a:extLst>
               <a:ext uri="{FF2B5EF4-FFF2-40B4-BE49-F238E27FC236}">
-                <a16:creationId xmlns:a16="http://schemas.microsoft.com/office/drawing/2014/main" xmlns="" id="{EE49514C-7EC3-4EE2-9128-08A773A94EAF}"/>
+                <a16:creationId xmlns:a16="http://schemas.microsoft.com/office/drawing/2014/main" id="{EE49514C-7EC3-4EE2-9128-08A773A94EAF}"/>
               </a:ext>
             </a:extLst>
           </p:cNvPr>
@@ -8196,7 +8834,7 @@
           <p:cNvPr id="200" name="타원 199">
             <a:extLst>
               <a:ext uri="{FF2B5EF4-FFF2-40B4-BE49-F238E27FC236}">
-                <a16:creationId xmlns:a16="http://schemas.microsoft.com/office/drawing/2014/main" xmlns="" id="{F4FC2F8D-9B46-473F-A9CF-30AFA8F22704}"/>
+                <a16:creationId xmlns:a16="http://schemas.microsoft.com/office/drawing/2014/main" id="{F4FC2F8D-9B46-473F-A9CF-30AFA8F22704}"/>
               </a:ext>
             </a:extLst>
           </p:cNvPr>
@@ -8245,7 +8883,7 @@
           <p:cNvPr id="201" name="타원 200">
             <a:extLst>
               <a:ext uri="{FF2B5EF4-FFF2-40B4-BE49-F238E27FC236}">
-                <a16:creationId xmlns:a16="http://schemas.microsoft.com/office/drawing/2014/main" xmlns="" id="{316BBCC9-1FEB-4F6B-A90B-02CDB0A5202A}"/>
+                <a16:creationId xmlns:a16="http://schemas.microsoft.com/office/drawing/2014/main" id="{316BBCC9-1FEB-4F6B-A90B-02CDB0A5202A}"/>
               </a:ext>
             </a:extLst>
           </p:cNvPr>
@@ -8297,7 +8935,7 @@
           <p:cNvPr id="202" name="타원 201">
             <a:extLst>
               <a:ext uri="{FF2B5EF4-FFF2-40B4-BE49-F238E27FC236}">
-                <a16:creationId xmlns:a16="http://schemas.microsoft.com/office/drawing/2014/main" xmlns="" id="{08E3B82D-1B81-45F5-8EF7-61A45103706F}"/>
+                <a16:creationId xmlns:a16="http://schemas.microsoft.com/office/drawing/2014/main" id="{08E3B82D-1B81-45F5-8EF7-61A45103706F}"/>
               </a:ext>
             </a:extLst>
           </p:cNvPr>
@@ -8355,7 +8993,7 @@
           <p:cNvPr id="203" name="타원 202">
             <a:extLst>
               <a:ext uri="{FF2B5EF4-FFF2-40B4-BE49-F238E27FC236}">
-                <a16:creationId xmlns:a16="http://schemas.microsoft.com/office/drawing/2014/main" xmlns="" id="{5F7D788C-28A0-4B9C-9EA9-9ACFE972B264}"/>
+                <a16:creationId xmlns:a16="http://schemas.microsoft.com/office/drawing/2014/main" id="{5F7D788C-28A0-4B9C-9EA9-9ACFE972B264}"/>
               </a:ext>
             </a:extLst>
           </p:cNvPr>
@@ -8416,7 +9054,7 @@
           <p:cNvPr id="204" name="타원 203">
             <a:extLst>
               <a:ext uri="{FF2B5EF4-FFF2-40B4-BE49-F238E27FC236}">
-                <a16:creationId xmlns:a16="http://schemas.microsoft.com/office/drawing/2014/main" xmlns="" id="{B23696C0-0570-4599-BFC8-B151FB3F6540}"/>
+                <a16:creationId xmlns:a16="http://schemas.microsoft.com/office/drawing/2014/main" id="{B23696C0-0570-4599-BFC8-B151FB3F6540}"/>
               </a:ext>
             </a:extLst>
           </p:cNvPr>
@@ -8468,7 +9106,7 @@
           <p:cNvPr id="205" name="TextBox 204">
             <a:extLst>
               <a:ext uri="{FF2B5EF4-FFF2-40B4-BE49-F238E27FC236}">
-                <a16:creationId xmlns:a16="http://schemas.microsoft.com/office/drawing/2014/main" xmlns="" id="{E747CE9B-EFA0-4EF4-9E8C-65AA04BF9D1E}"/>
+                <a16:creationId xmlns:a16="http://schemas.microsoft.com/office/drawing/2014/main" id="{E747CE9B-EFA0-4EF4-9E8C-65AA04BF9D1E}"/>
               </a:ext>
             </a:extLst>
           </p:cNvPr>
@@ -8504,7 +9142,7 @@
           <p:cNvPr id="206" name="그래픽 205" descr="핀 있는 지도 윤곽선">
             <a:extLst>
               <a:ext uri="{FF2B5EF4-FFF2-40B4-BE49-F238E27FC236}">
-                <a16:creationId xmlns:a16="http://schemas.microsoft.com/office/drawing/2014/main" xmlns="" id="{F5142EB6-FD3F-450C-A516-99157EAB242B}"/>
+                <a16:creationId xmlns:a16="http://schemas.microsoft.com/office/drawing/2014/main" id="{F5142EB6-FD3F-450C-A516-99157EAB242B}"/>
               </a:ext>
             </a:extLst>
           </p:cNvPr>
@@ -8520,7 +9158,7 @@
                 <a14:useLocalDpi xmlns:a14="http://schemas.microsoft.com/office/drawing/2010/main" val="0"/>
               </a:ext>
               <a:ext uri="{96DAC541-7B7A-43D3-8B79-37D633B846F1}">
-                <asvg:svgBlip xmlns:asvg="http://schemas.microsoft.com/office/drawing/2016/SVG/main" xmlns="" r:embed="rId4"/>
+                <asvg:svgBlip xmlns:asvg="http://schemas.microsoft.com/office/drawing/2016/SVG/main" r:embed="rId4"/>
               </a:ext>
             </a:extLst>
           </a:blip>
@@ -8543,7 +9181,7 @@
           <p:cNvPr id="20" name="직사각형 19">
             <a:extLst>
               <a:ext uri="{FF2B5EF4-FFF2-40B4-BE49-F238E27FC236}">
-                <a16:creationId xmlns:a16="http://schemas.microsoft.com/office/drawing/2014/main" xmlns="" id="{DB786D9F-9F63-4114-863C-FD277B989344}"/>
+                <a16:creationId xmlns:a16="http://schemas.microsoft.com/office/drawing/2014/main" id="{DB786D9F-9F63-4114-863C-FD277B989344}"/>
               </a:ext>
             </a:extLst>
           </p:cNvPr>
@@ -8552,8 +9190,8 @@
         </p:nvSpPr>
         <p:spPr>
           <a:xfrm>
-            <a:off x="9530948" y="3646093"/>
-            <a:ext cx="2404997" cy="2138621"/>
+            <a:off x="9530948" y="2839389"/>
+            <a:ext cx="2404997" cy="1625035"/>
           </a:xfrm>
           <a:prstGeom prst="rect">
             <a:avLst/>
@@ -8868,7 +9506,7 @@
           <p:cNvPr id="213" name="직사각형 212">
             <a:extLst>
               <a:ext uri="{FF2B5EF4-FFF2-40B4-BE49-F238E27FC236}">
-                <a16:creationId xmlns:a16="http://schemas.microsoft.com/office/drawing/2014/main" xmlns="" id="{EE0E73F6-6363-4E70-AB7B-EE4257F2A2D2}"/>
+                <a16:creationId xmlns:a16="http://schemas.microsoft.com/office/drawing/2014/main" id="{EE0E73F6-6363-4E70-AB7B-EE4257F2A2D2}"/>
               </a:ext>
             </a:extLst>
           </p:cNvPr>
@@ -8877,8 +9515,8 @@
         </p:nvSpPr>
         <p:spPr>
           <a:xfrm>
-            <a:off x="9513664" y="1353346"/>
-            <a:ext cx="2404997" cy="2138621"/>
+            <a:off x="9530948" y="1245256"/>
+            <a:ext cx="2404997" cy="1549528"/>
           </a:xfrm>
           <a:prstGeom prst="rect">
             <a:avLst/>
@@ -9170,22 +9808,6 @@
               <a:effectLst/>
             </a:endParaRPr>
           </a:p>
-          <a:p>
-            <a:pPr algn="ctr"/>
-            <a:endParaRPr lang="en-US" altLang="ko-KR" sz="1200" dirty="0">
-              <a:ln w="0"/>
-              <a:solidFill>
-                <a:schemeClr val="tx1"/>
-              </a:solidFill>
-              <a:effectLst>
-                <a:outerShdw blurRad="38100" dist="19050" dir="2700000" algn="tl" rotWithShape="0">
-                  <a:schemeClr val="dk1">
-                    <a:alpha val="40000"/>
-                  </a:schemeClr>
-                </a:outerShdw>
-              </a:effectLst>
-            </a:endParaRPr>
-          </a:p>
         </p:txBody>
       </p:sp>
       <p:sp>
@@ -9193,7 +9815,7 @@
           <p:cNvPr id="21" name="TextBox 20">
             <a:extLst>
               <a:ext uri="{FF2B5EF4-FFF2-40B4-BE49-F238E27FC236}">
-                <a16:creationId xmlns:a16="http://schemas.microsoft.com/office/drawing/2014/main" xmlns="" id="{04FF0C63-9200-4D4D-87FC-C29E13044F0A}"/>
+                <a16:creationId xmlns:a16="http://schemas.microsoft.com/office/drawing/2014/main" id="{04FF0C63-9200-4D4D-87FC-C29E13044F0A}"/>
               </a:ext>
             </a:extLst>
           </p:cNvPr>
@@ -9229,7 +9851,7 @@
           <p:cNvPr id="2050" name="Picture 2" descr="블루 베리 화분 - 스톡일러스트 [5582910] - PIXTA">
             <a:extLst>
               <a:ext uri="{FF2B5EF4-FFF2-40B4-BE49-F238E27FC236}">
-                <a16:creationId xmlns:a16="http://schemas.microsoft.com/office/drawing/2014/main" xmlns="" id="{98F60F34-E193-42A4-BDFB-3D8CDCB9987D}"/>
+                <a16:creationId xmlns:a16="http://schemas.microsoft.com/office/drawing/2014/main" id="{98F60F34-E193-42A4-BDFB-3D8CDCB9987D}"/>
               </a:ext>
             </a:extLst>
           </p:cNvPr>
@@ -9310,7 +9932,7 @@
           <p:cNvPr id="2052" name="Picture 4" descr="바구니 일러스트 : 네이버 블로그">
             <a:extLst>
               <a:ext uri="{FF2B5EF4-FFF2-40B4-BE49-F238E27FC236}">
-                <a16:creationId xmlns:a16="http://schemas.microsoft.com/office/drawing/2014/main" xmlns="" id="{8E9D5C9C-E8B8-44E4-864E-B37AADB4BEE8}"/>
+                <a16:creationId xmlns:a16="http://schemas.microsoft.com/office/drawing/2014/main" id="{8E9D5C9C-E8B8-44E4-864E-B37AADB4BEE8}"/>
               </a:ext>
             </a:extLst>
           </p:cNvPr>
@@ -9376,7 +9998,7 @@
           <p:cNvPr id="32" name="그래픽 31" descr="터치 스크린 윤곽선">
             <a:extLst>
               <a:ext uri="{FF2B5EF4-FFF2-40B4-BE49-F238E27FC236}">
-                <a16:creationId xmlns:a16="http://schemas.microsoft.com/office/drawing/2014/main" xmlns="" id="{B78AB127-1164-4391-8F1A-B430A2C20FF0}"/>
+                <a16:creationId xmlns:a16="http://schemas.microsoft.com/office/drawing/2014/main" id="{B78AB127-1164-4391-8F1A-B430A2C20FF0}"/>
               </a:ext>
             </a:extLst>
           </p:cNvPr>
@@ -9392,7 +10014,7 @@
                 <a14:useLocalDpi xmlns:a14="http://schemas.microsoft.com/office/drawing/2010/main" val="0"/>
               </a:ext>
               <a:ext uri="{96DAC541-7B7A-43D3-8B79-37D633B846F1}">
-                <asvg:svgBlip xmlns:asvg="http://schemas.microsoft.com/office/drawing/2016/SVG/main" xmlns="" r:embed="rId10"/>
+                <asvg:svgBlip xmlns:asvg="http://schemas.microsoft.com/office/drawing/2016/SVG/main" r:embed="rId10"/>
               </a:ext>
             </a:extLst>
           </a:blip>
@@ -9415,7 +10037,7 @@
           <p:cNvPr id="33" name="그래픽 32" descr="터치 스크린 윤곽선">
             <a:extLst>
               <a:ext uri="{FF2B5EF4-FFF2-40B4-BE49-F238E27FC236}">
-                <a16:creationId xmlns:a16="http://schemas.microsoft.com/office/drawing/2014/main" xmlns="" id="{3212D5B1-EB66-475A-BC14-1FD457100FA8}"/>
+                <a16:creationId xmlns:a16="http://schemas.microsoft.com/office/drawing/2014/main" id="{3212D5B1-EB66-475A-BC14-1FD457100FA8}"/>
               </a:ext>
             </a:extLst>
           </p:cNvPr>
@@ -9431,7 +10053,7 @@
                 <a14:useLocalDpi xmlns:a14="http://schemas.microsoft.com/office/drawing/2010/main" val="0"/>
               </a:ext>
               <a:ext uri="{96DAC541-7B7A-43D3-8B79-37D633B846F1}">
-                <asvg:svgBlip xmlns:asvg="http://schemas.microsoft.com/office/drawing/2016/SVG/main" xmlns="" r:embed="rId10"/>
+                <asvg:svgBlip xmlns:asvg="http://schemas.microsoft.com/office/drawing/2016/SVG/main" r:embed="rId10"/>
               </a:ext>
             </a:extLst>
           </a:blip>
@@ -9454,7 +10076,7 @@
           <p:cNvPr id="5" name="직선 화살표 연결선 4">
             <a:extLst>
               <a:ext uri="{FF2B5EF4-FFF2-40B4-BE49-F238E27FC236}">
-                <a16:creationId xmlns:a16="http://schemas.microsoft.com/office/drawing/2014/main" xmlns="" id="{B4EBC624-914E-42E8-BC6F-6B50FB0A4211}"/>
+                <a16:creationId xmlns:a16="http://schemas.microsoft.com/office/drawing/2014/main" id="{B4EBC624-914E-42E8-BC6F-6B50FB0A4211}"/>
               </a:ext>
             </a:extLst>
           </p:cNvPr>
@@ -9493,6 +10115,350 @@
           </a:fontRef>
         </p:style>
       </p:cxnSp>
+      <p:sp>
+        <p:nvSpPr>
+          <p:cNvPr id="23" name="직사각형 22">
+            <a:extLst>
+              <a:ext uri="{FF2B5EF4-FFF2-40B4-BE49-F238E27FC236}">
+                <a16:creationId xmlns:a16="http://schemas.microsoft.com/office/drawing/2014/main" id="{620CC36A-CCD7-4F81-9BFD-9BA6145F9EC7}"/>
+              </a:ext>
+            </a:extLst>
+          </p:cNvPr>
+          <p:cNvSpPr/>
+          <p:nvPr/>
+        </p:nvSpPr>
+        <p:spPr>
+          <a:xfrm>
+            <a:off x="9513489" y="4509029"/>
+            <a:ext cx="2404997" cy="1945052"/>
+          </a:xfrm>
+          <a:prstGeom prst="rect">
+            <a:avLst/>
+          </a:prstGeom>
+          <a:solidFill>
+            <a:schemeClr val="bg1">
+              <a:lumMod val="85000"/>
+            </a:schemeClr>
+          </a:solidFill>
+        </p:spPr>
+        <p:style>
+          <a:lnRef idx="2">
+            <a:schemeClr val="accent1">
+              <a:shade val="50000"/>
+            </a:schemeClr>
+          </a:lnRef>
+          <a:fillRef idx="1">
+            <a:schemeClr val="accent1"/>
+          </a:fillRef>
+          <a:effectRef idx="0">
+            <a:schemeClr val="accent1"/>
+          </a:effectRef>
+          <a:fontRef idx="minor">
+            <a:schemeClr val="lt1"/>
+          </a:fontRef>
+        </p:style>
+        <p:txBody>
+          <a:bodyPr rtlCol="0" anchor="ctr"/>
+          <a:lstStyle/>
+          <a:p>
+            <a:pPr marL="0" algn="ctr" rtl="0" eaLnBrk="1" latinLnBrk="1" hangingPunct="1">
+              <a:spcBef>
+                <a:spcPts val="0"/>
+              </a:spcBef>
+              <a:spcAft>
+                <a:spcPts val="0"/>
+              </a:spcAft>
+            </a:pPr>
+            <a:r>
+              <a:rPr lang="ko-KR" altLang="en-US" b="1" dirty="0">
+                <a:solidFill>
+                  <a:schemeClr val="tx1"/>
+                </a:solidFill>
+                <a:effectLst/>
+              </a:rPr>
+              <a:t>연출</a:t>
+            </a:r>
+          </a:p>
+          <a:p>
+            <a:pPr marL="0" algn="ctr" rtl="0" eaLnBrk="1" latinLnBrk="1" hangingPunct="1">
+              <a:spcBef>
+                <a:spcPts val="0"/>
+              </a:spcBef>
+              <a:spcAft>
+                <a:spcPts val="0"/>
+              </a:spcAft>
+            </a:pPr>
+            <a:r>
+              <a:rPr lang="ko-KR" altLang="en-US" sz="1200" kern="1200" dirty="0">
+                <a:ln>
+                  <a:noFill/>
+                </a:ln>
+                <a:solidFill>
+                  <a:srgbClr val="000000"/>
+                </a:solidFill>
+                <a:effectLst>
+                  <a:outerShdw blurRad="38100" dist="19050" dir="2700000" algn="tl" rotWithShape="0">
+                    <a:schemeClr val="dk1">
+                      <a:alpha val="40000"/>
+                    </a:schemeClr>
+                  </a:outerShdw>
+                </a:effectLst>
+                <a:latin typeface="맑은 고딕" panose="020B0503020000020004" pitchFamily="50" charset="-127"/>
+                <a:ea typeface="맑은 고딕" panose="020B0503020000020004" pitchFamily="50" charset="-127"/>
+                <a:cs typeface="+mn-cs"/>
+              </a:rPr>
+              <a:t>모든 베리를 드래그 해서 뗄 때</a:t>
+            </a:r>
+            <a:endParaRPr lang="en-US" altLang="ko-KR" sz="1200" kern="1200" dirty="0">
+              <a:ln>
+                <a:noFill/>
+              </a:ln>
+              <a:solidFill>
+                <a:srgbClr val="000000"/>
+              </a:solidFill>
+              <a:effectLst>
+                <a:outerShdw blurRad="38100" dist="19050" dir="2700000" algn="tl" rotWithShape="0">
+                  <a:schemeClr val="dk1">
+                    <a:alpha val="40000"/>
+                  </a:schemeClr>
+                </a:outerShdw>
+              </a:effectLst>
+              <a:latin typeface="맑은 고딕" panose="020B0503020000020004" pitchFamily="50" charset="-127"/>
+              <a:ea typeface="맑은 고딕" panose="020B0503020000020004" pitchFamily="50" charset="-127"/>
+              <a:cs typeface="+mn-cs"/>
+            </a:endParaRPr>
+          </a:p>
+          <a:p>
+            <a:pPr marL="0" algn="ctr" rtl="0" eaLnBrk="1" latinLnBrk="1" hangingPunct="1">
+              <a:spcBef>
+                <a:spcPts val="0"/>
+              </a:spcBef>
+              <a:spcAft>
+                <a:spcPts val="0"/>
+              </a:spcAft>
+            </a:pPr>
+            <a:r>
+              <a:rPr lang="ko-KR" altLang="en-US" sz="1200" kern="1200" dirty="0">
+                <a:ln>
+                  <a:noFill/>
+                </a:ln>
+                <a:solidFill>
+                  <a:srgbClr val="000000"/>
+                </a:solidFill>
+                <a:effectLst>
+                  <a:outerShdw blurRad="38100" dist="19050" dir="2700000" algn="tl" rotWithShape="0">
+                    <a:schemeClr val="dk1">
+                      <a:alpha val="40000"/>
+                    </a:schemeClr>
+                  </a:outerShdw>
+                </a:effectLst>
+                <a:latin typeface="맑은 고딕" panose="020B0503020000020004" pitchFamily="50" charset="-127"/>
+                <a:ea typeface="맑은 고딕" panose="020B0503020000020004" pitchFamily="50" charset="-127"/>
+                <a:cs typeface="+mn-cs"/>
+              </a:rPr>
+              <a:t>베리가 따라오게 하기</a:t>
+            </a:r>
+            <a:endParaRPr lang="en-US" altLang="ko-KR" sz="1200" kern="1200" dirty="0">
+              <a:ln>
+                <a:noFill/>
+              </a:ln>
+              <a:solidFill>
+                <a:srgbClr val="000000"/>
+              </a:solidFill>
+              <a:effectLst>
+                <a:outerShdw blurRad="38100" dist="19050" dir="2700000" algn="tl" rotWithShape="0">
+                  <a:schemeClr val="dk1">
+                    <a:alpha val="40000"/>
+                  </a:schemeClr>
+                </a:outerShdw>
+              </a:effectLst>
+              <a:latin typeface="맑은 고딕" panose="020B0503020000020004" pitchFamily="50" charset="-127"/>
+              <a:ea typeface="맑은 고딕" panose="020B0503020000020004" pitchFamily="50" charset="-127"/>
+              <a:cs typeface="+mn-cs"/>
+            </a:endParaRPr>
+          </a:p>
+          <a:p>
+            <a:pPr marL="0" algn="ctr" rtl="0" eaLnBrk="1" latinLnBrk="1" hangingPunct="1">
+              <a:spcBef>
+                <a:spcPts val="0"/>
+              </a:spcBef>
+              <a:spcAft>
+                <a:spcPts val="0"/>
+              </a:spcAft>
+            </a:pPr>
+            <a:endParaRPr lang="en-US" altLang="ko-KR" sz="1200" dirty="0">
+              <a:solidFill>
+                <a:srgbClr val="000000"/>
+              </a:solidFill>
+              <a:effectLst>
+                <a:outerShdw blurRad="38100" dist="19050" dir="2700000" algn="tl" rotWithShape="0">
+                  <a:schemeClr val="dk1">
+                    <a:alpha val="40000"/>
+                  </a:schemeClr>
+                </a:outerShdw>
+              </a:effectLst>
+              <a:latin typeface="맑은 고딕" panose="020B0503020000020004" pitchFamily="50" charset="-127"/>
+              <a:ea typeface="맑은 고딕" panose="020B0503020000020004" pitchFamily="50" charset="-127"/>
+            </a:endParaRPr>
+          </a:p>
+          <a:p>
+            <a:pPr marL="0" algn="ctr" rtl="0" eaLnBrk="1" latinLnBrk="1" hangingPunct="1">
+              <a:spcBef>
+                <a:spcPts val="0"/>
+              </a:spcBef>
+              <a:spcAft>
+                <a:spcPts val="0"/>
+              </a:spcAft>
+            </a:pPr>
+            <a:r>
+              <a:rPr lang="ko-KR" altLang="en-US" sz="1200" kern="1200" dirty="0">
+                <a:ln>
+                  <a:noFill/>
+                </a:ln>
+                <a:solidFill>
+                  <a:srgbClr val="000000"/>
+                </a:solidFill>
+                <a:effectLst>
+                  <a:outerShdw blurRad="38100" dist="19050" dir="2700000" algn="tl" rotWithShape="0">
+                    <a:schemeClr val="dk1">
+                      <a:alpha val="40000"/>
+                    </a:schemeClr>
+                  </a:outerShdw>
+                </a:effectLst>
+                <a:latin typeface="맑은 고딕" panose="020B0503020000020004" pitchFamily="50" charset="-127"/>
+                <a:ea typeface="맑은 고딕" panose="020B0503020000020004" pitchFamily="50" charset="-127"/>
+                <a:cs typeface="+mn-cs"/>
+              </a:rPr>
+              <a:t>나무에 베리가 없으면</a:t>
+            </a:r>
+            <a:endParaRPr lang="en-US" altLang="ko-KR" sz="1200" kern="1200" dirty="0">
+              <a:ln>
+                <a:noFill/>
+              </a:ln>
+              <a:solidFill>
+                <a:srgbClr val="000000"/>
+              </a:solidFill>
+              <a:effectLst>
+                <a:outerShdw blurRad="38100" dist="19050" dir="2700000" algn="tl" rotWithShape="0">
+                  <a:schemeClr val="dk1">
+                    <a:alpha val="40000"/>
+                  </a:schemeClr>
+                </a:outerShdw>
+              </a:effectLst>
+              <a:latin typeface="맑은 고딕" panose="020B0503020000020004" pitchFamily="50" charset="-127"/>
+              <a:ea typeface="맑은 고딕" panose="020B0503020000020004" pitchFamily="50" charset="-127"/>
+              <a:cs typeface="+mn-cs"/>
+            </a:endParaRPr>
+          </a:p>
+          <a:p>
+            <a:pPr marL="0" algn="ctr" rtl="0" eaLnBrk="1" latinLnBrk="1" hangingPunct="1">
+              <a:spcBef>
+                <a:spcPts val="0"/>
+              </a:spcBef>
+              <a:spcAft>
+                <a:spcPts val="0"/>
+              </a:spcAft>
+            </a:pPr>
+            <a:r>
+              <a:rPr lang="ko-KR" altLang="en-US" sz="1200" dirty="0">
+                <a:solidFill>
+                  <a:srgbClr val="000000"/>
+                </a:solidFill>
+                <a:effectLst>
+                  <a:outerShdw blurRad="38100" dist="19050" dir="2700000" algn="tl" rotWithShape="0">
+                    <a:schemeClr val="dk1">
+                      <a:alpha val="40000"/>
+                    </a:schemeClr>
+                  </a:outerShdw>
+                </a:effectLst>
+                <a:latin typeface="맑은 고딕" panose="020B0503020000020004" pitchFamily="50" charset="-127"/>
+                <a:ea typeface="맑은 고딕" panose="020B0503020000020004" pitchFamily="50" charset="-127"/>
+              </a:rPr>
+              <a:t>패널 끄고 베리 </a:t>
+            </a:r>
+            <a:r>
+              <a:rPr lang="en-US" altLang="ko-KR" sz="1200" dirty="0">
+                <a:solidFill>
+                  <a:srgbClr val="000000"/>
+                </a:solidFill>
+                <a:effectLst>
+                  <a:outerShdw blurRad="38100" dist="19050" dir="2700000" algn="tl" rotWithShape="0">
+                    <a:schemeClr val="dk1">
+                      <a:alpha val="40000"/>
+                    </a:schemeClr>
+                  </a:outerShdw>
+                </a:effectLst>
+                <a:latin typeface="맑은 고딕" panose="020B0503020000020004" pitchFamily="50" charset="-127"/>
+                <a:ea typeface="맑은 고딕" panose="020B0503020000020004" pitchFamily="50" charset="-127"/>
+              </a:rPr>
+              <a:t>1 or 2</a:t>
+            </a:r>
+            <a:r>
+              <a:rPr lang="ko-KR" altLang="en-US" sz="1200" dirty="0">
+                <a:solidFill>
+                  <a:srgbClr val="000000"/>
+                </a:solidFill>
+                <a:effectLst>
+                  <a:outerShdw blurRad="38100" dist="19050" dir="2700000" algn="tl" rotWithShape="0">
+                    <a:schemeClr val="dk1">
+                      <a:alpha val="40000"/>
+                    </a:schemeClr>
+                  </a:outerShdw>
+                </a:effectLst>
+                <a:latin typeface="맑은 고딕" panose="020B0503020000020004" pitchFamily="50" charset="-127"/>
+                <a:ea typeface="맑은 고딕" panose="020B0503020000020004" pitchFamily="50" charset="-127"/>
+              </a:rPr>
+              <a:t>개 생성</a:t>
+            </a:r>
+            <a:endParaRPr lang="en-US" altLang="ko-KR" sz="1200" kern="1200" dirty="0">
+              <a:ln>
+                <a:noFill/>
+              </a:ln>
+              <a:solidFill>
+                <a:srgbClr val="000000"/>
+              </a:solidFill>
+              <a:effectLst>
+                <a:outerShdw blurRad="38100" dist="19050" dir="2700000" algn="tl" rotWithShape="0">
+                  <a:schemeClr val="dk1">
+                    <a:alpha val="40000"/>
+                  </a:schemeClr>
+                </a:outerShdw>
+              </a:effectLst>
+              <a:latin typeface="맑은 고딕" panose="020B0503020000020004" pitchFamily="50" charset="-127"/>
+              <a:ea typeface="맑은 고딕" panose="020B0503020000020004" pitchFamily="50" charset="-127"/>
+              <a:cs typeface="+mn-cs"/>
+            </a:endParaRPr>
+          </a:p>
+          <a:p>
+            <a:pPr marL="0" algn="ctr" rtl="0" eaLnBrk="1" latinLnBrk="1" hangingPunct="1">
+              <a:spcBef>
+                <a:spcPts val="0"/>
+              </a:spcBef>
+              <a:spcAft>
+                <a:spcPts val="0"/>
+              </a:spcAft>
+            </a:pPr>
+            <a:endParaRPr lang="en-US" altLang="ko-KR" sz="1200" kern="1200" dirty="0">
+              <a:ln>
+                <a:noFill/>
+              </a:ln>
+              <a:solidFill>
+                <a:srgbClr val="000000"/>
+              </a:solidFill>
+              <a:effectLst>
+                <a:outerShdw blurRad="38100" dist="19050" dir="2700000" algn="tl" rotWithShape="0">
+                  <a:schemeClr val="dk1">
+                    <a:alpha val="40000"/>
+                  </a:schemeClr>
+                </a:outerShdw>
+              </a:effectLst>
+              <a:latin typeface="맑은 고딕" panose="020B0503020000020004" pitchFamily="50" charset="-127"/>
+              <a:ea typeface="맑은 고딕" panose="020B0503020000020004" pitchFamily="50" charset="-127"/>
+              <a:cs typeface="+mn-cs"/>
+            </a:endParaRPr>
+          </a:p>
+        </p:txBody>
+      </p:sp>
     </p:spTree>
     <p:extLst>
       <p:ext uri="{BB962C8B-B14F-4D97-AF65-F5344CB8AC3E}">
@@ -9528,7 +10494,7 @@
           <p:cNvPr id="198" name="사각형: 둥근 모서리 197">
             <a:extLst>
               <a:ext uri="{FF2B5EF4-FFF2-40B4-BE49-F238E27FC236}">
-                <a16:creationId xmlns:a16="http://schemas.microsoft.com/office/drawing/2014/main" xmlns="" id="{3E02CA4B-E009-458D-9663-19CCDC8D792B}"/>
+                <a16:creationId xmlns:a16="http://schemas.microsoft.com/office/drawing/2014/main" id="{3E02CA4B-E009-458D-9663-19CCDC8D792B}"/>
               </a:ext>
             </a:extLst>
           </p:cNvPr>
@@ -9582,7 +10548,7 @@
           <p:cNvPr id="19" name="직사각형 18">
             <a:extLst>
               <a:ext uri="{FF2B5EF4-FFF2-40B4-BE49-F238E27FC236}">
-                <a16:creationId xmlns:a16="http://schemas.microsoft.com/office/drawing/2014/main" xmlns="" id="{60E8ECA5-8AD5-4EAD-B3F6-94210D46088C}"/>
+                <a16:creationId xmlns:a16="http://schemas.microsoft.com/office/drawing/2014/main" id="{60E8ECA5-8AD5-4EAD-B3F6-94210D46088C}"/>
               </a:ext>
             </a:extLst>
           </p:cNvPr>
@@ -9634,7 +10600,7 @@
           <p:cNvPr id="4" name="직사각형 3">
             <a:extLst>
               <a:ext uri="{FF2B5EF4-FFF2-40B4-BE49-F238E27FC236}">
-                <a16:creationId xmlns:a16="http://schemas.microsoft.com/office/drawing/2014/main" xmlns="" id="{AE93FE2A-85FE-4157-951C-FC2FADBB3B34}"/>
+                <a16:creationId xmlns:a16="http://schemas.microsoft.com/office/drawing/2014/main" id="{AE93FE2A-85FE-4157-951C-FC2FADBB3B34}"/>
               </a:ext>
             </a:extLst>
           </p:cNvPr>
@@ -9686,7 +10652,7 @@
           <p:cNvPr id="7" name="TextBox 6">
             <a:extLst>
               <a:ext uri="{FF2B5EF4-FFF2-40B4-BE49-F238E27FC236}">
-                <a16:creationId xmlns:a16="http://schemas.microsoft.com/office/drawing/2014/main" xmlns="" id="{982817C4-ACF4-45FB-A018-6E6F872691BC}"/>
+                <a16:creationId xmlns:a16="http://schemas.microsoft.com/office/drawing/2014/main" id="{982817C4-ACF4-45FB-A018-6E6F872691BC}"/>
               </a:ext>
             </a:extLst>
           </p:cNvPr>
@@ -9722,7 +10688,7 @@
           <p:cNvPr id="11" name="TextBox 10">
             <a:extLst>
               <a:ext uri="{FF2B5EF4-FFF2-40B4-BE49-F238E27FC236}">
-                <a16:creationId xmlns:a16="http://schemas.microsoft.com/office/drawing/2014/main" xmlns="" id="{4C392713-5D6A-477F-809B-12AAFB288320}"/>
+                <a16:creationId xmlns:a16="http://schemas.microsoft.com/office/drawing/2014/main" id="{4C392713-5D6A-477F-809B-12AAFB288320}"/>
               </a:ext>
             </a:extLst>
           </p:cNvPr>
@@ -9758,7 +10724,7 @@
           <p:cNvPr id="199" name="타원 198">
             <a:extLst>
               <a:ext uri="{FF2B5EF4-FFF2-40B4-BE49-F238E27FC236}">
-                <a16:creationId xmlns:a16="http://schemas.microsoft.com/office/drawing/2014/main" xmlns="" id="{EE49514C-7EC3-4EE2-9128-08A773A94EAF}"/>
+                <a16:creationId xmlns:a16="http://schemas.microsoft.com/office/drawing/2014/main" id="{EE49514C-7EC3-4EE2-9128-08A773A94EAF}"/>
               </a:ext>
             </a:extLst>
           </p:cNvPr>
@@ -9810,7 +10776,7 @@
           <p:cNvPr id="200" name="타원 199">
             <a:extLst>
               <a:ext uri="{FF2B5EF4-FFF2-40B4-BE49-F238E27FC236}">
-                <a16:creationId xmlns:a16="http://schemas.microsoft.com/office/drawing/2014/main" xmlns="" id="{F4FC2F8D-9B46-473F-A9CF-30AFA8F22704}"/>
+                <a16:creationId xmlns:a16="http://schemas.microsoft.com/office/drawing/2014/main" id="{F4FC2F8D-9B46-473F-A9CF-30AFA8F22704}"/>
               </a:ext>
             </a:extLst>
           </p:cNvPr>
@@ -9859,7 +10825,7 @@
           <p:cNvPr id="201" name="타원 200">
             <a:extLst>
               <a:ext uri="{FF2B5EF4-FFF2-40B4-BE49-F238E27FC236}">
-                <a16:creationId xmlns:a16="http://schemas.microsoft.com/office/drawing/2014/main" xmlns="" id="{316BBCC9-1FEB-4F6B-A90B-02CDB0A5202A}"/>
+                <a16:creationId xmlns:a16="http://schemas.microsoft.com/office/drawing/2014/main" id="{316BBCC9-1FEB-4F6B-A90B-02CDB0A5202A}"/>
               </a:ext>
             </a:extLst>
           </p:cNvPr>
@@ -9911,7 +10877,7 @@
           <p:cNvPr id="202" name="타원 201">
             <a:extLst>
               <a:ext uri="{FF2B5EF4-FFF2-40B4-BE49-F238E27FC236}">
-                <a16:creationId xmlns:a16="http://schemas.microsoft.com/office/drawing/2014/main" xmlns="" id="{08E3B82D-1B81-45F5-8EF7-61A45103706F}"/>
+                <a16:creationId xmlns:a16="http://schemas.microsoft.com/office/drawing/2014/main" id="{08E3B82D-1B81-45F5-8EF7-61A45103706F}"/>
               </a:ext>
             </a:extLst>
           </p:cNvPr>
@@ -9969,7 +10935,7 @@
           <p:cNvPr id="203" name="타원 202">
             <a:extLst>
               <a:ext uri="{FF2B5EF4-FFF2-40B4-BE49-F238E27FC236}">
-                <a16:creationId xmlns:a16="http://schemas.microsoft.com/office/drawing/2014/main" xmlns="" id="{5F7D788C-28A0-4B9C-9EA9-9ACFE972B264}"/>
+                <a16:creationId xmlns:a16="http://schemas.microsoft.com/office/drawing/2014/main" id="{5F7D788C-28A0-4B9C-9EA9-9ACFE972B264}"/>
               </a:ext>
             </a:extLst>
           </p:cNvPr>
@@ -10030,7 +10996,7 @@
           <p:cNvPr id="204" name="타원 203">
             <a:extLst>
               <a:ext uri="{FF2B5EF4-FFF2-40B4-BE49-F238E27FC236}">
-                <a16:creationId xmlns:a16="http://schemas.microsoft.com/office/drawing/2014/main" xmlns="" id="{B23696C0-0570-4599-BFC8-B151FB3F6540}"/>
+                <a16:creationId xmlns:a16="http://schemas.microsoft.com/office/drawing/2014/main" id="{B23696C0-0570-4599-BFC8-B151FB3F6540}"/>
               </a:ext>
             </a:extLst>
           </p:cNvPr>
@@ -10082,7 +11048,7 @@
           <p:cNvPr id="205" name="TextBox 204">
             <a:extLst>
               <a:ext uri="{FF2B5EF4-FFF2-40B4-BE49-F238E27FC236}">
-                <a16:creationId xmlns:a16="http://schemas.microsoft.com/office/drawing/2014/main" xmlns="" id="{E747CE9B-EFA0-4EF4-9E8C-65AA04BF9D1E}"/>
+                <a16:creationId xmlns:a16="http://schemas.microsoft.com/office/drawing/2014/main" id="{E747CE9B-EFA0-4EF4-9E8C-65AA04BF9D1E}"/>
               </a:ext>
             </a:extLst>
           </p:cNvPr>
@@ -10118,7 +11084,7 @@
           <p:cNvPr id="206" name="그래픽 205" descr="핀 있는 지도 윤곽선">
             <a:extLst>
               <a:ext uri="{FF2B5EF4-FFF2-40B4-BE49-F238E27FC236}">
-                <a16:creationId xmlns:a16="http://schemas.microsoft.com/office/drawing/2014/main" xmlns="" id="{F5142EB6-FD3F-450C-A516-99157EAB242B}"/>
+                <a16:creationId xmlns:a16="http://schemas.microsoft.com/office/drawing/2014/main" id="{F5142EB6-FD3F-450C-A516-99157EAB242B}"/>
               </a:ext>
             </a:extLst>
           </p:cNvPr>
@@ -10134,7 +11100,7 @@
                 <a14:useLocalDpi xmlns:a14="http://schemas.microsoft.com/office/drawing/2010/main" val="0"/>
               </a:ext>
               <a:ext uri="{96DAC541-7B7A-43D3-8B79-37D633B846F1}">
-                <asvg:svgBlip xmlns:asvg="http://schemas.microsoft.com/office/drawing/2016/SVG/main" xmlns="" r:embed="rId4"/>
+                <asvg:svgBlip xmlns:asvg="http://schemas.microsoft.com/office/drawing/2016/SVG/main" r:embed="rId4"/>
               </a:ext>
             </a:extLst>
           </a:blip>
@@ -10157,7 +11123,7 @@
           <p:cNvPr id="20" name="직사각형 19">
             <a:extLst>
               <a:ext uri="{FF2B5EF4-FFF2-40B4-BE49-F238E27FC236}">
-                <a16:creationId xmlns:a16="http://schemas.microsoft.com/office/drawing/2014/main" xmlns="" id="{DB786D9F-9F63-4114-863C-FD277B989344}"/>
+                <a16:creationId xmlns:a16="http://schemas.microsoft.com/office/drawing/2014/main" id="{DB786D9F-9F63-4114-863C-FD277B989344}"/>
               </a:ext>
             </a:extLst>
           </p:cNvPr>
@@ -10166,8 +11132,8 @@
         </p:nvSpPr>
         <p:spPr>
           <a:xfrm>
-            <a:off x="9530948" y="3646093"/>
-            <a:ext cx="2404997" cy="2138621"/>
+            <a:off x="9509997" y="2620647"/>
+            <a:ext cx="2404997" cy="1440365"/>
           </a:xfrm>
           <a:prstGeom prst="rect">
             <a:avLst/>
@@ -10328,55 +11294,7 @@
                   </a:outerShdw>
                 </a:effectLst>
               </a:rPr>
-              <a:t>돌이 </a:t>
-            </a:r>
-            <a:r>
-              <a:rPr lang="ko-KR" altLang="en-US" sz="1200" dirty="0">
-                <a:ln w="0"/>
-                <a:solidFill>
-                  <a:schemeClr val="tx1"/>
-                </a:solidFill>
-                <a:effectLst>
-                  <a:outerShdw blurRad="38100" dist="19050" dir="2700000" algn="tl" rotWithShape="0">
-                    <a:schemeClr val="dk1">
-                      <a:alpha val="40000"/>
-                    </a:schemeClr>
-                  </a:outerShdw>
-                </a:effectLst>
-              </a:rPr>
-              <a:t>깨</a:t>
-            </a:r>
-            <a:r>
-              <a:rPr lang="ko-KR" altLang="en-US" sz="1200" dirty="0" smtClean="0">
-                <a:ln w="0"/>
-                <a:solidFill>
-                  <a:schemeClr val="tx1"/>
-                </a:solidFill>
-                <a:effectLst>
-                  <a:outerShdw blurRad="38100" dist="19050" dir="2700000" algn="tl" rotWithShape="0">
-                    <a:schemeClr val="dk1">
-                      <a:alpha val="40000"/>
-                    </a:schemeClr>
-                  </a:outerShdw>
-                </a:effectLst>
-              </a:rPr>
-              <a:t>지며 </a:t>
-            </a:r>
-            <a:r>
-              <a:rPr lang="ko-KR" altLang="en-US" sz="1200" dirty="0">
-                <a:ln w="0"/>
-                <a:solidFill>
-                  <a:schemeClr val="tx1"/>
-                </a:solidFill>
-                <a:effectLst>
-                  <a:outerShdw blurRad="38100" dist="19050" dir="2700000" algn="tl" rotWithShape="0">
-                    <a:schemeClr val="dk1">
-                      <a:alpha val="40000"/>
-                    </a:schemeClr>
-                  </a:outerShdw>
-                </a:effectLst>
-              </a:rPr>
-              <a:t>속이 보이고</a:t>
+              <a:t>돌이 깨지며 속이 보이고</a:t>
             </a:r>
             <a:endParaRPr lang="en-US" altLang="ko-KR" sz="1200" dirty="0">
               <a:ln w="0"/>
@@ -10466,7 +11384,7 @@
           <p:cNvPr id="213" name="직사각형 212">
             <a:extLst>
               <a:ext uri="{FF2B5EF4-FFF2-40B4-BE49-F238E27FC236}">
-                <a16:creationId xmlns:a16="http://schemas.microsoft.com/office/drawing/2014/main" xmlns="" id="{EE0E73F6-6363-4E70-AB7B-EE4257F2A2D2}"/>
+                <a16:creationId xmlns:a16="http://schemas.microsoft.com/office/drawing/2014/main" id="{EE0E73F6-6363-4E70-AB7B-EE4257F2A2D2}"/>
               </a:ext>
             </a:extLst>
           </p:cNvPr>
@@ -10475,8 +11393,8 @@
         </p:nvSpPr>
         <p:spPr>
           <a:xfrm>
-            <a:off x="9513664" y="1353346"/>
-            <a:ext cx="2404997" cy="2138621"/>
+            <a:off x="9509998" y="1073286"/>
+            <a:ext cx="2404997" cy="1508549"/>
           </a:xfrm>
           <a:prstGeom prst="rect">
             <a:avLst/>
@@ -10768,22 +11686,6 @@
               <a:effectLst/>
             </a:endParaRPr>
           </a:p>
-          <a:p>
-            <a:pPr algn="ctr"/>
-            <a:endParaRPr lang="en-US" altLang="ko-KR" sz="1200" dirty="0">
-              <a:ln w="0"/>
-              <a:solidFill>
-                <a:schemeClr val="tx1"/>
-              </a:solidFill>
-              <a:effectLst>
-                <a:outerShdw blurRad="38100" dist="19050" dir="2700000" algn="tl" rotWithShape="0">
-                  <a:schemeClr val="dk1">
-                    <a:alpha val="40000"/>
-                  </a:schemeClr>
-                </a:outerShdw>
-              </a:effectLst>
-            </a:endParaRPr>
-          </a:p>
         </p:txBody>
       </p:sp>
       <p:sp>
@@ -10791,7 +11693,7 @@
           <p:cNvPr id="21" name="TextBox 20">
             <a:extLst>
               <a:ext uri="{FF2B5EF4-FFF2-40B4-BE49-F238E27FC236}">
-                <a16:creationId xmlns:a16="http://schemas.microsoft.com/office/drawing/2014/main" xmlns="" id="{04FF0C63-9200-4D4D-87FC-C29E13044F0A}"/>
+                <a16:creationId xmlns:a16="http://schemas.microsoft.com/office/drawing/2014/main" id="{04FF0C63-9200-4D4D-87FC-C29E13044F0A}"/>
               </a:ext>
             </a:extLst>
           </p:cNvPr>
@@ -10827,7 +11729,7 @@
           <p:cNvPr id="4098" name="Picture 2" descr="암석의 재질 이미지 (a6667902) - 게티이미지뱅크">
             <a:extLst>
               <a:ext uri="{FF2B5EF4-FFF2-40B4-BE49-F238E27FC236}">
-                <a16:creationId xmlns:a16="http://schemas.microsoft.com/office/drawing/2014/main" xmlns="" id="{C6F9DE9E-C352-4093-B3AC-DE67DE989ABA}"/>
+                <a16:creationId xmlns:a16="http://schemas.microsoft.com/office/drawing/2014/main" id="{C6F9DE9E-C352-4093-B3AC-DE67DE989ABA}"/>
               </a:ext>
             </a:extLst>
           </p:cNvPr>
@@ -10869,6 +11771,405 @@
           </a:extLst>
         </p:spPr>
       </p:pic>
+      <p:sp>
+        <p:nvSpPr>
+          <p:cNvPr id="22" name="직사각형 21">
+            <a:extLst>
+              <a:ext uri="{FF2B5EF4-FFF2-40B4-BE49-F238E27FC236}">
+                <a16:creationId xmlns:a16="http://schemas.microsoft.com/office/drawing/2014/main" id="{6D81A3F1-C406-421B-922A-86041EE78CEA}"/>
+              </a:ext>
+            </a:extLst>
+          </p:cNvPr>
+          <p:cNvSpPr/>
+          <p:nvPr/>
+        </p:nvSpPr>
+        <p:spPr>
+          <a:xfrm>
+            <a:off x="9509996" y="4125140"/>
+            <a:ext cx="2404997" cy="1945052"/>
+          </a:xfrm>
+          <a:prstGeom prst="rect">
+            <a:avLst/>
+          </a:prstGeom>
+          <a:solidFill>
+            <a:schemeClr val="bg1">
+              <a:lumMod val="85000"/>
+            </a:schemeClr>
+          </a:solidFill>
+        </p:spPr>
+        <p:style>
+          <a:lnRef idx="2">
+            <a:schemeClr val="accent1">
+              <a:shade val="50000"/>
+            </a:schemeClr>
+          </a:lnRef>
+          <a:fillRef idx="1">
+            <a:schemeClr val="accent1"/>
+          </a:fillRef>
+          <a:effectRef idx="0">
+            <a:schemeClr val="accent1"/>
+          </a:effectRef>
+          <a:fontRef idx="minor">
+            <a:schemeClr val="lt1"/>
+          </a:fontRef>
+        </p:style>
+        <p:txBody>
+          <a:bodyPr rtlCol="0" anchor="ctr"/>
+          <a:lstStyle/>
+          <a:p>
+            <a:pPr marL="0" algn="ctr" rtl="0" eaLnBrk="1" latinLnBrk="1" hangingPunct="1">
+              <a:spcBef>
+                <a:spcPts val="0"/>
+              </a:spcBef>
+              <a:spcAft>
+                <a:spcPts val="0"/>
+              </a:spcAft>
+            </a:pPr>
+            <a:r>
+              <a:rPr lang="ko-KR" altLang="en-US" b="1" dirty="0">
+                <a:solidFill>
+                  <a:schemeClr val="tx1"/>
+                </a:solidFill>
+                <a:effectLst/>
+              </a:rPr>
+              <a:t>연출</a:t>
+            </a:r>
+          </a:p>
+          <a:p>
+            <a:pPr marL="0" algn="ctr" rtl="0" eaLnBrk="1" latinLnBrk="1" hangingPunct="1">
+              <a:spcBef>
+                <a:spcPts val="0"/>
+              </a:spcBef>
+              <a:spcAft>
+                <a:spcPts val="0"/>
+              </a:spcAft>
+            </a:pPr>
+            <a:endParaRPr lang="en-US" altLang="ko-KR" sz="1200" kern="1200" dirty="0">
+              <a:ln>
+                <a:noFill/>
+              </a:ln>
+              <a:solidFill>
+                <a:srgbClr val="000000"/>
+              </a:solidFill>
+              <a:effectLst>
+                <a:outerShdw blurRad="38100" dist="19050" dir="2700000" algn="tl" rotWithShape="0">
+                  <a:schemeClr val="dk1">
+                    <a:alpha val="40000"/>
+                  </a:schemeClr>
+                </a:outerShdw>
+              </a:effectLst>
+              <a:latin typeface="맑은 고딕" panose="020B0503020000020004" pitchFamily="50" charset="-127"/>
+              <a:ea typeface="맑은 고딕" panose="020B0503020000020004" pitchFamily="50" charset="-127"/>
+              <a:cs typeface="+mn-cs"/>
+            </a:endParaRPr>
+          </a:p>
+          <a:p>
+            <a:pPr marL="0" algn="ctr" rtl="0" eaLnBrk="1" latinLnBrk="1" hangingPunct="1">
+              <a:spcBef>
+                <a:spcPts val="0"/>
+              </a:spcBef>
+              <a:spcAft>
+                <a:spcPts val="0"/>
+              </a:spcAft>
+            </a:pPr>
+            <a:r>
+              <a:rPr lang="ko-KR" altLang="en-US" sz="1200" kern="1200" dirty="0">
+                <a:ln>
+                  <a:noFill/>
+                </a:ln>
+                <a:solidFill>
+                  <a:srgbClr val="000000"/>
+                </a:solidFill>
+                <a:effectLst>
+                  <a:outerShdw blurRad="38100" dist="19050" dir="2700000" algn="tl" rotWithShape="0">
+                    <a:schemeClr val="dk1">
+                      <a:alpha val="40000"/>
+                    </a:schemeClr>
+                  </a:outerShdw>
+                </a:effectLst>
+                <a:latin typeface="맑은 고딕" panose="020B0503020000020004" pitchFamily="50" charset="-127"/>
+                <a:ea typeface="맑은 고딕" panose="020B0503020000020004" pitchFamily="50" charset="-127"/>
+                <a:cs typeface="+mn-cs"/>
+              </a:rPr>
+              <a:t>커다란 돌을 곡괭이로 치면</a:t>
+            </a:r>
+            <a:endParaRPr lang="en-US" altLang="ko-KR" sz="1200" kern="1200" dirty="0">
+              <a:ln>
+                <a:noFill/>
+              </a:ln>
+              <a:solidFill>
+                <a:srgbClr val="000000"/>
+              </a:solidFill>
+              <a:effectLst>
+                <a:outerShdw blurRad="38100" dist="19050" dir="2700000" algn="tl" rotWithShape="0">
+                  <a:schemeClr val="dk1">
+                    <a:alpha val="40000"/>
+                  </a:schemeClr>
+                </a:outerShdw>
+              </a:effectLst>
+              <a:latin typeface="맑은 고딕" panose="020B0503020000020004" pitchFamily="50" charset="-127"/>
+              <a:ea typeface="맑은 고딕" panose="020B0503020000020004" pitchFamily="50" charset="-127"/>
+              <a:cs typeface="+mn-cs"/>
+            </a:endParaRPr>
+          </a:p>
+          <a:p>
+            <a:pPr marL="0" algn="ctr" rtl="0" eaLnBrk="1" latinLnBrk="1" hangingPunct="1">
+              <a:spcBef>
+                <a:spcPts val="0"/>
+              </a:spcBef>
+              <a:spcAft>
+                <a:spcPts val="0"/>
+              </a:spcAft>
+            </a:pPr>
+            <a:r>
+              <a:rPr lang="ko-KR" altLang="en-US" sz="1200" dirty="0">
+                <a:solidFill>
+                  <a:srgbClr val="000000"/>
+                </a:solidFill>
+                <a:effectLst>
+                  <a:outerShdw blurRad="38100" dist="19050" dir="2700000" algn="tl" rotWithShape="0">
+                    <a:schemeClr val="dk1">
+                      <a:alpha val="40000"/>
+                    </a:schemeClr>
+                  </a:outerShdw>
+                </a:effectLst>
+                <a:latin typeface="맑은 고딕" panose="020B0503020000020004" pitchFamily="50" charset="-127"/>
+                <a:ea typeface="맑은 고딕" panose="020B0503020000020004" pitchFamily="50" charset="-127"/>
+              </a:rPr>
+              <a:t>서서히 돌이 깨지면서</a:t>
+            </a:r>
+            <a:endParaRPr lang="en-US" altLang="ko-KR" sz="1200" dirty="0">
+              <a:solidFill>
+                <a:srgbClr val="000000"/>
+              </a:solidFill>
+              <a:effectLst>
+                <a:outerShdw blurRad="38100" dist="19050" dir="2700000" algn="tl" rotWithShape="0">
+                  <a:schemeClr val="dk1">
+                    <a:alpha val="40000"/>
+                  </a:schemeClr>
+                </a:outerShdw>
+              </a:effectLst>
+              <a:latin typeface="맑은 고딕" panose="020B0503020000020004" pitchFamily="50" charset="-127"/>
+              <a:ea typeface="맑은 고딕" panose="020B0503020000020004" pitchFamily="50" charset="-127"/>
+            </a:endParaRPr>
+          </a:p>
+          <a:p>
+            <a:pPr marL="0" algn="ctr" rtl="0" eaLnBrk="1" latinLnBrk="1" hangingPunct="1">
+              <a:spcBef>
+                <a:spcPts val="0"/>
+              </a:spcBef>
+              <a:spcAft>
+                <a:spcPts val="0"/>
+              </a:spcAft>
+            </a:pPr>
+            <a:r>
+              <a:rPr lang="ko-KR" altLang="en-US" sz="1200" dirty="0">
+                <a:solidFill>
+                  <a:srgbClr val="000000"/>
+                </a:solidFill>
+                <a:effectLst>
+                  <a:outerShdw blurRad="38100" dist="19050" dir="2700000" algn="tl" rotWithShape="0">
+                    <a:schemeClr val="dk1">
+                      <a:alpha val="40000"/>
+                    </a:schemeClr>
+                  </a:outerShdw>
+                </a:effectLst>
+                <a:latin typeface="맑은 고딕" panose="020B0503020000020004" pitchFamily="50" charset="-127"/>
+                <a:ea typeface="맑은 고딕" panose="020B0503020000020004" pitchFamily="50" charset="-127"/>
+              </a:rPr>
+              <a:t>광석이 서서히 보인다</a:t>
+            </a:r>
+            <a:r>
+              <a:rPr lang="en-US" altLang="ko-KR" sz="1200" dirty="0">
+                <a:solidFill>
+                  <a:srgbClr val="000000"/>
+                </a:solidFill>
+                <a:effectLst>
+                  <a:outerShdw blurRad="38100" dist="19050" dir="2700000" algn="tl" rotWithShape="0">
+                    <a:schemeClr val="dk1">
+                      <a:alpha val="40000"/>
+                    </a:schemeClr>
+                  </a:outerShdw>
+                </a:effectLst>
+                <a:latin typeface="맑은 고딕" panose="020B0503020000020004" pitchFamily="50" charset="-127"/>
+                <a:ea typeface="맑은 고딕" panose="020B0503020000020004" pitchFamily="50" charset="-127"/>
+              </a:rPr>
+              <a:t>.</a:t>
+            </a:r>
+          </a:p>
+          <a:p>
+            <a:pPr marL="0" algn="ctr" rtl="0" eaLnBrk="1" latinLnBrk="1" hangingPunct="1">
+              <a:spcBef>
+                <a:spcPts val="0"/>
+              </a:spcBef>
+              <a:spcAft>
+                <a:spcPts val="0"/>
+              </a:spcAft>
+            </a:pPr>
+            <a:endParaRPr lang="en-US" altLang="ko-KR" sz="1200" dirty="0">
+              <a:solidFill>
+                <a:srgbClr val="000000"/>
+              </a:solidFill>
+              <a:effectLst>
+                <a:outerShdw blurRad="38100" dist="19050" dir="2700000" algn="tl" rotWithShape="0">
+                  <a:schemeClr val="dk1">
+                    <a:alpha val="40000"/>
+                  </a:schemeClr>
+                </a:outerShdw>
+              </a:effectLst>
+              <a:latin typeface="맑은 고딕" panose="020B0503020000020004" pitchFamily="50" charset="-127"/>
+              <a:ea typeface="맑은 고딕" panose="020B0503020000020004" pitchFamily="50" charset="-127"/>
+            </a:endParaRPr>
+          </a:p>
+          <a:p>
+            <a:pPr marL="0" algn="ctr" rtl="0" eaLnBrk="1" latinLnBrk="1" hangingPunct="1">
+              <a:spcBef>
+                <a:spcPts val="0"/>
+              </a:spcBef>
+              <a:spcAft>
+                <a:spcPts val="0"/>
+              </a:spcAft>
+            </a:pPr>
+            <a:r>
+              <a:rPr lang="ko-KR" altLang="en-US" sz="1200" dirty="0">
+                <a:solidFill>
+                  <a:srgbClr val="000000"/>
+                </a:solidFill>
+                <a:effectLst>
+                  <a:outerShdw blurRad="38100" dist="19050" dir="2700000" algn="tl" rotWithShape="0">
+                    <a:schemeClr val="dk1">
+                      <a:alpha val="40000"/>
+                    </a:schemeClr>
+                  </a:outerShdw>
+                </a:effectLst>
+                <a:latin typeface="맑은 고딕" panose="020B0503020000020004" pitchFamily="50" charset="-127"/>
+                <a:ea typeface="맑은 고딕" panose="020B0503020000020004" pitchFamily="50" charset="-127"/>
+              </a:rPr>
+              <a:t>광석이 모두 보이면 가져갈 수 있고</a:t>
+            </a:r>
+            <a:r>
+              <a:rPr lang="en-US" altLang="ko-KR" sz="1200" dirty="0">
+                <a:solidFill>
+                  <a:srgbClr val="000000"/>
+                </a:solidFill>
+                <a:effectLst>
+                  <a:outerShdw blurRad="38100" dist="19050" dir="2700000" algn="tl" rotWithShape="0">
+                    <a:schemeClr val="dk1">
+                      <a:alpha val="40000"/>
+                    </a:schemeClr>
+                  </a:outerShdw>
+                </a:effectLst>
+                <a:latin typeface="맑은 고딕" panose="020B0503020000020004" pitchFamily="50" charset="-127"/>
+                <a:ea typeface="맑은 고딕" panose="020B0503020000020004" pitchFamily="50" charset="-127"/>
+              </a:rPr>
+              <a:t>, </a:t>
+            </a:r>
+            <a:r>
+              <a:rPr lang="ko-KR" altLang="en-US" sz="1200" dirty="0">
+                <a:solidFill>
+                  <a:srgbClr val="000000"/>
+                </a:solidFill>
+                <a:effectLst>
+                  <a:outerShdw blurRad="38100" dist="19050" dir="2700000" algn="tl" rotWithShape="0">
+                    <a:schemeClr val="dk1">
+                      <a:alpha val="40000"/>
+                    </a:schemeClr>
+                  </a:outerShdw>
+                </a:effectLst>
+                <a:latin typeface="맑은 고딕" panose="020B0503020000020004" pitchFamily="50" charset="-127"/>
+                <a:ea typeface="맑은 고딕" panose="020B0503020000020004" pitchFamily="50" charset="-127"/>
+              </a:rPr>
+              <a:t>가져갈 광석을 터치하면</a:t>
+            </a:r>
+            <a:endParaRPr lang="en-US" altLang="ko-KR" sz="1200" dirty="0">
+              <a:solidFill>
+                <a:srgbClr val="000000"/>
+              </a:solidFill>
+              <a:effectLst>
+                <a:outerShdw blurRad="38100" dist="19050" dir="2700000" algn="tl" rotWithShape="0">
+                  <a:schemeClr val="dk1">
+                    <a:alpha val="40000"/>
+                  </a:schemeClr>
+                </a:outerShdw>
+              </a:effectLst>
+              <a:latin typeface="맑은 고딕" panose="020B0503020000020004" pitchFamily="50" charset="-127"/>
+              <a:ea typeface="맑은 고딕" panose="020B0503020000020004" pitchFamily="50" charset="-127"/>
+            </a:endParaRPr>
+          </a:p>
+          <a:p>
+            <a:pPr marL="0" algn="ctr" rtl="0" eaLnBrk="1" latinLnBrk="1" hangingPunct="1">
+              <a:spcBef>
+                <a:spcPts val="0"/>
+              </a:spcBef>
+              <a:spcAft>
+                <a:spcPts val="0"/>
+              </a:spcAft>
+            </a:pPr>
+            <a:r>
+              <a:rPr lang="ko-KR" altLang="en-US" sz="1200" dirty="0">
+                <a:solidFill>
+                  <a:srgbClr val="000000"/>
+                </a:solidFill>
+                <a:effectLst>
+                  <a:outerShdw blurRad="38100" dist="19050" dir="2700000" algn="tl" rotWithShape="0">
+                    <a:schemeClr val="dk1">
+                      <a:alpha val="40000"/>
+                    </a:schemeClr>
+                  </a:outerShdw>
+                </a:effectLst>
+                <a:latin typeface="맑은 고딕" panose="020B0503020000020004" pitchFamily="50" charset="-127"/>
+                <a:ea typeface="맑은 고딕" panose="020B0503020000020004" pitchFamily="50" charset="-127"/>
+              </a:rPr>
+              <a:t>그 광석이 돌 밑에 생성됨</a:t>
+            </a:r>
+            <a:r>
+              <a:rPr lang="en-US" altLang="ko-KR" sz="1200" dirty="0">
+                <a:solidFill>
+                  <a:srgbClr val="000000"/>
+                </a:solidFill>
+                <a:effectLst>
+                  <a:outerShdw blurRad="38100" dist="19050" dir="2700000" algn="tl" rotWithShape="0">
+                    <a:schemeClr val="dk1">
+                      <a:alpha val="40000"/>
+                    </a:schemeClr>
+                  </a:outerShdw>
+                </a:effectLst>
+                <a:latin typeface="맑은 고딕" panose="020B0503020000020004" pitchFamily="50" charset="-127"/>
+                <a:ea typeface="맑은 고딕" panose="020B0503020000020004" pitchFamily="50" charset="-127"/>
+              </a:rPr>
+              <a:t>.</a:t>
+            </a:r>
+          </a:p>
+          <a:p>
+            <a:pPr marL="0" algn="ctr" rtl="0" eaLnBrk="1" latinLnBrk="1" hangingPunct="1">
+              <a:spcBef>
+                <a:spcPts val="0"/>
+              </a:spcBef>
+              <a:spcAft>
+                <a:spcPts val="0"/>
+              </a:spcAft>
+            </a:pPr>
+            <a:endParaRPr lang="en-US" altLang="ko-KR" sz="1200" kern="1200" dirty="0">
+              <a:ln>
+                <a:noFill/>
+              </a:ln>
+              <a:solidFill>
+                <a:srgbClr val="000000"/>
+              </a:solidFill>
+              <a:effectLst>
+                <a:outerShdw blurRad="38100" dist="19050" dir="2700000" algn="tl" rotWithShape="0">
+                  <a:schemeClr val="dk1">
+                    <a:alpha val="40000"/>
+                  </a:schemeClr>
+                </a:outerShdw>
+              </a:effectLst>
+              <a:latin typeface="맑은 고딕" panose="020B0503020000020004" pitchFamily="50" charset="-127"/>
+              <a:ea typeface="맑은 고딕" panose="020B0503020000020004" pitchFamily="50" charset="-127"/>
+              <a:cs typeface="+mn-cs"/>
+            </a:endParaRPr>
+          </a:p>
+        </p:txBody>
+      </p:sp>
     </p:spTree>
     <p:extLst>
       <p:ext uri="{BB962C8B-B14F-4D97-AF65-F5344CB8AC3E}">
@@ -10904,7 +12205,7 @@
           <p:cNvPr id="198" name="사각형: 둥근 모서리 197">
             <a:extLst>
               <a:ext uri="{FF2B5EF4-FFF2-40B4-BE49-F238E27FC236}">
-                <a16:creationId xmlns:a16="http://schemas.microsoft.com/office/drawing/2014/main" xmlns="" id="{3E02CA4B-E009-458D-9663-19CCDC8D792B}"/>
+                <a16:creationId xmlns:a16="http://schemas.microsoft.com/office/drawing/2014/main" id="{3E02CA4B-E009-458D-9663-19CCDC8D792B}"/>
               </a:ext>
             </a:extLst>
           </p:cNvPr>
@@ -10958,7 +12259,7 @@
           <p:cNvPr id="19" name="직사각형 18">
             <a:extLst>
               <a:ext uri="{FF2B5EF4-FFF2-40B4-BE49-F238E27FC236}">
-                <a16:creationId xmlns:a16="http://schemas.microsoft.com/office/drawing/2014/main" xmlns="" id="{60E8ECA5-8AD5-4EAD-B3F6-94210D46088C}"/>
+                <a16:creationId xmlns:a16="http://schemas.microsoft.com/office/drawing/2014/main" id="{60E8ECA5-8AD5-4EAD-B3F6-94210D46088C}"/>
               </a:ext>
             </a:extLst>
           </p:cNvPr>
@@ -11010,7 +12311,7 @@
           <p:cNvPr id="4" name="직사각형 3">
             <a:extLst>
               <a:ext uri="{FF2B5EF4-FFF2-40B4-BE49-F238E27FC236}">
-                <a16:creationId xmlns:a16="http://schemas.microsoft.com/office/drawing/2014/main" xmlns="" id="{AE93FE2A-85FE-4157-951C-FC2FADBB3B34}"/>
+                <a16:creationId xmlns:a16="http://schemas.microsoft.com/office/drawing/2014/main" id="{AE93FE2A-85FE-4157-951C-FC2FADBB3B34}"/>
               </a:ext>
             </a:extLst>
           </p:cNvPr>
@@ -11062,7 +12363,7 @@
           <p:cNvPr id="7" name="TextBox 6">
             <a:extLst>
               <a:ext uri="{FF2B5EF4-FFF2-40B4-BE49-F238E27FC236}">
-                <a16:creationId xmlns:a16="http://schemas.microsoft.com/office/drawing/2014/main" xmlns="" id="{982817C4-ACF4-45FB-A018-6E6F872691BC}"/>
+                <a16:creationId xmlns:a16="http://schemas.microsoft.com/office/drawing/2014/main" id="{982817C4-ACF4-45FB-A018-6E6F872691BC}"/>
               </a:ext>
             </a:extLst>
           </p:cNvPr>
@@ -11098,7 +12399,7 @@
           <p:cNvPr id="11" name="TextBox 10">
             <a:extLst>
               <a:ext uri="{FF2B5EF4-FFF2-40B4-BE49-F238E27FC236}">
-                <a16:creationId xmlns:a16="http://schemas.microsoft.com/office/drawing/2014/main" xmlns="" id="{4C392713-5D6A-477F-809B-12AAFB288320}"/>
+                <a16:creationId xmlns:a16="http://schemas.microsoft.com/office/drawing/2014/main" id="{4C392713-5D6A-477F-809B-12AAFB288320}"/>
               </a:ext>
             </a:extLst>
           </p:cNvPr>
@@ -11134,7 +12435,7 @@
           <p:cNvPr id="199" name="타원 198">
             <a:extLst>
               <a:ext uri="{FF2B5EF4-FFF2-40B4-BE49-F238E27FC236}">
-                <a16:creationId xmlns:a16="http://schemas.microsoft.com/office/drawing/2014/main" xmlns="" id="{EE49514C-7EC3-4EE2-9128-08A773A94EAF}"/>
+                <a16:creationId xmlns:a16="http://schemas.microsoft.com/office/drawing/2014/main" id="{EE49514C-7EC3-4EE2-9128-08A773A94EAF}"/>
               </a:ext>
             </a:extLst>
           </p:cNvPr>
@@ -11186,7 +12487,7 @@
           <p:cNvPr id="200" name="타원 199">
             <a:extLst>
               <a:ext uri="{FF2B5EF4-FFF2-40B4-BE49-F238E27FC236}">
-                <a16:creationId xmlns:a16="http://schemas.microsoft.com/office/drawing/2014/main" xmlns="" id="{F4FC2F8D-9B46-473F-A9CF-30AFA8F22704}"/>
+                <a16:creationId xmlns:a16="http://schemas.microsoft.com/office/drawing/2014/main" id="{F4FC2F8D-9B46-473F-A9CF-30AFA8F22704}"/>
               </a:ext>
             </a:extLst>
           </p:cNvPr>
@@ -11235,7 +12536,7 @@
           <p:cNvPr id="201" name="타원 200">
             <a:extLst>
               <a:ext uri="{FF2B5EF4-FFF2-40B4-BE49-F238E27FC236}">
-                <a16:creationId xmlns:a16="http://schemas.microsoft.com/office/drawing/2014/main" xmlns="" id="{316BBCC9-1FEB-4F6B-A90B-02CDB0A5202A}"/>
+                <a16:creationId xmlns:a16="http://schemas.microsoft.com/office/drawing/2014/main" id="{316BBCC9-1FEB-4F6B-A90B-02CDB0A5202A}"/>
               </a:ext>
             </a:extLst>
           </p:cNvPr>
@@ -11287,7 +12588,7 @@
           <p:cNvPr id="202" name="타원 201">
             <a:extLst>
               <a:ext uri="{FF2B5EF4-FFF2-40B4-BE49-F238E27FC236}">
-                <a16:creationId xmlns:a16="http://schemas.microsoft.com/office/drawing/2014/main" xmlns="" id="{08E3B82D-1B81-45F5-8EF7-61A45103706F}"/>
+                <a16:creationId xmlns:a16="http://schemas.microsoft.com/office/drawing/2014/main" id="{08E3B82D-1B81-45F5-8EF7-61A45103706F}"/>
               </a:ext>
             </a:extLst>
           </p:cNvPr>
@@ -11345,7 +12646,7 @@
           <p:cNvPr id="203" name="타원 202">
             <a:extLst>
               <a:ext uri="{FF2B5EF4-FFF2-40B4-BE49-F238E27FC236}">
-                <a16:creationId xmlns:a16="http://schemas.microsoft.com/office/drawing/2014/main" xmlns="" id="{5F7D788C-28A0-4B9C-9EA9-9ACFE972B264}"/>
+                <a16:creationId xmlns:a16="http://schemas.microsoft.com/office/drawing/2014/main" id="{5F7D788C-28A0-4B9C-9EA9-9ACFE972B264}"/>
               </a:ext>
             </a:extLst>
           </p:cNvPr>
@@ -11406,7 +12707,7 @@
           <p:cNvPr id="204" name="타원 203">
             <a:extLst>
               <a:ext uri="{FF2B5EF4-FFF2-40B4-BE49-F238E27FC236}">
-                <a16:creationId xmlns:a16="http://schemas.microsoft.com/office/drawing/2014/main" xmlns="" id="{B23696C0-0570-4599-BFC8-B151FB3F6540}"/>
+                <a16:creationId xmlns:a16="http://schemas.microsoft.com/office/drawing/2014/main" id="{B23696C0-0570-4599-BFC8-B151FB3F6540}"/>
               </a:ext>
             </a:extLst>
           </p:cNvPr>
@@ -11458,7 +12759,7 @@
           <p:cNvPr id="205" name="TextBox 204">
             <a:extLst>
               <a:ext uri="{FF2B5EF4-FFF2-40B4-BE49-F238E27FC236}">
-                <a16:creationId xmlns:a16="http://schemas.microsoft.com/office/drawing/2014/main" xmlns="" id="{E747CE9B-EFA0-4EF4-9E8C-65AA04BF9D1E}"/>
+                <a16:creationId xmlns:a16="http://schemas.microsoft.com/office/drawing/2014/main" id="{E747CE9B-EFA0-4EF4-9E8C-65AA04BF9D1E}"/>
               </a:ext>
             </a:extLst>
           </p:cNvPr>
@@ -11494,7 +12795,7 @@
           <p:cNvPr id="206" name="그래픽 205" descr="핀 있는 지도 윤곽선">
             <a:extLst>
               <a:ext uri="{FF2B5EF4-FFF2-40B4-BE49-F238E27FC236}">
-                <a16:creationId xmlns:a16="http://schemas.microsoft.com/office/drawing/2014/main" xmlns="" id="{F5142EB6-FD3F-450C-A516-99157EAB242B}"/>
+                <a16:creationId xmlns:a16="http://schemas.microsoft.com/office/drawing/2014/main" id="{F5142EB6-FD3F-450C-A516-99157EAB242B}"/>
               </a:ext>
             </a:extLst>
           </p:cNvPr>
@@ -11510,7 +12811,7 @@
                 <a14:useLocalDpi xmlns:a14="http://schemas.microsoft.com/office/drawing/2010/main" val="0"/>
               </a:ext>
               <a:ext uri="{96DAC541-7B7A-43D3-8B79-37D633B846F1}">
-                <asvg:svgBlip xmlns:asvg="http://schemas.microsoft.com/office/drawing/2016/SVG/main" xmlns="" r:embed="rId4"/>
+                <asvg:svgBlip xmlns:asvg="http://schemas.microsoft.com/office/drawing/2016/SVG/main" r:embed="rId4"/>
               </a:ext>
             </a:extLst>
           </a:blip>
@@ -11533,7 +12834,7 @@
           <p:cNvPr id="20" name="직사각형 19">
             <a:extLst>
               <a:ext uri="{FF2B5EF4-FFF2-40B4-BE49-F238E27FC236}">
-                <a16:creationId xmlns:a16="http://schemas.microsoft.com/office/drawing/2014/main" xmlns="" id="{DB786D9F-9F63-4114-863C-FD277B989344}"/>
+                <a16:creationId xmlns:a16="http://schemas.microsoft.com/office/drawing/2014/main" id="{DB786D9F-9F63-4114-863C-FD277B989344}"/>
               </a:ext>
             </a:extLst>
           </p:cNvPr>
@@ -11542,8 +12843,8 @@
         </p:nvSpPr>
         <p:spPr>
           <a:xfrm>
-            <a:off x="9530948" y="3646093"/>
-            <a:ext cx="2404997" cy="2138621"/>
+            <a:off x="9516725" y="2676491"/>
+            <a:ext cx="2404997" cy="1850686"/>
           </a:xfrm>
           <a:prstGeom prst="rect">
             <a:avLst/>
@@ -11858,7 +13159,7 @@
           <p:cNvPr id="213" name="직사각형 212">
             <a:extLst>
               <a:ext uri="{FF2B5EF4-FFF2-40B4-BE49-F238E27FC236}">
-                <a16:creationId xmlns:a16="http://schemas.microsoft.com/office/drawing/2014/main" xmlns="" id="{EE0E73F6-6363-4E70-AB7B-EE4257F2A2D2}"/>
+                <a16:creationId xmlns:a16="http://schemas.microsoft.com/office/drawing/2014/main" id="{EE0E73F6-6363-4E70-AB7B-EE4257F2A2D2}"/>
               </a:ext>
             </a:extLst>
           </p:cNvPr>
@@ -11867,8 +13168,8 @@
         </p:nvSpPr>
         <p:spPr>
           <a:xfrm>
-            <a:off x="9513664" y="1353346"/>
-            <a:ext cx="2404997" cy="2138621"/>
+            <a:off x="9516725" y="1151830"/>
+            <a:ext cx="2404997" cy="1471930"/>
           </a:xfrm>
           <a:prstGeom prst="rect">
             <a:avLst/>
@@ -12160,22 +13461,6 @@
               <a:effectLst/>
             </a:endParaRPr>
           </a:p>
-          <a:p>
-            <a:pPr algn="ctr"/>
-            <a:endParaRPr lang="en-US" altLang="ko-KR" sz="1200" dirty="0">
-              <a:ln w="0"/>
-              <a:solidFill>
-                <a:schemeClr val="tx1"/>
-              </a:solidFill>
-              <a:effectLst>
-                <a:outerShdw blurRad="38100" dist="19050" dir="2700000" algn="tl" rotWithShape="0">
-                  <a:schemeClr val="dk1">
-                    <a:alpha val="40000"/>
-                  </a:schemeClr>
-                </a:outerShdw>
-              </a:effectLst>
-            </a:endParaRPr>
-          </a:p>
         </p:txBody>
       </p:sp>
       <p:sp>
@@ -12183,7 +13468,7 @@
           <p:cNvPr id="21" name="TextBox 20">
             <a:extLst>
               <a:ext uri="{FF2B5EF4-FFF2-40B4-BE49-F238E27FC236}">
-                <a16:creationId xmlns:a16="http://schemas.microsoft.com/office/drawing/2014/main" xmlns="" id="{04FF0C63-9200-4D4D-87FC-C29E13044F0A}"/>
+                <a16:creationId xmlns:a16="http://schemas.microsoft.com/office/drawing/2014/main" id="{04FF0C63-9200-4D4D-87FC-C29E13044F0A}"/>
               </a:ext>
             </a:extLst>
           </p:cNvPr>
@@ -12219,7 +13504,7 @@
           <p:cNvPr id="2" name="그룹 1">
             <a:extLst>
               <a:ext uri="{FF2B5EF4-FFF2-40B4-BE49-F238E27FC236}">
-                <a16:creationId xmlns:a16="http://schemas.microsoft.com/office/drawing/2014/main" xmlns="" id="{2C2611B6-7D77-4A51-AF23-B8C09BF698A4}"/>
+                <a16:creationId xmlns:a16="http://schemas.microsoft.com/office/drawing/2014/main" id="{2C2611B6-7D77-4A51-AF23-B8C09BF698A4}"/>
               </a:ext>
             </a:extLst>
           </p:cNvPr>
@@ -12239,7 +13524,7 @@
             <p:cNvPr id="5122" name="Picture 2" descr="빈 나무 책장 스톡 벡터(로열티 프리) 674668561">
               <a:extLst>
                 <a:ext uri="{FF2B5EF4-FFF2-40B4-BE49-F238E27FC236}">
-                  <a16:creationId xmlns:a16="http://schemas.microsoft.com/office/drawing/2014/main" xmlns="" id="{FA692E17-3E45-4473-A5A6-7564E24E9276}"/>
+                  <a16:creationId xmlns:a16="http://schemas.microsoft.com/office/drawing/2014/main" id="{FA692E17-3E45-4473-A5A6-7564E24E9276}"/>
                 </a:ext>
               </a:extLst>
             </p:cNvPr>
@@ -12286,7 +13571,7 @@
             <p:cNvPr id="5124" name="Picture 4" descr="손으로 그린 ​​시뮬레이션 된 국내 쓰레기 깨진 물병 그림 | 일러스트 PSD 무료 다운로드 - Pikbest">
               <a:extLst>
                 <a:ext uri="{FF2B5EF4-FFF2-40B4-BE49-F238E27FC236}">
-                  <a16:creationId xmlns:a16="http://schemas.microsoft.com/office/drawing/2014/main" xmlns="" id="{CC77CA99-DA6D-42AE-B329-DB2E3667F024}"/>
+                  <a16:creationId xmlns:a16="http://schemas.microsoft.com/office/drawing/2014/main" id="{CC77CA99-DA6D-42AE-B329-DB2E3667F024}"/>
                 </a:ext>
               </a:extLst>
             </p:cNvPr>
@@ -12342,7 +13627,7 @@
             <p:cNvPr id="22" name="Picture 4" descr="손으로 그린 ​​시뮬레이션 된 국내 쓰레기 깨진 물병 그림 | 일러스트 PSD 무료 다운로드 - Pikbest">
               <a:extLst>
                 <a:ext uri="{FF2B5EF4-FFF2-40B4-BE49-F238E27FC236}">
-                  <a16:creationId xmlns:a16="http://schemas.microsoft.com/office/drawing/2014/main" xmlns="" id="{08C8D69D-BDD3-4270-8F2C-326EE35262E7}"/>
+                  <a16:creationId xmlns:a16="http://schemas.microsoft.com/office/drawing/2014/main" id="{08C8D69D-BDD3-4270-8F2C-326EE35262E7}"/>
                 </a:ext>
               </a:extLst>
             </p:cNvPr>
@@ -12398,7 +13683,7 @@
             <p:cNvPr id="23" name="Picture 4" descr="손으로 그린 ​​시뮬레이션 된 국내 쓰레기 깨진 물병 그림 | 일러스트 PSD 무료 다운로드 - Pikbest">
               <a:extLst>
                 <a:ext uri="{FF2B5EF4-FFF2-40B4-BE49-F238E27FC236}">
-                  <a16:creationId xmlns:a16="http://schemas.microsoft.com/office/drawing/2014/main" xmlns="" id="{579AC18E-D4D6-47B1-8BA7-C72DDB503C00}"/>
+                  <a16:creationId xmlns:a16="http://schemas.microsoft.com/office/drawing/2014/main" id="{579AC18E-D4D6-47B1-8BA7-C72DDB503C00}"/>
                 </a:ext>
               </a:extLst>
             </p:cNvPr>
@@ -12454,7 +13739,7 @@
             <p:cNvPr id="24" name="Picture 4" descr="손으로 그린 ​​시뮬레이션 된 국내 쓰레기 깨진 물병 그림 | 일러스트 PSD 무료 다운로드 - Pikbest">
               <a:extLst>
                 <a:ext uri="{FF2B5EF4-FFF2-40B4-BE49-F238E27FC236}">
-                  <a16:creationId xmlns:a16="http://schemas.microsoft.com/office/drawing/2014/main" xmlns="" id="{24719865-6A3D-4579-8033-A6A2B028A2AF}"/>
+                  <a16:creationId xmlns:a16="http://schemas.microsoft.com/office/drawing/2014/main" id="{24719865-6A3D-4579-8033-A6A2B028A2AF}"/>
                 </a:ext>
               </a:extLst>
             </p:cNvPr>
@@ -12510,7 +13795,7 @@
             <p:cNvPr id="25" name="Picture 4" descr="손으로 그린 ​​시뮬레이션 된 국내 쓰레기 깨진 물병 그림 | 일러스트 PSD 무료 다운로드 - Pikbest">
               <a:extLst>
                 <a:ext uri="{FF2B5EF4-FFF2-40B4-BE49-F238E27FC236}">
-                  <a16:creationId xmlns:a16="http://schemas.microsoft.com/office/drawing/2014/main" xmlns="" id="{A7E2B4D7-D7F2-4D3F-A3D5-DFED54C29EB0}"/>
+                  <a16:creationId xmlns:a16="http://schemas.microsoft.com/office/drawing/2014/main" id="{A7E2B4D7-D7F2-4D3F-A3D5-DFED54C29EB0}"/>
                 </a:ext>
               </a:extLst>
             </p:cNvPr>
@@ -12566,7 +13851,7 @@
             <p:cNvPr id="26" name="Picture 4" descr="손으로 그린 ​​시뮬레이션 된 국내 쓰레기 깨진 물병 그림 | 일러스트 PSD 무료 다운로드 - Pikbest">
               <a:extLst>
                 <a:ext uri="{FF2B5EF4-FFF2-40B4-BE49-F238E27FC236}">
-                  <a16:creationId xmlns:a16="http://schemas.microsoft.com/office/drawing/2014/main" xmlns="" id="{6BE6879B-816A-4C84-B4FA-15B023DBCF07}"/>
+                  <a16:creationId xmlns:a16="http://schemas.microsoft.com/office/drawing/2014/main" id="{6BE6879B-816A-4C84-B4FA-15B023DBCF07}"/>
                 </a:ext>
               </a:extLst>
             </p:cNvPr>
@@ -12623,7 +13908,7 @@
           <p:cNvPr id="3" name="화살표: 오른쪽 2">
             <a:extLst>
               <a:ext uri="{FF2B5EF4-FFF2-40B4-BE49-F238E27FC236}">
-                <a16:creationId xmlns:a16="http://schemas.microsoft.com/office/drawing/2014/main" xmlns="" id="{2CD73F11-D725-4F38-A723-ECC168E81044}"/>
+                <a16:creationId xmlns:a16="http://schemas.microsoft.com/office/drawing/2014/main" id="{2CD73F11-D725-4F38-A723-ECC168E81044}"/>
               </a:ext>
             </a:extLst>
           </p:cNvPr>
@@ -12675,7 +13960,7 @@
           <p:cNvPr id="5128" name="Picture 8" descr="물 표면과 버블 사이드 뷰 물에 대한 스톡 사진 및 기타 이미지 - iStock">
             <a:extLst>
               <a:ext uri="{FF2B5EF4-FFF2-40B4-BE49-F238E27FC236}">
-                <a16:creationId xmlns:a16="http://schemas.microsoft.com/office/drawing/2014/main" xmlns="" id="{2A8D7663-B67D-40A4-9610-B8342D53E54A}"/>
+                <a16:creationId xmlns:a16="http://schemas.microsoft.com/office/drawing/2014/main" id="{2A8D7663-B67D-40A4-9610-B8342D53E54A}"/>
               </a:ext>
             </a:extLst>
           </p:cNvPr>
@@ -12722,7 +14007,7 @@
           <p:cNvPr id="38" name="Picture 4" descr="손으로 그린 ​​시뮬레이션 된 국내 쓰레기 깨진 물병 그림 | 일러스트 PSD 무료 다운로드 - Pikbest">
             <a:extLst>
               <a:ext uri="{FF2B5EF4-FFF2-40B4-BE49-F238E27FC236}">
-                <a16:creationId xmlns:a16="http://schemas.microsoft.com/office/drawing/2014/main" xmlns="" id="{F9450B2D-6142-4B55-8560-2AE53E16B122}"/>
+                <a16:creationId xmlns:a16="http://schemas.microsoft.com/office/drawing/2014/main" id="{F9450B2D-6142-4B55-8560-2AE53E16B122}"/>
               </a:ext>
             </a:extLst>
           </p:cNvPr>
@@ -12773,6 +14058,456 @@
           </a:extLst>
         </p:spPr>
       </p:pic>
+      <p:sp>
+        <p:nvSpPr>
+          <p:cNvPr id="29" name="직사각형 28">
+            <a:extLst>
+              <a:ext uri="{FF2B5EF4-FFF2-40B4-BE49-F238E27FC236}">
+                <a16:creationId xmlns:a16="http://schemas.microsoft.com/office/drawing/2014/main" id="{10EE7C07-5083-4374-AEE3-6AA818FBAEF8}"/>
+              </a:ext>
+            </a:extLst>
+          </p:cNvPr>
+          <p:cNvSpPr/>
+          <p:nvPr/>
+        </p:nvSpPr>
+        <p:spPr>
+          <a:xfrm>
+            <a:off x="9537115" y="4596858"/>
+            <a:ext cx="2404997" cy="2126672"/>
+          </a:xfrm>
+          <a:prstGeom prst="rect">
+            <a:avLst/>
+          </a:prstGeom>
+          <a:solidFill>
+            <a:schemeClr val="bg1">
+              <a:lumMod val="85000"/>
+            </a:schemeClr>
+          </a:solidFill>
+        </p:spPr>
+        <p:style>
+          <a:lnRef idx="2">
+            <a:schemeClr val="accent1">
+              <a:shade val="50000"/>
+            </a:schemeClr>
+          </a:lnRef>
+          <a:fillRef idx="1">
+            <a:schemeClr val="accent1"/>
+          </a:fillRef>
+          <a:effectRef idx="0">
+            <a:schemeClr val="accent1"/>
+          </a:effectRef>
+          <a:fontRef idx="minor">
+            <a:schemeClr val="lt1"/>
+          </a:fontRef>
+        </p:style>
+        <p:txBody>
+          <a:bodyPr rtlCol="0" anchor="ctr"/>
+          <a:lstStyle/>
+          <a:p>
+            <a:pPr marL="0" algn="ctr" rtl="0" eaLnBrk="1" latinLnBrk="1" hangingPunct="1">
+              <a:spcBef>
+                <a:spcPts val="0"/>
+              </a:spcBef>
+              <a:spcAft>
+                <a:spcPts val="0"/>
+              </a:spcAft>
+            </a:pPr>
+            <a:r>
+              <a:rPr lang="ko-KR" altLang="en-US" b="1" dirty="0">
+                <a:solidFill>
+                  <a:schemeClr val="tx1"/>
+                </a:solidFill>
+                <a:effectLst/>
+              </a:rPr>
+              <a:t>연출</a:t>
+            </a:r>
+            <a:endParaRPr lang="en-US" altLang="ko-KR" sz="1200" b="1" dirty="0">
+              <a:solidFill>
+                <a:srgbClr val="000000"/>
+              </a:solidFill>
+              <a:effectLst>
+                <a:outerShdw blurRad="38100" dist="19050" dir="2700000" algn="tl" rotWithShape="0">
+                  <a:schemeClr val="dk1">
+                    <a:alpha val="40000"/>
+                  </a:schemeClr>
+                </a:outerShdw>
+              </a:effectLst>
+              <a:latin typeface="맑은 고딕" panose="020B0503020000020004" pitchFamily="50" charset="-127"/>
+              <a:ea typeface="맑은 고딕" panose="020B0503020000020004" pitchFamily="50" charset="-127"/>
+            </a:endParaRPr>
+          </a:p>
+          <a:p>
+            <a:pPr marL="0" algn="ctr" rtl="0" eaLnBrk="1" latinLnBrk="1" hangingPunct="1">
+              <a:spcBef>
+                <a:spcPts val="0"/>
+              </a:spcBef>
+              <a:spcAft>
+                <a:spcPts val="0"/>
+              </a:spcAft>
+            </a:pPr>
+            <a:endParaRPr lang="en-US" altLang="ko-KR" sz="1200" dirty="0">
+              <a:solidFill>
+                <a:srgbClr val="000000"/>
+              </a:solidFill>
+              <a:effectLst>
+                <a:outerShdw blurRad="38100" dist="19050" dir="2700000" algn="tl" rotWithShape="0">
+                  <a:schemeClr val="dk1">
+                    <a:alpha val="40000"/>
+                  </a:schemeClr>
+                </a:outerShdw>
+              </a:effectLst>
+              <a:latin typeface="맑은 고딕" panose="020B0503020000020004" pitchFamily="50" charset="-127"/>
+              <a:ea typeface="맑은 고딕" panose="020B0503020000020004" pitchFamily="50" charset="-127"/>
+            </a:endParaRPr>
+          </a:p>
+          <a:p>
+            <a:pPr marL="0" algn="ctr" rtl="0" eaLnBrk="1" latinLnBrk="1" hangingPunct="1">
+              <a:spcBef>
+                <a:spcPts val="0"/>
+              </a:spcBef>
+              <a:spcAft>
+                <a:spcPts val="0"/>
+              </a:spcAft>
+            </a:pPr>
+            <a:r>
+              <a:rPr lang="ko-KR" altLang="en-US" sz="1200" kern="1200" dirty="0">
+                <a:ln>
+                  <a:noFill/>
+                </a:ln>
+                <a:solidFill>
+                  <a:srgbClr val="000000"/>
+                </a:solidFill>
+                <a:effectLst>
+                  <a:outerShdw blurRad="38100" dist="19050" dir="2700000" algn="tl" rotWithShape="0">
+                    <a:schemeClr val="dk1">
+                      <a:alpha val="40000"/>
+                    </a:schemeClr>
+                  </a:outerShdw>
+                </a:effectLst>
+                <a:latin typeface="맑은 고딕" panose="020B0503020000020004" pitchFamily="50" charset="-127"/>
+                <a:ea typeface="맑은 고딕" panose="020B0503020000020004" pitchFamily="50" charset="-127"/>
+                <a:cs typeface="+mn-cs"/>
+              </a:rPr>
+              <a:t>모래사장 </a:t>
+            </a:r>
+            <a:r>
+              <a:rPr lang="ko-KR" altLang="en-US" sz="1200" dirty="0">
+                <a:solidFill>
+                  <a:srgbClr val="000000"/>
+                </a:solidFill>
+                <a:effectLst>
+                  <a:outerShdw blurRad="38100" dist="19050" dir="2700000" algn="tl" rotWithShape="0">
+                    <a:schemeClr val="dk1">
+                      <a:alpha val="40000"/>
+                    </a:schemeClr>
+                  </a:outerShdw>
+                </a:effectLst>
+                <a:latin typeface="맑은 고딕" panose="020B0503020000020004" pitchFamily="50" charset="-127"/>
+                <a:ea typeface="맑은 고딕" panose="020B0503020000020004" pitchFamily="50" charset="-127"/>
+              </a:rPr>
+              <a:t>물 근처 </a:t>
+            </a:r>
+            <a:r>
+              <a:rPr lang="en-US" altLang="ko-KR" sz="1200" dirty="0">
+                <a:solidFill>
+                  <a:srgbClr val="000000"/>
+                </a:solidFill>
+                <a:effectLst>
+                  <a:outerShdw blurRad="38100" dist="19050" dir="2700000" algn="tl" rotWithShape="0">
+                    <a:schemeClr val="dk1">
+                      <a:alpha val="40000"/>
+                    </a:schemeClr>
+                  </a:outerShdw>
+                </a:effectLst>
+                <a:latin typeface="맑은 고딕" panose="020B0503020000020004" pitchFamily="50" charset="-127"/>
+                <a:ea typeface="맑은 고딕" panose="020B0503020000020004" pitchFamily="50" charset="-127"/>
+              </a:rPr>
+              <a:t>-</a:t>
+            </a:r>
+          </a:p>
+          <a:p>
+            <a:pPr marL="0" algn="ctr" rtl="0" eaLnBrk="1" latinLnBrk="1" hangingPunct="1">
+              <a:spcBef>
+                <a:spcPts val="0"/>
+              </a:spcBef>
+              <a:spcAft>
+                <a:spcPts val="0"/>
+              </a:spcAft>
+            </a:pPr>
+            <a:r>
+              <a:rPr lang="ko-KR" altLang="en-US" sz="1200" kern="1200" dirty="0">
+                <a:ln>
+                  <a:noFill/>
+                </a:ln>
+                <a:solidFill>
+                  <a:srgbClr val="000000"/>
+                </a:solidFill>
+                <a:effectLst>
+                  <a:outerShdw blurRad="38100" dist="19050" dir="2700000" algn="tl" rotWithShape="0">
+                    <a:schemeClr val="dk1">
+                      <a:alpha val="40000"/>
+                    </a:schemeClr>
+                  </a:outerShdw>
+                </a:effectLst>
+                <a:latin typeface="맑은 고딕" panose="020B0503020000020004" pitchFamily="50" charset="-127"/>
+                <a:ea typeface="맑은 고딕" panose="020B0503020000020004" pitchFamily="50" charset="-127"/>
+                <a:cs typeface="+mn-cs"/>
+              </a:rPr>
+              <a:t>물 위에 물병을 고정 시켜 놓고</a:t>
+            </a:r>
+            <a:endParaRPr lang="en-US" altLang="ko-KR" sz="1200" dirty="0">
+              <a:solidFill>
+                <a:srgbClr val="000000"/>
+              </a:solidFill>
+              <a:effectLst>
+                <a:outerShdw blurRad="38100" dist="19050" dir="2700000" algn="tl" rotWithShape="0">
+                  <a:schemeClr val="dk1">
+                    <a:alpha val="40000"/>
+                  </a:schemeClr>
+                </a:outerShdw>
+              </a:effectLst>
+              <a:latin typeface="맑은 고딕" panose="020B0503020000020004" pitchFamily="50" charset="-127"/>
+              <a:ea typeface="맑은 고딕" panose="020B0503020000020004" pitchFamily="50" charset="-127"/>
+            </a:endParaRPr>
+          </a:p>
+          <a:p>
+            <a:pPr marL="0" algn="ctr" rtl="0" eaLnBrk="1" latinLnBrk="1" hangingPunct="1">
+              <a:spcBef>
+                <a:spcPts val="0"/>
+              </a:spcBef>
+              <a:spcAft>
+                <a:spcPts val="0"/>
+              </a:spcAft>
+            </a:pPr>
+            <a:r>
+              <a:rPr lang="ko-KR" altLang="en-US" sz="1200" kern="1200" dirty="0">
+                <a:ln>
+                  <a:noFill/>
+                </a:ln>
+                <a:solidFill>
+                  <a:srgbClr val="000000"/>
+                </a:solidFill>
+                <a:effectLst>
+                  <a:outerShdw blurRad="38100" dist="19050" dir="2700000" algn="tl" rotWithShape="0">
+                    <a:schemeClr val="dk1">
+                      <a:alpha val="40000"/>
+                    </a:schemeClr>
+                  </a:outerShdw>
+                </a:effectLst>
+                <a:latin typeface="맑은 고딕" panose="020B0503020000020004" pitchFamily="50" charset="-127"/>
+                <a:ea typeface="맑은 고딕" panose="020B0503020000020004" pitchFamily="50" charset="-127"/>
+                <a:cs typeface="+mn-cs"/>
+              </a:rPr>
+              <a:t>아래로 밀면 물 안에 들어가서 점점 병에 물이 찬다</a:t>
+            </a:r>
+            <a:r>
+              <a:rPr lang="en-US" altLang="ko-KR" sz="1200" kern="1200" dirty="0">
+                <a:ln>
+                  <a:noFill/>
+                </a:ln>
+                <a:solidFill>
+                  <a:srgbClr val="000000"/>
+                </a:solidFill>
+                <a:effectLst>
+                  <a:outerShdw blurRad="38100" dist="19050" dir="2700000" algn="tl" rotWithShape="0">
+                    <a:schemeClr val="dk1">
+                      <a:alpha val="40000"/>
+                    </a:schemeClr>
+                  </a:outerShdw>
+                </a:effectLst>
+                <a:latin typeface="맑은 고딕" panose="020B0503020000020004" pitchFamily="50" charset="-127"/>
+                <a:ea typeface="맑은 고딕" panose="020B0503020000020004" pitchFamily="50" charset="-127"/>
+                <a:cs typeface="+mn-cs"/>
+              </a:rPr>
+              <a:t>.</a:t>
+            </a:r>
+          </a:p>
+          <a:p>
+            <a:pPr marL="0" algn="ctr" rtl="0" eaLnBrk="1" latinLnBrk="1" hangingPunct="1">
+              <a:spcBef>
+                <a:spcPts val="0"/>
+              </a:spcBef>
+              <a:spcAft>
+                <a:spcPts val="0"/>
+              </a:spcAft>
+            </a:pPr>
+            <a:endParaRPr lang="en-US" altLang="ko-KR" sz="1200" kern="1200" dirty="0">
+              <a:ln>
+                <a:noFill/>
+              </a:ln>
+              <a:solidFill>
+                <a:srgbClr val="000000"/>
+              </a:solidFill>
+              <a:effectLst>
+                <a:outerShdw blurRad="38100" dist="19050" dir="2700000" algn="tl" rotWithShape="0">
+                  <a:schemeClr val="dk1">
+                    <a:alpha val="40000"/>
+                  </a:schemeClr>
+                </a:outerShdw>
+              </a:effectLst>
+              <a:latin typeface="맑은 고딕" panose="020B0503020000020004" pitchFamily="50" charset="-127"/>
+              <a:ea typeface="맑은 고딕" panose="020B0503020000020004" pitchFamily="50" charset="-127"/>
+              <a:cs typeface="+mn-cs"/>
+            </a:endParaRPr>
+          </a:p>
+          <a:p>
+            <a:pPr marL="0" algn="ctr" rtl="0" eaLnBrk="1" latinLnBrk="1" hangingPunct="1">
+              <a:spcBef>
+                <a:spcPts val="0"/>
+              </a:spcBef>
+              <a:spcAft>
+                <a:spcPts val="0"/>
+              </a:spcAft>
+            </a:pPr>
+            <a:r>
+              <a:rPr lang="en-US" altLang="ko-KR" sz="1200" dirty="0">
+                <a:solidFill>
+                  <a:srgbClr val="000000"/>
+                </a:solidFill>
+                <a:effectLst>
+                  <a:outerShdw blurRad="38100" dist="19050" dir="2700000" algn="tl" rotWithShape="0">
+                    <a:schemeClr val="dk1">
+                      <a:alpha val="40000"/>
+                    </a:schemeClr>
+                  </a:outerShdw>
+                </a:effectLst>
+                <a:latin typeface="맑은 고딕" panose="020B0503020000020004" pitchFamily="50" charset="-127"/>
+                <a:ea typeface="맑은 고딕" panose="020B0503020000020004" pitchFamily="50" charset="-127"/>
+              </a:rPr>
+              <a:t>5</a:t>
+            </a:r>
+            <a:r>
+              <a:rPr lang="ko-KR" altLang="en-US" sz="1200" dirty="0">
+                <a:solidFill>
+                  <a:srgbClr val="000000"/>
+                </a:solidFill>
+                <a:effectLst>
+                  <a:outerShdw blurRad="38100" dist="19050" dir="2700000" algn="tl" rotWithShape="0">
+                    <a:schemeClr val="dk1">
+                      <a:alpha val="40000"/>
+                    </a:schemeClr>
+                  </a:outerShdw>
+                </a:effectLst>
+                <a:latin typeface="맑은 고딕" panose="020B0503020000020004" pitchFamily="50" charset="-127"/>
+                <a:ea typeface="맑은 고딕" panose="020B0503020000020004" pitchFamily="50" charset="-127"/>
+              </a:rPr>
+              <a:t>초 뒤에 물병이 위로 떠오르고</a:t>
+            </a:r>
+            <a:endParaRPr lang="en-US" altLang="ko-KR" sz="1200" dirty="0">
+              <a:solidFill>
+                <a:srgbClr val="000000"/>
+              </a:solidFill>
+              <a:effectLst>
+                <a:outerShdw blurRad="38100" dist="19050" dir="2700000" algn="tl" rotWithShape="0">
+                  <a:schemeClr val="dk1">
+                    <a:alpha val="40000"/>
+                  </a:schemeClr>
+                </a:outerShdw>
+              </a:effectLst>
+              <a:latin typeface="맑은 고딕" panose="020B0503020000020004" pitchFamily="50" charset="-127"/>
+              <a:ea typeface="맑은 고딕" panose="020B0503020000020004" pitchFamily="50" charset="-127"/>
+            </a:endParaRPr>
+          </a:p>
+          <a:p>
+            <a:pPr marL="0" algn="ctr" rtl="0" eaLnBrk="1" latinLnBrk="1" hangingPunct="1">
+              <a:spcBef>
+                <a:spcPts val="0"/>
+              </a:spcBef>
+              <a:spcAft>
+                <a:spcPts val="0"/>
+              </a:spcAft>
+            </a:pPr>
+            <a:r>
+              <a:rPr lang="ko-KR" altLang="en-US" sz="1200" kern="1200" dirty="0">
+                <a:ln>
+                  <a:noFill/>
+                </a:ln>
+                <a:solidFill>
+                  <a:srgbClr val="000000"/>
+                </a:solidFill>
+                <a:effectLst>
+                  <a:outerShdw blurRad="38100" dist="19050" dir="2700000" algn="tl" rotWithShape="0">
+                    <a:schemeClr val="dk1">
+                      <a:alpha val="40000"/>
+                    </a:schemeClr>
+                  </a:outerShdw>
+                </a:effectLst>
+                <a:latin typeface="맑은 고딕" panose="020B0503020000020004" pitchFamily="50" charset="-127"/>
+                <a:ea typeface="맑은 고딕" panose="020B0503020000020004" pitchFamily="50" charset="-127"/>
+                <a:cs typeface="+mn-cs"/>
+              </a:rPr>
+              <a:t>떠오른 물병 터치 시 근처에 </a:t>
+            </a:r>
+            <a:endParaRPr lang="en-US" altLang="ko-KR" sz="1200" kern="1200" dirty="0">
+              <a:ln>
+                <a:noFill/>
+              </a:ln>
+              <a:solidFill>
+                <a:srgbClr val="000000"/>
+              </a:solidFill>
+              <a:effectLst>
+                <a:outerShdw blurRad="38100" dist="19050" dir="2700000" algn="tl" rotWithShape="0">
+                  <a:schemeClr val="dk1">
+                    <a:alpha val="40000"/>
+                  </a:schemeClr>
+                </a:outerShdw>
+              </a:effectLst>
+              <a:latin typeface="맑은 고딕" panose="020B0503020000020004" pitchFamily="50" charset="-127"/>
+              <a:ea typeface="맑은 고딕" panose="020B0503020000020004" pitchFamily="50" charset="-127"/>
+              <a:cs typeface="+mn-cs"/>
+            </a:endParaRPr>
+          </a:p>
+          <a:p>
+            <a:pPr marL="0" algn="ctr" rtl="0" eaLnBrk="1" latinLnBrk="1" hangingPunct="1">
+              <a:spcBef>
+                <a:spcPts val="0"/>
+              </a:spcBef>
+              <a:spcAft>
+                <a:spcPts val="0"/>
+              </a:spcAft>
+            </a:pPr>
+            <a:r>
+              <a:rPr lang="ko-KR" altLang="en-US" sz="1200" kern="1200" dirty="0">
+                <a:ln>
+                  <a:noFill/>
+                </a:ln>
+                <a:solidFill>
+                  <a:srgbClr val="000000"/>
+                </a:solidFill>
+                <a:effectLst>
+                  <a:outerShdw blurRad="38100" dist="19050" dir="2700000" algn="tl" rotWithShape="0">
+                    <a:schemeClr val="dk1">
+                      <a:alpha val="40000"/>
+                    </a:schemeClr>
+                  </a:outerShdw>
+                </a:effectLst>
+                <a:latin typeface="맑은 고딕" panose="020B0503020000020004" pitchFamily="50" charset="-127"/>
+                <a:ea typeface="맑은 고딕" panose="020B0503020000020004" pitchFamily="50" charset="-127"/>
+                <a:cs typeface="+mn-cs"/>
+              </a:rPr>
+              <a:t>물이 찬 물병 생성</a:t>
+            </a:r>
+            <a:endParaRPr lang="en-US" altLang="ko-KR" sz="1200" kern="1200" dirty="0">
+              <a:ln>
+                <a:noFill/>
+              </a:ln>
+              <a:solidFill>
+                <a:srgbClr val="000000"/>
+              </a:solidFill>
+              <a:effectLst>
+                <a:outerShdw blurRad="38100" dist="19050" dir="2700000" algn="tl" rotWithShape="0">
+                  <a:schemeClr val="dk1">
+                    <a:alpha val="40000"/>
+                  </a:schemeClr>
+                </a:outerShdw>
+              </a:effectLst>
+              <a:latin typeface="맑은 고딕" panose="020B0503020000020004" pitchFamily="50" charset="-127"/>
+              <a:ea typeface="맑은 고딕" panose="020B0503020000020004" pitchFamily="50" charset="-127"/>
+              <a:cs typeface="+mn-cs"/>
+            </a:endParaRPr>
+          </a:p>
+        </p:txBody>
+      </p:sp>
     </p:spTree>
     <p:extLst>
       <p:ext uri="{BB962C8B-B14F-4D97-AF65-F5344CB8AC3E}">
@@ -12805,116 +14540,10 @@
       </p:grpSpPr>
       <p:sp>
         <p:nvSpPr>
-          <p:cNvPr id="198" name="사각형: 둥근 모서리 197">
-            <a:extLst>
-              <a:ext uri="{FF2B5EF4-FFF2-40B4-BE49-F238E27FC236}">
-                <a16:creationId xmlns:a16="http://schemas.microsoft.com/office/drawing/2014/main" xmlns="" id="{3E02CA4B-E009-458D-9663-19CCDC8D792B}"/>
-              </a:ext>
-            </a:extLst>
-          </p:cNvPr>
-          <p:cNvSpPr/>
-          <p:nvPr/>
-        </p:nvSpPr>
-        <p:spPr>
-          <a:xfrm rot="5400000">
-            <a:off x="2909551" y="40325"/>
-            <a:ext cx="3993138" cy="7952529"/>
-          </a:xfrm>
-          <a:prstGeom prst="roundRect">
-            <a:avLst/>
-          </a:prstGeom>
-          <a:solidFill>
-            <a:schemeClr val="bg1"/>
-          </a:solidFill>
-          <a:ln w="38100">
-            <a:solidFill>
-              <a:schemeClr val="tx1"/>
-            </a:solidFill>
-          </a:ln>
-        </p:spPr>
-        <p:style>
-          <a:lnRef idx="2">
-            <a:schemeClr val="accent1">
-              <a:shade val="50000"/>
-            </a:schemeClr>
-          </a:lnRef>
-          <a:fillRef idx="1">
-            <a:schemeClr val="accent1"/>
-          </a:fillRef>
-          <a:effectRef idx="0">
-            <a:schemeClr val="accent1"/>
-          </a:effectRef>
-          <a:fontRef idx="minor">
-            <a:schemeClr val="lt1"/>
-          </a:fontRef>
-        </p:style>
-        <p:txBody>
-          <a:bodyPr rtlCol="0" anchor="ctr"/>
-          <a:lstStyle/>
-          <a:p>
-            <a:pPr algn="ctr"/>
-            <a:endParaRPr lang="ko-KR" altLang="en-US" dirty="0"/>
-          </a:p>
-        </p:txBody>
-      </p:sp>
-      <p:sp>
-        <p:nvSpPr>
-          <p:cNvPr id="19" name="직사각형 18">
-            <a:extLst>
-              <a:ext uri="{FF2B5EF4-FFF2-40B4-BE49-F238E27FC236}">
-                <a16:creationId xmlns:a16="http://schemas.microsoft.com/office/drawing/2014/main" xmlns="" id="{60E8ECA5-8AD5-4EAD-B3F6-94210D46088C}"/>
-              </a:ext>
-            </a:extLst>
-          </p:cNvPr>
-          <p:cNvSpPr/>
-          <p:nvPr/>
-        </p:nvSpPr>
-        <p:spPr>
-          <a:xfrm>
-            <a:off x="2439060" y="2020020"/>
-            <a:ext cx="5181851" cy="3993139"/>
-          </a:xfrm>
-          <a:prstGeom prst="rect">
-            <a:avLst/>
-          </a:prstGeom>
-          <a:solidFill>
-            <a:schemeClr val="accent5">
-              <a:lumMod val="60000"/>
-              <a:lumOff val="40000"/>
-            </a:schemeClr>
-          </a:solidFill>
-        </p:spPr>
-        <p:style>
-          <a:lnRef idx="2">
-            <a:schemeClr val="accent1">
-              <a:shade val="50000"/>
-            </a:schemeClr>
-          </a:lnRef>
-          <a:fillRef idx="1">
-            <a:schemeClr val="accent1"/>
-          </a:fillRef>
-          <a:effectRef idx="0">
-            <a:schemeClr val="accent1"/>
-          </a:effectRef>
-          <a:fontRef idx="minor">
-            <a:schemeClr val="lt1"/>
-          </a:fontRef>
-        </p:style>
-        <p:txBody>
-          <a:bodyPr rtlCol="0" anchor="ctr"/>
-          <a:lstStyle/>
-          <a:p>
-            <a:pPr algn="ctr"/>
-            <a:endParaRPr lang="ko-KR" altLang="en-US"/>
-          </a:p>
-        </p:txBody>
-      </p:sp>
-      <p:sp>
-        <p:nvSpPr>
           <p:cNvPr id="4" name="직사각형 3">
             <a:extLst>
               <a:ext uri="{FF2B5EF4-FFF2-40B4-BE49-F238E27FC236}">
-                <a16:creationId xmlns:a16="http://schemas.microsoft.com/office/drawing/2014/main" xmlns="" id="{AE93FE2A-85FE-4157-951C-FC2FADBB3B34}"/>
+                <a16:creationId xmlns:a16="http://schemas.microsoft.com/office/drawing/2014/main" id="{AE93FE2A-85FE-4157-951C-FC2FADBB3B34}"/>
               </a:ext>
             </a:extLst>
           </p:cNvPr>
@@ -12966,7 +14595,7 @@
           <p:cNvPr id="7" name="TextBox 6">
             <a:extLst>
               <a:ext uri="{FF2B5EF4-FFF2-40B4-BE49-F238E27FC236}">
-                <a16:creationId xmlns:a16="http://schemas.microsoft.com/office/drawing/2014/main" xmlns="" id="{982817C4-ACF4-45FB-A018-6E6F872691BC}"/>
+                <a16:creationId xmlns:a16="http://schemas.microsoft.com/office/drawing/2014/main" id="{982817C4-ACF4-45FB-A018-6E6F872691BC}"/>
               </a:ext>
             </a:extLst>
           </p:cNvPr>
@@ -12999,455 +14628,20 @@
       </p:sp>
       <p:sp>
         <p:nvSpPr>
-          <p:cNvPr id="11" name="TextBox 10">
-            <a:extLst>
-              <a:ext uri="{FF2B5EF4-FFF2-40B4-BE49-F238E27FC236}">
-                <a16:creationId xmlns:a16="http://schemas.microsoft.com/office/drawing/2014/main" xmlns="" id="{4C392713-5D6A-477F-809B-12AAFB288320}"/>
-              </a:ext>
-            </a:extLst>
-          </p:cNvPr>
-          <p:cNvSpPr txBox="1"/>
+          <p:cNvPr id="20" name="직사각형 19">
+            <a:extLst>
+              <a:ext uri="{FF2B5EF4-FFF2-40B4-BE49-F238E27FC236}">
+                <a16:creationId xmlns:a16="http://schemas.microsoft.com/office/drawing/2014/main" id="{DB786D9F-9F63-4114-863C-FD277B989344}"/>
+              </a:ext>
+            </a:extLst>
+          </p:cNvPr>
+          <p:cNvSpPr/>
           <p:nvPr/>
         </p:nvSpPr>
         <p:spPr>
           <a:xfrm>
-            <a:off x="11508508" y="6289963"/>
-            <a:ext cx="311304" cy="369332"/>
-          </a:xfrm>
-          <a:prstGeom prst="rect">
-            <a:avLst/>
-          </a:prstGeom>
-          <a:noFill/>
-        </p:spPr>
-        <p:txBody>
-          <a:bodyPr wrap="none" rtlCol="0">
-            <a:spAutoFit/>
-          </a:bodyPr>
-          <a:lstStyle/>
-          <a:p>
-            <a:r>
-              <a:rPr lang="en-US" altLang="ko-KR" dirty="0"/>
-              <a:t>2</a:t>
-            </a:r>
-            <a:endParaRPr lang="ko-KR" altLang="en-US" dirty="0"/>
-          </a:p>
-        </p:txBody>
-      </p:sp>
-      <p:sp>
-        <p:nvSpPr>
-          <p:cNvPr id="199" name="타원 198">
-            <a:extLst>
-              <a:ext uri="{FF2B5EF4-FFF2-40B4-BE49-F238E27FC236}">
-                <a16:creationId xmlns:a16="http://schemas.microsoft.com/office/drawing/2014/main" xmlns="" id="{EE49514C-7EC3-4EE2-9128-08A773A94EAF}"/>
-              </a:ext>
-            </a:extLst>
-          </p:cNvPr>
-          <p:cNvSpPr/>
-          <p:nvPr/>
-        </p:nvSpPr>
-        <p:spPr>
-          <a:xfrm>
-            <a:off x="1393819" y="4596858"/>
-            <a:ext cx="1001616" cy="1001616"/>
-          </a:xfrm>
-          <a:prstGeom prst="ellipse">
-            <a:avLst/>
-          </a:prstGeom>
-          <a:noFill/>
-          <a:ln w="28575">
-            <a:solidFill>
-              <a:schemeClr val="tx1"/>
-            </a:solidFill>
-          </a:ln>
-        </p:spPr>
-        <p:style>
-          <a:lnRef idx="2">
-            <a:schemeClr val="accent1">
-              <a:shade val="50000"/>
-            </a:schemeClr>
-          </a:lnRef>
-          <a:fillRef idx="1">
-            <a:schemeClr val="accent1"/>
-          </a:fillRef>
-          <a:effectRef idx="0">
-            <a:schemeClr val="accent1"/>
-          </a:effectRef>
-          <a:fontRef idx="minor">
-            <a:schemeClr val="lt1"/>
-          </a:fontRef>
-        </p:style>
-        <p:txBody>
-          <a:bodyPr rtlCol="0" anchor="ctr"/>
-          <a:lstStyle/>
-          <a:p>
-            <a:pPr algn="ctr"/>
-            <a:endParaRPr lang="ko-KR" altLang="en-US"/>
-          </a:p>
-        </p:txBody>
-      </p:sp>
-      <p:sp>
-        <p:nvSpPr>
-          <p:cNvPr id="200" name="타원 199">
-            <a:extLst>
-              <a:ext uri="{FF2B5EF4-FFF2-40B4-BE49-F238E27FC236}">
-                <a16:creationId xmlns:a16="http://schemas.microsoft.com/office/drawing/2014/main" xmlns="" id="{F4FC2F8D-9B46-473F-A9CF-30AFA8F22704}"/>
-              </a:ext>
-            </a:extLst>
-          </p:cNvPr>
-          <p:cNvSpPr/>
-          <p:nvPr/>
-        </p:nvSpPr>
-        <p:spPr>
-          <a:xfrm>
-            <a:off x="1738531" y="4941570"/>
-            <a:ext cx="312192" cy="312192"/>
-          </a:xfrm>
-          <a:prstGeom prst="ellipse">
-            <a:avLst/>
-          </a:prstGeom>
-          <a:solidFill>
-            <a:schemeClr val="tx1"/>
-          </a:solidFill>
-        </p:spPr>
-        <p:style>
-          <a:lnRef idx="2">
-            <a:schemeClr val="accent1">
-              <a:shade val="50000"/>
-            </a:schemeClr>
-          </a:lnRef>
-          <a:fillRef idx="1">
-            <a:schemeClr val="accent1"/>
-          </a:fillRef>
-          <a:effectRef idx="0">
-            <a:schemeClr val="accent1"/>
-          </a:effectRef>
-          <a:fontRef idx="minor">
-            <a:schemeClr val="lt1"/>
-          </a:fontRef>
-        </p:style>
-        <p:txBody>
-          <a:bodyPr rtlCol="0" anchor="ctr"/>
-          <a:lstStyle/>
-          <a:p>
-            <a:pPr algn="ctr"/>
-            <a:endParaRPr lang="ko-KR" altLang="en-US"/>
-          </a:p>
-        </p:txBody>
-      </p:sp>
-      <p:sp>
-        <p:nvSpPr>
-          <p:cNvPr id="201" name="타원 200">
-            <a:extLst>
-              <a:ext uri="{FF2B5EF4-FFF2-40B4-BE49-F238E27FC236}">
-                <a16:creationId xmlns:a16="http://schemas.microsoft.com/office/drawing/2014/main" xmlns="" id="{316BBCC9-1FEB-4F6B-A90B-02CDB0A5202A}"/>
-              </a:ext>
-            </a:extLst>
-          </p:cNvPr>
-          <p:cNvSpPr/>
-          <p:nvPr/>
-        </p:nvSpPr>
-        <p:spPr>
-          <a:xfrm>
-            <a:off x="7912566" y="5006738"/>
-            <a:ext cx="610505" cy="610505"/>
-          </a:xfrm>
-          <a:prstGeom prst="ellipse">
-            <a:avLst/>
-          </a:prstGeom>
-          <a:noFill/>
-          <a:ln w="28575">
-            <a:solidFill>
-              <a:schemeClr val="tx1"/>
-            </a:solidFill>
-          </a:ln>
-        </p:spPr>
-        <p:style>
-          <a:lnRef idx="2">
-            <a:schemeClr val="accent1">
-              <a:shade val="50000"/>
-            </a:schemeClr>
-          </a:lnRef>
-          <a:fillRef idx="1">
-            <a:schemeClr val="accent1"/>
-          </a:fillRef>
-          <a:effectRef idx="0">
-            <a:schemeClr val="accent1"/>
-          </a:effectRef>
-          <a:fontRef idx="minor">
-            <a:schemeClr val="lt1"/>
-          </a:fontRef>
-        </p:style>
-        <p:txBody>
-          <a:bodyPr rtlCol="0" anchor="ctr"/>
-          <a:lstStyle/>
-          <a:p>
-            <a:pPr algn="ctr"/>
-            <a:endParaRPr lang="ko-KR" altLang="en-US"/>
-          </a:p>
-        </p:txBody>
-      </p:sp>
-      <p:sp>
-        <p:nvSpPr>
-          <p:cNvPr id="202" name="타원 201">
-            <a:extLst>
-              <a:ext uri="{FF2B5EF4-FFF2-40B4-BE49-F238E27FC236}">
-                <a16:creationId xmlns:a16="http://schemas.microsoft.com/office/drawing/2014/main" xmlns="" id="{08E3B82D-1B81-45F5-8EF7-61A45103706F}"/>
-              </a:ext>
-            </a:extLst>
-          </p:cNvPr>
-          <p:cNvSpPr/>
-          <p:nvPr/>
-        </p:nvSpPr>
-        <p:spPr>
-          <a:xfrm>
-            <a:off x="8125002" y="2902874"/>
-            <a:ext cx="610505" cy="610505"/>
-          </a:xfrm>
-          <a:prstGeom prst="ellipse">
-            <a:avLst/>
-          </a:prstGeom>
-          <a:solidFill>
-            <a:schemeClr val="bg1"/>
-          </a:solidFill>
-          <a:ln w="28575">
-            <a:solidFill>
-              <a:schemeClr val="tx1"/>
-            </a:solidFill>
-          </a:ln>
-        </p:spPr>
-        <p:style>
-          <a:lnRef idx="2">
-            <a:schemeClr val="accent1">
-              <a:shade val="50000"/>
-            </a:schemeClr>
-          </a:lnRef>
-          <a:fillRef idx="1">
-            <a:schemeClr val="accent1"/>
-          </a:fillRef>
-          <a:effectRef idx="0">
-            <a:schemeClr val="accent1"/>
-          </a:effectRef>
-          <a:fontRef idx="minor">
-            <a:schemeClr val="lt1"/>
-          </a:fontRef>
-        </p:style>
-        <p:txBody>
-          <a:bodyPr rtlCol="0" anchor="ctr"/>
-          <a:lstStyle/>
-          <a:p>
-            <a:pPr algn="ctr"/>
-            <a:endParaRPr lang="ko-KR" altLang="en-US" sz="1050" b="1" dirty="0">
-              <a:solidFill>
-                <a:srgbClr val="FF0000"/>
-              </a:solidFill>
-            </a:endParaRPr>
-          </a:p>
-        </p:txBody>
-      </p:sp>
-      <p:sp>
-        <p:nvSpPr>
-          <p:cNvPr id="203" name="타원 202">
-            <a:extLst>
-              <a:ext uri="{FF2B5EF4-FFF2-40B4-BE49-F238E27FC236}">
-                <a16:creationId xmlns:a16="http://schemas.microsoft.com/office/drawing/2014/main" xmlns="" id="{5F7D788C-28A0-4B9C-9EA9-9ACFE972B264}"/>
-              </a:ext>
-            </a:extLst>
-          </p:cNvPr>
-          <p:cNvSpPr/>
-          <p:nvPr/>
-        </p:nvSpPr>
-        <p:spPr>
-          <a:xfrm>
-            <a:off x="8120390" y="2214771"/>
-            <a:ext cx="610505" cy="610505"/>
-          </a:xfrm>
-          <a:prstGeom prst="ellipse">
-            <a:avLst/>
-          </a:prstGeom>
-          <a:solidFill>
-            <a:schemeClr val="bg1"/>
-          </a:solidFill>
-          <a:ln w="28575">
-            <a:solidFill>
-              <a:schemeClr val="tx1"/>
-            </a:solidFill>
-          </a:ln>
-        </p:spPr>
-        <p:style>
-          <a:lnRef idx="2">
-            <a:schemeClr val="accent1">
-              <a:shade val="50000"/>
-            </a:schemeClr>
-          </a:lnRef>
-          <a:fillRef idx="1">
-            <a:schemeClr val="accent1"/>
-          </a:fillRef>
-          <a:effectRef idx="0">
-            <a:schemeClr val="accent1"/>
-          </a:effectRef>
-          <a:fontRef idx="minor">
-            <a:schemeClr val="lt1"/>
-          </a:fontRef>
-        </p:style>
-        <p:txBody>
-          <a:bodyPr rtlCol="0" anchor="ctr"/>
-          <a:lstStyle/>
-          <a:p>
-            <a:pPr algn="ctr"/>
-            <a:r>
-              <a:rPr lang="ko-KR" altLang="en-US" sz="900" dirty="0">
-                <a:solidFill>
-                  <a:schemeClr val="tx1"/>
-                </a:solidFill>
-              </a:rPr>
-              <a:t>설정</a:t>
-            </a:r>
-          </a:p>
-        </p:txBody>
-      </p:sp>
-      <p:sp>
-        <p:nvSpPr>
-          <p:cNvPr id="204" name="타원 203">
-            <a:extLst>
-              <a:ext uri="{FF2B5EF4-FFF2-40B4-BE49-F238E27FC236}">
-                <a16:creationId xmlns:a16="http://schemas.microsoft.com/office/drawing/2014/main" xmlns="" id="{B23696C0-0570-4599-BFC8-B151FB3F6540}"/>
-              </a:ext>
-            </a:extLst>
-          </p:cNvPr>
-          <p:cNvSpPr/>
-          <p:nvPr/>
-        </p:nvSpPr>
-        <p:spPr>
-          <a:xfrm>
-            <a:off x="1225439" y="2318509"/>
-            <a:ext cx="610505" cy="610505"/>
-          </a:xfrm>
-          <a:prstGeom prst="ellipse">
-            <a:avLst/>
-          </a:prstGeom>
-          <a:noFill/>
-          <a:ln w="28575">
-            <a:solidFill>
-              <a:srgbClr val="0070C0"/>
-            </a:solidFill>
-          </a:ln>
-        </p:spPr>
-        <p:style>
-          <a:lnRef idx="2">
-            <a:schemeClr val="accent1">
-              <a:shade val="50000"/>
-            </a:schemeClr>
-          </a:lnRef>
-          <a:fillRef idx="1">
-            <a:schemeClr val="accent1"/>
-          </a:fillRef>
-          <a:effectRef idx="0">
-            <a:schemeClr val="accent1"/>
-          </a:effectRef>
-          <a:fontRef idx="minor">
-            <a:schemeClr val="lt1"/>
-          </a:fontRef>
-        </p:style>
-        <p:txBody>
-          <a:bodyPr rtlCol="0" anchor="ctr"/>
-          <a:lstStyle/>
-          <a:p>
-            <a:pPr algn="ctr"/>
-            <a:endParaRPr lang="ko-KR" altLang="en-US"/>
-          </a:p>
-        </p:txBody>
-      </p:sp>
-      <p:sp>
-        <p:nvSpPr>
-          <p:cNvPr id="205" name="TextBox 204">
-            <a:extLst>
-              <a:ext uri="{FF2B5EF4-FFF2-40B4-BE49-F238E27FC236}">
-                <a16:creationId xmlns:a16="http://schemas.microsoft.com/office/drawing/2014/main" xmlns="" id="{E747CE9B-EFA0-4EF4-9E8C-65AA04BF9D1E}"/>
-              </a:ext>
-            </a:extLst>
-          </p:cNvPr>
-          <p:cNvSpPr txBox="1"/>
-          <p:nvPr/>
-        </p:nvSpPr>
-        <p:spPr>
-          <a:xfrm>
-            <a:off x="1313324" y="2469872"/>
-            <a:ext cx="434734" cy="307777"/>
-          </a:xfrm>
-          <a:prstGeom prst="rect">
-            <a:avLst/>
-          </a:prstGeom>
-          <a:noFill/>
-        </p:spPr>
-        <p:txBody>
-          <a:bodyPr wrap="none" rtlCol="0">
-            <a:spAutoFit/>
-          </a:bodyPr>
-          <a:lstStyle/>
-          <a:p>
-            <a:r>
-              <a:rPr lang="en-US" altLang="ko-KR" sz="1400" dirty="0"/>
-              <a:t>0%</a:t>
-            </a:r>
-            <a:endParaRPr lang="ko-KR" altLang="en-US" dirty="0"/>
-          </a:p>
-        </p:txBody>
-      </p:sp>
-      <p:pic>
-        <p:nvPicPr>
-          <p:cNvPr id="206" name="그래픽 205" descr="핀 있는 지도 윤곽선">
-            <a:extLst>
-              <a:ext uri="{FF2B5EF4-FFF2-40B4-BE49-F238E27FC236}">
-                <a16:creationId xmlns:a16="http://schemas.microsoft.com/office/drawing/2014/main" xmlns="" id="{F5142EB6-FD3F-450C-A516-99157EAB242B}"/>
-              </a:ext>
-            </a:extLst>
-          </p:cNvPr>
-          <p:cNvPicPr>
-            <a:picLocks noChangeAspect="1"/>
-          </p:cNvPicPr>
-          <p:nvPr/>
-        </p:nvPicPr>
-        <p:blipFill>
-          <a:blip r:embed="rId3" cstate="print">
-            <a:extLst>
-              <a:ext uri="{28A0092B-C50C-407E-A947-70E740481C1C}">
-                <a14:useLocalDpi xmlns:a14="http://schemas.microsoft.com/office/drawing/2010/main" val="0"/>
-              </a:ext>
-              <a:ext uri="{96DAC541-7B7A-43D3-8B79-37D633B846F1}">
-                <asvg:svgBlip xmlns:asvg="http://schemas.microsoft.com/office/drawing/2016/SVG/main" xmlns="" r:embed="rId4"/>
-              </a:ext>
-            </a:extLst>
-          </a:blip>
-          <a:stretch>
-            <a:fillRect/>
-          </a:stretch>
-        </p:blipFill>
-        <p:spPr>
-          <a:xfrm>
-            <a:off x="8197042" y="2941695"/>
-            <a:ext cx="457200" cy="457200"/>
-          </a:xfrm>
-          <a:prstGeom prst="rect">
-            <a:avLst/>
-          </a:prstGeom>
-        </p:spPr>
-      </p:pic>
-      <p:sp>
-        <p:nvSpPr>
-          <p:cNvPr id="20" name="직사각형 19">
-            <a:extLst>
-              <a:ext uri="{FF2B5EF4-FFF2-40B4-BE49-F238E27FC236}">
-                <a16:creationId xmlns:a16="http://schemas.microsoft.com/office/drawing/2014/main" xmlns="" id="{DB786D9F-9F63-4114-863C-FD277B989344}"/>
-              </a:ext>
-            </a:extLst>
-          </p:cNvPr>
-          <p:cNvSpPr/>
-          <p:nvPr/>
-        </p:nvSpPr>
-        <p:spPr>
-          <a:xfrm>
-            <a:off x="9530948" y="3646093"/>
-            <a:ext cx="2404997" cy="2138621"/>
+            <a:off x="7829753" y="2581271"/>
+            <a:ext cx="4050694" cy="1945906"/>
           </a:xfrm>
           <a:prstGeom prst="rect">
             <a:avLst/>
@@ -13810,7 +15004,7 @@
           <p:cNvPr id="213" name="직사각형 212">
             <a:extLst>
               <a:ext uri="{FF2B5EF4-FFF2-40B4-BE49-F238E27FC236}">
-                <a16:creationId xmlns:a16="http://schemas.microsoft.com/office/drawing/2014/main" xmlns="" id="{EE0E73F6-6363-4E70-AB7B-EE4257F2A2D2}"/>
+                <a16:creationId xmlns:a16="http://schemas.microsoft.com/office/drawing/2014/main" id="{EE0E73F6-6363-4E70-AB7B-EE4257F2A2D2}"/>
               </a:ext>
             </a:extLst>
           </p:cNvPr>
@@ -13819,8 +15013,8 @@
         </p:nvSpPr>
         <p:spPr>
           <a:xfrm>
-            <a:off x="9513664" y="1353346"/>
-            <a:ext cx="2404997" cy="2138621"/>
+            <a:off x="7821911" y="1095721"/>
+            <a:ext cx="4068588" cy="1424302"/>
           </a:xfrm>
           <a:prstGeom prst="rect">
             <a:avLst/>
@@ -14112,22 +15306,6 @@
               <a:effectLst/>
             </a:endParaRPr>
           </a:p>
-          <a:p>
-            <a:pPr algn="ctr"/>
-            <a:endParaRPr lang="en-US" altLang="ko-KR" sz="1200" dirty="0">
-              <a:ln w="0"/>
-              <a:solidFill>
-                <a:schemeClr val="tx1"/>
-              </a:solidFill>
-              <a:effectLst>
-                <a:outerShdw blurRad="38100" dist="19050" dir="2700000" algn="tl" rotWithShape="0">
-                  <a:schemeClr val="dk1">
-                    <a:alpha val="40000"/>
-                  </a:schemeClr>
-                </a:outerShdw>
-              </a:effectLst>
-            </a:endParaRPr>
-          </a:p>
         </p:txBody>
       </p:sp>
       <p:sp>
@@ -14135,7 +15313,7 @@
           <p:cNvPr id="21" name="TextBox 20">
             <a:extLst>
               <a:ext uri="{FF2B5EF4-FFF2-40B4-BE49-F238E27FC236}">
-                <a16:creationId xmlns:a16="http://schemas.microsoft.com/office/drawing/2014/main" xmlns="" id="{04FF0C63-9200-4D4D-87FC-C29E13044F0A}"/>
+                <a16:creationId xmlns:a16="http://schemas.microsoft.com/office/drawing/2014/main" id="{04FF0C63-9200-4D4D-87FC-C29E13044F0A}"/>
               </a:ext>
             </a:extLst>
           </p:cNvPr>
@@ -14166,100 +15344,742 @@
           </a:p>
         </p:txBody>
       </p:sp>
-      <p:pic>
-        <p:nvPicPr>
-          <p:cNvPr id="6148" name="Picture 4" descr="아이폰 배터리 수명을 연장 시키는 방법 요약">
-            <a:extLst>
-              <a:ext uri="{FF2B5EF4-FFF2-40B4-BE49-F238E27FC236}">
-                <a16:creationId xmlns:a16="http://schemas.microsoft.com/office/drawing/2014/main" xmlns="" id="{0C2D1602-545F-4B30-A1DD-8DAB49DD83C0}"/>
-              </a:ext>
-            </a:extLst>
-          </p:cNvPr>
-          <p:cNvPicPr>
-            <a:picLocks noChangeAspect="1" noChangeArrowheads="1"/>
-          </p:cNvPicPr>
+      <p:grpSp>
+        <p:nvGrpSpPr>
+          <p:cNvPr id="3" name="그룹 2">
+            <a:extLst>
+              <a:ext uri="{FF2B5EF4-FFF2-40B4-BE49-F238E27FC236}">
+                <a16:creationId xmlns:a16="http://schemas.microsoft.com/office/drawing/2014/main" id="{98D2F017-2DE4-4234-BA8E-F39507FBC01C}"/>
+              </a:ext>
+            </a:extLst>
+          </p:cNvPr>
+          <p:cNvGrpSpPr/>
           <p:nvPr/>
-        </p:nvPicPr>
-        <p:blipFill>
-          <a:blip r:embed="rId5">
-            <a:extLst>
-              <a:ext uri="{BEBA8EAE-BF5A-486C-A8C5-ECC9F3942E4B}">
-                <a14:imgProps xmlns:a14="http://schemas.microsoft.com/office/drawing/2010/main">
-                  <a14:imgLayer r:embed="rId6">
-                    <a14:imgEffect>
-                      <a14:backgroundRemoval t="9404" b="97706" l="10000" r="90000">
-                        <a14:foregroundMark x1="24146" y1="92661" x2="24146" y2="92661"/>
-                        <a14:foregroundMark x1="23537" y1="97018" x2="23537" y2="97018"/>
-                        <a14:foregroundMark x1="83049" y1="74771" x2="83049" y2="74771"/>
-                        <a14:foregroundMark x1="81951" y1="68578" x2="81951" y2="68578"/>
-                        <a14:foregroundMark x1="84390" y1="75000" x2="84390" y2="75000"/>
-                        <a14:foregroundMark x1="84390" y1="69954" x2="84390" y2="69954"/>
-                        <a14:foregroundMark x1="85610" y1="57110" x2="85610" y2="57110"/>
-                        <a14:foregroundMark x1="20488" y1="96789" x2="20488" y2="96789"/>
-                        <a14:foregroundMark x1="20244" y1="96560" x2="20976" y2="96560"/>
-                        <a14:foregroundMark x1="20244" y1="94495" x2="21098" y2="96560"/>
-                        <a14:foregroundMark x1="25488" y1="97706" x2="56098" y2="94954"/>
-                        <a14:foregroundMark x1="56098" y1="94954" x2="72805" y2="96789"/>
-                        <a14:foregroundMark x1="83902" y1="65138" x2="82683" y2="79128"/>
-                        <a14:foregroundMark x1="84634" y1="66972" x2="84512" y2="74541"/>
-                        <a14:foregroundMark x1="85610" y1="70183" x2="85610" y2="72477"/>
-                      </a14:backgroundRemoval>
-                    </a14:imgEffect>
-                  </a14:imgLayer>
-                </a14:imgProps>
-              </a:ext>
-              <a:ext uri="{28A0092B-C50C-407E-A947-70E740481C1C}">
-                <a14:useLocalDpi xmlns:a14="http://schemas.microsoft.com/office/drawing/2010/main" val="0"/>
-              </a:ext>
-            </a:extLst>
-          </a:blip>
-          <a:srcRect/>
-          <a:stretch>
-            <a:fillRect/>
-          </a:stretch>
-        </p:blipFill>
-        <p:spPr bwMode="auto">
-          <a:xfrm rot="16200000">
-            <a:off x="2966729" y="2566307"/>
-            <a:ext cx="3931942" cy="2090642"/>
+        </p:nvGrpSpPr>
+        <p:grpSpPr>
+          <a:xfrm>
+            <a:off x="526445" y="2040104"/>
+            <a:ext cx="6781182" cy="3724202"/>
+            <a:chOff x="929855" y="1645657"/>
+            <a:chExt cx="7952529" cy="4367502"/>
+          </a:xfrm>
+        </p:grpSpPr>
+        <p:sp>
+          <p:nvSpPr>
+            <p:cNvPr id="198" name="사각형: 둥근 모서리 197">
+              <a:extLst>
+                <a:ext uri="{FF2B5EF4-FFF2-40B4-BE49-F238E27FC236}">
+                  <a16:creationId xmlns:a16="http://schemas.microsoft.com/office/drawing/2014/main" id="{3E02CA4B-E009-458D-9663-19CCDC8D792B}"/>
+                </a:ext>
+              </a:extLst>
+            </p:cNvPr>
+            <p:cNvSpPr/>
+            <p:nvPr/>
+          </p:nvSpPr>
+          <p:spPr>
+            <a:xfrm rot="5400000">
+              <a:off x="2909551" y="40325"/>
+              <a:ext cx="3993138" cy="7952529"/>
+            </a:xfrm>
+            <a:prstGeom prst="roundRect">
+              <a:avLst/>
+            </a:prstGeom>
+            <a:solidFill>
+              <a:schemeClr val="bg1"/>
+            </a:solidFill>
+            <a:ln w="38100">
+              <a:solidFill>
+                <a:schemeClr val="tx1"/>
+              </a:solidFill>
+            </a:ln>
+          </p:spPr>
+          <p:style>
+            <a:lnRef idx="2">
+              <a:schemeClr val="accent1">
+                <a:shade val="50000"/>
+              </a:schemeClr>
+            </a:lnRef>
+            <a:fillRef idx="1">
+              <a:schemeClr val="accent1"/>
+            </a:fillRef>
+            <a:effectRef idx="0">
+              <a:schemeClr val="accent1"/>
+            </a:effectRef>
+            <a:fontRef idx="minor">
+              <a:schemeClr val="lt1"/>
+            </a:fontRef>
+          </p:style>
+          <p:txBody>
+            <a:bodyPr rtlCol="0" anchor="ctr"/>
+            <a:lstStyle/>
+            <a:p>
+              <a:pPr algn="ctr"/>
+              <a:endParaRPr lang="ko-KR" altLang="en-US" dirty="0"/>
+            </a:p>
+          </p:txBody>
+        </p:sp>
+        <p:sp>
+          <p:nvSpPr>
+            <p:cNvPr id="19" name="직사각형 18">
+              <a:extLst>
+                <a:ext uri="{FF2B5EF4-FFF2-40B4-BE49-F238E27FC236}">
+                  <a16:creationId xmlns:a16="http://schemas.microsoft.com/office/drawing/2014/main" id="{60E8ECA5-8AD5-4EAD-B3F6-94210D46088C}"/>
+                </a:ext>
+              </a:extLst>
+            </p:cNvPr>
+            <p:cNvSpPr/>
+            <p:nvPr/>
+          </p:nvSpPr>
+          <p:spPr>
+            <a:xfrm>
+              <a:off x="2439060" y="2020020"/>
+              <a:ext cx="5181851" cy="3993139"/>
+            </a:xfrm>
+            <a:prstGeom prst="rect">
+              <a:avLst/>
+            </a:prstGeom>
+            <a:solidFill>
+              <a:schemeClr val="accent5">
+                <a:lumMod val="60000"/>
+                <a:lumOff val="40000"/>
+              </a:schemeClr>
+            </a:solidFill>
+          </p:spPr>
+          <p:style>
+            <a:lnRef idx="2">
+              <a:schemeClr val="accent1">
+                <a:shade val="50000"/>
+              </a:schemeClr>
+            </a:lnRef>
+            <a:fillRef idx="1">
+              <a:schemeClr val="accent1"/>
+            </a:fillRef>
+            <a:effectRef idx="0">
+              <a:schemeClr val="accent1"/>
+            </a:effectRef>
+            <a:fontRef idx="minor">
+              <a:schemeClr val="lt1"/>
+            </a:fontRef>
+          </p:style>
+          <p:txBody>
+            <a:bodyPr rtlCol="0" anchor="ctr"/>
+            <a:lstStyle/>
+            <a:p>
+              <a:pPr algn="ctr"/>
+              <a:endParaRPr lang="ko-KR" altLang="en-US"/>
+            </a:p>
+          </p:txBody>
+        </p:sp>
+        <p:sp>
+          <p:nvSpPr>
+            <p:cNvPr id="199" name="타원 198">
+              <a:extLst>
+                <a:ext uri="{FF2B5EF4-FFF2-40B4-BE49-F238E27FC236}">
+                  <a16:creationId xmlns:a16="http://schemas.microsoft.com/office/drawing/2014/main" id="{EE49514C-7EC3-4EE2-9128-08A773A94EAF}"/>
+                </a:ext>
+              </a:extLst>
+            </p:cNvPr>
+            <p:cNvSpPr/>
+            <p:nvPr/>
+          </p:nvSpPr>
+          <p:spPr>
+            <a:xfrm>
+              <a:off x="1393819" y="4596858"/>
+              <a:ext cx="1001616" cy="1001616"/>
+            </a:xfrm>
+            <a:prstGeom prst="ellipse">
+              <a:avLst/>
+            </a:prstGeom>
+            <a:noFill/>
+            <a:ln w="28575">
+              <a:solidFill>
+                <a:schemeClr val="tx1"/>
+              </a:solidFill>
+            </a:ln>
+          </p:spPr>
+          <p:style>
+            <a:lnRef idx="2">
+              <a:schemeClr val="accent1">
+                <a:shade val="50000"/>
+              </a:schemeClr>
+            </a:lnRef>
+            <a:fillRef idx="1">
+              <a:schemeClr val="accent1"/>
+            </a:fillRef>
+            <a:effectRef idx="0">
+              <a:schemeClr val="accent1"/>
+            </a:effectRef>
+            <a:fontRef idx="minor">
+              <a:schemeClr val="lt1"/>
+            </a:fontRef>
+          </p:style>
+          <p:txBody>
+            <a:bodyPr rtlCol="0" anchor="ctr"/>
+            <a:lstStyle/>
+            <a:p>
+              <a:pPr algn="ctr"/>
+              <a:endParaRPr lang="ko-KR" altLang="en-US"/>
+            </a:p>
+          </p:txBody>
+        </p:sp>
+        <p:sp>
+          <p:nvSpPr>
+            <p:cNvPr id="200" name="타원 199">
+              <a:extLst>
+                <a:ext uri="{FF2B5EF4-FFF2-40B4-BE49-F238E27FC236}">
+                  <a16:creationId xmlns:a16="http://schemas.microsoft.com/office/drawing/2014/main" id="{F4FC2F8D-9B46-473F-A9CF-30AFA8F22704}"/>
+                </a:ext>
+              </a:extLst>
+            </p:cNvPr>
+            <p:cNvSpPr/>
+            <p:nvPr/>
+          </p:nvSpPr>
+          <p:spPr>
+            <a:xfrm>
+              <a:off x="1738531" y="4941570"/>
+              <a:ext cx="312192" cy="312192"/>
+            </a:xfrm>
+            <a:prstGeom prst="ellipse">
+              <a:avLst/>
+            </a:prstGeom>
+            <a:solidFill>
+              <a:schemeClr val="tx1"/>
+            </a:solidFill>
+          </p:spPr>
+          <p:style>
+            <a:lnRef idx="2">
+              <a:schemeClr val="accent1">
+                <a:shade val="50000"/>
+              </a:schemeClr>
+            </a:lnRef>
+            <a:fillRef idx="1">
+              <a:schemeClr val="accent1"/>
+            </a:fillRef>
+            <a:effectRef idx="0">
+              <a:schemeClr val="accent1"/>
+            </a:effectRef>
+            <a:fontRef idx="minor">
+              <a:schemeClr val="lt1"/>
+            </a:fontRef>
+          </p:style>
+          <p:txBody>
+            <a:bodyPr rtlCol="0" anchor="ctr"/>
+            <a:lstStyle/>
+            <a:p>
+              <a:pPr algn="ctr"/>
+              <a:endParaRPr lang="ko-KR" altLang="en-US"/>
+            </a:p>
+          </p:txBody>
+        </p:sp>
+        <p:sp>
+          <p:nvSpPr>
+            <p:cNvPr id="201" name="타원 200">
+              <a:extLst>
+                <a:ext uri="{FF2B5EF4-FFF2-40B4-BE49-F238E27FC236}">
+                  <a16:creationId xmlns:a16="http://schemas.microsoft.com/office/drawing/2014/main" id="{316BBCC9-1FEB-4F6B-A90B-02CDB0A5202A}"/>
+                </a:ext>
+              </a:extLst>
+            </p:cNvPr>
+            <p:cNvSpPr/>
+            <p:nvPr/>
+          </p:nvSpPr>
+          <p:spPr>
+            <a:xfrm>
+              <a:off x="7912566" y="5006738"/>
+              <a:ext cx="610505" cy="610505"/>
+            </a:xfrm>
+            <a:prstGeom prst="ellipse">
+              <a:avLst/>
+            </a:prstGeom>
+            <a:noFill/>
+            <a:ln w="28575">
+              <a:solidFill>
+                <a:schemeClr val="tx1"/>
+              </a:solidFill>
+            </a:ln>
+          </p:spPr>
+          <p:style>
+            <a:lnRef idx="2">
+              <a:schemeClr val="accent1">
+                <a:shade val="50000"/>
+              </a:schemeClr>
+            </a:lnRef>
+            <a:fillRef idx="1">
+              <a:schemeClr val="accent1"/>
+            </a:fillRef>
+            <a:effectRef idx="0">
+              <a:schemeClr val="accent1"/>
+            </a:effectRef>
+            <a:fontRef idx="minor">
+              <a:schemeClr val="lt1"/>
+            </a:fontRef>
+          </p:style>
+          <p:txBody>
+            <a:bodyPr rtlCol="0" anchor="ctr"/>
+            <a:lstStyle/>
+            <a:p>
+              <a:pPr algn="ctr"/>
+              <a:endParaRPr lang="ko-KR" altLang="en-US"/>
+            </a:p>
+          </p:txBody>
+        </p:sp>
+        <p:sp>
+          <p:nvSpPr>
+            <p:cNvPr id="202" name="타원 201">
+              <a:extLst>
+                <a:ext uri="{FF2B5EF4-FFF2-40B4-BE49-F238E27FC236}">
+                  <a16:creationId xmlns:a16="http://schemas.microsoft.com/office/drawing/2014/main" id="{08E3B82D-1B81-45F5-8EF7-61A45103706F}"/>
+                </a:ext>
+              </a:extLst>
+            </p:cNvPr>
+            <p:cNvSpPr/>
+            <p:nvPr/>
+          </p:nvSpPr>
+          <p:spPr>
+            <a:xfrm>
+              <a:off x="8125002" y="2902874"/>
+              <a:ext cx="610505" cy="610505"/>
+            </a:xfrm>
+            <a:prstGeom prst="ellipse">
+              <a:avLst/>
+            </a:prstGeom>
+            <a:solidFill>
+              <a:schemeClr val="bg1"/>
+            </a:solidFill>
+            <a:ln w="28575">
+              <a:solidFill>
+                <a:schemeClr val="tx1"/>
+              </a:solidFill>
+            </a:ln>
+          </p:spPr>
+          <p:style>
+            <a:lnRef idx="2">
+              <a:schemeClr val="accent1">
+                <a:shade val="50000"/>
+              </a:schemeClr>
+            </a:lnRef>
+            <a:fillRef idx="1">
+              <a:schemeClr val="accent1"/>
+            </a:fillRef>
+            <a:effectRef idx="0">
+              <a:schemeClr val="accent1"/>
+            </a:effectRef>
+            <a:fontRef idx="minor">
+              <a:schemeClr val="lt1"/>
+            </a:fontRef>
+          </p:style>
+          <p:txBody>
+            <a:bodyPr rtlCol="0" anchor="ctr"/>
+            <a:lstStyle/>
+            <a:p>
+              <a:pPr algn="ctr"/>
+              <a:endParaRPr lang="ko-KR" altLang="en-US" sz="1050" b="1" dirty="0">
+                <a:solidFill>
+                  <a:srgbClr val="FF0000"/>
+                </a:solidFill>
+              </a:endParaRPr>
+            </a:p>
+          </p:txBody>
+        </p:sp>
+        <p:sp>
+          <p:nvSpPr>
+            <p:cNvPr id="203" name="타원 202">
+              <a:extLst>
+                <a:ext uri="{FF2B5EF4-FFF2-40B4-BE49-F238E27FC236}">
+                  <a16:creationId xmlns:a16="http://schemas.microsoft.com/office/drawing/2014/main" id="{5F7D788C-28A0-4B9C-9EA9-9ACFE972B264}"/>
+                </a:ext>
+              </a:extLst>
+            </p:cNvPr>
+            <p:cNvSpPr/>
+            <p:nvPr/>
+          </p:nvSpPr>
+          <p:spPr>
+            <a:xfrm>
+              <a:off x="8120390" y="2214771"/>
+              <a:ext cx="610505" cy="610505"/>
+            </a:xfrm>
+            <a:prstGeom prst="ellipse">
+              <a:avLst/>
+            </a:prstGeom>
+            <a:solidFill>
+              <a:schemeClr val="bg1"/>
+            </a:solidFill>
+            <a:ln w="28575">
+              <a:solidFill>
+                <a:schemeClr val="tx1"/>
+              </a:solidFill>
+            </a:ln>
+          </p:spPr>
+          <p:style>
+            <a:lnRef idx="2">
+              <a:schemeClr val="accent1">
+                <a:shade val="50000"/>
+              </a:schemeClr>
+            </a:lnRef>
+            <a:fillRef idx="1">
+              <a:schemeClr val="accent1"/>
+            </a:fillRef>
+            <a:effectRef idx="0">
+              <a:schemeClr val="accent1"/>
+            </a:effectRef>
+            <a:fontRef idx="minor">
+              <a:schemeClr val="lt1"/>
+            </a:fontRef>
+          </p:style>
+          <p:txBody>
+            <a:bodyPr rtlCol="0" anchor="ctr"/>
+            <a:lstStyle/>
+            <a:p>
+              <a:pPr algn="ctr"/>
+              <a:r>
+                <a:rPr lang="ko-KR" altLang="en-US" sz="900" dirty="0">
+                  <a:solidFill>
+                    <a:schemeClr val="tx1"/>
+                  </a:solidFill>
+                </a:rPr>
+                <a:t>설정</a:t>
+              </a:r>
+            </a:p>
+          </p:txBody>
+        </p:sp>
+        <p:sp>
+          <p:nvSpPr>
+            <p:cNvPr id="204" name="타원 203">
+              <a:extLst>
+                <a:ext uri="{FF2B5EF4-FFF2-40B4-BE49-F238E27FC236}">
+                  <a16:creationId xmlns:a16="http://schemas.microsoft.com/office/drawing/2014/main" id="{B23696C0-0570-4599-BFC8-B151FB3F6540}"/>
+                </a:ext>
+              </a:extLst>
+            </p:cNvPr>
+            <p:cNvSpPr/>
+            <p:nvPr/>
+          </p:nvSpPr>
+          <p:spPr>
+            <a:xfrm>
+              <a:off x="1225439" y="2318509"/>
+              <a:ext cx="610505" cy="610505"/>
+            </a:xfrm>
+            <a:prstGeom prst="ellipse">
+              <a:avLst/>
+            </a:prstGeom>
+            <a:noFill/>
+            <a:ln w="28575">
+              <a:solidFill>
+                <a:srgbClr val="0070C0"/>
+              </a:solidFill>
+            </a:ln>
+          </p:spPr>
+          <p:style>
+            <a:lnRef idx="2">
+              <a:schemeClr val="accent1">
+                <a:shade val="50000"/>
+              </a:schemeClr>
+            </a:lnRef>
+            <a:fillRef idx="1">
+              <a:schemeClr val="accent1"/>
+            </a:fillRef>
+            <a:effectRef idx="0">
+              <a:schemeClr val="accent1"/>
+            </a:effectRef>
+            <a:fontRef idx="minor">
+              <a:schemeClr val="lt1"/>
+            </a:fontRef>
+          </p:style>
+          <p:txBody>
+            <a:bodyPr rtlCol="0" anchor="ctr"/>
+            <a:lstStyle/>
+            <a:p>
+              <a:pPr algn="ctr"/>
+              <a:endParaRPr lang="ko-KR" altLang="en-US"/>
+            </a:p>
+          </p:txBody>
+        </p:sp>
+        <p:sp>
+          <p:nvSpPr>
+            <p:cNvPr id="205" name="TextBox 204">
+              <a:extLst>
+                <a:ext uri="{FF2B5EF4-FFF2-40B4-BE49-F238E27FC236}">
+                  <a16:creationId xmlns:a16="http://schemas.microsoft.com/office/drawing/2014/main" id="{E747CE9B-EFA0-4EF4-9E8C-65AA04BF9D1E}"/>
+                </a:ext>
+              </a:extLst>
+            </p:cNvPr>
+            <p:cNvSpPr txBox="1"/>
+            <p:nvPr/>
+          </p:nvSpPr>
+          <p:spPr>
+            <a:xfrm>
+              <a:off x="1313324" y="2469872"/>
+              <a:ext cx="434734" cy="307777"/>
+            </a:xfrm>
+            <a:prstGeom prst="rect">
+              <a:avLst/>
+            </a:prstGeom>
+            <a:noFill/>
+          </p:spPr>
+          <p:txBody>
+            <a:bodyPr wrap="none" rtlCol="0">
+              <a:spAutoFit/>
+            </a:bodyPr>
+            <a:lstStyle/>
+            <a:p>
+              <a:r>
+                <a:rPr lang="en-US" altLang="ko-KR" sz="1400" dirty="0"/>
+                <a:t>0%</a:t>
+              </a:r>
+              <a:endParaRPr lang="ko-KR" altLang="en-US" dirty="0"/>
+            </a:p>
+          </p:txBody>
+        </p:sp>
+        <p:pic>
+          <p:nvPicPr>
+            <p:cNvPr id="206" name="그래픽 205" descr="핀 있는 지도 윤곽선">
+              <a:extLst>
+                <a:ext uri="{FF2B5EF4-FFF2-40B4-BE49-F238E27FC236}">
+                  <a16:creationId xmlns:a16="http://schemas.microsoft.com/office/drawing/2014/main" id="{F5142EB6-FD3F-450C-A516-99157EAB242B}"/>
+                </a:ext>
+              </a:extLst>
+            </p:cNvPr>
+            <p:cNvPicPr>
+              <a:picLocks noChangeAspect="1"/>
+            </p:cNvPicPr>
+            <p:nvPr/>
+          </p:nvPicPr>
+          <p:blipFill>
+            <a:blip r:embed="rId3" cstate="print">
+              <a:extLst>
+                <a:ext uri="{28A0092B-C50C-407E-A947-70E740481C1C}">
+                  <a14:useLocalDpi xmlns:a14="http://schemas.microsoft.com/office/drawing/2010/main" val="0"/>
+                </a:ext>
+                <a:ext uri="{96DAC541-7B7A-43D3-8B79-37D633B846F1}">
+                  <asvg:svgBlip xmlns:asvg="http://schemas.microsoft.com/office/drawing/2016/SVG/main" r:embed="rId4"/>
+                </a:ext>
+              </a:extLst>
+            </a:blip>
+            <a:stretch>
+              <a:fillRect/>
+            </a:stretch>
+          </p:blipFill>
+          <p:spPr>
+            <a:xfrm>
+              <a:off x="8197042" y="2941695"/>
+              <a:ext cx="457200" cy="457200"/>
+            </a:xfrm>
+            <a:prstGeom prst="rect">
+              <a:avLst/>
+            </a:prstGeom>
+          </p:spPr>
+        </p:pic>
+        <p:pic>
+          <p:nvPicPr>
+            <p:cNvPr id="6148" name="Picture 4" descr="아이폰 배터리 수명을 연장 시키는 방법 요약">
+              <a:extLst>
+                <a:ext uri="{FF2B5EF4-FFF2-40B4-BE49-F238E27FC236}">
+                  <a16:creationId xmlns:a16="http://schemas.microsoft.com/office/drawing/2014/main" id="{0C2D1602-545F-4B30-A1DD-8DAB49DD83C0}"/>
+                </a:ext>
+              </a:extLst>
+            </p:cNvPr>
+            <p:cNvPicPr>
+              <a:picLocks noChangeAspect="1" noChangeArrowheads="1"/>
+            </p:cNvPicPr>
+            <p:nvPr/>
+          </p:nvPicPr>
+          <p:blipFill>
+            <a:blip r:embed="rId5">
+              <a:extLst>
+                <a:ext uri="{BEBA8EAE-BF5A-486C-A8C5-ECC9F3942E4B}">
+                  <a14:imgProps xmlns:a14="http://schemas.microsoft.com/office/drawing/2010/main">
+                    <a14:imgLayer r:embed="rId6">
+                      <a14:imgEffect>
+                        <a14:backgroundRemoval t="9404" b="97706" l="10000" r="90000">
+                          <a14:foregroundMark x1="24146" y1="92661" x2="24146" y2="92661"/>
+                          <a14:foregroundMark x1="23537" y1="97018" x2="23537" y2="97018"/>
+                          <a14:foregroundMark x1="83049" y1="74771" x2="83049" y2="74771"/>
+                          <a14:foregroundMark x1="81951" y1="68578" x2="81951" y2="68578"/>
+                          <a14:foregroundMark x1="84390" y1="75000" x2="84390" y2="75000"/>
+                          <a14:foregroundMark x1="84390" y1="69954" x2="84390" y2="69954"/>
+                          <a14:foregroundMark x1="85610" y1="57110" x2="85610" y2="57110"/>
+                          <a14:foregroundMark x1="20488" y1="96789" x2="20488" y2="96789"/>
+                          <a14:foregroundMark x1="20244" y1="96560" x2="20976" y2="96560"/>
+                          <a14:foregroundMark x1="20244" y1="94495" x2="21098" y2="96560"/>
+                          <a14:foregroundMark x1="25488" y1="97706" x2="56098" y2="94954"/>
+                          <a14:foregroundMark x1="56098" y1="94954" x2="72805" y2="96789"/>
+                          <a14:foregroundMark x1="83902" y1="65138" x2="82683" y2="79128"/>
+                          <a14:foregroundMark x1="84634" y1="66972" x2="84512" y2="74541"/>
+                          <a14:foregroundMark x1="85610" y1="70183" x2="85610" y2="72477"/>
+                        </a14:backgroundRemoval>
+                      </a14:imgEffect>
+                    </a14:imgLayer>
+                  </a14:imgProps>
+                </a:ext>
+                <a:ext uri="{28A0092B-C50C-407E-A947-70E740481C1C}">
+                  <a14:useLocalDpi xmlns:a14="http://schemas.microsoft.com/office/drawing/2010/main" val="0"/>
+                </a:ext>
+              </a:extLst>
+            </a:blip>
+            <a:srcRect/>
+            <a:stretch>
+              <a:fillRect/>
+            </a:stretch>
+          </p:blipFill>
+          <p:spPr bwMode="auto">
+            <a:xfrm rot="16200000">
+              <a:off x="2966729" y="2566307"/>
+              <a:ext cx="3931942" cy="2090642"/>
+            </a:xfrm>
+            <a:prstGeom prst="rect">
+              <a:avLst/>
+            </a:prstGeom>
+            <a:noFill/>
+            <a:extLst>
+              <a:ext uri="{909E8E84-426E-40DD-AFC4-6F175D3DCCD1}">
+                <a14:hiddenFill xmlns:a14="http://schemas.microsoft.com/office/drawing/2010/main">
+                  <a:solidFill>
+                    <a:srgbClr val="FFFFFF"/>
+                  </a:solidFill>
+                </a14:hiddenFill>
+              </a:ext>
+            </a:extLst>
+          </p:spPr>
+        </p:pic>
+        <p:sp>
+          <p:nvSpPr>
+            <p:cNvPr id="6" name="사다리꼴 5">
+              <a:extLst>
+                <a:ext uri="{FF2B5EF4-FFF2-40B4-BE49-F238E27FC236}">
+                  <a16:creationId xmlns:a16="http://schemas.microsoft.com/office/drawing/2014/main" id="{50D8F1E4-3C30-454A-8BD2-6AD6C20FA985}"/>
+                </a:ext>
+              </a:extLst>
+            </p:cNvPr>
+            <p:cNvSpPr/>
+            <p:nvPr/>
+          </p:nvSpPr>
+          <p:spPr>
+            <a:xfrm rot="10800000">
+              <a:off x="4672207" y="4824624"/>
+              <a:ext cx="1305813" cy="960090"/>
+            </a:xfrm>
+            <a:prstGeom prst="trapezoid">
+              <a:avLst/>
+            </a:prstGeom>
+            <a:solidFill>
+              <a:srgbClr val="002060"/>
+            </a:solidFill>
+          </p:spPr>
+          <p:style>
+            <a:lnRef idx="2">
+              <a:schemeClr val="accent1">
+                <a:shade val="50000"/>
+              </a:schemeClr>
+            </a:lnRef>
+            <a:fillRef idx="1">
+              <a:schemeClr val="accent1"/>
+            </a:fillRef>
+            <a:effectRef idx="0">
+              <a:schemeClr val="accent1"/>
+            </a:effectRef>
+            <a:fontRef idx="minor">
+              <a:schemeClr val="lt1"/>
+            </a:fontRef>
+          </p:style>
+          <p:txBody>
+            <a:bodyPr rtlCol="0" anchor="ctr"/>
+            <a:lstStyle/>
+            <a:p>
+              <a:pPr algn="ctr"/>
+              <a:endParaRPr lang="ko-KR" altLang="en-US"/>
+            </a:p>
+          </p:txBody>
+        </p:sp>
+        <p:pic>
+          <p:nvPicPr>
+            <p:cNvPr id="6146" name="Picture 2" descr="스마트폰 배터리를 올바르게 충전하는법(수명늘리는법) : 네이버 블로그">
+              <a:extLst>
+                <a:ext uri="{FF2B5EF4-FFF2-40B4-BE49-F238E27FC236}">
+                  <a16:creationId xmlns:a16="http://schemas.microsoft.com/office/drawing/2014/main" id="{D94C7743-B87B-4550-ABB6-A992319D4DEB}"/>
+                </a:ext>
+              </a:extLst>
+            </p:cNvPr>
+            <p:cNvPicPr>
+              <a:picLocks noChangeAspect="1" noChangeArrowheads="1"/>
+            </p:cNvPicPr>
+            <p:nvPr/>
+          </p:nvPicPr>
+          <p:blipFill>
+            <a:blip r:embed="rId7">
+              <a:extLst>
+                <a:ext uri="{BEBA8EAE-BF5A-486C-A8C5-ECC9F3942E4B}">
+                  <a14:imgProps xmlns:a14="http://schemas.microsoft.com/office/drawing/2010/main">
+                    <a14:imgLayer r:embed="rId8">
+                      <a14:imgEffect>
+                        <a14:backgroundRemoval t="10000" b="90000" l="10000" r="90000">
+                          <a14:foregroundMark x1="80066" y1="51786" x2="80066" y2="51786"/>
+                          <a14:foregroundMark x1="79070" y1="48214" x2="80399" y2="58333"/>
+                          <a14:foregroundMark x1="22591" y1="70833" x2="73090" y2="78571"/>
+                          <a14:foregroundMark x1="59136" y1="80952" x2="69103" y2="79762"/>
+                          <a14:foregroundMark x1="63123" y1="83333" x2="73754" y2="83929"/>
+                          <a14:backgroundMark x1="57807" y1="20833" x2="23256" y2="19643"/>
+                          <a14:backgroundMark x1="50498" y1="20833" x2="36213" y2="22024"/>
+                          <a14:backgroundMark x1="59136" y1="86310" x2="27243" y2="86905"/>
+                        </a14:backgroundRemoval>
+                      </a14:imgEffect>
+                    </a14:imgLayer>
+                  </a14:imgProps>
+                </a:ext>
+                <a:ext uri="{28A0092B-C50C-407E-A947-70E740481C1C}">
+                  <a14:useLocalDpi xmlns:a14="http://schemas.microsoft.com/office/drawing/2010/main" val="0"/>
+                </a:ext>
+              </a:extLst>
+            </a:blip>
+            <a:srcRect/>
+            <a:stretch>
+              <a:fillRect/>
+            </a:stretch>
+          </p:blipFill>
+          <p:spPr bwMode="auto">
+            <a:xfrm>
+              <a:off x="4868561" y="4899798"/>
+              <a:ext cx="1031501" cy="817843"/>
+            </a:xfrm>
+            <a:prstGeom prst="rect">
+              <a:avLst/>
+            </a:prstGeom>
+            <a:noFill/>
+            <a:extLst>
+              <a:ext uri="{909E8E84-426E-40DD-AFC4-6F175D3DCCD1}">
+                <a14:hiddenFill xmlns:a14="http://schemas.microsoft.com/office/drawing/2010/main">
+                  <a:solidFill>
+                    <a:srgbClr val="FFFFFF"/>
+                  </a:solidFill>
+                </a14:hiddenFill>
+              </a:ext>
+            </a:extLst>
+          </p:spPr>
+        </p:pic>
+      </p:grpSp>
+      <p:sp>
+        <p:nvSpPr>
+          <p:cNvPr id="22" name="직사각형 21">
+            <a:extLst>
+              <a:ext uri="{FF2B5EF4-FFF2-40B4-BE49-F238E27FC236}">
+                <a16:creationId xmlns:a16="http://schemas.microsoft.com/office/drawing/2014/main" id="{A28117CA-41A0-48AF-A7A3-065DD49F2EA1}"/>
+              </a:ext>
+            </a:extLst>
+          </p:cNvPr>
+          <p:cNvSpPr/>
+          <p:nvPr/>
+        </p:nvSpPr>
+        <p:spPr>
+          <a:xfrm>
+            <a:off x="7821910" y="4596858"/>
+            <a:ext cx="4050695" cy="2126672"/>
           </a:xfrm>
           <a:prstGeom prst="rect">
             <a:avLst/>
           </a:prstGeom>
-          <a:noFill/>
-          <a:extLst>
-            <a:ext uri="{909E8E84-426E-40DD-AFC4-6F175D3DCCD1}">
-              <a14:hiddenFill xmlns:a14="http://schemas.microsoft.com/office/drawing/2010/main">
-                <a:solidFill>
-                  <a:srgbClr val="FFFFFF"/>
-                </a:solidFill>
-              </a14:hiddenFill>
-            </a:ext>
-          </a:extLst>
-        </p:spPr>
-      </p:pic>
-      <p:sp>
-        <p:nvSpPr>
-          <p:cNvPr id="6" name="사다리꼴 5">
-            <a:extLst>
-              <a:ext uri="{FF2B5EF4-FFF2-40B4-BE49-F238E27FC236}">
-                <a16:creationId xmlns:a16="http://schemas.microsoft.com/office/drawing/2014/main" xmlns="" id="{50D8F1E4-3C30-454A-8BD2-6AD6C20FA985}"/>
-              </a:ext>
-            </a:extLst>
-          </p:cNvPr>
-          <p:cNvSpPr/>
-          <p:nvPr/>
-        </p:nvSpPr>
-        <p:spPr>
-          <a:xfrm rot="10800000">
-            <a:off x="4672207" y="4824624"/>
-            <a:ext cx="1305813" cy="960090"/>
-          </a:xfrm>
-          <a:prstGeom prst="trapezoid">
-            <a:avLst/>
-          </a:prstGeom>
           <a:solidFill>
-            <a:srgbClr val="002060"/>
+            <a:schemeClr val="bg1">
+              <a:lumMod val="85000"/>
+            </a:schemeClr>
           </a:solidFill>
         </p:spPr>
         <p:style>
@@ -14282,76 +16102,460 @@
           <a:bodyPr rtlCol="0" anchor="ctr"/>
           <a:lstStyle/>
           <a:p>
-            <a:pPr algn="ctr"/>
-            <a:endParaRPr lang="ko-KR" altLang="en-US"/>
-          </a:p>
-        </p:txBody>
-      </p:sp>
-      <p:pic>
-        <p:nvPicPr>
-          <p:cNvPr id="6146" name="Picture 2" descr="스마트폰 배터리를 올바르게 충전하는법(수명늘리는법) : 네이버 블로그">
-            <a:extLst>
-              <a:ext uri="{FF2B5EF4-FFF2-40B4-BE49-F238E27FC236}">
-                <a16:creationId xmlns:a16="http://schemas.microsoft.com/office/drawing/2014/main" xmlns="" id="{D94C7743-B87B-4550-ABB6-A992319D4DEB}"/>
-              </a:ext>
-            </a:extLst>
-          </p:cNvPr>
-          <p:cNvPicPr>
-            <a:picLocks noChangeAspect="1" noChangeArrowheads="1"/>
-          </p:cNvPicPr>
-          <p:nvPr/>
-        </p:nvPicPr>
-        <p:blipFill>
-          <a:blip r:embed="rId7">
-            <a:extLst>
-              <a:ext uri="{BEBA8EAE-BF5A-486C-A8C5-ECC9F3942E4B}">
-                <a14:imgProps xmlns:a14="http://schemas.microsoft.com/office/drawing/2010/main">
-                  <a14:imgLayer r:embed="rId8">
-                    <a14:imgEffect>
-                      <a14:backgroundRemoval t="10000" b="90000" l="10000" r="90000">
-                        <a14:foregroundMark x1="80066" y1="51786" x2="80066" y2="51786"/>
-                        <a14:foregroundMark x1="79070" y1="48214" x2="80399" y2="58333"/>
-                        <a14:foregroundMark x1="22591" y1="70833" x2="73090" y2="78571"/>
-                        <a14:foregroundMark x1="59136" y1="80952" x2="69103" y2="79762"/>
-                        <a14:foregroundMark x1="63123" y1="83333" x2="73754" y2="83929"/>
-                        <a14:backgroundMark x1="57807" y1="20833" x2="23256" y2="19643"/>
-                        <a14:backgroundMark x1="50498" y1="20833" x2="36213" y2="22024"/>
-                        <a14:backgroundMark x1="59136" y1="86310" x2="27243" y2="86905"/>
-                      </a14:backgroundRemoval>
-                    </a14:imgEffect>
-                  </a14:imgLayer>
-                </a14:imgProps>
-              </a:ext>
-              <a:ext uri="{28A0092B-C50C-407E-A947-70E740481C1C}">
-                <a14:useLocalDpi xmlns:a14="http://schemas.microsoft.com/office/drawing/2010/main" val="0"/>
-              </a:ext>
-            </a:extLst>
-          </a:blip>
-          <a:srcRect/>
-          <a:stretch>
-            <a:fillRect/>
-          </a:stretch>
-        </p:blipFill>
-        <p:spPr bwMode="auto">
-          <a:xfrm>
-            <a:off x="4868561" y="4899798"/>
-            <a:ext cx="1031501" cy="817843"/>
-          </a:xfrm>
-          <a:prstGeom prst="rect">
-            <a:avLst/>
-          </a:prstGeom>
-          <a:noFill/>
-          <a:extLst>
-            <a:ext uri="{909E8E84-426E-40DD-AFC4-6F175D3DCCD1}">
-              <a14:hiddenFill xmlns:a14="http://schemas.microsoft.com/office/drawing/2010/main">
-                <a:solidFill>
-                  <a:srgbClr val="FFFFFF"/>
-                </a:solidFill>
-              </a14:hiddenFill>
-            </a:ext>
-          </a:extLst>
-        </p:spPr>
-      </p:pic>
+            <a:pPr marL="0" algn="ctr" rtl="0" eaLnBrk="1" latinLnBrk="1" hangingPunct="1">
+              <a:spcBef>
+                <a:spcPts val="0"/>
+              </a:spcBef>
+              <a:spcAft>
+                <a:spcPts val="0"/>
+              </a:spcAft>
+            </a:pPr>
+            <a:r>
+              <a:rPr lang="ko-KR" altLang="en-US" b="1" dirty="0">
+                <a:solidFill>
+                  <a:schemeClr val="tx1"/>
+                </a:solidFill>
+                <a:effectLst/>
+              </a:rPr>
+              <a:t>연출</a:t>
+            </a:r>
+            <a:endParaRPr lang="en-US" altLang="ko-KR" sz="1200" dirty="0">
+              <a:solidFill>
+                <a:srgbClr val="000000"/>
+              </a:solidFill>
+              <a:effectLst>
+                <a:outerShdw blurRad="38100" dist="19050" dir="2700000" algn="tl" rotWithShape="0">
+                  <a:schemeClr val="dk1">
+                    <a:alpha val="40000"/>
+                  </a:schemeClr>
+                </a:outerShdw>
+              </a:effectLst>
+              <a:latin typeface="맑은 고딕" panose="020B0503020000020004" pitchFamily="50" charset="-127"/>
+              <a:ea typeface="맑은 고딕" panose="020B0503020000020004" pitchFamily="50" charset="-127"/>
+            </a:endParaRPr>
+          </a:p>
+          <a:p>
+            <a:pPr marL="0" algn="ctr" rtl="0" eaLnBrk="1" latinLnBrk="1" hangingPunct="1">
+              <a:spcBef>
+                <a:spcPts val="0"/>
+              </a:spcBef>
+              <a:spcAft>
+                <a:spcPts val="0"/>
+              </a:spcAft>
+            </a:pPr>
+            <a:r>
+              <a:rPr lang="ko-KR" altLang="en-US" sz="1200" dirty="0">
+                <a:solidFill>
+                  <a:srgbClr val="000000"/>
+                </a:solidFill>
+                <a:effectLst>
+                  <a:outerShdw blurRad="38100" dist="19050" dir="2700000" algn="tl" rotWithShape="0">
+                    <a:schemeClr val="dk1">
+                      <a:alpha val="40000"/>
+                    </a:schemeClr>
+                  </a:outerShdw>
+                </a:effectLst>
+                <a:latin typeface="맑은 고딕" panose="020B0503020000020004" pitchFamily="50" charset="-127"/>
+                <a:ea typeface="맑은 고딕" panose="020B0503020000020004" pitchFamily="50" charset="-127"/>
+              </a:rPr>
+              <a:t>충전실 </a:t>
+            </a:r>
+            <a:r>
+              <a:rPr lang="en-US" altLang="ko-KR" sz="1200" dirty="0">
+                <a:solidFill>
+                  <a:srgbClr val="000000"/>
+                </a:solidFill>
+                <a:effectLst>
+                  <a:outerShdw blurRad="38100" dist="19050" dir="2700000" algn="tl" rotWithShape="0">
+                    <a:schemeClr val="dk1">
+                      <a:alpha val="40000"/>
+                    </a:schemeClr>
+                  </a:outerShdw>
+                </a:effectLst>
+                <a:latin typeface="맑은 고딕" panose="020B0503020000020004" pitchFamily="50" charset="-127"/>
+                <a:ea typeface="맑은 고딕" panose="020B0503020000020004" pitchFamily="50" charset="-127"/>
+              </a:rPr>
+              <a:t>– </a:t>
+            </a:r>
+            <a:r>
+              <a:rPr lang="ko-KR" altLang="en-US" sz="1200" dirty="0">
+                <a:solidFill>
+                  <a:srgbClr val="000000"/>
+                </a:solidFill>
+                <a:effectLst>
+                  <a:outerShdw blurRad="38100" dist="19050" dir="2700000" algn="tl" rotWithShape="0">
+                    <a:schemeClr val="dk1">
+                      <a:alpha val="40000"/>
+                    </a:schemeClr>
+                  </a:outerShdw>
+                </a:effectLst>
+                <a:latin typeface="맑은 고딕" panose="020B0503020000020004" pitchFamily="50" charset="-127"/>
+                <a:ea typeface="맑은 고딕" panose="020B0503020000020004" pitchFamily="50" charset="-127"/>
+              </a:rPr>
+              <a:t>패널을 인벤토리 </a:t>
+            </a:r>
+            <a:endParaRPr lang="en-US" altLang="ko-KR" sz="1200" dirty="0">
+              <a:solidFill>
+                <a:srgbClr val="000000"/>
+              </a:solidFill>
+              <a:effectLst>
+                <a:outerShdw blurRad="38100" dist="19050" dir="2700000" algn="tl" rotWithShape="0">
+                  <a:schemeClr val="dk1">
+                    <a:alpha val="40000"/>
+                  </a:schemeClr>
+                </a:outerShdw>
+              </a:effectLst>
+              <a:latin typeface="맑은 고딕" panose="020B0503020000020004" pitchFamily="50" charset="-127"/>
+              <a:ea typeface="맑은 고딕" panose="020B0503020000020004" pitchFamily="50" charset="-127"/>
+            </a:endParaRPr>
+          </a:p>
+          <a:p>
+            <a:pPr marL="0" algn="ctr" rtl="0" eaLnBrk="1" latinLnBrk="1" hangingPunct="1">
+              <a:spcBef>
+                <a:spcPts val="0"/>
+              </a:spcBef>
+              <a:spcAft>
+                <a:spcPts val="0"/>
+              </a:spcAft>
+            </a:pPr>
+            <a:r>
+              <a:rPr lang="ko-KR" altLang="en-US" sz="1200" dirty="0">
+                <a:solidFill>
+                  <a:srgbClr val="000000"/>
+                </a:solidFill>
+                <a:effectLst>
+                  <a:outerShdw blurRad="38100" dist="19050" dir="2700000" algn="tl" rotWithShape="0">
+                    <a:schemeClr val="dk1">
+                      <a:alpha val="40000"/>
+                    </a:schemeClr>
+                  </a:outerShdw>
+                </a:effectLst>
+                <a:latin typeface="맑은 고딕" panose="020B0503020000020004" pitchFamily="50" charset="-127"/>
+                <a:ea typeface="맑은 고딕" panose="020B0503020000020004" pitchFamily="50" charset="-127"/>
+              </a:rPr>
+              <a:t>위까지만 생성</a:t>
+            </a:r>
+            <a:endParaRPr lang="en-US" altLang="ko-KR" sz="1200" dirty="0">
+              <a:solidFill>
+                <a:srgbClr val="000000"/>
+              </a:solidFill>
+              <a:effectLst>
+                <a:outerShdw blurRad="38100" dist="19050" dir="2700000" algn="tl" rotWithShape="0">
+                  <a:schemeClr val="dk1">
+                    <a:alpha val="40000"/>
+                  </a:schemeClr>
+                </a:outerShdw>
+              </a:effectLst>
+              <a:latin typeface="맑은 고딕" panose="020B0503020000020004" pitchFamily="50" charset="-127"/>
+              <a:ea typeface="맑은 고딕" panose="020B0503020000020004" pitchFamily="50" charset="-127"/>
+            </a:endParaRPr>
+          </a:p>
+          <a:p>
+            <a:pPr marL="0" algn="ctr" rtl="0" eaLnBrk="1" latinLnBrk="1" hangingPunct="1">
+              <a:spcBef>
+                <a:spcPts val="0"/>
+              </a:spcBef>
+              <a:spcAft>
+                <a:spcPts val="0"/>
+              </a:spcAft>
+            </a:pPr>
+            <a:r>
+              <a:rPr lang="ko-KR" altLang="en-US" sz="1200" dirty="0">
+                <a:solidFill>
+                  <a:srgbClr val="000000"/>
+                </a:solidFill>
+                <a:effectLst>
+                  <a:outerShdw blurRad="38100" dist="19050" dir="2700000" algn="tl" rotWithShape="0">
+                    <a:schemeClr val="dk1">
+                      <a:alpha val="40000"/>
+                    </a:schemeClr>
+                  </a:outerShdw>
+                </a:effectLst>
+                <a:latin typeface="맑은 고딕" panose="020B0503020000020004" pitchFamily="50" charset="-127"/>
+                <a:ea typeface="맑은 고딕" panose="020B0503020000020004" pitchFamily="50" charset="-127"/>
+              </a:rPr>
+              <a:t> </a:t>
+            </a:r>
+            <a:endParaRPr lang="en-US" altLang="ko-KR" sz="1200" dirty="0">
+              <a:solidFill>
+                <a:srgbClr val="000000"/>
+              </a:solidFill>
+              <a:effectLst>
+                <a:outerShdw blurRad="38100" dist="19050" dir="2700000" algn="tl" rotWithShape="0">
+                  <a:schemeClr val="dk1">
+                    <a:alpha val="40000"/>
+                  </a:schemeClr>
+                </a:outerShdw>
+              </a:effectLst>
+              <a:latin typeface="맑은 고딕" panose="020B0503020000020004" pitchFamily="50" charset="-127"/>
+              <a:ea typeface="맑은 고딕" panose="020B0503020000020004" pitchFamily="50" charset="-127"/>
+            </a:endParaRPr>
+          </a:p>
+          <a:p>
+            <a:pPr marL="0" algn="ctr" rtl="0" eaLnBrk="1" latinLnBrk="1" hangingPunct="1">
+              <a:spcBef>
+                <a:spcPts val="0"/>
+              </a:spcBef>
+              <a:spcAft>
+                <a:spcPts val="0"/>
+              </a:spcAft>
+            </a:pPr>
+            <a:r>
+              <a:rPr lang="ko-KR" altLang="en-US" sz="1200" dirty="0">
+                <a:solidFill>
+                  <a:srgbClr val="000000"/>
+                </a:solidFill>
+                <a:effectLst>
+                  <a:outerShdw blurRad="38100" dist="19050" dir="2700000" algn="tl" rotWithShape="0">
+                    <a:schemeClr val="dk1">
+                      <a:alpha val="40000"/>
+                    </a:schemeClr>
+                  </a:outerShdw>
+                </a:effectLst>
+                <a:latin typeface="맑은 고딕" panose="020B0503020000020004" pitchFamily="50" charset="-127"/>
+                <a:ea typeface="맑은 고딕" panose="020B0503020000020004" pitchFamily="50" charset="-127"/>
+              </a:rPr>
+              <a:t>인벤토리에서 빈 배터리를 충전기 앞까지</a:t>
+            </a:r>
+            <a:endParaRPr lang="en-US" altLang="ko-KR" sz="1200" dirty="0">
+              <a:solidFill>
+                <a:srgbClr val="000000"/>
+              </a:solidFill>
+              <a:effectLst>
+                <a:outerShdw blurRad="38100" dist="19050" dir="2700000" algn="tl" rotWithShape="0">
+                  <a:schemeClr val="dk1">
+                    <a:alpha val="40000"/>
+                  </a:schemeClr>
+                </a:outerShdw>
+              </a:effectLst>
+              <a:latin typeface="맑은 고딕" panose="020B0503020000020004" pitchFamily="50" charset="-127"/>
+              <a:ea typeface="맑은 고딕" panose="020B0503020000020004" pitchFamily="50" charset="-127"/>
+            </a:endParaRPr>
+          </a:p>
+          <a:p>
+            <a:pPr marL="0" algn="ctr" rtl="0" eaLnBrk="1" latinLnBrk="1" hangingPunct="1">
+              <a:spcBef>
+                <a:spcPts val="0"/>
+              </a:spcBef>
+              <a:spcAft>
+                <a:spcPts val="0"/>
+              </a:spcAft>
+            </a:pPr>
+            <a:r>
+              <a:rPr lang="ko-KR" altLang="en-US" sz="1200" dirty="0">
+                <a:solidFill>
+                  <a:srgbClr val="000000"/>
+                </a:solidFill>
+                <a:effectLst>
+                  <a:outerShdw blurRad="38100" dist="19050" dir="2700000" algn="tl" rotWithShape="0">
+                    <a:schemeClr val="dk1">
+                      <a:alpha val="40000"/>
+                    </a:schemeClr>
+                  </a:outerShdw>
+                </a:effectLst>
+                <a:latin typeface="맑은 고딕" panose="020B0503020000020004" pitchFamily="50" charset="-127"/>
+                <a:ea typeface="맑은 고딕" panose="020B0503020000020004" pitchFamily="50" charset="-127"/>
+              </a:rPr>
+              <a:t>드래그하면</a:t>
+            </a:r>
+            <a:r>
+              <a:rPr lang="en-US" altLang="ko-KR" sz="1200" dirty="0">
+                <a:solidFill>
+                  <a:srgbClr val="000000"/>
+                </a:solidFill>
+                <a:effectLst>
+                  <a:outerShdw blurRad="38100" dist="19050" dir="2700000" algn="tl" rotWithShape="0">
+                    <a:schemeClr val="dk1">
+                      <a:alpha val="40000"/>
+                    </a:schemeClr>
+                  </a:outerShdw>
+                </a:effectLst>
+                <a:latin typeface="맑은 고딕" panose="020B0503020000020004" pitchFamily="50" charset="-127"/>
+                <a:ea typeface="맑은 고딕" panose="020B0503020000020004" pitchFamily="50" charset="-127"/>
+              </a:rPr>
+              <a:t> </a:t>
+            </a:r>
+            <a:r>
+              <a:rPr lang="ko-KR" altLang="en-US" sz="1200" dirty="0">
+                <a:solidFill>
+                  <a:srgbClr val="000000"/>
+                </a:solidFill>
+                <a:effectLst>
+                  <a:outerShdw blurRad="38100" dist="19050" dir="2700000" algn="tl" rotWithShape="0">
+                    <a:schemeClr val="dk1">
+                      <a:alpha val="40000"/>
+                    </a:schemeClr>
+                  </a:outerShdw>
+                </a:effectLst>
+                <a:latin typeface="맑은 고딕" panose="020B0503020000020004" pitchFamily="50" charset="-127"/>
+                <a:ea typeface="맑은 고딕" panose="020B0503020000020004" pitchFamily="50" charset="-127"/>
+              </a:rPr>
+              <a:t>충전 시작</a:t>
+            </a:r>
+            <a:endParaRPr lang="en-US" altLang="ko-KR" sz="1200" dirty="0">
+              <a:solidFill>
+                <a:srgbClr val="000000"/>
+              </a:solidFill>
+              <a:effectLst>
+                <a:outerShdw blurRad="38100" dist="19050" dir="2700000" algn="tl" rotWithShape="0">
+                  <a:schemeClr val="dk1">
+                    <a:alpha val="40000"/>
+                  </a:schemeClr>
+                </a:outerShdw>
+              </a:effectLst>
+              <a:latin typeface="맑은 고딕" panose="020B0503020000020004" pitchFamily="50" charset="-127"/>
+              <a:ea typeface="맑은 고딕" panose="020B0503020000020004" pitchFamily="50" charset="-127"/>
+            </a:endParaRPr>
+          </a:p>
+          <a:p>
+            <a:pPr marL="0" algn="ctr" rtl="0" eaLnBrk="1" latinLnBrk="1" hangingPunct="1">
+              <a:spcBef>
+                <a:spcPts val="0"/>
+              </a:spcBef>
+              <a:spcAft>
+                <a:spcPts val="0"/>
+              </a:spcAft>
+            </a:pPr>
+            <a:endParaRPr lang="en-US" altLang="ko-KR" sz="1200" dirty="0">
+              <a:solidFill>
+                <a:srgbClr val="000000"/>
+              </a:solidFill>
+              <a:effectLst>
+                <a:outerShdw blurRad="38100" dist="19050" dir="2700000" algn="tl" rotWithShape="0">
+                  <a:schemeClr val="dk1">
+                    <a:alpha val="40000"/>
+                  </a:schemeClr>
+                </a:outerShdw>
+              </a:effectLst>
+              <a:latin typeface="맑은 고딕" panose="020B0503020000020004" pitchFamily="50" charset="-127"/>
+              <a:ea typeface="맑은 고딕" panose="020B0503020000020004" pitchFamily="50" charset="-127"/>
+            </a:endParaRPr>
+          </a:p>
+          <a:p>
+            <a:pPr marL="0" algn="ctr" rtl="0" eaLnBrk="1" latinLnBrk="1" hangingPunct="1">
+              <a:spcBef>
+                <a:spcPts val="0"/>
+              </a:spcBef>
+              <a:spcAft>
+                <a:spcPts val="0"/>
+              </a:spcAft>
+            </a:pPr>
+            <a:r>
+              <a:rPr lang="ko-KR" altLang="en-US" sz="1200" dirty="0">
+                <a:solidFill>
+                  <a:srgbClr val="000000"/>
+                </a:solidFill>
+                <a:effectLst>
+                  <a:outerShdw blurRad="38100" dist="19050" dir="2700000" algn="tl" rotWithShape="0">
+                    <a:schemeClr val="dk1">
+                      <a:alpha val="40000"/>
+                    </a:schemeClr>
+                  </a:outerShdw>
+                </a:effectLst>
+                <a:latin typeface="맑은 고딕" panose="020B0503020000020004" pitchFamily="50" charset="-127"/>
+                <a:ea typeface="맑은 고딕" panose="020B0503020000020004" pitchFamily="50" charset="-127"/>
+              </a:rPr>
+              <a:t>충전 시작하면 왼쪽에서 오른쪽으로 서서히 </a:t>
+            </a:r>
+            <a:endParaRPr lang="en-US" altLang="ko-KR" sz="1200" dirty="0">
+              <a:solidFill>
+                <a:srgbClr val="000000"/>
+              </a:solidFill>
+              <a:effectLst>
+                <a:outerShdw blurRad="38100" dist="19050" dir="2700000" algn="tl" rotWithShape="0">
+                  <a:schemeClr val="dk1">
+                    <a:alpha val="40000"/>
+                  </a:schemeClr>
+                </a:outerShdw>
+              </a:effectLst>
+              <a:latin typeface="맑은 고딕" panose="020B0503020000020004" pitchFamily="50" charset="-127"/>
+              <a:ea typeface="맑은 고딕" panose="020B0503020000020004" pitchFamily="50" charset="-127"/>
+            </a:endParaRPr>
+          </a:p>
+          <a:p>
+            <a:pPr marL="0" algn="ctr" rtl="0" eaLnBrk="1" latinLnBrk="1" hangingPunct="1">
+              <a:spcBef>
+                <a:spcPts val="0"/>
+              </a:spcBef>
+              <a:spcAft>
+                <a:spcPts val="0"/>
+              </a:spcAft>
+            </a:pPr>
+            <a:r>
+              <a:rPr lang="ko-KR" altLang="en-US" sz="1200" dirty="0">
+                <a:solidFill>
+                  <a:srgbClr val="000000"/>
+                </a:solidFill>
+                <a:effectLst>
+                  <a:outerShdw blurRad="38100" dist="19050" dir="2700000" algn="tl" rotWithShape="0">
+                    <a:schemeClr val="dk1">
+                      <a:alpha val="40000"/>
+                    </a:schemeClr>
+                  </a:outerShdw>
+                </a:effectLst>
+                <a:latin typeface="맑은 고딕" panose="020B0503020000020004" pitchFamily="50" charset="-127"/>
+                <a:ea typeface="맑은 고딕" panose="020B0503020000020004" pitchFamily="50" charset="-127"/>
+              </a:rPr>
+              <a:t>배터리 충전 완료</a:t>
+            </a:r>
+            <a:endParaRPr lang="en-US" altLang="ko-KR" sz="1200" dirty="0">
+              <a:solidFill>
+                <a:srgbClr val="000000"/>
+              </a:solidFill>
+              <a:effectLst>
+                <a:outerShdw blurRad="38100" dist="19050" dir="2700000" algn="tl" rotWithShape="0">
+                  <a:schemeClr val="dk1">
+                    <a:alpha val="40000"/>
+                  </a:schemeClr>
+                </a:outerShdw>
+              </a:effectLst>
+              <a:latin typeface="맑은 고딕" panose="020B0503020000020004" pitchFamily="50" charset="-127"/>
+              <a:ea typeface="맑은 고딕" panose="020B0503020000020004" pitchFamily="50" charset="-127"/>
+            </a:endParaRPr>
+          </a:p>
+          <a:p>
+            <a:pPr marL="0" algn="ctr" rtl="0" eaLnBrk="1" latinLnBrk="1" hangingPunct="1">
+              <a:spcBef>
+                <a:spcPts val="0"/>
+              </a:spcBef>
+              <a:spcAft>
+                <a:spcPts val="0"/>
+              </a:spcAft>
+            </a:pPr>
+            <a:r>
+              <a:rPr lang="ko-KR" altLang="en-US" sz="1200" dirty="0">
+                <a:solidFill>
+                  <a:srgbClr val="000000"/>
+                </a:solidFill>
+                <a:effectLst>
+                  <a:outerShdw blurRad="38100" dist="19050" dir="2700000" algn="tl" rotWithShape="0">
+                    <a:schemeClr val="dk1">
+                      <a:alpha val="40000"/>
+                    </a:schemeClr>
+                  </a:outerShdw>
+                </a:effectLst>
+                <a:latin typeface="맑은 고딕" panose="020B0503020000020004" pitchFamily="50" charset="-127"/>
+                <a:ea typeface="맑은 고딕" panose="020B0503020000020004" pitchFamily="50" charset="-127"/>
+              </a:rPr>
+              <a:t>끝나면 다시 인벤토리에 드래그</a:t>
+            </a:r>
+            <a:endParaRPr lang="en-US" altLang="ko-KR" sz="1200" dirty="0">
+              <a:solidFill>
+                <a:srgbClr val="000000"/>
+              </a:solidFill>
+              <a:effectLst>
+                <a:outerShdw blurRad="38100" dist="19050" dir="2700000" algn="tl" rotWithShape="0">
+                  <a:schemeClr val="dk1">
+                    <a:alpha val="40000"/>
+                  </a:schemeClr>
+                </a:outerShdw>
+              </a:effectLst>
+              <a:latin typeface="맑은 고딕" panose="020B0503020000020004" pitchFamily="50" charset="-127"/>
+              <a:ea typeface="맑은 고딕" panose="020B0503020000020004" pitchFamily="50" charset="-127"/>
+            </a:endParaRPr>
+          </a:p>
+        </p:txBody>
+      </p:sp>
     </p:spTree>
     <p:extLst>
       <p:ext uri="{BB962C8B-B14F-4D97-AF65-F5344CB8AC3E}">
@@ -14387,7 +16591,7 @@
           <p:cNvPr id="198" name="사각형: 둥근 모서리 197">
             <a:extLst>
               <a:ext uri="{FF2B5EF4-FFF2-40B4-BE49-F238E27FC236}">
-                <a16:creationId xmlns:a16="http://schemas.microsoft.com/office/drawing/2014/main" xmlns="" id="{3E02CA4B-E009-458D-9663-19CCDC8D792B}"/>
+                <a16:creationId xmlns:a16="http://schemas.microsoft.com/office/drawing/2014/main" id="{3E02CA4B-E009-458D-9663-19CCDC8D792B}"/>
               </a:ext>
             </a:extLst>
           </p:cNvPr>
@@ -14441,7 +16645,7 @@
           <p:cNvPr id="19" name="직사각형 18">
             <a:extLst>
               <a:ext uri="{FF2B5EF4-FFF2-40B4-BE49-F238E27FC236}">
-                <a16:creationId xmlns:a16="http://schemas.microsoft.com/office/drawing/2014/main" xmlns="" id="{60E8ECA5-8AD5-4EAD-B3F6-94210D46088C}"/>
+                <a16:creationId xmlns:a16="http://schemas.microsoft.com/office/drawing/2014/main" id="{60E8ECA5-8AD5-4EAD-B3F6-94210D46088C}"/>
               </a:ext>
             </a:extLst>
           </p:cNvPr>
@@ -14493,7 +16697,7 @@
           <p:cNvPr id="4" name="직사각형 3">
             <a:extLst>
               <a:ext uri="{FF2B5EF4-FFF2-40B4-BE49-F238E27FC236}">
-                <a16:creationId xmlns:a16="http://schemas.microsoft.com/office/drawing/2014/main" xmlns="" id="{AE93FE2A-85FE-4157-951C-FC2FADBB3B34}"/>
+                <a16:creationId xmlns:a16="http://schemas.microsoft.com/office/drawing/2014/main" id="{AE93FE2A-85FE-4157-951C-FC2FADBB3B34}"/>
               </a:ext>
             </a:extLst>
           </p:cNvPr>
@@ -14545,7 +16749,7 @@
           <p:cNvPr id="7" name="TextBox 6">
             <a:extLst>
               <a:ext uri="{FF2B5EF4-FFF2-40B4-BE49-F238E27FC236}">
-                <a16:creationId xmlns:a16="http://schemas.microsoft.com/office/drawing/2014/main" xmlns="" id="{982817C4-ACF4-45FB-A018-6E6F872691BC}"/>
+                <a16:creationId xmlns:a16="http://schemas.microsoft.com/office/drawing/2014/main" id="{982817C4-ACF4-45FB-A018-6E6F872691BC}"/>
               </a:ext>
             </a:extLst>
           </p:cNvPr>
@@ -14578,46 +16782,10 @@
       </p:sp>
       <p:sp>
         <p:nvSpPr>
-          <p:cNvPr id="11" name="TextBox 10">
-            <a:extLst>
-              <a:ext uri="{FF2B5EF4-FFF2-40B4-BE49-F238E27FC236}">
-                <a16:creationId xmlns:a16="http://schemas.microsoft.com/office/drawing/2014/main" xmlns="" id="{4C392713-5D6A-477F-809B-12AAFB288320}"/>
-              </a:ext>
-            </a:extLst>
-          </p:cNvPr>
-          <p:cNvSpPr txBox="1"/>
-          <p:nvPr/>
-        </p:nvSpPr>
-        <p:spPr>
-          <a:xfrm>
-            <a:off x="11508508" y="6289963"/>
-            <a:ext cx="311304" cy="369332"/>
-          </a:xfrm>
-          <a:prstGeom prst="rect">
-            <a:avLst/>
-          </a:prstGeom>
-          <a:noFill/>
-        </p:spPr>
-        <p:txBody>
-          <a:bodyPr wrap="none" rtlCol="0">
-            <a:spAutoFit/>
-          </a:bodyPr>
-          <a:lstStyle/>
-          <a:p>
-            <a:r>
-              <a:rPr lang="en-US" altLang="ko-KR" dirty="0"/>
-              <a:t>2</a:t>
-            </a:r>
-            <a:endParaRPr lang="ko-KR" altLang="en-US" dirty="0"/>
-          </a:p>
-        </p:txBody>
-      </p:sp>
-      <p:sp>
-        <p:nvSpPr>
           <p:cNvPr id="199" name="타원 198">
             <a:extLst>
               <a:ext uri="{FF2B5EF4-FFF2-40B4-BE49-F238E27FC236}">
-                <a16:creationId xmlns:a16="http://schemas.microsoft.com/office/drawing/2014/main" xmlns="" id="{EE49514C-7EC3-4EE2-9128-08A773A94EAF}"/>
+                <a16:creationId xmlns:a16="http://schemas.microsoft.com/office/drawing/2014/main" id="{EE49514C-7EC3-4EE2-9128-08A773A94EAF}"/>
               </a:ext>
             </a:extLst>
           </p:cNvPr>
@@ -14669,7 +16837,7 @@
           <p:cNvPr id="200" name="타원 199">
             <a:extLst>
               <a:ext uri="{FF2B5EF4-FFF2-40B4-BE49-F238E27FC236}">
-                <a16:creationId xmlns:a16="http://schemas.microsoft.com/office/drawing/2014/main" xmlns="" id="{F4FC2F8D-9B46-473F-A9CF-30AFA8F22704}"/>
+                <a16:creationId xmlns:a16="http://schemas.microsoft.com/office/drawing/2014/main" id="{F4FC2F8D-9B46-473F-A9CF-30AFA8F22704}"/>
               </a:ext>
             </a:extLst>
           </p:cNvPr>
@@ -14718,7 +16886,7 @@
           <p:cNvPr id="201" name="타원 200">
             <a:extLst>
               <a:ext uri="{FF2B5EF4-FFF2-40B4-BE49-F238E27FC236}">
-                <a16:creationId xmlns:a16="http://schemas.microsoft.com/office/drawing/2014/main" xmlns="" id="{316BBCC9-1FEB-4F6B-A90B-02CDB0A5202A}"/>
+                <a16:creationId xmlns:a16="http://schemas.microsoft.com/office/drawing/2014/main" id="{316BBCC9-1FEB-4F6B-A90B-02CDB0A5202A}"/>
               </a:ext>
             </a:extLst>
           </p:cNvPr>
@@ -14770,7 +16938,7 @@
           <p:cNvPr id="202" name="타원 201">
             <a:extLst>
               <a:ext uri="{FF2B5EF4-FFF2-40B4-BE49-F238E27FC236}">
-                <a16:creationId xmlns:a16="http://schemas.microsoft.com/office/drawing/2014/main" xmlns="" id="{08E3B82D-1B81-45F5-8EF7-61A45103706F}"/>
+                <a16:creationId xmlns:a16="http://schemas.microsoft.com/office/drawing/2014/main" id="{08E3B82D-1B81-45F5-8EF7-61A45103706F}"/>
               </a:ext>
             </a:extLst>
           </p:cNvPr>
@@ -14828,7 +16996,7 @@
           <p:cNvPr id="203" name="타원 202">
             <a:extLst>
               <a:ext uri="{FF2B5EF4-FFF2-40B4-BE49-F238E27FC236}">
-                <a16:creationId xmlns:a16="http://schemas.microsoft.com/office/drawing/2014/main" xmlns="" id="{5F7D788C-28A0-4B9C-9EA9-9ACFE972B264}"/>
+                <a16:creationId xmlns:a16="http://schemas.microsoft.com/office/drawing/2014/main" id="{5F7D788C-28A0-4B9C-9EA9-9ACFE972B264}"/>
               </a:ext>
             </a:extLst>
           </p:cNvPr>
@@ -14889,7 +17057,7 @@
           <p:cNvPr id="204" name="타원 203">
             <a:extLst>
               <a:ext uri="{FF2B5EF4-FFF2-40B4-BE49-F238E27FC236}">
-                <a16:creationId xmlns:a16="http://schemas.microsoft.com/office/drawing/2014/main" xmlns="" id="{B23696C0-0570-4599-BFC8-B151FB3F6540}"/>
+                <a16:creationId xmlns:a16="http://schemas.microsoft.com/office/drawing/2014/main" id="{B23696C0-0570-4599-BFC8-B151FB3F6540}"/>
               </a:ext>
             </a:extLst>
           </p:cNvPr>
@@ -14941,7 +17109,7 @@
           <p:cNvPr id="205" name="TextBox 204">
             <a:extLst>
               <a:ext uri="{FF2B5EF4-FFF2-40B4-BE49-F238E27FC236}">
-                <a16:creationId xmlns:a16="http://schemas.microsoft.com/office/drawing/2014/main" xmlns="" id="{E747CE9B-EFA0-4EF4-9E8C-65AA04BF9D1E}"/>
+                <a16:creationId xmlns:a16="http://schemas.microsoft.com/office/drawing/2014/main" id="{E747CE9B-EFA0-4EF4-9E8C-65AA04BF9D1E}"/>
               </a:ext>
             </a:extLst>
           </p:cNvPr>
@@ -14977,7 +17145,7 @@
           <p:cNvPr id="206" name="그래픽 205" descr="핀 있는 지도 윤곽선">
             <a:extLst>
               <a:ext uri="{FF2B5EF4-FFF2-40B4-BE49-F238E27FC236}">
-                <a16:creationId xmlns:a16="http://schemas.microsoft.com/office/drawing/2014/main" xmlns="" id="{F5142EB6-FD3F-450C-A516-99157EAB242B}"/>
+                <a16:creationId xmlns:a16="http://schemas.microsoft.com/office/drawing/2014/main" id="{F5142EB6-FD3F-450C-A516-99157EAB242B}"/>
               </a:ext>
             </a:extLst>
           </p:cNvPr>
@@ -14993,7 +17161,7 @@
                 <a14:useLocalDpi xmlns:a14="http://schemas.microsoft.com/office/drawing/2010/main" val="0"/>
               </a:ext>
               <a:ext uri="{96DAC541-7B7A-43D3-8B79-37D633B846F1}">
-                <asvg:svgBlip xmlns:asvg="http://schemas.microsoft.com/office/drawing/2016/SVG/main" xmlns="" r:embed="rId4"/>
+                <asvg:svgBlip xmlns:asvg="http://schemas.microsoft.com/office/drawing/2016/SVG/main" r:embed="rId4"/>
               </a:ext>
             </a:extLst>
           </a:blip>
@@ -15016,7 +17184,7 @@
           <p:cNvPr id="20" name="직사각형 19">
             <a:extLst>
               <a:ext uri="{FF2B5EF4-FFF2-40B4-BE49-F238E27FC236}">
-                <a16:creationId xmlns:a16="http://schemas.microsoft.com/office/drawing/2014/main" xmlns="" id="{DB786D9F-9F63-4114-863C-FD277B989344}"/>
+                <a16:creationId xmlns:a16="http://schemas.microsoft.com/office/drawing/2014/main" id="{DB786D9F-9F63-4114-863C-FD277B989344}"/>
               </a:ext>
             </a:extLst>
           </p:cNvPr>
@@ -15025,8 +17193,8 @@
         </p:nvSpPr>
         <p:spPr>
           <a:xfrm>
-            <a:off x="9530948" y="3646093"/>
-            <a:ext cx="2404997" cy="2138621"/>
+            <a:off x="9530948" y="2719563"/>
+            <a:ext cx="2404997" cy="1450611"/>
           </a:xfrm>
           <a:prstGeom prst="rect">
             <a:avLst/>
@@ -15274,7 +17442,7 @@
           <p:cNvPr id="213" name="직사각형 212">
             <a:extLst>
               <a:ext uri="{FF2B5EF4-FFF2-40B4-BE49-F238E27FC236}">
-                <a16:creationId xmlns:a16="http://schemas.microsoft.com/office/drawing/2014/main" xmlns="" id="{EE0E73F6-6363-4E70-AB7B-EE4257F2A2D2}"/>
+                <a16:creationId xmlns:a16="http://schemas.microsoft.com/office/drawing/2014/main" id="{EE0E73F6-6363-4E70-AB7B-EE4257F2A2D2}"/>
               </a:ext>
             </a:extLst>
           </p:cNvPr>
@@ -15283,8 +17451,8 @@
         </p:nvSpPr>
         <p:spPr>
           <a:xfrm>
-            <a:off x="9513664" y="1353346"/>
-            <a:ext cx="2404997" cy="2138621"/>
+            <a:off x="9530948" y="1099478"/>
+            <a:ext cx="2404997" cy="1588349"/>
           </a:xfrm>
           <a:prstGeom prst="rect">
             <a:avLst/>
@@ -15576,22 +17744,6 @@
               <a:effectLst/>
             </a:endParaRPr>
           </a:p>
-          <a:p>
-            <a:pPr algn="ctr"/>
-            <a:endParaRPr lang="en-US" altLang="ko-KR" sz="1200" dirty="0">
-              <a:ln w="0"/>
-              <a:solidFill>
-                <a:schemeClr val="tx1"/>
-              </a:solidFill>
-              <a:effectLst>
-                <a:outerShdw blurRad="38100" dist="19050" dir="2700000" algn="tl" rotWithShape="0">
-                  <a:schemeClr val="dk1">
-                    <a:alpha val="40000"/>
-                  </a:schemeClr>
-                </a:outerShdw>
-              </a:effectLst>
-            </a:endParaRPr>
-          </a:p>
         </p:txBody>
       </p:sp>
       <p:sp>
@@ -15599,7 +17751,7 @@
           <p:cNvPr id="21" name="TextBox 20">
             <a:extLst>
               <a:ext uri="{FF2B5EF4-FFF2-40B4-BE49-F238E27FC236}">
-                <a16:creationId xmlns:a16="http://schemas.microsoft.com/office/drawing/2014/main" xmlns="" id="{04FF0C63-9200-4D4D-87FC-C29E13044F0A}"/>
+                <a16:creationId xmlns:a16="http://schemas.microsoft.com/office/drawing/2014/main" id="{04FF0C63-9200-4D4D-87FC-C29E13044F0A}"/>
               </a:ext>
             </a:extLst>
           </p:cNvPr>
@@ -15635,7 +17787,7 @@
           <p:cNvPr id="2" name="사각형: 둥근 모서리 1">
             <a:extLst>
               <a:ext uri="{FF2B5EF4-FFF2-40B4-BE49-F238E27FC236}">
-                <a16:creationId xmlns:a16="http://schemas.microsoft.com/office/drawing/2014/main" xmlns="" id="{6F8AAC4B-35A6-4D2A-9734-181C3279A70D}"/>
+                <a16:creationId xmlns:a16="http://schemas.microsoft.com/office/drawing/2014/main" id="{6F8AAC4B-35A6-4D2A-9734-181C3279A70D}"/>
               </a:ext>
             </a:extLst>
           </p:cNvPr>
@@ -15682,7 +17834,7 @@
           <p:cNvPr id="5" name="직선 연결선 4">
             <a:extLst>
               <a:ext uri="{FF2B5EF4-FFF2-40B4-BE49-F238E27FC236}">
-                <a16:creationId xmlns:a16="http://schemas.microsoft.com/office/drawing/2014/main" xmlns="" id="{1107B28F-8BDF-4735-BBD9-B7EEAFEF6287}"/>
+                <a16:creationId xmlns:a16="http://schemas.microsoft.com/office/drawing/2014/main" id="{1107B28F-8BDF-4735-BBD9-B7EEAFEF6287}"/>
               </a:ext>
             </a:extLst>
           </p:cNvPr>
@@ -15725,7 +17877,7 @@
           <p:cNvPr id="9" name="TextBox 8">
             <a:extLst>
               <a:ext uri="{FF2B5EF4-FFF2-40B4-BE49-F238E27FC236}">
-                <a16:creationId xmlns:a16="http://schemas.microsoft.com/office/drawing/2014/main" xmlns="" id="{630C2ED1-178D-4974-8F41-8085EAD33E5A}"/>
+                <a16:creationId xmlns:a16="http://schemas.microsoft.com/office/drawing/2014/main" id="{630C2ED1-178D-4974-8F41-8085EAD33E5A}"/>
               </a:ext>
             </a:extLst>
           </p:cNvPr>
@@ -15761,7 +17913,7 @@
           <p:cNvPr id="26" name="직선 연결선 25">
             <a:extLst>
               <a:ext uri="{FF2B5EF4-FFF2-40B4-BE49-F238E27FC236}">
-                <a16:creationId xmlns:a16="http://schemas.microsoft.com/office/drawing/2014/main" xmlns="" id="{D6AAF88C-FB9C-4D6F-9217-B343A124011E}"/>
+                <a16:creationId xmlns:a16="http://schemas.microsoft.com/office/drawing/2014/main" id="{D6AAF88C-FB9C-4D6F-9217-B343A124011E}"/>
               </a:ext>
             </a:extLst>
           </p:cNvPr>
@@ -15804,7 +17956,7 @@
           <p:cNvPr id="27" name="TextBox 26">
             <a:extLst>
               <a:ext uri="{FF2B5EF4-FFF2-40B4-BE49-F238E27FC236}">
-                <a16:creationId xmlns:a16="http://schemas.microsoft.com/office/drawing/2014/main" xmlns="" id="{2489696E-FBA6-4FD2-820B-5F7233AE09D1}"/>
+                <a16:creationId xmlns:a16="http://schemas.microsoft.com/office/drawing/2014/main" id="{2489696E-FBA6-4FD2-820B-5F7233AE09D1}"/>
               </a:ext>
             </a:extLst>
           </p:cNvPr>
@@ -15840,7 +17992,7 @@
           <p:cNvPr id="28" name="직선 연결선 27">
             <a:extLst>
               <a:ext uri="{FF2B5EF4-FFF2-40B4-BE49-F238E27FC236}">
-                <a16:creationId xmlns:a16="http://schemas.microsoft.com/office/drawing/2014/main" xmlns="" id="{D75364AD-DC40-4CEB-AB02-9679DCAA7BF6}"/>
+                <a16:creationId xmlns:a16="http://schemas.microsoft.com/office/drawing/2014/main" id="{D75364AD-DC40-4CEB-AB02-9679DCAA7BF6}"/>
               </a:ext>
             </a:extLst>
           </p:cNvPr>
@@ -15883,7 +18035,7 @@
           <p:cNvPr id="29" name="TextBox 28">
             <a:extLst>
               <a:ext uri="{FF2B5EF4-FFF2-40B4-BE49-F238E27FC236}">
-                <a16:creationId xmlns:a16="http://schemas.microsoft.com/office/drawing/2014/main" xmlns="" id="{08D42FBA-8F2D-4E9E-AFD5-C74508CC0013}"/>
+                <a16:creationId xmlns:a16="http://schemas.microsoft.com/office/drawing/2014/main" id="{08D42FBA-8F2D-4E9E-AFD5-C74508CC0013}"/>
               </a:ext>
             </a:extLst>
           </p:cNvPr>
@@ -15919,7 +18071,7 @@
           <p:cNvPr id="30" name="직선 연결선 29">
             <a:extLst>
               <a:ext uri="{FF2B5EF4-FFF2-40B4-BE49-F238E27FC236}">
-                <a16:creationId xmlns:a16="http://schemas.microsoft.com/office/drawing/2014/main" xmlns="" id="{E25D06C0-6E58-49C1-906F-4C36B106EE93}"/>
+                <a16:creationId xmlns:a16="http://schemas.microsoft.com/office/drawing/2014/main" id="{E25D06C0-6E58-49C1-906F-4C36B106EE93}"/>
               </a:ext>
             </a:extLst>
           </p:cNvPr>
@@ -15962,7 +18114,7 @@
           <p:cNvPr id="31" name="TextBox 30">
             <a:extLst>
               <a:ext uri="{FF2B5EF4-FFF2-40B4-BE49-F238E27FC236}">
-                <a16:creationId xmlns:a16="http://schemas.microsoft.com/office/drawing/2014/main" xmlns="" id="{D1A4178A-882B-4E13-A486-0F708BCE5345}"/>
+                <a16:creationId xmlns:a16="http://schemas.microsoft.com/office/drawing/2014/main" id="{D1A4178A-882B-4E13-A486-0F708BCE5345}"/>
               </a:ext>
             </a:extLst>
           </p:cNvPr>
@@ -15998,7 +18150,7 @@
           <p:cNvPr id="32" name="직선 연결선 31">
             <a:extLst>
               <a:ext uri="{FF2B5EF4-FFF2-40B4-BE49-F238E27FC236}">
-                <a16:creationId xmlns:a16="http://schemas.microsoft.com/office/drawing/2014/main" xmlns="" id="{14B2727F-5F26-4026-8169-1D48FAECA780}"/>
+                <a16:creationId xmlns:a16="http://schemas.microsoft.com/office/drawing/2014/main" id="{14B2727F-5F26-4026-8169-1D48FAECA780}"/>
               </a:ext>
             </a:extLst>
           </p:cNvPr>
@@ -16041,7 +18193,7 @@
           <p:cNvPr id="33" name="직선 연결선 32">
             <a:extLst>
               <a:ext uri="{FF2B5EF4-FFF2-40B4-BE49-F238E27FC236}">
-                <a16:creationId xmlns:a16="http://schemas.microsoft.com/office/drawing/2014/main" xmlns="" id="{2EF8354C-FD84-4D39-AAB9-19ED463229B4}"/>
+                <a16:creationId xmlns:a16="http://schemas.microsoft.com/office/drawing/2014/main" id="{2EF8354C-FD84-4D39-AAB9-19ED463229B4}"/>
               </a:ext>
             </a:extLst>
           </p:cNvPr>
@@ -16084,7 +18236,7 @@
           <p:cNvPr id="34" name="직선 연결선 33">
             <a:extLst>
               <a:ext uri="{FF2B5EF4-FFF2-40B4-BE49-F238E27FC236}">
-                <a16:creationId xmlns:a16="http://schemas.microsoft.com/office/drawing/2014/main" xmlns="" id="{FDD3C178-B5FB-496C-ADF7-8C51A75FD312}"/>
+                <a16:creationId xmlns:a16="http://schemas.microsoft.com/office/drawing/2014/main" id="{FDD3C178-B5FB-496C-ADF7-8C51A75FD312}"/>
               </a:ext>
             </a:extLst>
           </p:cNvPr>
@@ -16127,7 +18279,7 @@
           <p:cNvPr id="35" name="직선 연결선 34">
             <a:extLst>
               <a:ext uri="{FF2B5EF4-FFF2-40B4-BE49-F238E27FC236}">
-                <a16:creationId xmlns:a16="http://schemas.microsoft.com/office/drawing/2014/main" xmlns="" id="{0B9997C4-ACF4-4F5B-B507-A781DFFE18F9}"/>
+                <a16:creationId xmlns:a16="http://schemas.microsoft.com/office/drawing/2014/main" id="{0B9997C4-ACF4-4F5B-B507-A781DFFE18F9}"/>
               </a:ext>
             </a:extLst>
           </p:cNvPr>
@@ -16170,7 +18322,7 @@
           <p:cNvPr id="16" name="사각형: 둥근 위쪽 모서리 15">
             <a:extLst>
               <a:ext uri="{FF2B5EF4-FFF2-40B4-BE49-F238E27FC236}">
-                <a16:creationId xmlns:a16="http://schemas.microsoft.com/office/drawing/2014/main" xmlns="" id="{58E4A76B-758F-483B-95BE-0E65A8113786}"/>
+                <a16:creationId xmlns:a16="http://schemas.microsoft.com/office/drawing/2014/main" id="{58E4A76B-758F-483B-95BE-0E65A8113786}"/>
               </a:ext>
             </a:extLst>
           </p:cNvPr>
@@ -16225,7 +18377,7 @@
           <p:cNvPr id="42" name="사각형: 둥근 위쪽 모서리 41">
             <a:extLst>
               <a:ext uri="{FF2B5EF4-FFF2-40B4-BE49-F238E27FC236}">
-                <a16:creationId xmlns:a16="http://schemas.microsoft.com/office/drawing/2014/main" xmlns="" id="{FBBB8F35-EBAD-4B75-A867-F2D6B37F5BD0}"/>
+                <a16:creationId xmlns:a16="http://schemas.microsoft.com/office/drawing/2014/main" id="{FBBB8F35-EBAD-4B75-A867-F2D6B37F5BD0}"/>
               </a:ext>
             </a:extLst>
           </p:cNvPr>
@@ -16280,7 +18432,7 @@
           <p:cNvPr id="43" name="사각형: 둥근 위쪽 모서리 42">
             <a:extLst>
               <a:ext uri="{FF2B5EF4-FFF2-40B4-BE49-F238E27FC236}">
-                <a16:creationId xmlns:a16="http://schemas.microsoft.com/office/drawing/2014/main" xmlns="" id="{E5681E1C-1DAD-427F-BAE2-D9126084695C}"/>
+                <a16:creationId xmlns:a16="http://schemas.microsoft.com/office/drawing/2014/main" id="{E5681E1C-1DAD-427F-BAE2-D9126084695C}"/>
               </a:ext>
             </a:extLst>
           </p:cNvPr>
@@ -16335,7 +18487,7 @@
           <p:cNvPr id="44" name="사각형: 둥근 위쪽 모서리 43">
             <a:extLst>
               <a:ext uri="{FF2B5EF4-FFF2-40B4-BE49-F238E27FC236}">
-                <a16:creationId xmlns:a16="http://schemas.microsoft.com/office/drawing/2014/main" xmlns="" id="{06321157-3406-49EE-88DA-B9C0F638F2E2}"/>
+                <a16:creationId xmlns:a16="http://schemas.microsoft.com/office/drawing/2014/main" id="{06321157-3406-49EE-88DA-B9C0F638F2E2}"/>
               </a:ext>
             </a:extLst>
           </p:cNvPr>
@@ -16390,7 +18542,7 @@
           <p:cNvPr id="45" name="사각형: 둥근 위쪽 모서리 44">
             <a:extLst>
               <a:ext uri="{FF2B5EF4-FFF2-40B4-BE49-F238E27FC236}">
-                <a16:creationId xmlns:a16="http://schemas.microsoft.com/office/drawing/2014/main" xmlns="" id="{32F7D88D-859F-4DBA-BA81-1FC3239C01DD}"/>
+                <a16:creationId xmlns:a16="http://schemas.microsoft.com/office/drawing/2014/main" id="{32F7D88D-859F-4DBA-BA81-1FC3239C01DD}"/>
               </a:ext>
             </a:extLst>
           </p:cNvPr>
@@ -16445,7 +18597,7 @@
           <p:cNvPr id="46" name="사각형: 둥근 위쪽 모서리 45">
             <a:extLst>
               <a:ext uri="{FF2B5EF4-FFF2-40B4-BE49-F238E27FC236}">
-                <a16:creationId xmlns:a16="http://schemas.microsoft.com/office/drawing/2014/main" xmlns="" id="{685BEE8F-D848-4432-9AB5-F1D0BA132BAE}"/>
+                <a16:creationId xmlns:a16="http://schemas.microsoft.com/office/drawing/2014/main" id="{685BEE8F-D848-4432-9AB5-F1D0BA132BAE}"/>
               </a:ext>
             </a:extLst>
           </p:cNvPr>
@@ -16500,7 +18652,7 @@
           <p:cNvPr id="47" name="사각형: 둥근 위쪽 모서리 46">
             <a:extLst>
               <a:ext uri="{FF2B5EF4-FFF2-40B4-BE49-F238E27FC236}">
-                <a16:creationId xmlns:a16="http://schemas.microsoft.com/office/drawing/2014/main" xmlns="" id="{9562EE7D-FF29-4305-8340-3DCCED378991}"/>
+                <a16:creationId xmlns:a16="http://schemas.microsoft.com/office/drawing/2014/main" id="{9562EE7D-FF29-4305-8340-3DCCED378991}"/>
               </a:ext>
             </a:extLst>
           </p:cNvPr>
@@ -16555,7 +18707,7 @@
           <p:cNvPr id="48" name="사각형: 둥근 위쪽 모서리 47">
             <a:extLst>
               <a:ext uri="{FF2B5EF4-FFF2-40B4-BE49-F238E27FC236}">
-                <a16:creationId xmlns:a16="http://schemas.microsoft.com/office/drawing/2014/main" xmlns="" id="{540CD51E-861B-4B27-B267-3256EF3BF432}"/>
+                <a16:creationId xmlns:a16="http://schemas.microsoft.com/office/drawing/2014/main" id="{540CD51E-861B-4B27-B267-3256EF3BF432}"/>
               </a:ext>
             </a:extLst>
           </p:cNvPr>
@@ -16602,6 +18754,363 @@
           <a:p>
             <a:pPr algn="ctr"/>
             <a:endParaRPr lang="ko-KR" altLang="en-US"/>
+          </a:p>
+        </p:txBody>
+      </p:sp>
+      <p:sp>
+        <p:nvSpPr>
+          <p:cNvPr id="39" name="직사각형 38">
+            <a:extLst>
+              <a:ext uri="{FF2B5EF4-FFF2-40B4-BE49-F238E27FC236}">
+                <a16:creationId xmlns:a16="http://schemas.microsoft.com/office/drawing/2014/main" id="{35C9517F-A81D-4447-813D-C07967AA7200}"/>
+              </a:ext>
+            </a:extLst>
+          </p:cNvPr>
+          <p:cNvSpPr/>
+          <p:nvPr/>
+        </p:nvSpPr>
+        <p:spPr>
+          <a:xfrm>
+            <a:off x="9530947" y="4248654"/>
+            <a:ext cx="2404997" cy="2126672"/>
+          </a:xfrm>
+          <a:prstGeom prst="rect">
+            <a:avLst/>
+          </a:prstGeom>
+          <a:solidFill>
+            <a:schemeClr val="bg1">
+              <a:lumMod val="85000"/>
+            </a:schemeClr>
+          </a:solidFill>
+        </p:spPr>
+        <p:style>
+          <a:lnRef idx="2">
+            <a:schemeClr val="accent1">
+              <a:shade val="50000"/>
+            </a:schemeClr>
+          </a:lnRef>
+          <a:fillRef idx="1">
+            <a:schemeClr val="accent1"/>
+          </a:fillRef>
+          <a:effectRef idx="0">
+            <a:schemeClr val="accent1"/>
+          </a:effectRef>
+          <a:fontRef idx="minor">
+            <a:schemeClr val="lt1"/>
+          </a:fontRef>
+        </p:style>
+        <p:txBody>
+          <a:bodyPr rtlCol="0" anchor="ctr"/>
+          <a:lstStyle/>
+          <a:p>
+            <a:pPr marL="0" algn="ctr" rtl="0" eaLnBrk="1" latinLnBrk="1" hangingPunct="1">
+              <a:spcBef>
+                <a:spcPts val="0"/>
+              </a:spcBef>
+              <a:spcAft>
+                <a:spcPts val="0"/>
+              </a:spcAft>
+            </a:pPr>
+            <a:r>
+              <a:rPr lang="ko-KR" altLang="en-US" b="1" dirty="0">
+                <a:solidFill>
+                  <a:schemeClr val="tx1"/>
+                </a:solidFill>
+                <a:effectLst/>
+              </a:rPr>
+              <a:t>연출</a:t>
+            </a:r>
+            <a:endParaRPr lang="en-US" altLang="ko-KR" sz="1200" b="1" dirty="0">
+              <a:solidFill>
+                <a:srgbClr val="000000"/>
+              </a:solidFill>
+              <a:effectLst>
+                <a:outerShdw blurRad="38100" dist="19050" dir="2700000" algn="tl" rotWithShape="0">
+                  <a:schemeClr val="dk1">
+                    <a:alpha val="40000"/>
+                  </a:schemeClr>
+                </a:outerShdw>
+              </a:effectLst>
+              <a:latin typeface="맑은 고딕" panose="020B0503020000020004" pitchFamily="50" charset="-127"/>
+              <a:ea typeface="맑은 고딕" panose="020B0503020000020004" pitchFamily="50" charset="-127"/>
+            </a:endParaRPr>
+          </a:p>
+          <a:p>
+            <a:pPr marL="0" algn="ctr" rtl="0" eaLnBrk="1" latinLnBrk="1" hangingPunct="1">
+              <a:spcBef>
+                <a:spcPts val="0"/>
+              </a:spcBef>
+              <a:spcAft>
+                <a:spcPts val="0"/>
+              </a:spcAft>
+            </a:pPr>
+            <a:endParaRPr lang="en-US" altLang="ko-KR" sz="1200" dirty="0">
+              <a:solidFill>
+                <a:srgbClr val="000000"/>
+              </a:solidFill>
+              <a:effectLst>
+                <a:outerShdw blurRad="38100" dist="19050" dir="2700000" algn="tl" rotWithShape="0">
+                  <a:schemeClr val="dk1">
+                    <a:alpha val="40000"/>
+                  </a:schemeClr>
+                </a:outerShdw>
+              </a:effectLst>
+              <a:latin typeface="맑은 고딕" panose="020B0503020000020004" pitchFamily="50" charset="-127"/>
+              <a:ea typeface="맑은 고딕" panose="020B0503020000020004" pitchFamily="50" charset="-127"/>
+            </a:endParaRPr>
+          </a:p>
+          <a:p>
+            <a:pPr marL="0" algn="ctr" rtl="0" eaLnBrk="1" latinLnBrk="1" hangingPunct="1">
+              <a:spcBef>
+                <a:spcPts val="0"/>
+              </a:spcBef>
+              <a:spcAft>
+                <a:spcPts val="0"/>
+              </a:spcAft>
+            </a:pPr>
+            <a:r>
+              <a:rPr lang="ko-KR" altLang="en-US" sz="1200" dirty="0">
+                <a:solidFill>
+                  <a:srgbClr val="000000"/>
+                </a:solidFill>
+                <a:effectLst>
+                  <a:outerShdw blurRad="38100" dist="19050" dir="2700000" algn="tl" rotWithShape="0">
+                    <a:schemeClr val="dk1">
+                      <a:alpha val="40000"/>
+                    </a:schemeClr>
+                  </a:outerShdw>
+                </a:effectLst>
+                <a:latin typeface="맑은 고딕" panose="020B0503020000020004" pitchFamily="50" charset="-127"/>
+                <a:ea typeface="맑은 고딕" panose="020B0503020000020004" pitchFamily="50" charset="-127"/>
+              </a:rPr>
+              <a:t>줄이 끊길 때 스파크가 튀기는</a:t>
+            </a:r>
+            <a:endParaRPr lang="en-US" altLang="ko-KR" sz="1200" dirty="0">
+              <a:solidFill>
+                <a:srgbClr val="000000"/>
+              </a:solidFill>
+              <a:effectLst>
+                <a:outerShdw blurRad="38100" dist="19050" dir="2700000" algn="tl" rotWithShape="0">
+                  <a:schemeClr val="dk1">
+                    <a:alpha val="40000"/>
+                  </a:schemeClr>
+                </a:outerShdw>
+              </a:effectLst>
+              <a:latin typeface="맑은 고딕" panose="020B0503020000020004" pitchFamily="50" charset="-127"/>
+              <a:ea typeface="맑은 고딕" panose="020B0503020000020004" pitchFamily="50" charset="-127"/>
+            </a:endParaRPr>
+          </a:p>
+          <a:p>
+            <a:pPr marL="0" algn="ctr" rtl="0" eaLnBrk="1" latinLnBrk="1" hangingPunct="1">
+              <a:spcBef>
+                <a:spcPts val="0"/>
+              </a:spcBef>
+              <a:spcAft>
+                <a:spcPts val="0"/>
+              </a:spcAft>
+            </a:pPr>
+            <a:r>
+              <a:rPr lang="ko-KR" altLang="en-US" sz="1200" dirty="0">
+                <a:solidFill>
+                  <a:srgbClr val="000000"/>
+                </a:solidFill>
+                <a:effectLst>
+                  <a:outerShdw blurRad="38100" dist="19050" dir="2700000" algn="tl" rotWithShape="0">
+                    <a:schemeClr val="dk1">
+                      <a:alpha val="40000"/>
+                    </a:schemeClr>
+                  </a:outerShdw>
+                </a:effectLst>
+                <a:latin typeface="맑은 고딕" panose="020B0503020000020004" pitchFamily="50" charset="-127"/>
+                <a:ea typeface="맑은 고딕" panose="020B0503020000020004" pitchFamily="50" charset="-127"/>
+              </a:rPr>
+              <a:t>이펙트 생성</a:t>
+            </a:r>
+            <a:endParaRPr lang="en-US" altLang="ko-KR" sz="1200" dirty="0">
+              <a:solidFill>
+                <a:srgbClr val="000000"/>
+              </a:solidFill>
+              <a:effectLst>
+                <a:outerShdw blurRad="38100" dist="19050" dir="2700000" algn="tl" rotWithShape="0">
+                  <a:schemeClr val="dk1">
+                    <a:alpha val="40000"/>
+                  </a:schemeClr>
+                </a:outerShdw>
+              </a:effectLst>
+              <a:latin typeface="맑은 고딕" panose="020B0503020000020004" pitchFamily="50" charset="-127"/>
+              <a:ea typeface="맑은 고딕" panose="020B0503020000020004" pitchFamily="50" charset="-127"/>
+            </a:endParaRPr>
+          </a:p>
+          <a:p>
+            <a:pPr marL="0" algn="ctr" rtl="0" eaLnBrk="1" latinLnBrk="1" hangingPunct="1">
+              <a:spcBef>
+                <a:spcPts val="0"/>
+              </a:spcBef>
+              <a:spcAft>
+                <a:spcPts val="0"/>
+              </a:spcAft>
+            </a:pPr>
+            <a:endParaRPr lang="en-US" altLang="ko-KR" sz="1200" dirty="0">
+              <a:solidFill>
+                <a:srgbClr val="000000"/>
+              </a:solidFill>
+              <a:effectLst>
+                <a:outerShdw blurRad="38100" dist="19050" dir="2700000" algn="tl" rotWithShape="0">
+                  <a:schemeClr val="dk1">
+                    <a:alpha val="40000"/>
+                  </a:schemeClr>
+                </a:outerShdw>
+              </a:effectLst>
+              <a:latin typeface="맑은 고딕" panose="020B0503020000020004" pitchFamily="50" charset="-127"/>
+              <a:ea typeface="맑은 고딕" panose="020B0503020000020004" pitchFamily="50" charset="-127"/>
+            </a:endParaRPr>
+          </a:p>
+          <a:p>
+            <a:pPr marL="0" algn="ctr" rtl="0" eaLnBrk="1" latinLnBrk="1" hangingPunct="1">
+              <a:spcBef>
+                <a:spcPts val="0"/>
+              </a:spcBef>
+              <a:spcAft>
+                <a:spcPts val="0"/>
+              </a:spcAft>
+            </a:pPr>
+            <a:r>
+              <a:rPr lang="ko-KR" altLang="en-US" sz="1200" dirty="0">
+                <a:solidFill>
+                  <a:srgbClr val="000000"/>
+                </a:solidFill>
+                <a:effectLst>
+                  <a:outerShdw blurRad="38100" dist="19050" dir="2700000" algn="tl" rotWithShape="0">
+                    <a:schemeClr val="dk1">
+                      <a:alpha val="40000"/>
+                    </a:schemeClr>
+                  </a:outerShdw>
+                </a:effectLst>
+                <a:latin typeface="맑은 고딕" panose="020B0503020000020004" pitchFamily="50" charset="-127"/>
+                <a:ea typeface="맑은 고딕" panose="020B0503020000020004" pitchFamily="50" charset="-127"/>
+              </a:rPr>
+              <a:t>다 끝나면 전선대신 엔진 배치</a:t>
+            </a:r>
+            <a:endParaRPr lang="en-US" altLang="ko-KR" sz="1200" dirty="0">
+              <a:solidFill>
+                <a:srgbClr val="000000"/>
+              </a:solidFill>
+              <a:effectLst>
+                <a:outerShdw blurRad="38100" dist="19050" dir="2700000" algn="tl" rotWithShape="0">
+                  <a:schemeClr val="dk1">
+                    <a:alpha val="40000"/>
+                  </a:schemeClr>
+                </a:outerShdw>
+              </a:effectLst>
+              <a:latin typeface="맑은 고딕" panose="020B0503020000020004" pitchFamily="50" charset="-127"/>
+              <a:ea typeface="맑은 고딕" panose="020B0503020000020004" pitchFamily="50" charset="-127"/>
+            </a:endParaRPr>
+          </a:p>
+          <a:p>
+            <a:pPr marL="0" algn="ctr" rtl="0" eaLnBrk="1" latinLnBrk="1" hangingPunct="1">
+              <a:spcBef>
+                <a:spcPts val="0"/>
+              </a:spcBef>
+              <a:spcAft>
+                <a:spcPts val="0"/>
+              </a:spcAft>
+            </a:pPr>
+            <a:endParaRPr lang="en-US" altLang="ko-KR" sz="1200" dirty="0">
+              <a:solidFill>
+                <a:srgbClr val="000000"/>
+              </a:solidFill>
+              <a:effectLst>
+                <a:outerShdw blurRad="38100" dist="19050" dir="2700000" algn="tl" rotWithShape="0">
+                  <a:schemeClr val="dk1">
+                    <a:alpha val="40000"/>
+                  </a:schemeClr>
+                </a:outerShdw>
+              </a:effectLst>
+              <a:latin typeface="맑은 고딕" panose="020B0503020000020004" pitchFamily="50" charset="-127"/>
+              <a:ea typeface="맑은 고딕" panose="020B0503020000020004" pitchFamily="50" charset="-127"/>
+            </a:endParaRPr>
+          </a:p>
+          <a:p>
+            <a:pPr marL="0" algn="ctr" rtl="0" eaLnBrk="1" latinLnBrk="1" hangingPunct="1">
+              <a:spcBef>
+                <a:spcPts val="0"/>
+              </a:spcBef>
+              <a:spcAft>
+                <a:spcPts val="0"/>
+              </a:spcAft>
+            </a:pPr>
+            <a:r>
+              <a:rPr lang="ko-KR" altLang="en-US" sz="1200" dirty="0">
+                <a:solidFill>
+                  <a:srgbClr val="000000"/>
+                </a:solidFill>
+                <a:effectLst>
+                  <a:outerShdw blurRad="38100" dist="19050" dir="2700000" algn="tl" rotWithShape="0">
+                    <a:schemeClr val="dk1">
+                      <a:alpha val="40000"/>
+                    </a:schemeClr>
+                  </a:outerShdw>
+                </a:effectLst>
+                <a:latin typeface="맑은 고딕" panose="020B0503020000020004" pitchFamily="50" charset="-127"/>
+                <a:ea typeface="맑은 고딕" panose="020B0503020000020004" pitchFamily="50" charset="-127"/>
+              </a:rPr>
+              <a:t>배치된 엔진을 드래그하여 </a:t>
+            </a:r>
+            <a:endParaRPr lang="en-US" altLang="ko-KR" sz="1200" dirty="0">
+              <a:solidFill>
+                <a:srgbClr val="000000"/>
+              </a:solidFill>
+              <a:effectLst>
+                <a:outerShdw blurRad="38100" dist="19050" dir="2700000" algn="tl" rotWithShape="0">
+                  <a:schemeClr val="dk1">
+                    <a:alpha val="40000"/>
+                  </a:schemeClr>
+                </a:outerShdw>
+              </a:effectLst>
+              <a:latin typeface="맑은 고딕" panose="020B0503020000020004" pitchFamily="50" charset="-127"/>
+              <a:ea typeface="맑은 고딕" panose="020B0503020000020004" pitchFamily="50" charset="-127"/>
+            </a:endParaRPr>
+          </a:p>
+          <a:p>
+            <a:pPr marL="0" algn="ctr" rtl="0" eaLnBrk="1" latinLnBrk="1" hangingPunct="1">
+              <a:spcBef>
+                <a:spcPts val="0"/>
+              </a:spcBef>
+              <a:spcAft>
+                <a:spcPts val="0"/>
+              </a:spcAft>
+            </a:pPr>
+            <a:r>
+              <a:rPr lang="ko-KR" altLang="en-US" sz="1200" dirty="0">
+                <a:solidFill>
+                  <a:srgbClr val="000000"/>
+                </a:solidFill>
+                <a:effectLst>
+                  <a:outerShdw blurRad="38100" dist="19050" dir="2700000" algn="tl" rotWithShape="0">
+                    <a:schemeClr val="dk1">
+                      <a:alpha val="40000"/>
+                    </a:schemeClr>
+                  </a:outerShdw>
+                </a:effectLst>
+                <a:latin typeface="맑은 고딕" panose="020B0503020000020004" pitchFamily="50" charset="-127"/>
+                <a:ea typeface="맑은 고딕" panose="020B0503020000020004" pitchFamily="50" charset="-127"/>
+              </a:rPr>
+              <a:t>인벤토리로 이동</a:t>
+            </a:r>
+            <a:endParaRPr lang="en-US" altLang="ko-KR" sz="1200" dirty="0">
+              <a:solidFill>
+                <a:srgbClr val="000000"/>
+              </a:solidFill>
+              <a:effectLst>
+                <a:outerShdw blurRad="38100" dist="19050" dir="2700000" algn="tl" rotWithShape="0">
+                  <a:schemeClr val="dk1">
+                    <a:alpha val="40000"/>
+                  </a:schemeClr>
+                </a:outerShdw>
+              </a:effectLst>
+              <a:latin typeface="맑은 고딕" panose="020B0503020000020004" pitchFamily="50" charset="-127"/>
+              <a:ea typeface="맑은 고딕" panose="020B0503020000020004" pitchFamily="50" charset="-127"/>
+            </a:endParaRPr>
           </a:p>
         </p:txBody>
       </p:sp>
@@ -16907,7 +19416,7 @@
   <a:extraClrSchemeLst/>
   <a:extLst>
     <a:ext uri="{05A4C25C-085E-4340-85A3-A5531E510DB2}">
-      <thm15:themeFamily xmlns:thm15="http://schemas.microsoft.com/office/thememl/2012/main" xmlns="" name="Office Theme" id="{62F939B6-93AF-4DB8-9C6B-D6C7DFDC589F}" vid="{4A3C46E8-61CC-4603-A589-7422A47A8E4A}"/>
+      <thm15:themeFamily xmlns:thm15="http://schemas.microsoft.com/office/thememl/2012/main" name="Office Theme" id="{62F939B6-93AF-4DB8-9C6B-D6C7DFDC589F}" vid="{4A3C46E8-61CC-4603-A589-7422A47A8E4A}"/>
     </a:ext>
   </a:extLst>
 </a:theme>
@@ -17202,7 +19711,7 @@
   <a:extraClrSchemeLst/>
   <a:extLst>
     <a:ext uri="{05A4C25C-085E-4340-85A3-A5531E510DB2}">
-      <thm15:themeFamily xmlns:thm15="http://schemas.microsoft.com/office/thememl/2012/main" xmlns="" name="Office Theme" id="{62F939B6-93AF-4DB8-9C6B-D6C7DFDC589F}" vid="{4A3C46E8-61CC-4603-A589-7422A47A8E4A}"/>
+      <thm15:themeFamily xmlns:thm15="http://schemas.microsoft.com/office/thememl/2012/main" name="Office Theme" id="{62F939B6-93AF-4DB8-9C6B-D6C7DFDC589F}" vid="{4A3C46E8-61CC-4603-A589-7422A47A8E4A}"/>
     </a:ext>
   </a:extLst>
 </a:theme>

--- a/Document/시스템/채집 시스템.pptx
+++ b/Document/시스템/채집 시스템.pptx
@@ -215,7 +215,7 @@
           <a:p>
             <a:fld id="{1BE7B796-A74A-480E-B7C3-F20E279F0A7C}" type="datetimeFigureOut">
               <a:rPr lang="ko-KR" altLang="en-US" smtClean="0"/>
-              <a:t>2022-04-07(Thu)</a:t>
+              <a:t>2022-04-11(Mon)</a:t>
             </a:fld>
             <a:endParaRPr lang="ko-KR" altLang="en-US"/>
           </a:p>
@@ -1217,7 +1217,7 @@
           <a:p>
             <a:fld id="{4E8DDE92-A542-49E3-8BCA-C8166235BA4E}" type="datetimeFigureOut">
               <a:rPr lang="ko-KR" altLang="en-US" smtClean="0"/>
-              <a:t>2022-04-07(Thu)</a:t>
+              <a:t>2022-04-11(Mon)</a:t>
             </a:fld>
             <a:endParaRPr lang="ko-KR" altLang="en-US"/>
           </a:p>
@@ -1415,7 +1415,7 @@
           <a:p>
             <a:fld id="{4E8DDE92-A542-49E3-8BCA-C8166235BA4E}" type="datetimeFigureOut">
               <a:rPr lang="ko-KR" altLang="en-US" smtClean="0"/>
-              <a:t>2022-04-07(Thu)</a:t>
+              <a:t>2022-04-11(Mon)</a:t>
             </a:fld>
             <a:endParaRPr lang="ko-KR" altLang="en-US"/>
           </a:p>
@@ -1623,7 +1623,7 @@
           <a:p>
             <a:fld id="{4E8DDE92-A542-49E3-8BCA-C8166235BA4E}" type="datetimeFigureOut">
               <a:rPr lang="ko-KR" altLang="en-US" smtClean="0"/>
-              <a:t>2022-04-07(Thu)</a:t>
+              <a:t>2022-04-11(Mon)</a:t>
             </a:fld>
             <a:endParaRPr lang="ko-KR" altLang="en-US"/>
           </a:p>
@@ -2073,7 +2073,7 @@
           <a:p>
             <a:fld id="{4E8DDE92-A542-49E3-8BCA-C8166235BA4E}" type="datetimeFigureOut">
               <a:rPr lang="ko-KR" altLang="en-US" smtClean="0"/>
-              <a:t>2022-04-07(Thu)</a:t>
+              <a:t>2022-04-11(Mon)</a:t>
             </a:fld>
             <a:endParaRPr lang="ko-KR" altLang="en-US"/>
           </a:p>
@@ -2348,7 +2348,7 @@
           <a:p>
             <a:fld id="{4E8DDE92-A542-49E3-8BCA-C8166235BA4E}" type="datetimeFigureOut">
               <a:rPr lang="ko-KR" altLang="en-US" smtClean="0"/>
-              <a:t>2022-04-07(Thu)</a:t>
+              <a:t>2022-04-11(Mon)</a:t>
             </a:fld>
             <a:endParaRPr lang="ko-KR" altLang="en-US"/>
           </a:p>
@@ -2613,7 +2613,7 @@
           <a:p>
             <a:fld id="{4E8DDE92-A542-49E3-8BCA-C8166235BA4E}" type="datetimeFigureOut">
               <a:rPr lang="ko-KR" altLang="en-US" smtClean="0"/>
-              <a:t>2022-04-07(Thu)</a:t>
+              <a:t>2022-04-11(Mon)</a:t>
             </a:fld>
             <a:endParaRPr lang="ko-KR" altLang="en-US"/>
           </a:p>
@@ -3025,7 +3025,7 @@
           <a:p>
             <a:fld id="{4E8DDE92-A542-49E3-8BCA-C8166235BA4E}" type="datetimeFigureOut">
               <a:rPr lang="ko-KR" altLang="en-US" smtClean="0"/>
-              <a:t>2022-04-07(Thu)</a:t>
+              <a:t>2022-04-11(Mon)</a:t>
             </a:fld>
             <a:endParaRPr lang="ko-KR" altLang="en-US"/>
           </a:p>
@@ -3166,7 +3166,7 @@
           <a:p>
             <a:fld id="{4E8DDE92-A542-49E3-8BCA-C8166235BA4E}" type="datetimeFigureOut">
               <a:rPr lang="ko-KR" altLang="en-US" smtClean="0"/>
-              <a:t>2022-04-07(Thu)</a:t>
+              <a:t>2022-04-11(Mon)</a:t>
             </a:fld>
             <a:endParaRPr lang="ko-KR" altLang="en-US"/>
           </a:p>
@@ -3279,7 +3279,7 @@
           <a:p>
             <a:fld id="{4E8DDE92-A542-49E3-8BCA-C8166235BA4E}" type="datetimeFigureOut">
               <a:rPr lang="ko-KR" altLang="en-US" smtClean="0"/>
-              <a:t>2022-04-07(Thu)</a:t>
+              <a:t>2022-04-11(Mon)</a:t>
             </a:fld>
             <a:endParaRPr lang="ko-KR" altLang="en-US"/>
           </a:p>
@@ -3590,7 +3590,7 @@
           <a:p>
             <a:fld id="{4E8DDE92-A542-49E3-8BCA-C8166235BA4E}" type="datetimeFigureOut">
               <a:rPr lang="ko-KR" altLang="en-US" smtClean="0"/>
-              <a:t>2022-04-07(Thu)</a:t>
+              <a:t>2022-04-11(Mon)</a:t>
             </a:fld>
             <a:endParaRPr lang="ko-KR" altLang="en-US"/>
           </a:p>
@@ -3878,7 +3878,7 @@
           <a:p>
             <a:fld id="{4E8DDE92-A542-49E3-8BCA-C8166235BA4E}" type="datetimeFigureOut">
               <a:rPr lang="ko-KR" altLang="en-US" smtClean="0"/>
-              <a:t>2022-04-07(Thu)</a:t>
+              <a:t>2022-04-11(Mon)</a:t>
             </a:fld>
             <a:endParaRPr lang="ko-KR" altLang="en-US"/>
           </a:p>
@@ -4119,7 +4119,7 @@
           <a:p>
             <a:fld id="{4E8DDE92-A542-49E3-8BCA-C8166235BA4E}" type="datetimeFigureOut">
               <a:rPr lang="ko-KR" altLang="en-US" smtClean="0"/>
-              <a:t>2022-04-07(Thu)</a:t>
+              <a:t>2022-04-11(Mon)</a:t>
             </a:fld>
             <a:endParaRPr lang="ko-KR" altLang="en-US"/>
           </a:p>
@@ -10374,7 +10374,41 @@
                 <a:latin typeface="맑은 고딕" panose="020B0503020000020004" pitchFamily="50" charset="-127"/>
                 <a:ea typeface="맑은 고딕" panose="020B0503020000020004" pitchFamily="50" charset="-127"/>
               </a:rPr>
-              <a:t>패널 끄고 베리 </a:t>
+              <a:t>바구니 위치에 바구니를 </a:t>
+            </a:r>
+            <a:r>
+              <a:rPr lang="ko-KR" altLang="en-US" sz="1200" dirty="0" err="1">
+                <a:solidFill>
+                  <a:srgbClr val="000000"/>
+                </a:solidFill>
+                <a:effectLst>
+                  <a:outerShdw blurRad="38100" dist="19050" dir="2700000" algn="tl" rotWithShape="0">
+                    <a:schemeClr val="dk1">
+                      <a:alpha val="40000"/>
+                    </a:schemeClr>
+                  </a:outerShdw>
+                </a:effectLst>
+                <a:latin typeface="맑은 고딕" panose="020B0503020000020004" pitchFamily="50" charset="-127"/>
+                <a:ea typeface="맑은 고딕" panose="020B0503020000020004" pitchFamily="50" charset="-127"/>
+              </a:rPr>
+              <a:t>없애고베리</a:t>
+            </a:r>
+            <a:r>
+              <a:rPr lang="ko-KR" altLang="en-US" sz="1200" dirty="0">
+                <a:solidFill>
+                  <a:srgbClr val="000000"/>
+                </a:solidFill>
+                <a:effectLst>
+                  <a:outerShdw blurRad="38100" dist="19050" dir="2700000" algn="tl" rotWithShape="0">
+                    <a:schemeClr val="dk1">
+                      <a:alpha val="40000"/>
+                    </a:schemeClr>
+                  </a:outerShdw>
+                </a:effectLst>
+                <a:latin typeface="맑은 고딕" panose="020B0503020000020004" pitchFamily="50" charset="-127"/>
+                <a:ea typeface="맑은 고딕" panose="020B0503020000020004" pitchFamily="50" charset="-127"/>
+              </a:rPr>
+              <a:t> </a:t>
             </a:r>
             <a:r>
               <a:rPr lang="en-US" altLang="ko-KR" sz="1200" dirty="0">

--- a/Document/시스템/채집 시스템.pptx
+++ b/Document/시스템/채집 시스템.pptx
@@ -215,7 +215,7 @@
           <a:p>
             <a:fld id="{1BE7B796-A74A-480E-B7C3-F20E279F0A7C}" type="datetimeFigureOut">
               <a:rPr lang="ko-KR" altLang="en-US" smtClean="0"/>
-              <a:t>2022-04-11(Mon)</a:t>
+              <a:t>2022-04-13(Wed)</a:t>
             </a:fld>
             <a:endParaRPr lang="ko-KR" altLang="en-US"/>
           </a:p>
@@ -1217,7 +1217,7 @@
           <a:p>
             <a:fld id="{4E8DDE92-A542-49E3-8BCA-C8166235BA4E}" type="datetimeFigureOut">
               <a:rPr lang="ko-KR" altLang="en-US" smtClean="0"/>
-              <a:t>2022-04-11(Mon)</a:t>
+              <a:t>2022-04-13(Wed)</a:t>
             </a:fld>
             <a:endParaRPr lang="ko-KR" altLang="en-US"/>
           </a:p>
@@ -1415,7 +1415,7 @@
           <a:p>
             <a:fld id="{4E8DDE92-A542-49E3-8BCA-C8166235BA4E}" type="datetimeFigureOut">
               <a:rPr lang="ko-KR" altLang="en-US" smtClean="0"/>
-              <a:t>2022-04-11(Mon)</a:t>
+              <a:t>2022-04-13(Wed)</a:t>
             </a:fld>
             <a:endParaRPr lang="ko-KR" altLang="en-US"/>
           </a:p>
@@ -1623,7 +1623,7 @@
           <a:p>
             <a:fld id="{4E8DDE92-A542-49E3-8BCA-C8166235BA4E}" type="datetimeFigureOut">
               <a:rPr lang="ko-KR" altLang="en-US" smtClean="0"/>
-              <a:t>2022-04-11(Mon)</a:t>
+              <a:t>2022-04-13(Wed)</a:t>
             </a:fld>
             <a:endParaRPr lang="ko-KR" altLang="en-US"/>
           </a:p>
@@ -2073,7 +2073,7 @@
           <a:p>
             <a:fld id="{4E8DDE92-A542-49E3-8BCA-C8166235BA4E}" type="datetimeFigureOut">
               <a:rPr lang="ko-KR" altLang="en-US" smtClean="0"/>
-              <a:t>2022-04-11(Mon)</a:t>
+              <a:t>2022-04-13(Wed)</a:t>
             </a:fld>
             <a:endParaRPr lang="ko-KR" altLang="en-US"/>
           </a:p>
@@ -2348,7 +2348,7 @@
           <a:p>
             <a:fld id="{4E8DDE92-A542-49E3-8BCA-C8166235BA4E}" type="datetimeFigureOut">
               <a:rPr lang="ko-KR" altLang="en-US" smtClean="0"/>
-              <a:t>2022-04-11(Mon)</a:t>
+              <a:t>2022-04-13(Wed)</a:t>
             </a:fld>
             <a:endParaRPr lang="ko-KR" altLang="en-US"/>
           </a:p>
@@ -2613,7 +2613,7 @@
           <a:p>
             <a:fld id="{4E8DDE92-A542-49E3-8BCA-C8166235BA4E}" type="datetimeFigureOut">
               <a:rPr lang="ko-KR" altLang="en-US" smtClean="0"/>
-              <a:t>2022-04-11(Mon)</a:t>
+              <a:t>2022-04-13(Wed)</a:t>
             </a:fld>
             <a:endParaRPr lang="ko-KR" altLang="en-US"/>
           </a:p>
@@ -3025,7 +3025,7 @@
           <a:p>
             <a:fld id="{4E8DDE92-A542-49E3-8BCA-C8166235BA4E}" type="datetimeFigureOut">
               <a:rPr lang="ko-KR" altLang="en-US" smtClean="0"/>
-              <a:t>2022-04-11(Mon)</a:t>
+              <a:t>2022-04-13(Wed)</a:t>
             </a:fld>
             <a:endParaRPr lang="ko-KR" altLang="en-US"/>
           </a:p>
@@ -3166,7 +3166,7 @@
           <a:p>
             <a:fld id="{4E8DDE92-A542-49E3-8BCA-C8166235BA4E}" type="datetimeFigureOut">
               <a:rPr lang="ko-KR" altLang="en-US" smtClean="0"/>
-              <a:t>2022-04-11(Mon)</a:t>
+              <a:t>2022-04-13(Wed)</a:t>
             </a:fld>
             <a:endParaRPr lang="ko-KR" altLang="en-US"/>
           </a:p>
@@ -3279,7 +3279,7 @@
           <a:p>
             <a:fld id="{4E8DDE92-A542-49E3-8BCA-C8166235BA4E}" type="datetimeFigureOut">
               <a:rPr lang="ko-KR" altLang="en-US" smtClean="0"/>
-              <a:t>2022-04-11(Mon)</a:t>
+              <a:t>2022-04-13(Wed)</a:t>
             </a:fld>
             <a:endParaRPr lang="ko-KR" altLang="en-US"/>
           </a:p>
@@ -3590,7 +3590,7 @@
           <a:p>
             <a:fld id="{4E8DDE92-A542-49E3-8BCA-C8166235BA4E}" type="datetimeFigureOut">
               <a:rPr lang="ko-KR" altLang="en-US" smtClean="0"/>
-              <a:t>2022-04-11(Mon)</a:t>
+              <a:t>2022-04-13(Wed)</a:t>
             </a:fld>
             <a:endParaRPr lang="ko-KR" altLang="en-US"/>
           </a:p>
@@ -3878,7 +3878,7 @@
           <a:p>
             <a:fld id="{4E8DDE92-A542-49E3-8BCA-C8166235BA4E}" type="datetimeFigureOut">
               <a:rPr lang="ko-KR" altLang="en-US" smtClean="0"/>
-              <a:t>2022-04-11(Mon)</a:t>
+              <a:t>2022-04-13(Wed)</a:t>
             </a:fld>
             <a:endParaRPr lang="ko-KR" altLang="en-US"/>
           </a:p>
@@ -4119,7 +4119,7 @@
           <a:p>
             <a:fld id="{4E8DDE92-A542-49E3-8BCA-C8166235BA4E}" type="datetimeFigureOut">
               <a:rPr lang="ko-KR" altLang="en-US" smtClean="0"/>
-              <a:t>2022-04-11(Mon)</a:t>
+              <a:t>2022-04-13(Wed)</a:t>
             </a:fld>
             <a:endParaRPr lang="ko-KR" altLang="en-US"/>
           </a:p>
@@ -10719,42 +10719,6 @@
       </p:sp>
       <p:sp>
         <p:nvSpPr>
-          <p:cNvPr id="11" name="TextBox 10">
-            <a:extLst>
-              <a:ext uri="{FF2B5EF4-FFF2-40B4-BE49-F238E27FC236}">
-                <a16:creationId xmlns:a16="http://schemas.microsoft.com/office/drawing/2014/main" id="{4C392713-5D6A-477F-809B-12AAFB288320}"/>
-              </a:ext>
-            </a:extLst>
-          </p:cNvPr>
-          <p:cNvSpPr txBox="1"/>
-          <p:nvPr/>
-        </p:nvSpPr>
-        <p:spPr>
-          <a:xfrm>
-            <a:off x="11508508" y="6289963"/>
-            <a:ext cx="311304" cy="369332"/>
-          </a:xfrm>
-          <a:prstGeom prst="rect">
-            <a:avLst/>
-          </a:prstGeom>
-          <a:noFill/>
-        </p:spPr>
-        <p:txBody>
-          <a:bodyPr wrap="none" rtlCol="0">
-            <a:spAutoFit/>
-          </a:bodyPr>
-          <a:lstStyle/>
-          <a:p>
-            <a:r>
-              <a:rPr lang="en-US" altLang="ko-KR" dirty="0"/>
-              <a:t>2</a:t>
-            </a:r>
-            <a:endParaRPr lang="ko-KR" altLang="en-US" dirty="0"/>
-          </a:p>
-        </p:txBody>
-      </p:sp>
-      <p:sp>
-        <p:nvSpPr>
           <p:cNvPr id="199" name="타원 198">
             <a:extLst>
               <a:ext uri="{FF2B5EF4-FFF2-40B4-BE49-F238E27FC236}">
@@ -11820,7 +11784,7 @@
         <p:spPr>
           <a:xfrm>
             <a:off x="9509996" y="4125140"/>
-            <a:ext cx="2404997" cy="1945052"/>
+            <a:ext cx="2404997" cy="1522045"/>
           </a:xfrm>
           <a:prstGeom prst="rect">
             <a:avLst/>
@@ -11860,7 +11824,7 @@
               </a:spcAft>
             </a:pPr>
             <a:r>
-              <a:rPr lang="ko-KR" altLang="en-US" b="1" dirty="0">
+              <a:rPr lang="ko-KR" altLang="en-US" sz="1400" b="1" dirty="0">
                 <a:solidFill>
                   <a:schemeClr val="tx1"/>
                 </a:solidFill>
@@ -11868,17 +11832,7 @@
               </a:rPr>
               <a:t>연출</a:t>
             </a:r>
-          </a:p>
-          <a:p>
-            <a:pPr marL="0" algn="ctr" rtl="0" eaLnBrk="1" latinLnBrk="1" hangingPunct="1">
-              <a:spcBef>
-                <a:spcPts val="0"/>
-              </a:spcBef>
-              <a:spcAft>
-                <a:spcPts val="0"/>
-              </a:spcAft>
-            </a:pPr>
-            <a:endParaRPr lang="en-US" altLang="ko-KR" sz="1200" kern="1200" dirty="0">
+            <a:endParaRPr lang="en-US" altLang="ko-KR" sz="1050" kern="1200" dirty="0">
               <a:ln>
                 <a:noFill/>
               </a:ln>
@@ -11907,7 +11861,7 @@
               </a:spcAft>
             </a:pPr>
             <a:r>
-              <a:rPr lang="ko-KR" altLang="en-US" sz="1200" kern="1200" dirty="0">
+              <a:rPr lang="ko-KR" altLang="en-US" sz="1050" kern="1200" dirty="0">
                 <a:ln>
                   <a:noFill/>
                 </a:ln>
@@ -11927,7 +11881,7 @@
               </a:rPr>
               <a:t>커다란 돌을 곡괭이로 치면</a:t>
             </a:r>
-            <a:endParaRPr lang="en-US" altLang="ko-KR" sz="1200" kern="1200" dirty="0">
+            <a:endParaRPr lang="en-US" altLang="ko-KR" sz="1050" kern="1200" dirty="0">
               <a:ln>
                 <a:noFill/>
               </a:ln>
@@ -11956,7 +11910,7 @@
               </a:spcAft>
             </a:pPr>
             <a:r>
-              <a:rPr lang="ko-KR" altLang="en-US" sz="1200" dirty="0">
+              <a:rPr lang="ko-KR" altLang="en-US" sz="1050" dirty="0">
                 <a:solidFill>
                   <a:srgbClr val="000000"/>
                 </a:solidFill>
@@ -11972,7 +11926,7 @@
               </a:rPr>
               <a:t>서서히 돌이 깨지면서</a:t>
             </a:r>
-            <a:endParaRPr lang="en-US" altLang="ko-KR" sz="1200" dirty="0">
+            <a:endParaRPr lang="en-US" altLang="ko-KR" sz="1050" dirty="0">
               <a:solidFill>
                 <a:srgbClr val="000000"/>
               </a:solidFill>
@@ -11997,7 +11951,7 @@
               </a:spcAft>
             </a:pPr>
             <a:r>
-              <a:rPr lang="ko-KR" altLang="en-US" sz="1200" dirty="0">
+              <a:rPr lang="ko-KR" altLang="en-US" sz="1050" dirty="0">
                 <a:solidFill>
                   <a:srgbClr val="000000"/>
                 </a:solidFill>
@@ -12014,7 +11968,7 @@
               <a:t>광석이 서서히 보인다</a:t>
             </a:r>
             <a:r>
-              <a:rPr lang="en-US" altLang="ko-KR" sz="1200" dirty="0">
+              <a:rPr lang="en-US" altLang="ko-KR" sz="1050" dirty="0">
                 <a:solidFill>
                   <a:srgbClr val="000000"/>
                 </a:solidFill>
@@ -12040,7 +11994,7 @@
                 <a:spcPts val="0"/>
               </a:spcAft>
             </a:pPr>
-            <a:endParaRPr lang="en-US" altLang="ko-KR" sz="1200" dirty="0">
+            <a:endParaRPr lang="en-US" altLang="ko-KR" sz="1050" dirty="0">
               <a:solidFill>
                 <a:srgbClr val="000000"/>
               </a:solidFill>
@@ -12065,7 +12019,7 @@
               </a:spcAft>
             </a:pPr>
             <a:r>
-              <a:rPr lang="ko-KR" altLang="en-US" sz="1200" dirty="0">
+              <a:rPr lang="ko-KR" altLang="en-US" sz="1050" dirty="0">
                 <a:solidFill>
                   <a:srgbClr val="000000"/>
                 </a:solidFill>
@@ -12082,7 +12036,7 @@
               <a:t>광석이 모두 보이면 가져갈 수 있고</a:t>
             </a:r>
             <a:r>
-              <a:rPr lang="en-US" altLang="ko-KR" sz="1200" dirty="0">
+              <a:rPr lang="en-US" altLang="ko-KR" sz="1050" dirty="0">
                 <a:solidFill>
                   <a:srgbClr val="000000"/>
                 </a:solidFill>
@@ -12099,7 +12053,7 @@
               <a:t>, </a:t>
             </a:r>
             <a:r>
-              <a:rPr lang="ko-KR" altLang="en-US" sz="1200" dirty="0">
+              <a:rPr lang="ko-KR" altLang="en-US" sz="1050" dirty="0">
                 <a:solidFill>
                   <a:srgbClr val="000000"/>
                 </a:solidFill>
@@ -12115,7 +12069,7 @@
               </a:rPr>
               <a:t>가져갈 광석을 터치하면</a:t>
             </a:r>
-            <a:endParaRPr lang="en-US" altLang="ko-KR" sz="1200" dirty="0">
+            <a:endParaRPr lang="en-US" altLang="ko-KR" sz="1050" dirty="0">
               <a:solidFill>
                 <a:srgbClr val="000000"/>
               </a:solidFill>
@@ -12140,7 +12094,7 @@
               </a:spcAft>
             </a:pPr>
             <a:r>
-              <a:rPr lang="ko-KR" altLang="en-US" sz="1200" dirty="0">
+              <a:rPr lang="ko-KR" altLang="en-US" sz="1050" dirty="0">
                 <a:solidFill>
                   <a:srgbClr val="000000"/>
                 </a:solidFill>
@@ -12157,7 +12111,7 @@
               <a:t>그 광석이 돌 밑에 생성됨</a:t>
             </a:r>
             <a:r>
-              <a:rPr lang="en-US" altLang="ko-KR" sz="1200" dirty="0">
+              <a:rPr lang="en-US" altLang="ko-KR" sz="1050" dirty="0">
                 <a:solidFill>
                   <a:srgbClr val="000000"/>
                 </a:solidFill>
@@ -12174,6 +12128,53 @@
               <a:t>.</a:t>
             </a:r>
           </a:p>
+        </p:txBody>
+      </p:sp>
+      <p:sp>
+        <p:nvSpPr>
+          <p:cNvPr id="23" name="직사각형 22">
+            <a:extLst>
+              <a:ext uri="{FF2B5EF4-FFF2-40B4-BE49-F238E27FC236}">
+                <a16:creationId xmlns:a16="http://schemas.microsoft.com/office/drawing/2014/main" id="{55A11905-6C49-4D58-8960-B351174555C4}"/>
+              </a:ext>
+            </a:extLst>
+          </p:cNvPr>
+          <p:cNvSpPr/>
+          <p:nvPr/>
+        </p:nvSpPr>
+        <p:spPr>
+          <a:xfrm>
+            <a:off x="9485501" y="5784714"/>
+            <a:ext cx="2404997" cy="920886"/>
+          </a:xfrm>
+          <a:prstGeom prst="rect">
+            <a:avLst/>
+          </a:prstGeom>
+          <a:solidFill>
+            <a:schemeClr val="bg1">
+              <a:lumMod val="85000"/>
+            </a:schemeClr>
+          </a:solidFill>
+        </p:spPr>
+        <p:style>
+          <a:lnRef idx="2">
+            <a:schemeClr val="accent1">
+              <a:shade val="50000"/>
+            </a:schemeClr>
+          </a:lnRef>
+          <a:fillRef idx="1">
+            <a:schemeClr val="accent1"/>
+          </a:fillRef>
+          <a:effectRef idx="0">
+            <a:schemeClr val="accent1"/>
+          </a:effectRef>
+          <a:fontRef idx="minor">
+            <a:schemeClr val="lt1"/>
+          </a:fontRef>
+        </p:style>
+        <p:txBody>
+          <a:bodyPr rtlCol="0" anchor="ctr"/>
+          <a:lstStyle/>
           <a:p>
             <a:pPr marL="0" algn="ctr" rtl="0" eaLnBrk="1" latinLnBrk="1" hangingPunct="1">
               <a:spcBef>
@@ -12183,10 +12184,24 @@
                 <a:spcPts val="0"/>
               </a:spcAft>
             </a:pPr>
-            <a:endParaRPr lang="en-US" altLang="ko-KR" sz="1200" kern="1200" dirty="0">
-              <a:ln>
-                <a:noFill/>
-              </a:ln>
+            <a:r>
+              <a:rPr lang="ko-KR" altLang="en-US" sz="1400" b="1" dirty="0">
+                <a:solidFill>
+                  <a:srgbClr val="000000"/>
+                </a:solidFill>
+                <a:effectLst>
+                  <a:outerShdw blurRad="38100" dist="19050" dir="2700000" algn="tl" rotWithShape="0">
+                    <a:schemeClr val="dk1">
+                      <a:alpha val="40000"/>
+                    </a:schemeClr>
+                  </a:outerShdw>
+                </a:effectLst>
+                <a:latin typeface="맑은 고딕" panose="020B0503020000020004" pitchFamily="50" charset="-127"/>
+                <a:ea typeface="맑은 고딕" panose="020B0503020000020004" pitchFamily="50" charset="-127"/>
+              </a:rPr>
+              <a:t>확률</a:t>
+            </a:r>
+            <a:endParaRPr lang="en-US" altLang="ko-KR" sz="1400" b="1" dirty="0">
               <a:solidFill>
                 <a:srgbClr val="000000"/>
               </a:solidFill>
@@ -12199,7 +12214,204 @@
               </a:effectLst>
               <a:latin typeface="맑은 고딕" panose="020B0503020000020004" pitchFamily="50" charset="-127"/>
               <a:ea typeface="맑은 고딕" panose="020B0503020000020004" pitchFamily="50" charset="-127"/>
-              <a:cs typeface="+mn-cs"/>
+            </a:endParaRPr>
+          </a:p>
+          <a:p>
+            <a:pPr marL="0" algn="ctr" rtl="0" eaLnBrk="1" latinLnBrk="1" hangingPunct="1">
+              <a:spcBef>
+                <a:spcPts val="0"/>
+              </a:spcBef>
+              <a:spcAft>
+                <a:spcPts val="0"/>
+              </a:spcAft>
+            </a:pPr>
+            <a:r>
+              <a:rPr lang="ko-KR" altLang="en-US" sz="1000" dirty="0">
+                <a:solidFill>
+                  <a:srgbClr val="000000"/>
+                </a:solidFill>
+                <a:effectLst>
+                  <a:outerShdw blurRad="38100" dist="19050" dir="2700000" algn="tl" rotWithShape="0">
+                    <a:schemeClr val="dk1">
+                      <a:alpha val="40000"/>
+                    </a:schemeClr>
+                  </a:outerShdw>
+                </a:effectLst>
+                <a:latin typeface="맑은 고딕" panose="020B0503020000020004" pitchFamily="50" charset="-127"/>
+                <a:ea typeface="맑은 고딕" panose="020B0503020000020004" pitchFamily="50" charset="-127"/>
+              </a:rPr>
+              <a:t>한 칸당 나올 확률 </a:t>
+            </a:r>
+            <a:r>
+              <a:rPr lang="en-US" altLang="ko-KR" sz="1000" dirty="0">
+                <a:solidFill>
+                  <a:srgbClr val="000000"/>
+                </a:solidFill>
+                <a:effectLst>
+                  <a:outerShdw blurRad="38100" dist="19050" dir="2700000" algn="tl" rotWithShape="0">
+                    <a:schemeClr val="dk1">
+                      <a:alpha val="40000"/>
+                    </a:schemeClr>
+                  </a:outerShdw>
+                </a:effectLst>
+                <a:latin typeface="맑은 고딕" panose="020B0503020000020004" pitchFamily="50" charset="-127"/>
+                <a:ea typeface="맑은 고딕" panose="020B0503020000020004" pitchFamily="50" charset="-127"/>
+              </a:rPr>
+              <a:t>60%</a:t>
+            </a:r>
+            <a:endParaRPr lang="en-US" altLang="ko-KR" sz="900" dirty="0">
+              <a:solidFill>
+                <a:srgbClr val="000000"/>
+              </a:solidFill>
+              <a:effectLst>
+                <a:outerShdw blurRad="38100" dist="19050" dir="2700000" algn="tl" rotWithShape="0">
+                  <a:schemeClr val="dk1">
+                    <a:alpha val="40000"/>
+                  </a:schemeClr>
+                </a:outerShdw>
+              </a:effectLst>
+              <a:latin typeface="맑은 고딕" panose="020B0503020000020004" pitchFamily="50" charset="-127"/>
+              <a:ea typeface="맑은 고딕" panose="020B0503020000020004" pitchFamily="50" charset="-127"/>
+            </a:endParaRPr>
+          </a:p>
+          <a:p>
+            <a:pPr marL="0" algn="ctr" rtl="0" eaLnBrk="1" latinLnBrk="1" hangingPunct="1">
+              <a:spcBef>
+                <a:spcPts val="0"/>
+              </a:spcBef>
+              <a:spcAft>
+                <a:spcPts val="0"/>
+              </a:spcAft>
+            </a:pPr>
+            <a:r>
+              <a:rPr lang="ko-KR" altLang="en-US" sz="900" dirty="0">
+                <a:solidFill>
+                  <a:srgbClr val="000000"/>
+                </a:solidFill>
+                <a:effectLst>
+                  <a:outerShdw blurRad="38100" dist="19050" dir="2700000" algn="tl" rotWithShape="0">
+                    <a:schemeClr val="dk1">
+                      <a:alpha val="40000"/>
+                    </a:schemeClr>
+                  </a:outerShdw>
+                </a:effectLst>
+                <a:latin typeface="맑은 고딕" panose="020B0503020000020004" pitchFamily="50" charset="-127"/>
+                <a:ea typeface="맑은 고딕" panose="020B0503020000020004" pitchFamily="50" charset="-127"/>
+              </a:rPr>
+              <a:t>패널을 한번 킬 때에 </a:t>
+            </a:r>
+            <a:endParaRPr lang="en-US" altLang="ko-KR" sz="900" dirty="0">
+              <a:solidFill>
+                <a:srgbClr val="000000"/>
+              </a:solidFill>
+              <a:effectLst>
+                <a:outerShdw blurRad="38100" dist="19050" dir="2700000" algn="tl" rotWithShape="0">
+                  <a:schemeClr val="dk1">
+                    <a:alpha val="40000"/>
+                  </a:schemeClr>
+                </a:outerShdw>
+              </a:effectLst>
+              <a:latin typeface="맑은 고딕" panose="020B0503020000020004" pitchFamily="50" charset="-127"/>
+              <a:ea typeface="맑은 고딕" panose="020B0503020000020004" pitchFamily="50" charset="-127"/>
+            </a:endParaRPr>
+          </a:p>
+          <a:p>
+            <a:pPr marL="0" algn="ctr" rtl="0" eaLnBrk="1" latinLnBrk="1" hangingPunct="1">
+              <a:spcBef>
+                <a:spcPts val="0"/>
+              </a:spcBef>
+              <a:spcAft>
+                <a:spcPts val="0"/>
+              </a:spcAft>
+            </a:pPr>
+            <a:r>
+              <a:rPr lang="en-US" altLang="ko-KR" sz="900" dirty="0">
+                <a:solidFill>
+                  <a:srgbClr val="000000"/>
+                </a:solidFill>
+                <a:effectLst>
+                  <a:outerShdw blurRad="38100" dist="19050" dir="2700000" algn="tl" rotWithShape="0">
+                    <a:schemeClr val="dk1">
+                      <a:alpha val="40000"/>
+                    </a:schemeClr>
+                  </a:outerShdw>
+                </a:effectLst>
+                <a:latin typeface="맑은 고딕" panose="020B0503020000020004" pitchFamily="50" charset="-127"/>
+                <a:ea typeface="맑은 고딕" panose="020B0503020000020004" pitchFamily="50" charset="-127"/>
+              </a:rPr>
+              <a:t>3</a:t>
+            </a:r>
+            <a:r>
+              <a:rPr lang="ko-KR" altLang="en-US" sz="900" dirty="0">
+                <a:solidFill>
+                  <a:srgbClr val="000000"/>
+                </a:solidFill>
+                <a:effectLst>
+                  <a:outerShdw blurRad="38100" dist="19050" dir="2700000" algn="tl" rotWithShape="0">
+                    <a:schemeClr val="dk1">
+                      <a:alpha val="40000"/>
+                    </a:schemeClr>
+                  </a:outerShdw>
+                </a:effectLst>
+                <a:latin typeface="맑은 고딕" panose="020B0503020000020004" pitchFamily="50" charset="-127"/>
+                <a:ea typeface="맑은 고딕" panose="020B0503020000020004" pitchFamily="50" charset="-127"/>
+              </a:rPr>
+              <a:t>개의 광석을 인벤토리에 넣으면</a:t>
+            </a:r>
+            <a:endParaRPr lang="en-US" altLang="ko-KR" sz="900" dirty="0">
+              <a:solidFill>
+                <a:srgbClr val="000000"/>
+              </a:solidFill>
+              <a:effectLst>
+                <a:outerShdw blurRad="38100" dist="19050" dir="2700000" algn="tl" rotWithShape="0">
+                  <a:schemeClr val="dk1">
+                    <a:alpha val="40000"/>
+                  </a:schemeClr>
+                </a:outerShdw>
+              </a:effectLst>
+              <a:latin typeface="맑은 고딕" panose="020B0503020000020004" pitchFamily="50" charset="-127"/>
+              <a:ea typeface="맑은 고딕" panose="020B0503020000020004" pitchFamily="50" charset="-127"/>
+            </a:endParaRPr>
+          </a:p>
+          <a:p>
+            <a:pPr marL="0" algn="ctr" rtl="0" eaLnBrk="1" latinLnBrk="1" hangingPunct="1">
+              <a:spcBef>
+                <a:spcPts val="0"/>
+              </a:spcBef>
+              <a:spcAft>
+                <a:spcPts val="0"/>
+              </a:spcAft>
+            </a:pPr>
+            <a:r>
+              <a:rPr lang="ko-KR" altLang="en-US" sz="900" dirty="0">
+                <a:solidFill>
+                  <a:srgbClr val="000000"/>
+                </a:solidFill>
+                <a:effectLst>
+                  <a:outerShdw blurRad="38100" dist="19050" dir="2700000" algn="tl" rotWithShape="0">
+                    <a:schemeClr val="dk1">
+                      <a:alpha val="40000"/>
+                    </a:schemeClr>
+                  </a:outerShdw>
+                </a:effectLst>
+                <a:latin typeface="맑은 고딕" panose="020B0503020000020004" pitchFamily="50" charset="-127"/>
+                <a:ea typeface="맑은 고딕" panose="020B0503020000020004" pitchFamily="50" charset="-127"/>
+              </a:rPr>
+              <a:t>패널 자동 종료</a:t>
+            </a:r>
+            <a:endParaRPr lang="en-US" altLang="ko-KR" sz="1000" dirty="0">
+              <a:solidFill>
+                <a:srgbClr val="000000"/>
+              </a:solidFill>
+              <a:effectLst>
+                <a:outerShdw blurRad="38100" dist="19050" dir="2700000" algn="tl" rotWithShape="0">
+                  <a:schemeClr val="dk1">
+                    <a:alpha val="40000"/>
+                  </a:schemeClr>
+                </a:outerShdw>
+              </a:effectLst>
+              <a:latin typeface="맑은 고딕" panose="020B0503020000020004" pitchFamily="50" charset="-127"/>
+              <a:ea typeface="맑은 고딕" panose="020B0503020000020004" pitchFamily="50" charset="-127"/>
             </a:endParaRPr>
           </a:p>
         </p:txBody>

--- a/Document/시스템/채집 시스템.pptx
+++ b/Document/시스템/채집 시스템.pptx
@@ -5,7 +5,7 @@
     <p:sldMasterId id="2147483648" r:id="rId1"/>
   </p:sldMasterIdLst>
   <p:notesMasterIdLst>
-    <p:notesMasterId r:id="rId10"/>
+    <p:notesMasterId r:id="rId11"/>
   </p:notesMasterIdLst>
   <p:sldIdLst>
     <p:sldId id="257" r:id="rId2"/>
@@ -16,6 +16,7 @@
     <p:sldId id="286" r:id="rId7"/>
     <p:sldId id="287" r:id="rId8"/>
     <p:sldId id="288" r:id="rId9"/>
+    <p:sldId id="289" r:id="rId10"/>
   </p:sldIdLst>
   <p:sldSz cx="12192000" cy="6858000"/>
   <p:notesSz cx="6858000" cy="9144000"/>
@@ -215,7 +216,7 @@
           <a:p>
             <a:fld id="{1BE7B796-A74A-480E-B7C3-F20E279F0A7C}" type="datetimeFigureOut">
               <a:rPr lang="ko-KR" altLang="en-US" smtClean="0"/>
-              <a:t>2022-04-13(Wed)</a:t>
+              <a:t>2022-04-25(Mon)</a:t>
             </a:fld>
             <a:endParaRPr lang="ko-KR" altLang="en-US"/>
           </a:p>
@@ -1070,6 +1071,90 @@
 </p:notes>
 </file>
 
+<file path=ppt/notesSlides/notesSlide8.xml><?xml version="1.0" encoding="utf-8"?>
+<p:notes xmlns:a="http://schemas.openxmlformats.org/drawingml/2006/main" xmlns:r="http://schemas.openxmlformats.org/officeDocument/2006/relationships" xmlns:p="http://schemas.openxmlformats.org/presentationml/2006/main">
+  <p:cSld>
+    <p:spTree>
+      <p:nvGrpSpPr>
+        <p:cNvPr id="1" name=""/>
+        <p:cNvGrpSpPr/>
+        <p:nvPr/>
+      </p:nvGrpSpPr>
+      <p:grpSpPr>
+        <a:xfrm>
+          <a:off x="0" y="0"/>
+          <a:ext cx="0" cy="0"/>
+          <a:chOff x="0" y="0"/>
+          <a:chExt cx="0" cy="0"/>
+        </a:xfrm>
+      </p:grpSpPr>
+      <p:sp>
+        <p:nvSpPr>
+          <p:cNvPr id="2" name="슬라이드 이미지 개체 틀 1"/>
+          <p:cNvSpPr>
+            <a:spLocks noGrp="1" noRot="1" noChangeAspect="1"/>
+          </p:cNvSpPr>
+          <p:nvPr>
+            <p:ph type="sldImg"/>
+          </p:nvPr>
+        </p:nvSpPr>
+        <p:spPr/>
+      </p:sp>
+      <p:sp>
+        <p:nvSpPr>
+          <p:cNvPr id="3" name="슬라이드 노트 개체 틀 2"/>
+          <p:cNvSpPr>
+            <a:spLocks noGrp="1"/>
+          </p:cNvSpPr>
+          <p:nvPr>
+            <p:ph type="body" idx="1"/>
+          </p:nvPr>
+        </p:nvSpPr>
+        <p:spPr/>
+        <p:txBody>
+          <a:bodyPr/>
+          <a:lstStyle/>
+          <a:p>
+            <a:endParaRPr lang="ko-KR" altLang="en-US" dirty="0"/>
+          </a:p>
+        </p:txBody>
+      </p:sp>
+      <p:sp>
+        <p:nvSpPr>
+          <p:cNvPr id="4" name="슬라이드 번호 개체 틀 3"/>
+          <p:cNvSpPr>
+            <a:spLocks noGrp="1"/>
+          </p:cNvSpPr>
+          <p:nvPr>
+            <p:ph type="sldNum" sz="quarter" idx="5"/>
+          </p:nvPr>
+        </p:nvSpPr>
+        <p:spPr/>
+        <p:txBody>
+          <a:bodyPr/>
+          <a:lstStyle/>
+          <a:p>
+            <a:fld id="{73EB825B-89DC-4B21-8B3A-B3CA9CD761CE}" type="slidenum">
+              <a:rPr lang="ko-KR" altLang="en-US" smtClean="0"/>
+              <a:t>9</a:t>
+            </a:fld>
+            <a:endParaRPr lang="ko-KR" altLang="en-US"/>
+          </a:p>
+        </p:txBody>
+      </p:sp>
+    </p:spTree>
+    <p:extLst>
+      <p:ext uri="{BB962C8B-B14F-4D97-AF65-F5344CB8AC3E}">
+        <p14:creationId xmlns:p14="http://schemas.microsoft.com/office/powerpoint/2010/main" val="3230527377"/>
+      </p:ext>
+    </p:extLst>
+  </p:cSld>
+  <p:clrMapOvr>
+    <a:masterClrMapping/>
+  </p:clrMapOvr>
+</p:notes>
+</file>
+
 <file path=ppt/slideLayouts/slideLayout1.xml><?xml version="1.0" encoding="utf-8"?>
 <p:sldLayout xmlns:a="http://schemas.openxmlformats.org/drawingml/2006/main" xmlns:r="http://schemas.openxmlformats.org/officeDocument/2006/relationships" xmlns:p="http://schemas.openxmlformats.org/presentationml/2006/main" type="title" preserve="1">
   <p:cSld name="제목 슬라이드">
@@ -1217,7 +1302,7 @@
           <a:p>
             <a:fld id="{4E8DDE92-A542-49E3-8BCA-C8166235BA4E}" type="datetimeFigureOut">
               <a:rPr lang="ko-KR" altLang="en-US" smtClean="0"/>
-              <a:t>2022-04-13(Wed)</a:t>
+              <a:t>2022-04-25(Mon)</a:t>
             </a:fld>
             <a:endParaRPr lang="ko-KR" altLang="en-US"/>
           </a:p>
@@ -1415,7 +1500,7 @@
           <a:p>
             <a:fld id="{4E8DDE92-A542-49E3-8BCA-C8166235BA4E}" type="datetimeFigureOut">
               <a:rPr lang="ko-KR" altLang="en-US" smtClean="0"/>
-              <a:t>2022-04-13(Wed)</a:t>
+              <a:t>2022-04-25(Mon)</a:t>
             </a:fld>
             <a:endParaRPr lang="ko-KR" altLang="en-US"/>
           </a:p>
@@ -1623,7 +1708,7 @@
           <a:p>
             <a:fld id="{4E8DDE92-A542-49E3-8BCA-C8166235BA4E}" type="datetimeFigureOut">
               <a:rPr lang="ko-KR" altLang="en-US" smtClean="0"/>
-              <a:t>2022-04-13(Wed)</a:t>
+              <a:t>2022-04-25(Mon)</a:t>
             </a:fld>
             <a:endParaRPr lang="ko-KR" altLang="en-US"/>
           </a:p>
@@ -2073,7 +2158,7 @@
           <a:p>
             <a:fld id="{4E8DDE92-A542-49E3-8BCA-C8166235BA4E}" type="datetimeFigureOut">
               <a:rPr lang="ko-KR" altLang="en-US" smtClean="0"/>
-              <a:t>2022-04-13(Wed)</a:t>
+              <a:t>2022-04-25(Mon)</a:t>
             </a:fld>
             <a:endParaRPr lang="ko-KR" altLang="en-US"/>
           </a:p>
@@ -2348,7 +2433,7 @@
           <a:p>
             <a:fld id="{4E8DDE92-A542-49E3-8BCA-C8166235BA4E}" type="datetimeFigureOut">
               <a:rPr lang="ko-KR" altLang="en-US" smtClean="0"/>
-              <a:t>2022-04-13(Wed)</a:t>
+              <a:t>2022-04-25(Mon)</a:t>
             </a:fld>
             <a:endParaRPr lang="ko-KR" altLang="en-US"/>
           </a:p>
@@ -2613,7 +2698,7 @@
           <a:p>
             <a:fld id="{4E8DDE92-A542-49E3-8BCA-C8166235BA4E}" type="datetimeFigureOut">
               <a:rPr lang="ko-KR" altLang="en-US" smtClean="0"/>
-              <a:t>2022-04-13(Wed)</a:t>
+              <a:t>2022-04-25(Mon)</a:t>
             </a:fld>
             <a:endParaRPr lang="ko-KR" altLang="en-US"/>
           </a:p>
@@ -3025,7 +3110,7 @@
           <a:p>
             <a:fld id="{4E8DDE92-A542-49E3-8BCA-C8166235BA4E}" type="datetimeFigureOut">
               <a:rPr lang="ko-KR" altLang="en-US" smtClean="0"/>
-              <a:t>2022-04-13(Wed)</a:t>
+              <a:t>2022-04-25(Mon)</a:t>
             </a:fld>
             <a:endParaRPr lang="ko-KR" altLang="en-US"/>
           </a:p>
@@ -3166,7 +3251,7 @@
           <a:p>
             <a:fld id="{4E8DDE92-A542-49E3-8BCA-C8166235BA4E}" type="datetimeFigureOut">
               <a:rPr lang="ko-KR" altLang="en-US" smtClean="0"/>
-              <a:t>2022-04-13(Wed)</a:t>
+              <a:t>2022-04-25(Mon)</a:t>
             </a:fld>
             <a:endParaRPr lang="ko-KR" altLang="en-US"/>
           </a:p>
@@ -3279,7 +3364,7 @@
           <a:p>
             <a:fld id="{4E8DDE92-A542-49E3-8BCA-C8166235BA4E}" type="datetimeFigureOut">
               <a:rPr lang="ko-KR" altLang="en-US" smtClean="0"/>
-              <a:t>2022-04-13(Wed)</a:t>
+              <a:t>2022-04-25(Mon)</a:t>
             </a:fld>
             <a:endParaRPr lang="ko-KR" altLang="en-US"/>
           </a:p>
@@ -3590,7 +3675,7 @@
           <a:p>
             <a:fld id="{4E8DDE92-A542-49E3-8BCA-C8166235BA4E}" type="datetimeFigureOut">
               <a:rPr lang="ko-KR" altLang="en-US" smtClean="0"/>
-              <a:t>2022-04-13(Wed)</a:t>
+              <a:t>2022-04-25(Mon)</a:t>
             </a:fld>
             <a:endParaRPr lang="ko-KR" altLang="en-US"/>
           </a:p>
@@ -3878,7 +3963,7 @@
           <a:p>
             <a:fld id="{4E8DDE92-A542-49E3-8BCA-C8166235BA4E}" type="datetimeFigureOut">
               <a:rPr lang="ko-KR" altLang="en-US" smtClean="0"/>
-              <a:t>2022-04-13(Wed)</a:t>
+              <a:t>2022-04-25(Mon)</a:t>
             </a:fld>
             <a:endParaRPr lang="ko-KR" altLang="en-US"/>
           </a:p>
@@ -4119,7 +4204,7 @@
           <a:p>
             <a:fld id="{4E8DDE92-A542-49E3-8BCA-C8166235BA4E}" type="datetimeFigureOut">
               <a:rPr lang="ko-KR" altLang="en-US" smtClean="0"/>
-              <a:t>2022-04-13(Wed)</a:t>
+              <a:t>2022-04-25(Mon)</a:t>
             </a:fld>
             <a:endParaRPr lang="ko-KR" altLang="en-US"/>
           </a:p>
@@ -19364,6 +19449,2425 @@
     <p:extLst>
       <p:ext uri="{BB962C8B-B14F-4D97-AF65-F5344CB8AC3E}">
         <p14:creationId xmlns:p14="http://schemas.microsoft.com/office/powerpoint/2010/main" val="2360680312"/>
+      </p:ext>
+    </p:extLst>
+  </p:cSld>
+  <p:clrMapOvr>
+    <a:masterClrMapping/>
+  </p:clrMapOvr>
+</p:sld>
+</file>
+
+<file path=ppt/slides/slide9.xml><?xml version="1.0" encoding="utf-8"?>
+<p:sld xmlns:a="http://schemas.openxmlformats.org/drawingml/2006/main" xmlns:r="http://schemas.openxmlformats.org/officeDocument/2006/relationships" xmlns:p="http://schemas.openxmlformats.org/presentationml/2006/main">
+  <p:cSld>
+    <p:spTree>
+      <p:nvGrpSpPr>
+        <p:cNvPr id="1" name=""/>
+        <p:cNvGrpSpPr/>
+        <p:nvPr/>
+      </p:nvGrpSpPr>
+      <p:grpSpPr>
+        <a:xfrm>
+          <a:off x="0" y="0"/>
+          <a:ext cx="0" cy="0"/>
+          <a:chOff x="0" y="0"/>
+          <a:chExt cx="0" cy="0"/>
+        </a:xfrm>
+      </p:grpSpPr>
+      <p:sp>
+        <p:nvSpPr>
+          <p:cNvPr id="4" name="직사각형 3">
+            <a:extLst>
+              <a:ext uri="{FF2B5EF4-FFF2-40B4-BE49-F238E27FC236}">
+                <a16:creationId xmlns:a16="http://schemas.microsoft.com/office/drawing/2014/main" id="{AE93FE2A-85FE-4157-951C-FC2FADBB3B34}"/>
+              </a:ext>
+            </a:extLst>
+          </p:cNvPr>
+          <p:cNvSpPr/>
+          <p:nvPr/>
+        </p:nvSpPr>
+        <p:spPr>
+          <a:xfrm>
+            <a:off x="0" y="0"/>
+            <a:ext cx="12192000" cy="1034474"/>
+          </a:xfrm>
+          <a:prstGeom prst="rect">
+            <a:avLst/>
+          </a:prstGeom>
+          <a:solidFill>
+            <a:schemeClr val="accent5">
+              <a:lumMod val="60000"/>
+              <a:lumOff val="40000"/>
+            </a:schemeClr>
+          </a:solidFill>
+        </p:spPr>
+        <p:style>
+          <a:lnRef idx="2">
+            <a:schemeClr val="accent1">
+              <a:shade val="50000"/>
+            </a:schemeClr>
+          </a:lnRef>
+          <a:fillRef idx="1">
+            <a:schemeClr val="accent1"/>
+          </a:fillRef>
+          <a:effectRef idx="0">
+            <a:schemeClr val="accent1"/>
+          </a:effectRef>
+          <a:fontRef idx="minor">
+            <a:schemeClr val="lt1"/>
+          </a:fontRef>
+        </p:style>
+        <p:txBody>
+          <a:bodyPr rtlCol="0" anchor="ctr"/>
+          <a:lstStyle/>
+          <a:p>
+            <a:pPr algn="ctr"/>
+            <a:endParaRPr lang="ko-KR" altLang="en-US" dirty="0"/>
+          </a:p>
+        </p:txBody>
+      </p:sp>
+      <p:sp>
+        <p:nvSpPr>
+          <p:cNvPr id="7" name="TextBox 6">
+            <a:extLst>
+              <a:ext uri="{FF2B5EF4-FFF2-40B4-BE49-F238E27FC236}">
+                <a16:creationId xmlns:a16="http://schemas.microsoft.com/office/drawing/2014/main" id="{982817C4-ACF4-45FB-A018-6E6F872691BC}"/>
+              </a:ext>
+            </a:extLst>
+          </p:cNvPr>
+          <p:cNvSpPr txBox="1"/>
+          <p:nvPr/>
+        </p:nvSpPr>
+        <p:spPr>
+          <a:xfrm>
+            <a:off x="646546" y="255627"/>
+            <a:ext cx="4230254" cy="523220"/>
+          </a:xfrm>
+          <a:prstGeom prst="rect">
+            <a:avLst/>
+          </a:prstGeom>
+          <a:noFill/>
+        </p:spPr>
+        <p:txBody>
+          <a:bodyPr wrap="square" rtlCol="0">
+            <a:spAutoFit/>
+          </a:bodyPr>
+          <a:lstStyle/>
+          <a:p>
+            <a:r>
+              <a:rPr lang="ko-KR" altLang="en-US" sz="2800" b="1" dirty="0"/>
+              <a:t>맵 설명</a:t>
+            </a:r>
+            <a:endParaRPr lang="en-US" altLang="ko-KR" sz="2800" b="1" dirty="0"/>
+          </a:p>
+        </p:txBody>
+      </p:sp>
+      <p:sp>
+        <p:nvSpPr>
+          <p:cNvPr id="20" name="직사각형 19">
+            <a:extLst>
+              <a:ext uri="{FF2B5EF4-FFF2-40B4-BE49-F238E27FC236}">
+                <a16:creationId xmlns:a16="http://schemas.microsoft.com/office/drawing/2014/main" id="{DB786D9F-9F63-4114-863C-FD277B989344}"/>
+              </a:ext>
+            </a:extLst>
+          </p:cNvPr>
+          <p:cNvSpPr/>
+          <p:nvPr/>
+        </p:nvSpPr>
+        <p:spPr>
+          <a:xfrm>
+            <a:off x="9530948" y="2719564"/>
+            <a:ext cx="2404997" cy="785632"/>
+          </a:xfrm>
+          <a:prstGeom prst="rect">
+            <a:avLst/>
+          </a:prstGeom>
+          <a:solidFill>
+            <a:schemeClr val="bg1">
+              <a:lumMod val="85000"/>
+            </a:schemeClr>
+          </a:solidFill>
+        </p:spPr>
+        <p:style>
+          <a:lnRef idx="2">
+            <a:schemeClr val="accent1">
+              <a:shade val="50000"/>
+            </a:schemeClr>
+          </a:lnRef>
+          <a:fillRef idx="1">
+            <a:schemeClr val="accent1"/>
+          </a:fillRef>
+          <a:effectRef idx="0">
+            <a:schemeClr val="accent1"/>
+          </a:effectRef>
+          <a:fontRef idx="minor">
+            <a:schemeClr val="lt1"/>
+          </a:fontRef>
+        </p:style>
+        <p:txBody>
+          <a:bodyPr rtlCol="0" anchor="ctr"/>
+          <a:lstStyle/>
+          <a:p>
+            <a:pPr algn="ctr"/>
+            <a:r>
+              <a:rPr lang="ko-KR" altLang="en-US" sz="1200" dirty="0">
+                <a:ln w="0"/>
+                <a:solidFill>
+                  <a:schemeClr val="tx1"/>
+                </a:solidFill>
+                <a:effectLst>
+                  <a:outerShdw blurRad="38100" dist="19050" dir="2700000" algn="tl" rotWithShape="0">
+                    <a:schemeClr val="dk1">
+                      <a:alpha val="40000"/>
+                    </a:schemeClr>
+                  </a:outerShdw>
+                </a:effectLst>
+              </a:rPr>
+              <a:t>모래사장의 색을 다르게 하여 </a:t>
+            </a:r>
+            <a:endParaRPr lang="en-US" altLang="ko-KR" sz="1200" dirty="0">
+              <a:ln w="0"/>
+              <a:solidFill>
+                <a:schemeClr val="tx1"/>
+              </a:solidFill>
+              <a:effectLst>
+                <a:outerShdw blurRad="38100" dist="19050" dir="2700000" algn="tl" rotWithShape="0">
+                  <a:schemeClr val="dk1">
+                    <a:alpha val="40000"/>
+                  </a:schemeClr>
+                </a:outerShdw>
+              </a:effectLst>
+            </a:endParaRPr>
+          </a:p>
+          <a:p>
+            <a:pPr algn="ctr"/>
+            <a:r>
+              <a:rPr lang="ko-KR" altLang="en-US" sz="1200" dirty="0">
+                <a:ln w="0"/>
+                <a:solidFill>
+                  <a:schemeClr val="tx1"/>
+                </a:solidFill>
+                <a:effectLst>
+                  <a:outerShdw blurRad="38100" dist="19050" dir="2700000" algn="tl" rotWithShape="0">
+                    <a:schemeClr val="dk1">
+                      <a:alpha val="40000"/>
+                    </a:schemeClr>
+                  </a:outerShdw>
+                </a:effectLst>
+              </a:rPr>
+              <a:t>상호작용 할 수 있는 공간으로 만든다</a:t>
+            </a:r>
+            <a:r>
+              <a:rPr lang="en-US" altLang="ko-KR" sz="1200" dirty="0">
+                <a:ln w="0"/>
+                <a:solidFill>
+                  <a:schemeClr val="tx1"/>
+                </a:solidFill>
+                <a:effectLst>
+                  <a:outerShdw blurRad="38100" dist="19050" dir="2700000" algn="tl" rotWithShape="0">
+                    <a:schemeClr val="dk1">
+                      <a:alpha val="40000"/>
+                    </a:schemeClr>
+                  </a:outerShdw>
+                </a:effectLst>
+              </a:rPr>
+              <a:t>.</a:t>
+            </a:r>
+          </a:p>
+        </p:txBody>
+      </p:sp>
+      <p:sp>
+        <p:nvSpPr>
+          <p:cNvPr id="213" name="직사각형 212">
+            <a:extLst>
+              <a:ext uri="{FF2B5EF4-FFF2-40B4-BE49-F238E27FC236}">
+                <a16:creationId xmlns:a16="http://schemas.microsoft.com/office/drawing/2014/main" id="{EE0E73F6-6363-4E70-AB7B-EE4257F2A2D2}"/>
+              </a:ext>
+            </a:extLst>
+          </p:cNvPr>
+          <p:cNvSpPr/>
+          <p:nvPr/>
+        </p:nvSpPr>
+        <p:spPr>
+          <a:xfrm>
+            <a:off x="9530948" y="1099478"/>
+            <a:ext cx="2404997" cy="1588349"/>
+          </a:xfrm>
+          <a:prstGeom prst="rect">
+            <a:avLst/>
+          </a:prstGeom>
+          <a:solidFill>
+            <a:schemeClr val="bg1">
+              <a:lumMod val="85000"/>
+            </a:schemeClr>
+          </a:solidFill>
+        </p:spPr>
+        <p:style>
+          <a:lnRef idx="2">
+            <a:schemeClr val="accent1">
+              <a:shade val="50000"/>
+            </a:schemeClr>
+          </a:lnRef>
+          <a:fillRef idx="1">
+            <a:schemeClr val="accent1"/>
+          </a:fillRef>
+          <a:effectRef idx="0">
+            <a:schemeClr val="accent1"/>
+          </a:effectRef>
+          <a:fontRef idx="minor">
+            <a:schemeClr val="lt1"/>
+          </a:fontRef>
+        </p:style>
+        <p:txBody>
+          <a:bodyPr rtlCol="0" anchor="ctr"/>
+          <a:lstStyle/>
+          <a:p>
+            <a:pPr marL="0" algn="ctr" rtl="0" eaLnBrk="1" latinLnBrk="1" hangingPunct="1">
+              <a:spcBef>
+                <a:spcPts val="0"/>
+              </a:spcBef>
+              <a:spcAft>
+                <a:spcPts val="0"/>
+              </a:spcAft>
+            </a:pPr>
+            <a:r>
+              <a:rPr lang="ko-KR" altLang="en-US" b="1" dirty="0">
+                <a:solidFill>
+                  <a:schemeClr val="tx1"/>
+                </a:solidFill>
+                <a:effectLst/>
+              </a:rPr>
+              <a:t>채집 패널 조건</a:t>
+            </a:r>
+            <a:endParaRPr lang="ko-KR" altLang="ko-KR" b="1" dirty="0">
+              <a:solidFill>
+                <a:schemeClr val="tx1"/>
+              </a:solidFill>
+              <a:effectLst/>
+            </a:endParaRPr>
+          </a:p>
+          <a:p>
+            <a:pPr marL="0" algn="ctr" rtl="0" eaLnBrk="1" latinLnBrk="1" hangingPunct="1">
+              <a:spcBef>
+                <a:spcPts val="0"/>
+              </a:spcBef>
+              <a:spcAft>
+                <a:spcPts val="0"/>
+              </a:spcAft>
+            </a:pPr>
+            <a:endParaRPr lang="en-US" altLang="ko-KR" sz="1200" kern="1200" dirty="0">
+              <a:ln>
+                <a:noFill/>
+              </a:ln>
+              <a:solidFill>
+                <a:srgbClr val="000000"/>
+              </a:solidFill>
+              <a:effectLst>
+                <a:outerShdw blurRad="38100" dist="19050" dir="2700000" algn="tl" rotWithShape="0">
+                  <a:schemeClr val="dk1">
+                    <a:alpha val="40000"/>
+                  </a:schemeClr>
+                </a:outerShdw>
+              </a:effectLst>
+              <a:latin typeface="맑은 고딕" panose="020B0503020000020004" pitchFamily="50" charset="-127"/>
+              <a:ea typeface="맑은 고딕" panose="020B0503020000020004" pitchFamily="50" charset="-127"/>
+              <a:cs typeface="+mn-cs"/>
+            </a:endParaRPr>
+          </a:p>
+          <a:p>
+            <a:pPr algn="ctr"/>
+            <a:r>
+              <a:rPr lang="ko-KR" altLang="en-US" sz="1200" dirty="0">
+                <a:ln w="0"/>
+                <a:solidFill>
+                  <a:schemeClr val="tx1"/>
+                </a:solidFill>
+                <a:effectLst>
+                  <a:outerShdw blurRad="38100" dist="19050" dir="2700000" algn="tl" rotWithShape="0">
+                    <a:schemeClr val="dk1">
+                      <a:alpha val="40000"/>
+                    </a:schemeClr>
+                  </a:outerShdw>
+                </a:effectLst>
+              </a:rPr>
+              <a:t>모래는 모래사장에서 </a:t>
+            </a:r>
+            <a:endParaRPr lang="en-US" altLang="ko-KR" sz="1200" dirty="0">
+              <a:ln w="0"/>
+              <a:solidFill>
+                <a:schemeClr val="tx1"/>
+              </a:solidFill>
+              <a:effectLst>
+                <a:outerShdw blurRad="38100" dist="19050" dir="2700000" algn="tl" rotWithShape="0">
+                  <a:schemeClr val="dk1">
+                    <a:alpha val="40000"/>
+                  </a:schemeClr>
+                </a:outerShdw>
+              </a:effectLst>
+            </a:endParaRPr>
+          </a:p>
+          <a:p>
+            <a:pPr algn="ctr"/>
+            <a:r>
+              <a:rPr lang="ko-KR" altLang="en-US" sz="1200" dirty="0">
+                <a:ln w="0"/>
+                <a:solidFill>
+                  <a:schemeClr val="tx1"/>
+                </a:solidFill>
+                <a:effectLst>
+                  <a:outerShdw blurRad="38100" dist="19050" dir="2700000" algn="tl" rotWithShape="0">
+                    <a:schemeClr val="dk1">
+                      <a:alpha val="40000"/>
+                    </a:schemeClr>
+                  </a:outerShdw>
+                </a:effectLst>
+              </a:rPr>
+              <a:t>얻을 수 있다</a:t>
+            </a:r>
+            <a:r>
+              <a:rPr lang="en-US" altLang="ko-KR" sz="1200" dirty="0">
+                <a:ln w="0"/>
+                <a:solidFill>
+                  <a:schemeClr val="tx1"/>
+                </a:solidFill>
+                <a:effectLst>
+                  <a:outerShdw blurRad="38100" dist="19050" dir="2700000" algn="tl" rotWithShape="0">
+                    <a:schemeClr val="dk1">
+                      <a:alpha val="40000"/>
+                    </a:schemeClr>
+                  </a:outerShdw>
+                </a:effectLst>
+              </a:rPr>
+              <a:t>.</a:t>
+            </a:r>
+            <a:r>
+              <a:rPr lang="ko-KR" altLang="en-US" sz="1200" dirty="0">
+                <a:ln w="0"/>
+                <a:solidFill>
+                  <a:schemeClr val="tx1"/>
+                </a:solidFill>
+                <a:effectLst>
+                  <a:outerShdw blurRad="38100" dist="19050" dir="2700000" algn="tl" rotWithShape="0">
+                    <a:schemeClr val="dk1">
+                      <a:alpha val="40000"/>
+                    </a:schemeClr>
+                  </a:outerShdw>
+                </a:effectLst>
+              </a:rPr>
+              <a:t> </a:t>
+            </a:r>
+            <a:endParaRPr lang="en-US" altLang="ko-KR" sz="1200" dirty="0">
+              <a:ln w="0"/>
+              <a:solidFill>
+                <a:schemeClr val="tx1"/>
+              </a:solidFill>
+              <a:effectLst>
+                <a:outerShdw blurRad="38100" dist="19050" dir="2700000" algn="tl" rotWithShape="0">
+                  <a:schemeClr val="dk1">
+                    <a:alpha val="40000"/>
+                  </a:schemeClr>
+                </a:outerShdw>
+              </a:effectLst>
+            </a:endParaRPr>
+          </a:p>
+        </p:txBody>
+      </p:sp>
+      <p:sp>
+        <p:nvSpPr>
+          <p:cNvPr id="21" name="TextBox 20">
+            <a:extLst>
+              <a:ext uri="{FF2B5EF4-FFF2-40B4-BE49-F238E27FC236}">
+                <a16:creationId xmlns:a16="http://schemas.microsoft.com/office/drawing/2014/main" id="{04FF0C63-9200-4D4D-87FC-C29E13044F0A}"/>
+              </a:ext>
+            </a:extLst>
+          </p:cNvPr>
+          <p:cNvSpPr txBox="1"/>
+          <p:nvPr/>
+        </p:nvSpPr>
+        <p:spPr>
+          <a:xfrm>
+            <a:off x="646546" y="1211117"/>
+            <a:ext cx="4230254" cy="523220"/>
+          </a:xfrm>
+          <a:prstGeom prst="rect">
+            <a:avLst/>
+          </a:prstGeom>
+          <a:noFill/>
+        </p:spPr>
+        <p:txBody>
+          <a:bodyPr wrap="square" rtlCol="0">
+            <a:spAutoFit/>
+          </a:bodyPr>
+          <a:lstStyle/>
+          <a:p>
+            <a:r>
+              <a:rPr lang="ko-KR" altLang="en-US" sz="2800" b="1" dirty="0"/>
+              <a:t>모래</a:t>
+            </a:r>
+            <a:endParaRPr lang="en-US" altLang="ko-KR" sz="2800" b="1" dirty="0"/>
+          </a:p>
+        </p:txBody>
+      </p:sp>
+      <p:sp>
+        <p:nvSpPr>
+          <p:cNvPr id="39" name="직사각형 38">
+            <a:extLst>
+              <a:ext uri="{FF2B5EF4-FFF2-40B4-BE49-F238E27FC236}">
+                <a16:creationId xmlns:a16="http://schemas.microsoft.com/office/drawing/2014/main" id="{35C9517F-A81D-4447-813D-C07967AA7200}"/>
+              </a:ext>
+            </a:extLst>
+          </p:cNvPr>
+          <p:cNvSpPr/>
+          <p:nvPr/>
+        </p:nvSpPr>
+        <p:spPr>
+          <a:xfrm>
+            <a:off x="9530947" y="3612776"/>
+            <a:ext cx="2404997" cy="3173506"/>
+          </a:xfrm>
+          <a:prstGeom prst="rect">
+            <a:avLst/>
+          </a:prstGeom>
+          <a:solidFill>
+            <a:schemeClr val="bg1">
+              <a:lumMod val="85000"/>
+            </a:schemeClr>
+          </a:solidFill>
+        </p:spPr>
+        <p:style>
+          <a:lnRef idx="2">
+            <a:schemeClr val="accent1">
+              <a:shade val="50000"/>
+            </a:schemeClr>
+          </a:lnRef>
+          <a:fillRef idx="1">
+            <a:schemeClr val="accent1"/>
+          </a:fillRef>
+          <a:effectRef idx="0">
+            <a:schemeClr val="accent1"/>
+          </a:effectRef>
+          <a:fontRef idx="minor">
+            <a:schemeClr val="lt1"/>
+          </a:fontRef>
+        </p:style>
+        <p:txBody>
+          <a:bodyPr rtlCol="0" anchor="ctr"/>
+          <a:lstStyle/>
+          <a:p>
+            <a:pPr marL="0" algn="ctr" rtl="0" eaLnBrk="1" latinLnBrk="1" hangingPunct="1">
+              <a:spcBef>
+                <a:spcPts val="0"/>
+              </a:spcBef>
+              <a:spcAft>
+                <a:spcPts val="0"/>
+              </a:spcAft>
+            </a:pPr>
+            <a:r>
+              <a:rPr lang="ko-KR" altLang="en-US" b="1" dirty="0">
+                <a:solidFill>
+                  <a:schemeClr val="tx1"/>
+                </a:solidFill>
+                <a:effectLst/>
+              </a:rPr>
+              <a:t>연출</a:t>
+            </a:r>
+            <a:endParaRPr lang="en-US" altLang="ko-KR" sz="1200" b="1" dirty="0">
+              <a:solidFill>
+                <a:srgbClr val="000000"/>
+              </a:solidFill>
+              <a:effectLst>
+                <a:outerShdw blurRad="38100" dist="19050" dir="2700000" algn="tl" rotWithShape="0">
+                  <a:schemeClr val="dk1">
+                    <a:alpha val="40000"/>
+                  </a:schemeClr>
+                </a:outerShdw>
+              </a:effectLst>
+              <a:latin typeface="맑은 고딕" panose="020B0503020000020004" pitchFamily="50" charset="-127"/>
+              <a:ea typeface="맑은 고딕" panose="020B0503020000020004" pitchFamily="50" charset="-127"/>
+            </a:endParaRPr>
+          </a:p>
+          <a:p>
+            <a:pPr marL="0" algn="ctr" rtl="0" eaLnBrk="1" latinLnBrk="1" hangingPunct="1">
+              <a:spcBef>
+                <a:spcPts val="0"/>
+              </a:spcBef>
+              <a:spcAft>
+                <a:spcPts val="0"/>
+              </a:spcAft>
+            </a:pPr>
+            <a:endParaRPr lang="en-US" altLang="ko-KR" sz="1200" dirty="0">
+              <a:solidFill>
+                <a:srgbClr val="000000"/>
+              </a:solidFill>
+              <a:effectLst>
+                <a:outerShdw blurRad="38100" dist="19050" dir="2700000" algn="tl" rotWithShape="0">
+                  <a:schemeClr val="dk1">
+                    <a:alpha val="40000"/>
+                  </a:schemeClr>
+                </a:outerShdw>
+              </a:effectLst>
+              <a:latin typeface="맑은 고딕" panose="020B0503020000020004" pitchFamily="50" charset="-127"/>
+              <a:ea typeface="맑은 고딕" panose="020B0503020000020004" pitchFamily="50" charset="-127"/>
+            </a:endParaRPr>
+          </a:p>
+          <a:p>
+            <a:pPr marL="0" algn="ctr" rtl="0" eaLnBrk="1" latinLnBrk="1" hangingPunct="1">
+              <a:spcBef>
+                <a:spcPts val="0"/>
+              </a:spcBef>
+              <a:spcAft>
+                <a:spcPts val="0"/>
+              </a:spcAft>
+            </a:pPr>
+            <a:r>
+              <a:rPr lang="ko-KR" altLang="en-US" sz="1200" dirty="0">
+                <a:solidFill>
+                  <a:srgbClr val="000000"/>
+                </a:solidFill>
+                <a:effectLst>
+                  <a:outerShdw blurRad="38100" dist="19050" dir="2700000" algn="tl" rotWithShape="0">
+                    <a:schemeClr val="dk1">
+                      <a:alpha val="40000"/>
+                    </a:schemeClr>
+                  </a:outerShdw>
+                </a:effectLst>
+                <a:latin typeface="맑은 고딕" panose="020B0503020000020004" pitchFamily="50" charset="-127"/>
+                <a:ea typeface="맑은 고딕" panose="020B0503020000020004" pitchFamily="50" charset="-127"/>
+              </a:rPr>
+              <a:t>색이 어두운 원에 맞춰 줄어드는 큰 원이</a:t>
+            </a:r>
+            <a:r>
+              <a:rPr lang="en-US" altLang="ko-KR" sz="1200" dirty="0">
+                <a:solidFill>
+                  <a:srgbClr val="000000"/>
+                </a:solidFill>
+                <a:effectLst>
+                  <a:outerShdw blurRad="38100" dist="19050" dir="2700000" algn="tl" rotWithShape="0">
+                    <a:schemeClr val="dk1">
+                      <a:alpha val="40000"/>
+                    </a:schemeClr>
+                  </a:outerShdw>
+                </a:effectLst>
+                <a:latin typeface="맑은 고딕" panose="020B0503020000020004" pitchFamily="50" charset="-127"/>
+                <a:ea typeface="맑은 고딕" panose="020B0503020000020004" pitchFamily="50" charset="-127"/>
+              </a:rPr>
+              <a:t> </a:t>
+            </a:r>
+            <a:r>
+              <a:rPr lang="ko-KR" altLang="en-US" sz="1200" dirty="0">
+                <a:solidFill>
+                  <a:srgbClr val="000000"/>
+                </a:solidFill>
+                <a:effectLst>
+                  <a:outerShdw blurRad="38100" dist="19050" dir="2700000" algn="tl" rotWithShape="0">
+                    <a:schemeClr val="dk1">
+                      <a:alpha val="40000"/>
+                    </a:schemeClr>
+                  </a:outerShdw>
+                </a:effectLst>
+                <a:latin typeface="맑은 고딕" panose="020B0503020000020004" pitchFamily="50" charset="-127"/>
+                <a:ea typeface="맑은 고딕" panose="020B0503020000020004" pitchFamily="50" charset="-127"/>
+              </a:rPr>
+              <a:t>플레이어가 패널을 </a:t>
+            </a:r>
+            <a:endParaRPr lang="en-US" altLang="ko-KR" sz="1200" dirty="0">
+              <a:solidFill>
+                <a:srgbClr val="000000"/>
+              </a:solidFill>
+              <a:effectLst>
+                <a:outerShdw blurRad="38100" dist="19050" dir="2700000" algn="tl" rotWithShape="0">
+                  <a:schemeClr val="dk1">
+                    <a:alpha val="40000"/>
+                  </a:schemeClr>
+                </a:outerShdw>
+              </a:effectLst>
+              <a:latin typeface="맑은 고딕" panose="020B0503020000020004" pitchFamily="50" charset="-127"/>
+              <a:ea typeface="맑은 고딕" panose="020B0503020000020004" pitchFamily="50" charset="-127"/>
+            </a:endParaRPr>
+          </a:p>
+          <a:p>
+            <a:pPr marL="0" algn="ctr" rtl="0" eaLnBrk="1" latinLnBrk="1" hangingPunct="1">
+              <a:spcBef>
+                <a:spcPts val="0"/>
+              </a:spcBef>
+              <a:spcAft>
+                <a:spcPts val="0"/>
+              </a:spcAft>
+            </a:pPr>
+            <a:r>
+              <a:rPr lang="ko-KR" altLang="en-US" sz="1200" dirty="0">
+                <a:solidFill>
+                  <a:srgbClr val="000000"/>
+                </a:solidFill>
+                <a:effectLst>
+                  <a:outerShdw blurRad="38100" dist="19050" dir="2700000" algn="tl" rotWithShape="0">
+                    <a:schemeClr val="dk1">
+                      <a:alpha val="40000"/>
+                    </a:schemeClr>
+                  </a:outerShdw>
+                </a:effectLst>
+                <a:latin typeface="맑은 고딕" panose="020B0503020000020004" pitchFamily="50" charset="-127"/>
+                <a:ea typeface="맑은 고딕" panose="020B0503020000020004" pitchFamily="50" charset="-127"/>
+              </a:rPr>
+              <a:t>클릭했을 때 멈추고</a:t>
+            </a:r>
+            <a:r>
+              <a:rPr lang="en-US" altLang="ko-KR" sz="1200" dirty="0">
+                <a:solidFill>
+                  <a:srgbClr val="000000"/>
+                </a:solidFill>
+                <a:effectLst>
+                  <a:outerShdw blurRad="38100" dist="19050" dir="2700000" algn="tl" rotWithShape="0">
+                    <a:schemeClr val="dk1">
+                      <a:alpha val="40000"/>
+                    </a:schemeClr>
+                  </a:outerShdw>
+                </a:effectLst>
+                <a:latin typeface="맑은 고딕" panose="020B0503020000020004" pitchFamily="50" charset="-127"/>
+                <a:ea typeface="맑은 고딕" panose="020B0503020000020004" pitchFamily="50" charset="-127"/>
+              </a:rPr>
+              <a:t> </a:t>
+            </a:r>
+          </a:p>
+          <a:p>
+            <a:pPr marL="0" algn="ctr" rtl="0" eaLnBrk="1" latinLnBrk="1" hangingPunct="1">
+              <a:spcBef>
+                <a:spcPts val="0"/>
+              </a:spcBef>
+              <a:spcAft>
+                <a:spcPts val="0"/>
+              </a:spcAft>
+            </a:pPr>
+            <a:r>
+              <a:rPr lang="ko-KR" altLang="en-US" sz="1200" dirty="0">
+                <a:solidFill>
+                  <a:srgbClr val="000000"/>
+                </a:solidFill>
+                <a:effectLst>
+                  <a:outerShdw blurRad="38100" dist="19050" dir="2700000" algn="tl" rotWithShape="0">
+                    <a:schemeClr val="dk1">
+                      <a:alpha val="40000"/>
+                    </a:schemeClr>
+                  </a:outerShdw>
+                </a:effectLst>
+                <a:latin typeface="맑은 고딕" panose="020B0503020000020004" pitchFamily="50" charset="-127"/>
+                <a:ea typeface="맑은 고딕" panose="020B0503020000020004" pitchFamily="50" charset="-127"/>
+              </a:rPr>
+              <a:t>남은 범위에 따라 </a:t>
+            </a:r>
+            <a:endParaRPr lang="en-US" altLang="ko-KR" sz="1200" dirty="0">
+              <a:solidFill>
+                <a:srgbClr val="000000"/>
+              </a:solidFill>
+              <a:effectLst>
+                <a:outerShdw blurRad="38100" dist="19050" dir="2700000" algn="tl" rotWithShape="0">
+                  <a:schemeClr val="dk1">
+                    <a:alpha val="40000"/>
+                  </a:schemeClr>
+                </a:outerShdw>
+              </a:effectLst>
+              <a:latin typeface="맑은 고딕" panose="020B0503020000020004" pitchFamily="50" charset="-127"/>
+              <a:ea typeface="맑은 고딕" panose="020B0503020000020004" pitchFamily="50" charset="-127"/>
+            </a:endParaRPr>
+          </a:p>
+          <a:p>
+            <a:pPr marL="0" algn="ctr" rtl="0" eaLnBrk="1" latinLnBrk="1" hangingPunct="1">
+              <a:spcBef>
+                <a:spcPts val="0"/>
+              </a:spcBef>
+              <a:spcAft>
+                <a:spcPts val="0"/>
+              </a:spcAft>
+            </a:pPr>
+            <a:r>
+              <a:rPr lang="en-US" altLang="ko-KR" sz="1200" dirty="0">
+                <a:solidFill>
+                  <a:srgbClr val="000000"/>
+                </a:solidFill>
+                <a:effectLst>
+                  <a:outerShdw blurRad="38100" dist="19050" dir="2700000" algn="tl" rotWithShape="0">
+                    <a:schemeClr val="dk1">
+                      <a:alpha val="40000"/>
+                    </a:schemeClr>
+                  </a:outerShdw>
+                </a:effectLst>
+                <a:latin typeface="맑은 고딕" panose="020B0503020000020004" pitchFamily="50" charset="-127"/>
+                <a:ea typeface="맑은 고딕" panose="020B0503020000020004" pitchFamily="50" charset="-127"/>
+              </a:rPr>
+              <a:t>MISS / GOOD / PERFECT</a:t>
+            </a:r>
+            <a:r>
+              <a:rPr lang="ko-KR" altLang="en-US" sz="1200" dirty="0">
+                <a:solidFill>
+                  <a:srgbClr val="000000"/>
+                </a:solidFill>
+                <a:effectLst>
+                  <a:outerShdw blurRad="38100" dist="19050" dir="2700000" algn="tl" rotWithShape="0">
+                    <a:schemeClr val="dk1">
+                      <a:alpha val="40000"/>
+                    </a:schemeClr>
+                  </a:outerShdw>
+                </a:effectLst>
+                <a:latin typeface="맑은 고딕" panose="020B0503020000020004" pitchFamily="50" charset="-127"/>
+                <a:ea typeface="맑은 고딕" panose="020B0503020000020004" pitchFamily="50" charset="-127"/>
+              </a:rPr>
+              <a:t>로 </a:t>
+            </a:r>
+            <a:endParaRPr lang="en-US" altLang="ko-KR" sz="1200" dirty="0">
+              <a:solidFill>
+                <a:srgbClr val="000000"/>
+              </a:solidFill>
+              <a:effectLst>
+                <a:outerShdw blurRad="38100" dist="19050" dir="2700000" algn="tl" rotWithShape="0">
+                  <a:schemeClr val="dk1">
+                    <a:alpha val="40000"/>
+                  </a:schemeClr>
+                </a:outerShdw>
+              </a:effectLst>
+              <a:latin typeface="맑은 고딕" panose="020B0503020000020004" pitchFamily="50" charset="-127"/>
+              <a:ea typeface="맑은 고딕" panose="020B0503020000020004" pitchFamily="50" charset="-127"/>
+            </a:endParaRPr>
+          </a:p>
+          <a:p>
+            <a:pPr marL="0" algn="ctr" rtl="0" eaLnBrk="1" latinLnBrk="1" hangingPunct="1">
+              <a:spcBef>
+                <a:spcPts val="0"/>
+              </a:spcBef>
+              <a:spcAft>
+                <a:spcPts val="0"/>
+              </a:spcAft>
+            </a:pPr>
+            <a:r>
+              <a:rPr lang="ko-KR" altLang="en-US" sz="1200" dirty="0">
+                <a:solidFill>
+                  <a:srgbClr val="000000"/>
+                </a:solidFill>
+                <a:effectLst>
+                  <a:outerShdw blurRad="38100" dist="19050" dir="2700000" algn="tl" rotWithShape="0">
+                    <a:schemeClr val="dk1">
+                      <a:alpha val="40000"/>
+                    </a:schemeClr>
+                  </a:outerShdw>
+                </a:effectLst>
+                <a:latin typeface="맑은 고딕" panose="020B0503020000020004" pitchFamily="50" charset="-127"/>
+                <a:ea typeface="맑은 고딕" panose="020B0503020000020004" pitchFamily="50" charset="-127"/>
+              </a:rPr>
+              <a:t>나뉜다</a:t>
+            </a:r>
+            <a:r>
+              <a:rPr lang="en-US" altLang="ko-KR" sz="1200" dirty="0">
+                <a:solidFill>
+                  <a:srgbClr val="000000"/>
+                </a:solidFill>
+                <a:effectLst>
+                  <a:outerShdw blurRad="38100" dist="19050" dir="2700000" algn="tl" rotWithShape="0">
+                    <a:schemeClr val="dk1">
+                      <a:alpha val="40000"/>
+                    </a:schemeClr>
+                  </a:outerShdw>
+                </a:effectLst>
+                <a:latin typeface="맑은 고딕" panose="020B0503020000020004" pitchFamily="50" charset="-127"/>
+                <a:ea typeface="맑은 고딕" panose="020B0503020000020004" pitchFamily="50" charset="-127"/>
+              </a:rPr>
+              <a:t>.</a:t>
+            </a:r>
+          </a:p>
+          <a:p>
+            <a:pPr marL="0" algn="ctr" rtl="0" eaLnBrk="1" latinLnBrk="1" hangingPunct="1">
+              <a:spcBef>
+                <a:spcPts val="0"/>
+              </a:spcBef>
+              <a:spcAft>
+                <a:spcPts val="0"/>
+              </a:spcAft>
+            </a:pPr>
+            <a:r>
+              <a:rPr lang="en-US" altLang="ko-KR" sz="1200" dirty="0">
+                <a:solidFill>
+                  <a:srgbClr val="000000"/>
+                </a:solidFill>
+                <a:effectLst>
+                  <a:outerShdw blurRad="38100" dist="19050" dir="2700000" algn="tl" rotWithShape="0">
+                    <a:schemeClr val="dk1">
+                      <a:alpha val="40000"/>
+                    </a:schemeClr>
+                  </a:outerShdw>
+                </a:effectLst>
+                <a:latin typeface="맑은 고딕" panose="020B0503020000020004" pitchFamily="50" charset="-127"/>
+                <a:ea typeface="맑은 고딕" panose="020B0503020000020004" pitchFamily="50" charset="-127"/>
+              </a:rPr>
+              <a:t>MISS</a:t>
+            </a:r>
+            <a:r>
+              <a:rPr lang="ko-KR" altLang="en-US" sz="1200" dirty="0">
+                <a:solidFill>
+                  <a:srgbClr val="000000"/>
+                </a:solidFill>
+                <a:effectLst>
+                  <a:outerShdw blurRad="38100" dist="19050" dir="2700000" algn="tl" rotWithShape="0">
+                    <a:schemeClr val="dk1">
+                      <a:alpha val="40000"/>
+                    </a:schemeClr>
+                  </a:outerShdw>
+                </a:effectLst>
+                <a:latin typeface="맑은 고딕" panose="020B0503020000020004" pitchFamily="50" charset="-127"/>
+                <a:ea typeface="맑은 고딕" panose="020B0503020000020004" pitchFamily="50" charset="-127"/>
+              </a:rPr>
+              <a:t>는 모래가 모이지 않고</a:t>
+            </a:r>
+            <a:endParaRPr lang="en-US" altLang="ko-KR" sz="1200" dirty="0">
+              <a:solidFill>
+                <a:srgbClr val="000000"/>
+              </a:solidFill>
+              <a:effectLst>
+                <a:outerShdw blurRad="38100" dist="19050" dir="2700000" algn="tl" rotWithShape="0">
+                  <a:schemeClr val="dk1">
+                    <a:alpha val="40000"/>
+                  </a:schemeClr>
+                </a:outerShdw>
+              </a:effectLst>
+              <a:latin typeface="맑은 고딕" panose="020B0503020000020004" pitchFamily="50" charset="-127"/>
+              <a:ea typeface="맑은 고딕" panose="020B0503020000020004" pitchFamily="50" charset="-127"/>
+            </a:endParaRPr>
+          </a:p>
+          <a:p>
+            <a:pPr marL="0" algn="ctr" rtl="0" eaLnBrk="1" latinLnBrk="1" hangingPunct="1">
+              <a:spcBef>
+                <a:spcPts val="0"/>
+              </a:spcBef>
+              <a:spcAft>
+                <a:spcPts val="0"/>
+              </a:spcAft>
+            </a:pPr>
+            <a:r>
+              <a:rPr lang="en-US" altLang="ko-KR" sz="1200" dirty="0">
+                <a:solidFill>
+                  <a:srgbClr val="000000"/>
+                </a:solidFill>
+                <a:effectLst>
+                  <a:outerShdw blurRad="38100" dist="19050" dir="2700000" algn="tl" rotWithShape="0">
+                    <a:schemeClr val="dk1">
+                      <a:alpha val="40000"/>
+                    </a:schemeClr>
+                  </a:outerShdw>
+                </a:effectLst>
+                <a:latin typeface="맑은 고딕" panose="020B0503020000020004" pitchFamily="50" charset="-127"/>
+                <a:ea typeface="맑은 고딕" panose="020B0503020000020004" pitchFamily="50" charset="-127"/>
+              </a:rPr>
+              <a:t>Good</a:t>
+            </a:r>
+            <a:r>
+              <a:rPr lang="ko-KR" altLang="en-US" sz="1200" dirty="0">
+                <a:solidFill>
+                  <a:srgbClr val="000000"/>
+                </a:solidFill>
+                <a:effectLst>
+                  <a:outerShdw blurRad="38100" dist="19050" dir="2700000" algn="tl" rotWithShape="0">
+                    <a:schemeClr val="dk1">
+                      <a:alpha val="40000"/>
+                    </a:schemeClr>
+                  </a:outerShdw>
+                </a:effectLst>
+                <a:latin typeface="맑은 고딕" panose="020B0503020000020004" pitchFamily="50" charset="-127"/>
+                <a:ea typeface="맑은 고딕" panose="020B0503020000020004" pitchFamily="50" charset="-127"/>
+              </a:rPr>
+              <a:t>은 </a:t>
+            </a:r>
+            <a:r>
+              <a:rPr lang="en-US" altLang="ko-KR" sz="1200" dirty="0">
+                <a:solidFill>
+                  <a:srgbClr val="000000"/>
+                </a:solidFill>
+                <a:effectLst>
+                  <a:outerShdw blurRad="38100" dist="19050" dir="2700000" algn="tl" rotWithShape="0">
+                    <a:schemeClr val="dk1">
+                      <a:alpha val="40000"/>
+                    </a:schemeClr>
+                  </a:outerShdw>
+                </a:effectLst>
+                <a:latin typeface="맑은 고딕" panose="020B0503020000020004" pitchFamily="50" charset="-127"/>
+                <a:ea typeface="맑은 고딕" panose="020B0503020000020004" pitchFamily="50" charset="-127"/>
+              </a:rPr>
+              <a:t>4</a:t>
+            </a:r>
+            <a:r>
+              <a:rPr lang="ko-KR" altLang="en-US" sz="1200" dirty="0">
+                <a:solidFill>
+                  <a:srgbClr val="000000"/>
+                </a:solidFill>
+                <a:effectLst>
+                  <a:outerShdw blurRad="38100" dist="19050" dir="2700000" algn="tl" rotWithShape="0">
+                    <a:schemeClr val="dk1">
+                      <a:alpha val="40000"/>
+                    </a:schemeClr>
+                  </a:outerShdw>
+                </a:effectLst>
+                <a:latin typeface="맑은 고딕" panose="020B0503020000020004" pitchFamily="50" charset="-127"/>
+                <a:ea typeface="맑은 고딕" panose="020B0503020000020004" pitchFamily="50" charset="-127"/>
+              </a:rPr>
+              <a:t>분의 </a:t>
+            </a:r>
+            <a:r>
+              <a:rPr lang="en-US" altLang="ko-KR" sz="1200" dirty="0">
+                <a:solidFill>
+                  <a:srgbClr val="000000"/>
+                </a:solidFill>
+                <a:effectLst>
+                  <a:outerShdw blurRad="38100" dist="19050" dir="2700000" algn="tl" rotWithShape="0">
+                    <a:schemeClr val="dk1">
+                      <a:alpha val="40000"/>
+                    </a:schemeClr>
+                  </a:outerShdw>
+                </a:effectLst>
+                <a:latin typeface="맑은 고딕" panose="020B0503020000020004" pitchFamily="50" charset="-127"/>
+                <a:ea typeface="맑은 고딕" panose="020B0503020000020004" pitchFamily="50" charset="-127"/>
+              </a:rPr>
+              <a:t>1 Perfect</a:t>
+            </a:r>
+            <a:r>
+              <a:rPr lang="ko-KR" altLang="en-US" sz="1200" dirty="0">
+                <a:solidFill>
+                  <a:srgbClr val="000000"/>
+                </a:solidFill>
+                <a:effectLst>
+                  <a:outerShdw blurRad="38100" dist="19050" dir="2700000" algn="tl" rotWithShape="0">
+                    <a:schemeClr val="dk1">
+                      <a:alpha val="40000"/>
+                    </a:schemeClr>
+                  </a:outerShdw>
+                </a:effectLst>
+                <a:latin typeface="맑은 고딕" panose="020B0503020000020004" pitchFamily="50" charset="-127"/>
+                <a:ea typeface="맑은 고딕" panose="020B0503020000020004" pitchFamily="50" charset="-127"/>
+              </a:rPr>
+              <a:t>는</a:t>
+            </a:r>
+            <a:endParaRPr lang="en-US" altLang="ko-KR" sz="1200" dirty="0">
+              <a:solidFill>
+                <a:srgbClr val="000000"/>
+              </a:solidFill>
+              <a:effectLst>
+                <a:outerShdw blurRad="38100" dist="19050" dir="2700000" algn="tl" rotWithShape="0">
+                  <a:schemeClr val="dk1">
+                    <a:alpha val="40000"/>
+                  </a:schemeClr>
+                </a:outerShdw>
+              </a:effectLst>
+              <a:latin typeface="맑은 고딕" panose="020B0503020000020004" pitchFamily="50" charset="-127"/>
+              <a:ea typeface="맑은 고딕" panose="020B0503020000020004" pitchFamily="50" charset="-127"/>
+            </a:endParaRPr>
+          </a:p>
+          <a:p>
+            <a:pPr marL="0" algn="ctr" rtl="0" eaLnBrk="1" latinLnBrk="1" hangingPunct="1">
+              <a:spcBef>
+                <a:spcPts val="0"/>
+              </a:spcBef>
+              <a:spcAft>
+                <a:spcPts val="0"/>
+              </a:spcAft>
+            </a:pPr>
+            <a:r>
+              <a:rPr lang="en-US" altLang="ko-KR" sz="1200" dirty="0">
+                <a:solidFill>
+                  <a:srgbClr val="000000"/>
+                </a:solidFill>
+                <a:effectLst>
+                  <a:outerShdw blurRad="38100" dist="19050" dir="2700000" algn="tl" rotWithShape="0">
+                    <a:schemeClr val="dk1">
+                      <a:alpha val="40000"/>
+                    </a:schemeClr>
+                  </a:outerShdw>
+                </a:effectLst>
+                <a:latin typeface="맑은 고딕" panose="020B0503020000020004" pitchFamily="50" charset="-127"/>
+                <a:ea typeface="맑은 고딕" panose="020B0503020000020004" pitchFamily="50" charset="-127"/>
+              </a:rPr>
+              <a:t>2</a:t>
+            </a:r>
+            <a:r>
+              <a:rPr lang="ko-KR" altLang="en-US" sz="1200" dirty="0">
+                <a:solidFill>
+                  <a:srgbClr val="000000"/>
+                </a:solidFill>
+                <a:effectLst>
+                  <a:outerShdw blurRad="38100" dist="19050" dir="2700000" algn="tl" rotWithShape="0">
+                    <a:schemeClr val="dk1">
+                      <a:alpha val="40000"/>
+                    </a:schemeClr>
+                  </a:outerShdw>
+                </a:effectLst>
+                <a:latin typeface="맑은 고딕" panose="020B0503020000020004" pitchFamily="50" charset="-127"/>
+                <a:ea typeface="맑은 고딕" panose="020B0503020000020004" pitchFamily="50" charset="-127"/>
+              </a:rPr>
+              <a:t>분의 </a:t>
+            </a:r>
+            <a:r>
+              <a:rPr lang="en-US" altLang="ko-KR" sz="1200" dirty="0">
+                <a:solidFill>
+                  <a:srgbClr val="000000"/>
+                </a:solidFill>
+                <a:effectLst>
+                  <a:outerShdw blurRad="38100" dist="19050" dir="2700000" algn="tl" rotWithShape="0">
+                    <a:schemeClr val="dk1">
+                      <a:alpha val="40000"/>
+                    </a:schemeClr>
+                  </a:outerShdw>
+                </a:effectLst>
+                <a:latin typeface="맑은 고딕" panose="020B0503020000020004" pitchFamily="50" charset="-127"/>
+                <a:ea typeface="맑은 고딕" panose="020B0503020000020004" pitchFamily="50" charset="-127"/>
+              </a:rPr>
+              <a:t>1</a:t>
+            </a:r>
+            <a:r>
+              <a:rPr lang="ko-KR" altLang="en-US" sz="1200" dirty="0">
+                <a:solidFill>
+                  <a:srgbClr val="000000"/>
+                </a:solidFill>
+                <a:effectLst>
+                  <a:outerShdw blurRad="38100" dist="19050" dir="2700000" algn="tl" rotWithShape="0">
+                    <a:schemeClr val="dk1">
+                      <a:alpha val="40000"/>
+                    </a:schemeClr>
+                  </a:outerShdw>
+                </a:effectLst>
+                <a:latin typeface="맑은 고딕" panose="020B0503020000020004" pitchFamily="50" charset="-127"/>
+                <a:ea typeface="맑은 고딕" panose="020B0503020000020004" pitchFamily="50" charset="-127"/>
+              </a:rPr>
+              <a:t>이 통 안에 담긴다</a:t>
+            </a:r>
+            <a:r>
+              <a:rPr lang="en-US" altLang="ko-KR" sz="1200" dirty="0">
+                <a:solidFill>
+                  <a:srgbClr val="000000"/>
+                </a:solidFill>
+                <a:effectLst>
+                  <a:outerShdw blurRad="38100" dist="19050" dir="2700000" algn="tl" rotWithShape="0">
+                    <a:schemeClr val="dk1">
+                      <a:alpha val="40000"/>
+                    </a:schemeClr>
+                  </a:outerShdw>
+                </a:effectLst>
+                <a:latin typeface="맑은 고딕" panose="020B0503020000020004" pitchFamily="50" charset="-127"/>
+                <a:ea typeface="맑은 고딕" panose="020B0503020000020004" pitchFamily="50" charset="-127"/>
+              </a:rPr>
+              <a:t>.</a:t>
+            </a:r>
+          </a:p>
+          <a:p>
+            <a:pPr marL="0" algn="ctr" rtl="0" eaLnBrk="1" latinLnBrk="1" hangingPunct="1">
+              <a:spcBef>
+                <a:spcPts val="0"/>
+              </a:spcBef>
+              <a:spcAft>
+                <a:spcPts val="0"/>
+              </a:spcAft>
+            </a:pPr>
+            <a:endParaRPr lang="en-US" altLang="ko-KR" sz="1200" dirty="0">
+              <a:solidFill>
+                <a:srgbClr val="000000"/>
+              </a:solidFill>
+              <a:effectLst>
+                <a:outerShdw blurRad="38100" dist="19050" dir="2700000" algn="tl" rotWithShape="0">
+                  <a:schemeClr val="dk1">
+                    <a:alpha val="40000"/>
+                  </a:schemeClr>
+                </a:outerShdw>
+              </a:effectLst>
+              <a:latin typeface="맑은 고딕" panose="020B0503020000020004" pitchFamily="50" charset="-127"/>
+              <a:ea typeface="맑은 고딕" panose="020B0503020000020004" pitchFamily="50" charset="-127"/>
+            </a:endParaRPr>
+          </a:p>
+          <a:p>
+            <a:pPr marL="0" algn="ctr" rtl="0" eaLnBrk="1" latinLnBrk="1" hangingPunct="1">
+              <a:spcBef>
+                <a:spcPts val="0"/>
+              </a:spcBef>
+              <a:spcAft>
+                <a:spcPts val="0"/>
+              </a:spcAft>
+            </a:pPr>
+            <a:r>
+              <a:rPr lang="en-US" altLang="ko-KR" sz="900" dirty="0">
+                <a:solidFill>
+                  <a:srgbClr val="000000"/>
+                </a:solidFill>
+                <a:effectLst>
+                  <a:outerShdw blurRad="38100" dist="19050" dir="2700000" algn="tl" rotWithShape="0">
+                    <a:schemeClr val="dk1">
+                      <a:alpha val="40000"/>
+                    </a:schemeClr>
+                  </a:outerShdw>
+                </a:effectLst>
+                <a:latin typeface="맑은 고딕" panose="020B0503020000020004" pitchFamily="50" charset="-127"/>
+                <a:ea typeface="맑은 고딕" panose="020B0503020000020004" pitchFamily="50" charset="-127"/>
+              </a:rPr>
+              <a:t>MISS</a:t>
+            </a:r>
+            <a:r>
+              <a:rPr lang="ko-KR" altLang="en-US" sz="900" dirty="0">
+                <a:solidFill>
+                  <a:srgbClr val="000000"/>
+                </a:solidFill>
+                <a:effectLst>
+                  <a:outerShdw blurRad="38100" dist="19050" dir="2700000" algn="tl" rotWithShape="0">
+                    <a:schemeClr val="dk1">
+                      <a:alpha val="40000"/>
+                    </a:schemeClr>
+                  </a:outerShdw>
+                </a:effectLst>
+                <a:latin typeface="맑은 고딕" panose="020B0503020000020004" pitchFamily="50" charset="-127"/>
+                <a:ea typeface="맑은 고딕" panose="020B0503020000020004" pitchFamily="50" charset="-127"/>
+              </a:rPr>
+              <a:t> </a:t>
+            </a:r>
+            <a:r>
+              <a:rPr lang="en-US" altLang="ko-KR" sz="900" dirty="0">
+                <a:solidFill>
+                  <a:srgbClr val="000000"/>
+                </a:solidFill>
+                <a:effectLst>
+                  <a:outerShdw blurRad="38100" dist="19050" dir="2700000" algn="tl" rotWithShape="0">
+                    <a:schemeClr val="dk1">
+                      <a:alpha val="40000"/>
+                    </a:schemeClr>
+                  </a:outerShdw>
+                </a:effectLst>
+                <a:latin typeface="맑은 고딕" panose="020B0503020000020004" pitchFamily="50" charset="-127"/>
+                <a:ea typeface="맑은 고딕" panose="020B0503020000020004" pitchFamily="50" charset="-127"/>
+              </a:rPr>
+              <a:t>:</a:t>
+            </a:r>
+            <a:r>
+              <a:rPr lang="ko-KR" altLang="en-US" sz="900" dirty="0">
+                <a:solidFill>
+                  <a:srgbClr val="000000"/>
+                </a:solidFill>
+                <a:effectLst>
+                  <a:outerShdw blurRad="38100" dist="19050" dir="2700000" algn="tl" rotWithShape="0">
+                    <a:schemeClr val="dk1">
+                      <a:alpha val="40000"/>
+                    </a:schemeClr>
+                  </a:outerShdw>
+                </a:effectLst>
+                <a:latin typeface="맑은 고딕" panose="020B0503020000020004" pitchFamily="50" charset="-127"/>
+                <a:ea typeface="맑은 고딕" panose="020B0503020000020004" pitchFamily="50" charset="-127"/>
+              </a:rPr>
+              <a:t> 줄어들자마자 </a:t>
+            </a:r>
+            <a:r>
+              <a:rPr lang="en-US" altLang="ko-KR" sz="900" dirty="0">
+                <a:solidFill>
+                  <a:srgbClr val="000000"/>
+                </a:solidFill>
+                <a:effectLst>
+                  <a:outerShdw blurRad="38100" dist="19050" dir="2700000" algn="tl" rotWithShape="0">
+                    <a:schemeClr val="dk1">
+                      <a:alpha val="40000"/>
+                    </a:schemeClr>
+                  </a:outerShdw>
+                </a:effectLst>
+                <a:latin typeface="맑은 고딕" panose="020B0503020000020004" pitchFamily="50" charset="-127"/>
+                <a:ea typeface="맑은 고딕" panose="020B0503020000020004" pitchFamily="50" charset="-127"/>
+              </a:rPr>
+              <a:t>or </a:t>
+            </a:r>
+            <a:r>
+              <a:rPr lang="ko-KR" altLang="en-US" sz="900" dirty="0">
+                <a:solidFill>
+                  <a:srgbClr val="000000"/>
+                </a:solidFill>
+                <a:effectLst>
+                  <a:outerShdw blurRad="38100" dist="19050" dir="2700000" algn="tl" rotWithShape="0">
+                    <a:schemeClr val="dk1">
+                      <a:alpha val="40000"/>
+                    </a:schemeClr>
+                  </a:outerShdw>
+                </a:effectLst>
+                <a:latin typeface="맑은 고딕" panose="020B0503020000020004" pitchFamily="50" charset="-127"/>
+                <a:ea typeface="맑은 고딕" panose="020B0503020000020004" pitchFamily="50" charset="-127"/>
+              </a:rPr>
+              <a:t>다 줄어들었을 때</a:t>
+            </a:r>
+            <a:endParaRPr lang="en-US" altLang="ko-KR" sz="900" dirty="0">
+              <a:solidFill>
+                <a:srgbClr val="000000"/>
+              </a:solidFill>
+              <a:effectLst>
+                <a:outerShdw blurRad="38100" dist="19050" dir="2700000" algn="tl" rotWithShape="0">
+                  <a:schemeClr val="dk1">
+                    <a:alpha val="40000"/>
+                  </a:schemeClr>
+                </a:outerShdw>
+              </a:effectLst>
+              <a:latin typeface="맑은 고딕" panose="020B0503020000020004" pitchFamily="50" charset="-127"/>
+              <a:ea typeface="맑은 고딕" panose="020B0503020000020004" pitchFamily="50" charset="-127"/>
+            </a:endParaRPr>
+          </a:p>
+          <a:p>
+            <a:pPr marL="0" algn="ctr" rtl="0" eaLnBrk="1" latinLnBrk="1" hangingPunct="1">
+              <a:spcBef>
+                <a:spcPts val="0"/>
+              </a:spcBef>
+              <a:spcAft>
+                <a:spcPts val="0"/>
+              </a:spcAft>
+            </a:pPr>
+            <a:r>
+              <a:rPr lang="en-US" altLang="ko-KR" sz="900" dirty="0">
+                <a:solidFill>
+                  <a:srgbClr val="000000"/>
+                </a:solidFill>
+                <a:effectLst>
+                  <a:outerShdw blurRad="38100" dist="19050" dir="2700000" algn="tl" rotWithShape="0">
+                    <a:schemeClr val="dk1">
+                      <a:alpha val="40000"/>
+                    </a:schemeClr>
+                  </a:outerShdw>
+                </a:effectLst>
+                <a:latin typeface="맑은 고딕" panose="020B0503020000020004" pitchFamily="50" charset="-127"/>
+                <a:ea typeface="맑은 고딕" panose="020B0503020000020004" pitchFamily="50" charset="-127"/>
+              </a:rPr>
+              <a:t>GOOD : </a:t>
+            </a:r>
+            <a:r>
+              <a:rPr lang="ko-KR" altLang="en-US" sz="900" dirty="0">
+                <a:solidFill>
+                  <a:srgbClr val="000000"/>
+                </a:solidFill>
+                <a:effectLst>
+                  <a:outerShdw blurRad="38100" dist="19050" dir="2700000" algn="tl" rotWithShape="0">
+                    <a:schemeClr val="dk1">
+                      <a:alpha val="40000"/>
+                    </a:schemeClr>
+                  </a:outerShdw>
+                </a:effectLst>
+                <a:latin typeface="맑은 고딕" panose="020B0503020000020004" pitchFamily="50" charset="-127"/>
+                <a:ea typeface="맑은 고딕" panose="020B0503020000020004" pitchFamily="50" charset="-127"/>
+              </a:rPr>
+              <a:t>반 이상 줄어들었을 때</a:t>
+            </a:r>
+            <a:endParaRPr lang="en-US" altLang="ko-KR" sz="900" dirty="0">
+              <a:solidFill>
+                <a:srgbClr val="000000"/>
+              </a:solidFill>
+              <a:effectLst>
+                <a:outerShdw blurRad="38100" dist="19050" dir="2700000" algn="tl" rotWithShape="0">
+                  <a:schemeClr val="dk1">
+                    <a:alpha val="40000"/>
+                  </a:schemeClr>
+                </a:outerShdw>
+              </a:effectLst>
+              <a:latin typeface="맑은 고딕" panose="020B0503020000020004" pitchFamily="50" charset="-127"/>
+              <a:ea typeface="맑은 고딕" panose="020B0503020000020004" pitchFamily="50" charset="-127"/>
+            </a:endParaRPr>
+          </a:p>
+          <a:p>
+            <a:pPr marL="0" algn="ctr" rtl="0" eaLnBrk="1" latinLnBrk="1" hangingPunct="1">
+              <a:spcBef>
+                <a:spcPts val="0"/>
+              </a:spcBef>
+              <a:spcAft>
+                <a:spcPts val="0"/>
+              </a:spcAft>
+            </a:pPr>
+            <a:r>
+              <a:rPr lang="en-US" altLang="ko-KR" sz="900" dirty="0">
+                <a:solidFill>
+                  <a:srgbClr val="000000"/>
+                </a:solidFill>
+                <a:effectLst>
+                  <a:outerShdw blurRad="38100" dist="19050" dir="2700000" algn="tl" rotWithShape="0">
+                    <a:schemeClr val="dk1">
+                      <a:alpha val="40000"/>
+                    </a:schemeClr>
+                  </a:outerShdw>
+                </a:effectLst>
+                <a:latin typeface="맑은 고딕" panose="020B0503020000020004" pitchFamily="50" charset="-127"/>
+                <a:ea typeface="맑은 고딕" panose="020B0503020000020004" pitchFamily="50" charset="-127"/>
+              </a:rPr>
+              <a:t>PERFECT :</a:t>
+            </a:r>
+            <a:r>
+              <a:rPr lang="ko-KR" altLang="en-US" sz="900" dirty="0">
+                <a:solidFill>
+                  <a:srgbClr val="000000"/>
+                </a:solidFill>
+                <a:effectLst>
+                  <a:outerShdw blurRad="38100" dist="19050" dir="2700000" algn="tl" rotWithShape="0">
+                    <a:schemeClr val="dk1">
+                      <a:alpha val="40000"/>
+                    </a:schemeClr>
+                  </a:outerShdw>
+                </a:effectLst>
+                <a:latin typeface="맑은 고딕" panose="020B0503020000020004" pitchFamily="50" charset="-127"/>
+                <a:ea typeface="맑은 고딕" panose="020B0503020000020004" pitchFamily="50" charset="-127"/>
+              </a:rPr>
+              <a:t>원이 </a:t>
+            </a:r>
+            <a:r>
+              <a:rPr lang="en-US" altLang="ko-KR" sz="900" dirty="0">
+                <a:solidFill>
+                  <a:srgbClr val="000000"/>
+                </a:solidFill>
+                <a:effectLst>
+                  <a:outerShdw blurRad="38100" dist="19050" dir="2700000" algn="tl" rotWithShape="0">
+                    <a:schemeClr val="dk1">
+                      <a:alpha val="40000"/>
+                    </a:schemeClr>
+                  </a:outerShdw>
+                </a:effectLst>
+                <a:latin typeface="맑은 고딕" panose="020B0503020000020004" pitchFamily="50" charset="-127"/>
+                <a:ea typeface="맑은 고딕" panose="020B0503020000020004" pitchFamily="50" charset="-127"/>
+              </a:rPr>
+              <a:t>5</a:t>
+            </a:r>
+            <a:r>
+              <a:rPr lang="ko-KR" altLang="en-US" sz="900" dirty="0">
+                <a:solidFill>
+                  <a:srgbClr val="000000"/>
+                </a:solidFill>
+                <a:effectLst>
+                  <a:outerShdw blurRad="38100" dist="19050" dir="2700000" algn="tl" rotWithShape="0">
+                    <a:schemeClr val="dk1">
+                      <a:alpha val="40000"/>
+                    </a:schemeClr>
+                  </a:outerShdw>
+                </a:effectLst>
+                <a:latin typeface="맑은 고딕" panose="020B0503020000020004" pitchFamily="50" charset="-127"/>
+                <a:ea typeface="맑은 고딕" panose="020B0503020000020004" pitchFamily="50" charset="-127"/>
+              </a:rPr>
+              <a:t>분의 </a:t>
+            </a:r>
+            <a:r>
+              <a:rPr lang="en-US" altLang="ko-KR" sz="900" dirty="0">
+                <a:solidFill>
+                  <a:srgbClr val="000000"/>
+                </a:solidFill>
+                <a:effectLst>
+                  <a:outerShdw blurRad="38100" dist="19050" dir="2700000" algn="tl" rotWithShape="0">
+                    <a:schemeClr val="dk1">
+                      <a:alpha val="40000"/>
+                    </a:schemeClr>
+                  </a:outerShdw>
+                </a:effectLst>
+                <a:latin typeface="맑은 고딕" panose="020B0503020000020004" pitchFamily="50" charset="-127"/>
+                <a:ea typeface="맑은 고딕" panose="020B0503020000020004" pitchFamily="50" charset="-127"/>
+              </a:rPr>
+              <a:t>4</a:t>
+            </a:r>
+            <a:r>
+              <a:rPr lang="ko-KR" altLang="en-US" sz="900" dirty="0">
+                <a:solidFill>
+                  <a:srgbClr val="000000"/>
+                </a:solidFill>
+                <a:effectLst>
+                  <a:outerShdw blurRad="38100" dist="19050" dir="2700000" algn="tl" rotWithShape="0">
+                    <a:schemeClr val="dk1">
+                      <a:alpha val="40000"/>
+                    </a:schemeClr>
+                  </a:outerShdw>
+                </a:effectLst>
+                <a:latin typeface="맑은 고딕" panose="020B0503020000020004" pitchFamily="50" charset="-127"/>
+                <a:ea typeface="맑은 고딕" panose="020B0503020000020004" pitchFamily="50" charset="-127"/>
+              </a:rPr>
+              <a:t>이상 줄어들었을 때</a:t>
+            </a:r>
+            <a:endParaRPr lang="en-US" altLang="ko-KR" sz="1200" dirty="0">
+              <a:solidFill>
+                <a:srgbClr val="000000"/>
+              </a:solidFill>
+              <a:effectLst>
+                <a:outerShdw blurRad="38100" dist="19050" dir="2700000" algn="tl" rotWithShape="0">
+                  <a:schemeClr val="dk1">
+                    <a:alpha val="40000"/>
+                  </a:schemeClr>
+                </a:outerShdw>
+              </a:effectLst>
+              <a:latin typeface="맑은 고딕" panose="020B0503020000020004" pitchFamily="50" charset="-127"/>
+              <a:ea typeface="맑은 고딕" panose="020B0503020000020004" pitchFamily="50" charset="-127"/>
+            </a:endParaRPr>
+          </a:p>
+        </p:txBody>
+      </p:sp>
+      <p:grpSp>
+        <p:nvGrpSpPr>
+          <p:cNvPr id="10" name="그룹 9">
+            <a:extLst>
+              <a:ext uri="{FF2B5EF4-FFF2-40B4-BE49-F238E27FC236}">
+                <a16:creationId xmlns:a16="http://schemas.microsoft.com/office/drawing/2014/main" id="{8CA9BAB0-3EF1-47AC-B67A-0AF8CD8319DC}"/>
+              </a:ext>
+            </a:extLst>
+          </p:cNvPr>
+          <p:cNvGrpSpPr/>
+          <p:nvPr/>
+        </p:nvGrpSpPr>
+        <p:grpSpPr>
+          <a:xfrm>
+            <a:off x="929855" y="2020020"/>
+            <a:ext cx="4583485" cy="2417509"/>
+            <a:chOff x="929855" y="2020020"/>
+            <a:chExt cx="7952529" cy="4194474"/>
+          </a:xfrm>
+        </p:grpSpPr>
+        <p:sp>
+          <p:nvSpPr>
+            <p:cNvPr id="198" name="사각형: 둥근 모서리 197">
+              <a:extLst>
+                <a:ext uri="{FF2B5EF4-FFF2-40B4-BE49-F238E27FC236}">
+                  <a16:creationId xmlns:a16="http://schemas.microsoft.com/office/drawing/2014/main" id="{3E02CA4B-E009-458D-9663-19CCDC8D792B}"/>
+                </a:ext>
+              </a:extLst>
+            </p:cNvPr>
+            <p:cNvSpPr/>
+            <p:nvPr/>
+          </p:nvSpPr>
+          <p:spPr>
+            <a:xfrm rot="5400000">
+              <a:off x="2909551" y="40325"/>
+              <a:ext cx="3993138" cy="7952529"/>
+            </a:xfrm>
+            <a:prstGeom prst="roundRect">
+              <a:avLst/>
+            </a:prstGeom>
+            <a:solidFill>
+              <a:schemeClr val="bg1"/>
+            </a:solidFill>
+            <a:ln w="38100">
+              <a:solidFill>
+                <a:schemeClr val="tx1"/>
+              </a:solidFill>
+            </a:ln>
+          </p:spPr>
+          <p:style>
+            <a:lnRef idx="2">
+              <a:schemeClr val="accent1">
+                <a:shade val="50000"/>
+              </a:schemeClr>
+            </a:lnRef>
+            <a:fillRef idx="1">
+              <a:schemeClr val="accent1"/>
+            </a:fillRef>
+            <a:effectRef idx="0">
+              <a:schemeClr val="accent1"/>
+            </a:effectRef>
+            <a:fontRef idx="minor">
+              <a:schemeClr val="lt1"/>
+            </a:fontRef>
+          </p:style>
+          <p:txBody>
+            <a:bodyPr rtlCol="0" anchor="ctr"/>
+            <a:lstStyle/>
+            <a:p>
+              <a:pPr algn="ctr"/>
+              <a:endParaRPr lang="ko-KR" altLang="en-US" dirty="0"/>
+            </a:p>
+          </p:txBody>
+        </p:sp>
+        <p:sp>
+          <p:nvSpPr>
+            <p:cNvPr id="19" name="직사각형 18">
+              <a:extLst>
+                <a:ext uri="{FF2B5EF4-FFF2-40B4-BE49-F238E27FC236}">
+                  <a16:creationId xmlns:a16="http://schemas.microsoft.com/office/drawing/2014/main" id="{60E8ECA5-8AD5-4EAD-B3F6-94210D46088C}"/>
+                </a:ext>
+              </a:extLst>
+            </p:cNvPr>
+            <p:cNvSpPr/>
+            <p:nvPr/>
+          </p:nvSpPr>
+          <p:spPr>
+            <a:xfrm>
+              <a:off x="2439060" y="2020020"/>
+              <a:ext cx="5181851" cy="3993139"/>
+            </a:xfrm>
+            <a:prstGeom prst="rect">
+              <a:avLst/>
+            </a:prstGeom>
+            <a:solidFill>
+              <a:schemeClr val="accent5">
+                <a:lumMod val="60000"/>
+                <a:lumOff val="40000"/>
+              </a:schemeClr>
+            </a:solidFill>
+          </p:spPr>
+          <p:style>
+            <a:lnRef idx="2">
+              <a:schemeClr val="accent1">
+                <a:shade val="50000"/>
+              </a:schemeClr>
+            </a:lnRef>
+            <a:fillRef idx="1">
+              <a:schemeClr val="accent1"/>
+            </a:fillRef>
+            <a:effectRef idx="0">
+              <a:schemeClr val="accent1"/>
+            </a:effectRef>
+            <a:fontRef idx="minor">
+              <a:schemeClr val="lt1"/>
+            </a:fontRef>
+          </p:style>
+          <p:txBody>
+            <a:bodyPr rtlCol="0" anchor="ctr"/>
+            <a:lstStyle/>
+            <a:p>
+              <a:pPr algn="ctr"/>
+              <a:endParaRPr lang="ko-KR" altLang="en-US"/>
+            </a:p>
+          </p:txBody>
+        </p:sp>
+        <p:sp>
+          <p:nvSpPr>
+            <p:cNvPr id="199" name="타원 198">
+              <a:extLst>
+                <a:ext uri="{FF2B5EF4-FFF2-40B4-BE49-F238E27FC236}">
+                  <a16:creationId xmlns:a16="http://schemas.microsoft.com/office/drawing/2014/main" id="{EE49514C-7EC3-4EE2-9128-08A773A94EAF}"/>
+                </a:ext>
+              </a:extLst>
+            </p:cNvPr>
+            <p:cNvSpPr/>
+            <p:nvPr/>
+          </p:nvSpPr>
+          <p:spPr>
+            <a:xfrm>
+              <a:off x="1393819" y="4596858"/>
+              <a:ext cx="1001616" cy="1001616"/>
+            </a:xfrm>
+            <a:prstGeom prst="ellipse">
+              <a:avLst/>
+            </a:prstGeom>
+            <a:noFill/>
+            <a:ln w="28575">
+              <a:solidFill>
+                <a:schemeClr val="tx1"/>
+              </a:solidFill>
+            </a:ln>
+          </p:spPr>
+          <p:style>
+            <a:lnRef idx="2">
+              <a:schemeClr val="accent1">
+                <a:shade val="50000"/>
+              </a:schemeClr>
+            </a:lnRef>
+            <a:fillRef idx="1">
+              <a:schemeClr val="accent1"/>
+            </a:fillRef>
+            <a:effectRef idx="0">
+              <a:schemeClr val="accent1"/>
+            </a:effectRef>
+            <a:fontRef idx="minor">
+              <a:schemeClr val="lt1"/>
+            </a:fontRef>
+          </p:style>
+          <p:txBody>
+            <a:bodyPr rtlCol="0" anchor="ctr"/>
+            <a:lstStyle/>
+            <a:p>
+              <a:pPr algn="ctr"/>
+              <a:endParaRPr lang="ko-KR" altLang="en-US"/>
+            </a:p>
+          </p:txBody>
+        </p:sp>
+        <p:sp>
+          <p:nvSpPr>
+            <p:cNvPr id="200" name="타원 199">
+              <a:extLst>
+                <a:ext uri="{FF2B5EF4-FFF2-40B4-BE49-F238E27FC236}">
+                  <a16:creationId xmlns:a16="http://schemas.microsoft.com/office/drawing/2014/main" id="{F4FC2F8D-9B46-473F-A9CF-30AFA8F22704}"/>
+                </a:ext>
+              </a:extLst>
+            </p:cNvPr>
+            <p:cNvSpPr/>
+            <p:nvPr/>
+          </p:nvSpPr>
+          <p:spPr>
+            <a:xfrm>
+              <a:off x="1738531" y="4941570"/>
+              <a:ext cx="312192" cy="312192"/>
+            </a:xfrm>
+            <a:prstGeom prst="ellipse">
+              <a:avLst/>
+            </a:prstGeom>
+            <a:solidFill>
+              <a:schemeClr val="tx1"/>
+            </a:solidFill>
+          </p:spPr>
+          <p:style>
+            <a:lnRef idx="2">
+              <a:schemeClr val="accent1">
+                <a:shade val="50000"/>
+              </a:schemeClr>
+            </a:lnRef>
+            <a:fillRef idx="1">
+              <a:schemeClr val="accent1"/>
+            </a:fillRef>
+            <a:effectRef idx="0">
+              <a:schemeClr val="accent1"/>
+            </a:effectRef>
+            <a:fontRef idx="minor">
+              <a:schemeClr val="lt1"/>
+            </a:fontRef>
+          </p:style>
+          <p:txBody>
+            <a:bodyPr rtlCol="0" anchor="ctr"/>
+            <a:lstStyle/>
+            <a:p>
+              <a:pPr algn="ctr"/>
+              <a:endParaRPr lang="ko-KR" altLang="en-US"/>
+            </a:p>
+          </p:txBody>
+        </p:sp>
+        <p:sp>
+          <p:nvSpPr>
+            <p:cNvPr id="201" name="타원 200">
+              <a:extLst>
+                <a:ext uri="{FF2B5EF4-FFF2-40B4-BE49-F238E27FC236}">
+                  <a16:creationId xmlns:a16="http://schemas.microsoft.com/office/drawing/2014/main" id="{316BBCC9-1FEB-4F6B-A90B-02CDB0A5202A}"/>
+                </a:ext>
+              </a:extLst>
+            </p:cNvPr>
+            <p:cNvSpPr/>
+            <p:nvPr/>
+          </p:nvSpPr>
+          <p:spPr>
+            <a:xfrm>
+              <a:off x="7912566" y="5006738"/>
+              <a:ext cx="610505" cy="610505"/>
+            </a:xfrm>
+            <a:prstGeom prst="ellipse">
+              <a:avLst/>
+            </a:prstGeom>
+            <a:noFill/>
+            <a:ln w="28575">
+              <a:solidFill>
+                <a:schemeClr val="tx1"/>
+              </a:solidFill>
+            </a:ln>
+          </p:spPr>
+          <p:style>
+            <a:lnRef idx="2">
+              <a:schemeClr val="accent1">
+                <a:shade val="50000"/>
+              </a:schemeClr>
+            </a:lnRef>
+            <a:fillRef idx="1">
+              <a:schemeClr val="accent1"/>
+            </a:fillRef>
+            <a:effectRef idx="0">
+              <a:schemeClr val="accent1"/>
+            </a:effectRef>
+            <a:fontRef idx="minor">
+              <a:schemeClr val="lt1"/>
+            </a:fontRef>
+          </p:style>
+          <p:txBody>
+            <a:bodyPr rtlCol="0" anchor="ctr"/>
+            <a:lstStyle/>
+            <a:p>
+              <a:pPr algn="ctr"/>
+              <a:endParaRPr lang="ko-KR" altLang="en-US"/>
+            </a:p>
+          </p:txBody>
+        </p:sp>
+        <p:sp>
+          <p:nvSpPr>
+            <p:cNvPr id="202" name="타원 201">
+              <a:extLst>
+                <a:ext uri="{FF2B5EF4-FFF2-40B4-BE49-F238E27FC236}">
+                  <a16:creationId xmlns:a16="http://schemas.microsoft.com/office/drawing/2014/main" id="{08E3B82D-1B81-45F5-8EF7-61A45103706F}"/>
+                </a:ext>
+              </a:extLst>
+            </p:cNvPr>
+            <p:cNvSpPr/>
+            <p:nvPr/>
+          </p:nvSpPr>
+          <p:spPr>
+            <a:xfrm>
+              <a:off x="8125002" y="2902874"/>
+              <a:ext cx="610505" cy="610505"/>
+            </a:xfrm>
+            <a:prstGeom prst="ellipse">
+              <a:avLst/>
+            </a:prstGeom>
+            <a:solidFill>
+              <a:schemeClr val="bg1"/>
+            </a:solidFill>
+            <a:ln w="28575">
+              <a:solidFill>
+                <a:schemeClr val="tx1"/>
+              </a:solidFill>
+            </a:ln>
+          </p:spPr>
+          <p:style>
+            <a:lnRef idx="2">
+              <a:schemeClr val="accent1">
+                <a:shade val="50000"/>
+              </a:schemeClr>
+            </a:lnRef>
+            <a:fillRef idx="1">
+              <a:schemeClr val="accent1"/>
+            </a:fillRef>
+            <a:effectRef idx="0">
+              <a:schemeClr val="accent1"/>
+            </a:effectRef>
+            <a:fontRef idx="minor">
+              <a:schemeClr val="lt1"/>
+            </a:fontRef>
+          </p:style>
+          <p:txBody>
+            <a:bodyPr rtlCol="0" anchor="ctr"/>
+            <a:lstStyle/>
+            <a:p>
+              <a:pPr algn="ctr"/>
+              <a:endParaRPr lang="ko-KR" altLang="en-US" sz="1050" b="1" dirty="0">
+                <a:solidFill>
+                  <a:srgbClr val="FF0000"/>
+                </a:solidFill>
+              </a:endParaRPr>
+            </a:p>
+          </p:txBody>
+        </p:sp>
+        <p:sp>
+          <p:nvSpPr>
+            <p:cNvPr id="203" name="타원 202">
+              <a:extLst>
+                <a:ext uri="{FF2B5EF4-FFF2-40B4-BE49-F238E27FC236}">
+                  <a16:creationId xmlns:a16="http://schemas.microsoft.com/office/drawing/2014/main" id="{5F7D788C-28A0-4B9C-9EA9-9ACFE972B264}"/>
+                </a:ext>
+              </a:extLst>
+            </p:cNvPr>
+            <p:cNvSpPr/>
+            <p:nvPr/>
+          </p:nvSpPr>
+          <p:spPr>
+            <a:xfrm>
+              <a:off x="8120390" y="2214771"/>
+              <a:ext cx="610505" cy="610505"/>
+            </a:xfrm>
+            <a:prstGeom prst="ellipse">
+              <a:avLst/>
+            </a:prstGeom>
+            <a:solidFill>
+              <a:schemeClr val="bg1"/>
+            </a:solidFill>
+            <a:ln w="28575">
+              <a:solidFill>
+                <a:schemeClr val="tx1"/>
+              </a:solidFill>
+            </a:ln>
+          </p:spPr>
+          <p:style>
+            <a:lnRef idx="2">
+              <a:schemeClr val="accent1">
+                <a:shade val="50000"/>
+              </a:schemeClr>
+            </a:lnRef>
+            <a:fillRef idx="1">
+              <a:schemeClr val="accent1"/>
+            </a:fillRef>
+            <a:effectRef idx="0">
+              <a:schemeClr val="accent1"/>
+            </a:effectRef>
+            <a:fontRef idx="minor">
+              <a:schemeClr val="lt1"/>
+            </a:fontRef>
+          </p:style>
+          <p:txBody>
+            <a:bodyPr rtlCol="0" anchor="ctr"/>
+            <a:lstStyle/>
+            <a:p>
+              <a:pPr algn="ctr"/>
+              <a:r>
+                <a:rPr lang="ko-KR" altLang="en-US" sz="900" dirty="0">
+                  <a:solidFill>
+                    <a:schemeClr val="tx1"/>
+                  </a:solidFill>
+                </a:rPr>
+                <a:t>설정</a:t>
+              </a:r>
+            </a:p>
+          </p:txBody>
+        </p:sp>
+        <p:sp>
+          <p:nvSpPr>
+            <p:cNvPr id="204" name="타원 203">
+              <a:extLst>
+                <a:ext uri="{FF2B5EF4-FFF2-40B4-BE49-F238E27FC236}">
+                  <a16:creationId xmlns:a16="http://schemas.microsoft.com/office/drawing/2014/main" id="{B23696C0-0570-4599-BFC8-B151FB3F6540}"/>
+                </a:ext>
+              </a:extLst>
+            </p:cNvPr>
+            <p:cNvSpPr/>
+            <p:nvPr/>
+          </p:nvSpPr>
+          <p:spPr>
+            <a:xfrm>
+              <a:off x="1225439" y="2318509"/>
+              <a:ext cx="610505" cy="610505"/>
+            </a:xfrm>
+            <a:prstGeom prst="ellipse">
+              <a:avLst/>
+            </a:prstGeom>
+            <a:noFill/>
+            <a:ln w="28575">
+              <a:solidFill>
+                <a:srgbClr val="0070C0"/>
+              </a:solidFill>
+            </a:ln>
+          </p:spPr>
+          <p:style>
+            <a:lnRef idx="2">
+              <a:schemeClr val="accent1">
+                <a:shade val="50000"/>
+              </a:schemeClr>
+            </a:lnRef>
+            <a:fillRef idx="1">
+              <a:schemeClr val="accent1"/>
+            </a:fillRef>
+            <a:effectRef idx="0">
+              <a:schemeClr val="accent1"/>
+            </a:effectRef>
+            <a:fontRef idx="minor">
+              <a:schemeClr val="lt1"/>
+            </a:fontRef>
+          </p:style>
+          <p:txBody>
+            <a:bodyPr rtlCol="0" anchor="ctr"/>
+            <a:lstStyle/>
+            <a:p>
+              <a:pPr algn="ctr"/>
+              <a:endParaRPr lang="ko-KR" altLang="en-US"/>
+            </a:p>
+          </p:txBody>
+        </p:sp>
+        <p:sp>
+          <p:nvSpPr>
+            <p:cNvPr id="205" name="TextBox 204">
+              <a:extLst>
+                <a:ext uri="{FF2B5EF4-FFF2-40B4-BE49-F238E27FC236}">
+                  <a16:creationId xmlns:a16="http://schemas.microsoft.com/office/drawing/2014/main" id="{E747CE9B-EFA0-4EF4-9E8C-65AA04BF9D1E}"/>
+                </a:ext>
+              </a:extLst>
+            </p:cNvPr>
+            <p:cNvSpPr txBox="1"/>
+            <p:nvPr/>
+          </p:nvSpPr>
+          <p:spPr>
+            <a:xfrm>
+              <a:off x="1269381" y="2463560"/>
+              <a:ext cx="522620" cy="320403"/>
+            </a:xfrm>
+            <a:prstGeom prst="rect">
+              <a:avLst/>
+            </a:prstGeom>
+            <a:noFill/>
+          </p:spPr>
+          <p:txBody>
+            <a:bodyPr wrap="square" rtlCol="0">
+              <a:spAutoFit/>
+            </a:bodyPr>
+            <a:lstStyle/>
+            <a:p>
+              <a:r>
+                <a:rPr lang="en-US" altLang="ko-KR" sz="600" dirty="0"/>
+                <a:t>0%</a:t>
+              </a:r>
+              <a:endParaRPr lang="ko-KR" altLang="en-US" sz="800" dirty="0"/>
+            </a:p>
+          </p:txBody>
+        </p:sp>
+        <p:pic>
+          <p:nvPicPr>
+            <p:cNvPr id="206" name="그래픽 205" descr="핀 있는 지도 윤곽선">
+              <a:extLst>
+                <a:ext uri="{FF2B5EF4-FFF2-40B4-BE49-F238E27FC236}">
+                  <a16:creationId xmlns:a16="http://schemas.microsoft.com/office/drawing/2014/main" id="{F5142EB6-FD3F-450C-A516-99157EAB242B}"/>
+                </a:ext>
+              </a:extLst>
+            </p:cNvPr>
+            <p:cNvPicPr>
+              <a:picLocks noChangeAspect="1"/>
+            </p:cNvPicPr>
+            <p:nvPr/>
+          </p:nvPicPr>
+          <p:blipFill>
+            <a:blip r:embed="rId3" cstate="print">
+              <a:extLst>
+                <a:ext uri="{28A0092B-C50C-407E-A947-70E740481C1C}">
+                  <a14:useLocalDpi xmlns:a14="http://schemas.microsoft.com/office/drawing/2010/main" val="0"/>
+                </a:ext>
+                <a:ext uri="{96DAC541-7B7A-43D3-8B79-37D633B846F1}">
+                  <asvg:svgBlip xmlns:asvg="http://schemas.microsoft.com/office/drawing/2016/SVG/main" r:embed="rId4"/>
+                </a:ext>
+              </a:extLst>
+            </a:blip>
+            <a:stretch>
+              <a:fillRect/>
+            </a:stretch>
+          </p:blipFill>
+          <p:spPr>
+            <a:xfrm>
+              <a:off x="8197042" y="2941695"/>
+              <a:ext cx="457200" cy="457200"/>
+            </a:xfrm>
+            <a:prstGeom prst="rect">
+              <a:avLst/>
+            </a:prstGeom>
+          </p:spPr>
+        </p:pic>
+        <p:sp>
+          <p:nvSpPr>
+            <p:cNvPr id="3" name="사각형: 둥근 모서리 2">
+              <a:extLst>
+                <a:ext uri="{FF2B5EF4-FFF2-40B4-BE49-F238E27FC236}">
+                  <a16:creationId xmlns:a16="http://schemas.microsoft.com/office/drawing/2014/main" id="{3DF3F2BB-7D7A-4449-BAB0-53FF584D3A5B}"/>
+                </a:ext>
+              </a:extLst>
+            </p:cNvPr>
+            <p:cNvSpPr/>
+            <p:nvPr/>
+          </p:nvSpPr>
+          <p:spPr>
+            <a:xfrm>
+              <a:off x="3129675" y="2318509"/>
+              <a:ext cx="3783106" cy="1973021"/>
+            </a:xfrm>
+            <a:prstGeom prst="roundRect">
+              <a:avLst/>
+            </a:prstGeom>
+            <a:solidFill>
+              <a:schemeClr val="accent4">
+                <a:lumMod val="60000"/>
+                <a:lumOff val="40000"/>
+              </a:schemeClr>
+            </a:solidFill>
+            <a:ln w="38100">
+              <a:solidFill>
+                <a:schemeClr val="accent4">
+                  <a:lumMod val="75000"/>
+                </a:schemeClr>
+              </a:solidFill>
+            </a:ln>
+          </p:spPr>
+          <p:style>
+            <a:lnRef idx="2">
+              <a:schemeClr val="accent1">
+                <a:shade val="50000"/>
+              </a:schemeClr>
+            </a:lnRef>
+            <a:fillRef idx="1">
+              <a:schemeClr val="accent1"/>
+            </a:fillRef>
+            <a:effectRef idx="0">
+              <a:schemeClr val="accent1"/>
+            </a:effectRef>
+            <a:fontRef idx="minor">
+              <a:schemeClr val="lt1"/>
+            </a:fontRef>
+          </p:style>
+          <p:txBody>
+            <a:bodyPr rtlCol="0" anchor="ctr"/>
+            <a:lstStyle/>
+            <a:p>
+              <a:pPr algn="ctr"/>
+              <a:endParaRPr lang="ko-KR" altLang="en-US"/>
+            </a:p>
+          </p:txBody>
+        </p:sp>
+        <p:sp>
+          <p:nvSpPr>
+            <p:cNvPr id="6" name="타원 5">
+              <a:extLst>
+                <a:ext uri="{FF2B5EF4-FFF2-40B4-BE49-F238E27FC236}">
+                  <a16:creationId xmlns:a16="http://schemas.microsoft.com/office/drawing/2014/main" id="{B3CCD37A-581A-4014-B773-5E38ED36C1BF}"/>
+                </a:ext>
+              </a:extLst>
+            </p:cNvPr>
+            <p:cNvSpPr/>
+            <p:nvPr/>
+          </p:nvSpPr>
+          <p:spPr>
+            <a:xfrm>
+              <a:off x="4246647" y="2918228"/>
+              <a:ext cx="657565" cy="657565"/>
+            </a:xfrm>
+            <a:prstGeom prst="ellipse">
+              <a:avLst/>
+            </a:prstGeom>
+            <a:solidFill>
+              <a:schemeClr val="accent4">
+                <a:lumMod val="75000"/>
+              </a:schemeClr>
+            </a:solidFill>
+            <a:ln>
+              <a:solidFill>
+                <a:schemeClr val="tx1"/>
+              </a:solidFill>
+            </a:ln>
+          </p:spPr>
+          <p:style>
+            <a:lnRef idx="2">
+              <a:schemeClr val="accent1">
+                <a:shade val="50000"/>
+              </a:schemeClr>
+            </a:lnRef>
+            <a:fillRef idx="1">
+              <a:schemeClr val="accent1"/>
+            </a:fillRef>
+            <a:effectRef idx="0">
+              <a:schemeClr val="accent1"/>
+            </a:effectRef>
+            <a:fontRef idx="minor">
+              <a:schemeClr val="lt1"/>
+            </a:fontRef>
+          </p:style>
+          <p:txBody>
+            <a:bodyPr rtlCol="0" anchor="ctr"/>
+            <a:lstStyle/>
+            <a:p>
+              <a:pPr algn="ctr"/>
+              <a:endParaRPr lang="ko-KR" altLang="en-US"/>
+            </a:p>
+          </p:txBody>
+        </p:sp>
+        <p:sp>
+          <p:nvSpPr>
+            <p:cNvPr id="41" name="타원 40">
+              <a:extLst>
+                <a:ext uri="{FF2B5EF4-FFF2-40B4-BE49-F238E27FC236}">
+                  <a16:creationId xmlns:a16="http://schemas.microsoft.com/office/drawing/2014/main" id="{548DBDCB-BC70-4687-BF49-1FFA949BDE8C}"/>
+                </a:ext>
+              </a:extLst>
+            </p:cNvPr>
+            <p:cNvSpPr/>
+            <p:nvPr/>
+          </p:nvSpPr>
+          <p:spPr>
+            <a:xfrm>
+              <a:off x="3758287" y="2452555"/>
+              <a:ext cx="1634283" cy="1634283"/>
+            </a:xfrm>
+            <a:prstGeom prst="ellipse">
+              <a:avLst/>
+            </a:prstGeom>
+            <a:noFill/>
+            <a:ln>
+              <a:solidFill>
+                <a:schemeClr val="tx1"/>
+              </a:solidFill>
+            </a:ln>
+          </p:spPr>
+          <p:style>
+            <a:lnRef idx="2">
+              <a:schemeClr val="accent1">
+                <a:shade val="50000"/>
+              </a:schemeClr>
+            </a:lnRef>
+            <a:fillRef idx="1">
+              <a:schemeClr val="accent1"/>
+            </a:fillRef>
+            <a:effectRef idx="0">
+              <a:schemeClr val="accent1"/>
+            </a:effectRef>
+            <a:fontRef idx="minor">
+              <a:schemeClr val="lt1"/>
+            </a:fontRef>
+          </p:style>
+          <p:txBody>
+            <a:bodyPr rtlCol="0" anchor="ctr"/>
+            <a:lstStyle/>
+            <a:p>
+              <a:pPr algn="ctr"/>
+              <a:endParaRPr lang="ko-KR" altLang="en-US"/>
+            </a:p>
+          </p:txBody>
+        </p:sp>
+        <p:pic>
+          <p:nvPicPr>
+            <p:cNvPr id="1026" name="Picture 2" descr="철 양동이 무료 일러스트 다운로드, 버킷, 철통, 만화 삽화 PNG 일러스트 및 PSD 이미지 무료 다운로드 - Pngtree">
+              <a:extLst>
+                <a:ext uri="{FF2B5EF4-FFF2-40B4-BE49-F238E27FC236}">
+                  <a16:creationId xmlns:a16="http://schemas.microsoft.com/office/drawing/2014/main" id="{AC195A7D-D9A0-4CF4-A8CF-207717C6EA02}"/>
+                </a:ext>
+              </a:extLst>
+            </p:cNvPr>
+            <p:cNvPicPr>
+              <a:picLocks noChangeAspect="1" noChangeArrowheads="1"/>
+            </p:cNvPicPr>
+            <p:nvPr/>
+          </p:nvPicPr>
+          <p:blipFill>
+            <a:blip r:embed="rId5">
+              <a:extLst>
+                <a:ext uri="{BEBA8EAE-BF5A-486C-A8C5-ECC9F3942E4B}">
+                  <a14:imgProps xmlns:a14="http://schemas.microsoft.com/office/drawing/2010/main">
+                    <a14:imgLayer r:embed="rId6">
+                      <a14:imgEffect>
+                        <a14:backgroundRemoval t="10000" b="90000" l="10000" r="90000"/>
+                      </a14:imgEffect>
+                    </a14:imgLayer>
+                  </a14:imgProps>
+                </a:ext>
+                <a:ext uri="{28A0092B-C50C-407E-A947-70E740481C1C}">
+                  <a14:useLocalDpi xmlns:a14="http://schemas.microsoft.com/office/drawing/2010/main" val="0"/>
+                </a:ext>
+              </a:extLst>
+            </a:blip>
+            <a:srcRect/>
+            <a:stretch>
+              <a:fillRect/>
+            </a:stretch>
+          </p:blipFill>
+          <p:spPr bwMode="auto">
+            <a:xfrm>
+              <a:off x="3625744" y="4162801"/>
+              <a:ext cx="2981779" cy="2051693"/>
+            </a:xfrm>
+            <a:prstGeom prst="rect">
+              <a:avLst/>
+            </a:prstGeom>
+            <a:noFill/>
+            <a:extLst>
+              <a:ext uri="{909E8E84-426E-40DD-AFC4-6F175D3DCCD1}">
+                <a14:hiddenFill xmlns:a14="http://schemas.microsoft.com/office/drawing/2010/main">
+                  <a:solidFill>
+                    <a:srgbClr val="FFFFFF"/>
+                  </a:solidFill>
+                </a14:hiddenFill>
+              </a:ext>
+            </a:extLst>
+          </p:spPr>
+        </p:pic>
+        <p:sp>
+          <p:nvSpPr>
+            <p:cNvPr id="8" name="순서도: 지연 7">
+              <a:extLst>
+                <a:ext uri="{FF2B5EF4-FFF2-40B4-BE49-F238E27FC236}">
+                  <a16:creationId xmlns:a16="http://schemas.microsoft.com/office/drawing/2014/main" id="{BCE8E87B-37B5-4FA2-9681-A779CD5C9978}"/>
+                </a:ext>
+              </a:extLst>
+            </p:cNvPr>
+            <p:cNvSpPr/>
+            <p:nvPr/>
+          </p:nvSpPr>
+          <p:spPr>
+            <a:xfrm rot="16200000">
+              <a:off x="4978115" y="5047398"/>
+              <a:ext cx="226419" cy="1425388"/>
+            </a:xfrm>
+            <a:prstGeom prst="flowChartDelay">
+              <a:avLst/>
+            </a:prstGeom>
+            <a:solidFill>
+              <a:schemeClr val="accent4">
+                <a:lumMod val="60000"/>
+                <a:lumOff val="40000"/>
+              </a:schemeClr>
+            </a:solidFill>
+          </p:spPr>
+          <p:style>
+            <a:lnRef idx="2">
+              <a:schemeClr val="accent1">
+                <a:shade val="50000"/>
+              </a:schemeClr>
+            </a:lnRef>
+            <a:fillRef idx="1">
+              <a:schemeClr val="accent1"/>
+            </a:fillRef>
+            <a:effectRef idx="0">
+              <a:schemeClr val="accent1"/>
+            </a:effectRef>
+            <a:fontRef idx="minor">
+              <a:schemeClr val="lt1"/>
+            </a:fontRef>
+          </p:style>
+          <p:txBody>
+            <a:bodyPr rtlCol="0" anchor="ctr"/>
+            <a:lstStyle/>
+            <a:p>
+              <a:pPr algn="ctr"/>
+              <a:endParaRPr lang="ko-KR" altLang="en-US"/>
+            </a:p>
+          </p:txBody>
+        </p:sp>
+      </p:grpSp>
+      <p:pic>
+        <p:nvPicPr>
+          <p:cNvPr id="1028" name="Picture 4">
+            <a:extLst>
+              <a:ext uri="{FF2B5EF4-FFF2-40B4-BE49-F238E27FC236}">
+                <a16:creationId xmlns:a16="http://schemas.microsoft.com/office/drawing/2014/main" id="{0239879B-5777-4AC6-BA0D-79D7665FA518}"/>
+              </a:ext>
+            </a:extLst>
+          </p:cNvPr>
+          <p:cNvPicPr>
+            <a:picLocks noChangeAspect="1" noChangeArrowheads="1"/>
+          </p:cNvPicPr>
+          <p:nvPr/>
+        </p:nvPicPr>
+        <p:blipFill>
+          <a:blip r:embed="rId7">
+            <a:extLst>
+              <a:ext uri="{28A0092B-C50C-407E-A947-70E740481C1C}">
+                <a14:useLocalDpi xmlns:a14="http://schemas.microsoft.com/office/drawing/2010/main" val="0"/>
+              </a:ext>
+            </a:extLst>
+          </a:blip>
+          <a:srcRect/>
+          <a:stretch>
+            <a:fillRect/>
+          </a:stretch>
+        </p:blipFill>
+        <p:spPr bwMode="auto">
+          <a:xfrm>
+            <a:off x="4488123" y="4145609"/>
+            <a:ext cx="4710805" cy="2653754"/>
+          </a:xfrm>
+          <a:prstGeom prst="rect">
+            <a:avLst/>
+          </a:prstGeom>
+          <a:noFill/>
+          <a:extLst>
+            <a:ext uri="{909E8E84-426E-40DD-AFC4-6F175D3DCCD1}">
+              <a14:hiddenFill xmlns:a14="http://schemas.microsoft.com/office/drawing/2010/main">
+                <a:solidFill>
+                  <a:srgbClr val="FFFFFF"/>
+                </a:solidFill>
+              </a14:hiddenFill>
+            </a:ext>
+          </a:extLst>
+        </p:spPr>
+      </p:pic>
+      <p:cxnSp>
+        <p:nvCxnSpPr>
+          <p:cNvPr id="5" name="직선 연결선 4">
+            <a:extLst>
+              <a:ext uri="{FF2B5EF4-FFF2-40B4-BE49-F238E27FC236}">
+                <a16:creationId xmlns:a16="http://schemas.microsoft.com/office/drawing/2014/main" id="{6D661BB7-3D2D-4241-BA68-BF100B22A5C2}"/>
+              </a:ext>
+            </a:extLst>
+          </p:cNvPr>
+          <p:cNvCxnSpPr/>
+          <p:nvPr/>
+        </p:nvCxnSpPr>
+        <p:spPr>
+          <a:xfrm flipH="1">
+            <a:off x="2841507" y="3977275"/>
+            <a:ext cx="378991" cy="853051"/>
+          </a:xfrm>
+          <a:prstGeom prst="line">
+            <a:avLst/>
+          </a:prstGeom>
+          <a:ln w="28575"/>
+        </p:spPr>
+        <p:style>
+          <a:lnRef idx="1">
+            <a:schemeClr val="accent1"/>
+          </a:lnRef>
+          <a:fillRef idx="0">
+            <a:schemeClr val="accent1"/>
+          </a:fillRef>
+          <a:effectRef idx="0">
+            <a:schemeClr val="accent1"/>
+          </a:effectRef>
+          <a:fontRef idx="minor">
+            <a:schemeClr val="tx1"/>
+          </a:fontRef>
+        </p:style>
+      </p:cxnSp>
+      <p:sp>
+        <p:nvSpPr>
+          <p:cNvPr id="9" name="직사각형 8">
+            <a:extLst>
+              <a:ext uri="{FF2B5EF4-FFF2-40B4-BE49-F238E27FC236}">
+                <a16:creationId xmlns:a16="http://schemas.microsoft.com/office/drawing/2014/main" id="{408D60E1-2952-49C3-A303-3755F391011D}"/>
+              </a:ext>
+            </a:extLst>
+          </p:cNvPr>
+          <p:cNvSpPr/>
+          <p:nvPr/>
+        </p:nvSpPr>
+        <p:spPr>
+          <a:xfrm>
+            <a:off x="1453455" y="4830326"/>
+            <a:ext cx="2665072" cy="452433"/>
+          </a:xfrm>
+          <a:prstGeom prst="rect">
+            <a:avLst/>
+          </a:prstGeom>
+          <a:noFill/>
+          <a:ln w="28575"/>
+        </p:spPr>
+        <p:style>
+          <a:lnRef idx="2">
+            <a:schemeClr val="accent1">
+              <a:shade val="50000"/>
+            </a:schemeClr>
+          </a:lnRef>
+          <a:fillRef idx="1">
+            <a:schemeClr val="accent1"/>
+          </a:fillRef>
+          <a:effectRef idx="0">
+            <a:schemeClr val="accent1"/>
+          </a:effectRef>
+          <a:fontRef idx="minor">
+            <a:schemeClr val="lt1"/>
+          </a:fontRef>
+        </p:style>
+        <p:txBody>
+          <a:bodyPr rtlCol="0" anchor="ctr"/>
+          <a:lstStyle/>
+          <a:p>
+            <a:pPr algn="ctr"/>
+            <a:endParaRPr lang="ko-KR" altLang="en-US"/>
+          </a:p>
+        </p:txBody>
+      </p:sp>
+      <p:sp>
+        <p:nvSpPr>
+          <p:cNvPr id="11" name="TextBox 10">
+            <a:extLst>
+              <a:ext uri="{FF2B5EF4-FFF2-40B4-BE49-F238E27FC236}">
+                <a16:creationId xmlns:a16="http://schemas.microsoft.com/office/drawing/2014/main" id="{57F796E9-B747-48A6-BB2C-410614F13AD3}"/>
+              </a:ext>
+            </a:extLst>
+          </p:cNvPr>
+          <p:cNvSpPr txBox="1"/>
+          <p:nvPr/>
+        </p:nvSpPr>
+        <p:spPr>
+          <a:xfrm>
+            <a:off x="1716840" y="4921992"/>
+            <a:ext cx="2249334" cy="276999"/>
+          </a:xfrm>
+          <a:prstGeom prst="rect">
+            <a:avLst/>
+          </a:prstGeom>
+          <a:noFill/>
+        </p:spPr>
+        <p:txBody>
+          <a:bodyPr wrap="none" rtlCol="0">
+            <a:spAutoFit/>
+          </a:bodyPr>
+          <a:lstStyle/>
+          <a:p>
+            <a:r>
+              <a:rPr lang="ko-KR" altLang="en-US" sz="1200" dirty="0"/>
+              <a:t>통 안쪽을 반투명으로</a:t>
+            </a:r>
+            <a:r>
+              <a:rPr lang="en-US" altLang="ko-KR" sz="1200" dirty="0"/>
+              <a:t> </a:t>
+            </a:r>
+            <a:r>
+              <a:rPr lang="ko-KR" altLang="en-US" sz="1200" dirty="0"/>
+              <a:t>디자인</a:t>
+            </a:r>
+          </a:p>
+        </p:txBody>
+      </p:sp>
+    </p:spTree>
+    <p:extLst>
+      <p:ext uri="{BB962C8B-B14F-4D97-AF65-F5344CB8AC3E}">
+        <p14:creationId xmlns:p14="http://schemas.microsoft.com/office/powerpoint/2010/main" val="1823955528"/>
       </p:ext>
     </p:extLst>
   </p:cSld>

--- a/Document/시스템/채집 시스템.pptx
+++ b/Document/시스템/채집 시스템.pptx
@@ -216,7 +216,7 @@
           <a:p>
             <a:fld id="{1BE7B796-A74A-480E-B7C3-F20E279F0A7C}" type="datetimeFigureOut">
               <a:rPr lang="ko-KR" altLang="en-US" smtClean="0"/>
-              <a:t>2022-04-26(Tue)</a:t>
+              <a:t>2022-05-09(Mon)</a:t>
             </a:fld>
             <a:endParaRPr lang="ko-KR" altLang="en-US"/>
           </a:p>
@@ -1302,7 +1302,7 @@
           <a:p>
             <a:fld id="{4E8DDE92-A542-49E3-8BCA-C8166235BA4E}" type="datetimeFigureOut">
               <a:rPr lang="ko-KR" altLang="en-US" smtClean="0"/>
-              <a:t>2022-04-26(Tue)</a:t>
+              <a:t>2022-05-09(Mon)</a:t>
             </a:fld>
             <a:endParaRPr lang="ko-KR" altLang="en-US"/>
           </a:p>
@@ -1500,7 +1500,7 @@
           <a:p>
             <a:fld id="{4E8DDE92-A542-49E3-8BCA-C8166235BA4E}" type="datetimeFigureOut">
               <a:rPr lang="ko-KR" altLang="en-US" smtClean="0"/>
-              <a:t>2022-04-26(Tue)</a:t>
+              <a:t>2022-05-09(Mon)</a:t>
             </a:fld>
             <a:endParaRPr lang="ko-KR" altLang="en-US"/>
           </a:p>
@@ -1708,7 +1708,7 @@
           <a:p>
             <a:fld id="{4E8DDE92-A542-49E3-8BCA-C8166235BA4E}" type="datetimeFigureOut">
               <a:rPr lang="ko-KR" altLang="en-US" smtClean="0"/>
-              <a:t>2022-04-26(Tue)</a:t>
+              <a:t>2022-05-09(Mon)</a:t>
             </a:fld>
             <a:endParaRPr lang="ko-KR" altLang="en-US"/>
           </a:p>
@@ -2158,7 +2158,7 @@
           <a:p>
             <a:fld id="{4E8DDE92-A542-49E3-8BCA-C8166235BA4E}" type="datetimeFigureOut">
               <a:rPr lang="ko-KR" altLang="en-US" smtClean="0"/>
-              <a:t>2022-04-26(Tue)</a:t>
+              <a:t>2022-05-09(Mon)</a:t>
             </a:fld>
             <a:endParaRPr lang="ko-KR" altLang="en-US"/>
           </a:p>
@@ -2433,7 +2433,7 @@
           <a:p>
             <a:fld id="{4E8DDE92-A542-49E3-8BCA-C8166235BA4E}" type="datetimeFigureOut">
               <a:rPr lang="ko-KR" altLang="en-US" smtClean="0"/>
-              <a:t>2022-04-26(Tue)</a:t>
+              <a:t>2022-05-09(Mon)</a:t>
             </a:fld>
             <a:endParaRPr lang="ko-KR" altLang="en-US"/>
           </a:p>
@@ -2698,7 +2698,7 @@
           <a:p>
             <a:fld id="{4E8DDE92-A542-49E3-8BCA-C8166235BA4E}" type="datetimeFigureOut">
               <a:rPr lang="ko-KR" altLang="en-US" smtClean="0"/>
-              <a:t>2022-04-26(Tue)</a:t>
+              <a:t>2022-05-09(Mon)</a:t>
             </a:fld>
             <a:endParaRPr lang="ko-KR" altLang="en-US"/>
           </a:p>
@@ -3110,7 +3110,7 @@
           <a:p>
             <a:fld id="{4E8DDE92-A542-49E3-8BCA-C8166235BA4E}" type="datetimeFigureOut">
               <a:rPr lang="ko-KR" altLang="en-US" smtClean="0"/>
-              <a:t>2022-04-26(Tue)</a:t>
+              <a:t>2022-05-09(Mon)</a:t>
             </a:fld>
             <a:endParaRPr lang="ko-KR" altLang="en-US"/>
           </a:p>
@@ -3251,7 +3251,7 @@
           <a:p>
             <a:fld id="{4E8DDE92-A542-49E3-8BCA-C8166235BA4E}" type="datetimeFigureOut">
               <a:rPr lang="ko-KR" altLang="en-US" smtClean="0"/>
-              <a:t>2022-04-26(Tue)</a:t>
+              <a:t>2022-05-09(Mon)</a:t>
             </a:fld>
             <a:endParaRPr lang="ko-KR" altLang="en-US"/>
           </a:p>
@@ -3364,7 +3364,7 @@
           <a:p>
             <a:fld id="{4E8DDE92-A542-49E3-8BCA-C8166235BA4E}" type="datetimeFigureOut">
               <a:rPr lang="ko-KR" altLang="en-US" smtClean="0"/>
-              <a:t>2022-04-26(Tue)</a:t>
+              <a:t>2022-05-09(Mon)</a:t>
             </a:fld>
             <a:endParaRPr lang="ko-KR" altLang="en-US"/>
           </a:p>
@@ -3675,7 +3675,7 @@
           <a:p>
             <a:fld id="{4E8DDE92-A542-49E3-8BCA-C8166235BA4E}" type="datetimeFigureOut">
               <a:rPr lang="ko-KR" altLang="en-US" smtClean="0"/>
-              <a:t>2022-04-26(Tue)</a:t>
+              <a:t>2022-05-09(Mon)</a:t>
             </a:fld>
             <a:endParaRPr lang="ko-KR" altLang="en-US"/>
           </a:p>
@@ -3963,7 +3963,7 @@
           <a:p>
             <a:fld id="{4E8DDE92-A542-49E3-8BCA-C8166235BA4E}" type="datetimeFigureOut">
               <a:rPr lang="ko-KR" altLang="en-US" smtClean="0"/>
-              <a:t>2022-04-26(Tue)</a:t>
+              <a:t>2022-05-09(Mon)</a:t>
             </a:fld>
             <a:endParaRPr lang="ko-KR" altLang="en-US"/>
           </a:p>
@@ -4204,7 +4204,7 @@
           <a:p>
             <a:fld id="{4E8DDE92-A542-49E3-8BCA-C8166235BA4E}" type="datetimeFigureOut">
               <a:rPr lang="ko-KR" altLang="en-US" smtClean="0"/>
-              <a:t>2022-04-26(Tue)</a:t>
+              <a:t>2022-05-09(Mon)</a:t>
             </a:fld>
             <a:endParaRPr lang="ko-KR" altLang="en-US"/>
           </a:p>
@@ -6885,7 +6885,7 @@
           <a:p>
             <a:r>
               <a:rPr lang="ko-KR" altLang="en-US" sz="2800" b="1" dirty="0"/>
-              <a:t>맵 설명</a:t>
+              <a:t>미션 설명</a:t>
             </a:r>
             <a:endParaRPr lang="en-US" altLang="ko-KR" sz="2800" b="1" dirty="0"/>
           </a:p>
@@ -7594,8 +7594,8 @@
         </p:nvGrpSpPr>
         <p:grpSpPr>
           <a:xfrm>
-            <a:off x="929855" y="1837059"/>
-            <a:ext cx="5044225" cy="2764916"/>
+            <a:off x="599669" y="2447721"/>
+            <a:ext cx="5987743" cy="3282091"/>
             <a:chOff x="929855" y="1837058"/>
             <a:chExt cx="7952529" cy="4359059"/>
           </a:xfrm>

--- a/Document/시스템/채집 시스템.pptx
+++ b/Document/시스템/채집 시스템.pptx
@@ -216,7 +216,7 @@
           <a:p>
             <a:fld id="{1BE7B796-A74A-480E-B7C3-F20E279F0A7C}" type="datetimeFigureOut">
               <a:rPr lang="ko-KR" altLang="en-US" smtClean="0"/>
-              <a:t>2022-05-09(Mon)</a:t>
+              <a:t>2022-05-18(Wed)</a:t>
             </a:fld>
             <a:endParaRPr lang="ko-KR" altLang="en-US"/>
           </a:p>
@@ -1302,7 +1302,7 @@
           <a:p>
             <a:fld id="{4E8DDE92-A542-49E3-8BCA-C8166235BA4E}" type="datetimeFigureOut">
               <a:rPr lang="ko-KR" altLang="en-US" smtClean="0"/>
-              <a:t>2022-05-09(Mon)</a:t>
+              <a:t>2022-05-18(Wed)</a:t>
             </a:fld>
             <a:endParaRPr lang="ko-KR" altLang="en-US"/>
           </a:p>
@@ -1500,7 +1500,7 @@
           <a:p>
             <a:fld id="{4E8DDE92-A542-49E3-8BCA-C8166235BA4E}" type="datetimeFigureOut">
               <a:rPr lang="ko-KR" altLang="en-US" smtClean="0"/>
-              <a:t>2022-05-09(Mon)</a:t>
+              <a:t>2022-05-18(Wed)</a:t>
             </a:fld>
             <a:endParaRPr lang="ko-KR" altLang="en-US"/>
           </a:p>
@@ -1708,7 +1708,7 @@
           <a:p>
             <a:fld id="{4E8DDE92-A542-49E3-8BCA-C8166235BA4E}" type="datetimeFigureOut">
               <a:rPr lang="ko-KR" altLang="en-US" smtClean="0"/>
-              <a:t>2022-05-09(Mon)</a:t>
+              <a:t>2022-05-18(Wed)</a:t>
             </a:fld>
             <a:endParaRPr lang="ko-KR" altLang="en-US"/>
           </a:p>
@@ -2158,7 +2158,7 @@
           <a:p>
             <a:fld id="{4E8DDE92-A542-49E3-8BCA-C8166235BA4E}" type="datetimeFigureOut">
               <a:rPr lang="ko-KR" altLang="en-US" smtClean="0"/>
-              <a:t>2022-05-09(Mon)</a:t>
+              <a:t>2022-05-18(Wed)</a:t>
             </a:fld>
             <a:endParaRPr lang="ko-KR" altLang="en-US"/>
           </a:p>
@@ -2433,7 +2433,7 @@
           <a:p>
             <a:fld id="{4E8DDE92-A542-49E3-8BCA-C8166235BA4E}" type="datetimeFigureOut">
               <a:rPr lang="ko-KR" altLang="en-US" smtClean="0"/>
-              <a:t>2022-05-09(Mon)</a:t>
+              <a:t>2022-05-18(Wed)</a:t>
             </a:fld>
             <a:endParaRPr lang="ko-KR" altLang="en-US"/>
           </a:p>
@@ -2698,7 +2698,7 @@
           <a:p>
             <a:fld id="{4E8DDE92-A542-49E3-8BCA-C8166235BA4E}" type="datetimeFigureOut">
               <a:rPr lang="ko-KR" altLang="en-US" smtClean="0"/>
-              <a:t>2022-05-09(Mon)</a:t>
+              <a:t>2022-05-18(Wed)</a:t>
             </a:fld>
             <a:endParaRPr lang="ko-KR" altLang="en-US"/>
           </a:p>
@@ -3110,7 +3110,7 @@
           <a:p>
             <a:fld id="{4E8DDE92-A542-49E3-8BCA-C8166235BA4E}" type="datetimeFigureOut">
               <a:rPr lang="ko-KR" altLang="en-US" smtClean="0"/>
-              <a:t>2022-05-09(Mon)</a:t>
+              <a:t>2022-05-18(Wed)</a:t>
             </a:fld>
             <a:endParaRPr lang="ko-KR" altLang="en-US"/>
           </a:p>
@@ -3251,7 +3251,7 @@
           <a:p>
             <a:fld id="{4E8DDE92-A542-49E3-8BCA-C8166235BA4E}" type="datetimeFigureOut">
               <a:rPr lang="ko-KR" altLang="en-US" smtClean="0"/>
-              <a:t>2022-05-09(Mon)</a:t>
+              <a:t>2022-05-18(Wed)</a:t>
             </a:fld>
             <a:endParaRPr lang="ko-KR" altLang="en-US"/>
           </a:p>
@@ -3364,7 +3364,7 @@
           <a:p>
             <a:fld id="{4E8DDE92-A542-49E3-8BCA-C8166235BA4E}" type="datetimeFigureOut">
               <a:rPr lang="ko-KR" altLang="en-US" smtClean="0"/>
-              <a:t>2022-05-09(Mon)</a:t>
+              <a:t>2022-05-18(Wed)</a:t>
             </a:fld>
             <a:endParaRPr lang="ko-KR" altLang="en-US"/>
           </a:p>
@@ -3675,7 +3675,7 @@
           <a:p>
             <a:fld id="{4E8DDE92-A542-49E3-8BCA-C8166235BA4E}" type="datetimeFigureOut">
               <a:rPr lang="ko-KR" altLang="en-US" smtClean="0"/>
-              <a:t>2022-05-09(Mon)</a:t>
+              <a:t>2022-05-18(Wed)</a:t>
             </a:fld>
             <a:endParaRPr lang="ko-KR" altLang="en-US"/>
           </a:p>
@@ -3963,7 +3963,7 @@
           <a:p>
             <a:fld id="{4E8DDE92-A542-49E3-8BCA-C8166235BA4E}" type="datetimeFigureOut">
               <a:rPr lang="ko-KR" altLang="en-US" smtClean="0"/>
-              <a:t>2022-05-09(Mon)</a:t>
+              <a:t>2022-05-18(Wed)</a:t>
             </a:fld>
             <a:endParaRPr lang="ko-KR" altLang="en-US"/>
           </a:p>
@@ -4204,7 +4204,7 @@
           <a:p>
             <a:fld id="{4E8DDE92-A542-49E3-8BCA-C8166235BA4E}" type="datetimeFigureOut">
               <a:rPr lang="ko-KR" altLang="en-US" smtClean="0"/>
-              <a:t>2022-05-09(Mon)</a:t>
+              <a:t>2022-05-18(Wed)</a:t>
             </a:fld>
             <a:endParaRPr lang="ko-KR" altLang="en-US"/>
           </a:p>
@@ -5500,8 +5500,8 @@
         </p:nvGrpSpPr>
         <p:grpSpPr>
           <a:xfrm>
-            <a:off x="929856" y="2020021"/>
-            <a:ext cx="4293260" cy="2155740"/>
+            <a:off x="929855" y="2020021"/>
+            <a:ext cx="5378331" cy="2934534"/>
             <a:chOff x="929855" y="2020020"/>
             <a:chExt cx="7952529" cy="3993139"/>
           </a:xfrm>
@@ -5951,7 +5951,7 @@
           <p:spPr>
             <a:xfrm>
               <a:off x="1247568" y="2452731"/>
-              <a:ext cx="566246" cy="342062"/>
+              <a:ext cx="566246" cy="335043"/>
             </a:xfrm>
             <a:prstGeom prst="rect">
               <a:avLst/>
@@ -5965,10 +5965,10 @@
             <a:lstStyle/>
             <a:p>
               <a:r>
-                <a:rPr lang="en-US" altLang="ko-KR" sz="600" dirty="0"/>
+                <a:rPr lang="en-US" altLang="ko-KR" sz="1000" dirty="0"/>
                 <a:t>0%</a:t>
               </a:r>
-              <a:endParaRPr lang="ko-KR" altLang="en-US" sz="800" dirty="0"/>
+              <a:endParaRPr lang="ko-KR" altLang="en-US" sz="1100" dirty="0"/>
             </a:p>
           </p:txBody>
         </p:sp>
